--- a/presentation.pptx
+++ b/presentation.pptx
@@ -8,9 +8,10 @@
     <p:sldId id="256" r:id="rId3"/>
     <p:sldId id="257" r:id="rId4"/>
     <p:sldId id="258" r:id="rId5"/>
+    <p:sldId id="259" r:id="rId6"/>
   </p:sldIdLst>
   <p:sldSz cx="10080625" cy="7559675"/>
-  <p:notesSz cx="7559675" cy="10691812"/>
+  <p:notesSz cx="7559675" cy="10691813"/>
 </p:presentation>
 </file>
 
@@ -65,26 +66,26 @@
         </p:nvSpPr>
         <p:spPr>
           <a:xfrm>
-            <a:off x="504000" y="288000"/>
-            <a:ext cx="9071640" cy="1247760"/>
-          </a:xfrm>
-          <a:prstGeom prst="rect">
-            <a:avLst/>
-          </a:prstGeom>
-        </p:spPr>
-        <p:txBody>
-          <a:bodyPr lIns="0" rIns="0" tIns="0" bIns="0" anchor="ctr"/>
-          <a:p>
-            <a:pPr algn="ctr"/>
+            <a:off x="504000" y="301320"/>
+            <a:ext cx="9072000" cy="1261800"/>
+          </a:xfrm>
+          <a:prstGeom prst="rect">
+            <a:avLst/>
+          </a:prstGeom>
+          <a:noFill/>
+          <a:ln w="0">
+            <a:noFill/>
+          </a:ln>
+        </p:spPr>
+        <p:txBody>
+          <a:bodyPr lIns="0" rIns="0" tIns="0" bIns="0" anchor="ctr">
+            <a:noAutofit/>
+          </a:bodyPr>
+          <a:p>
+            <a:pPr algn="ctr">
+              <a:buNone/>
+            </a:pPr>
             <a:endParaRPr b="0" lang="en-IN" sz="4400" spc="-1" strike="noStrike">
-              <a:solidFill>
-                <a:srgbClr val="000000"/>
-              </a:solidFill>
-              <a:uFill>
-                <a:solidFill>
-                  <a:srgbClr val="ffffff"/>
-                </a:solidFill>
-              </a:uFill>
               <a:latin typeface="Arial"/>
             </a:endParaRPr>
           </a:p>
@@ -97,30 +98,28 @@
             <a:spLocks noGrp="1"/>
           </p:cNvSpPr>
           <p:nvPr>
-            <p:ph type="body"/>
-          </p:nvPr>
-        </p:nvSpPr>
-        <p:spPr>
-          <a:xfrm>
-            <a:off x="504000" y="1823760"/>
-            <a:ext cx="9071640" cy="2090880"/>
-          </a:xfrm>
-          <a:prstGeom prst="rect">
-            <a:avLst/>
-          </a:prstGeom>
-        </p:spPr>
-        <p:txBody>
-          <a:bodyPr lIns="0" rIns="0" tIns="0" bIns="0"/>
+            <p:ph/>
+          </p:nvPr>
+        </p:nvSpPr>
+        <p:spPr>
+          <a:xfrm>
+            <a:off x="504000" y="1768680"/>
+            <a:ext cx="9072000" cy="2090880"/>
+          </a:xfrm>
+          <a:prstGeom prst="rect">
+            <a:avLst/>
+          </a:prstGeom>
+          <a:noFill/>
+          <a:ln w="0">
+            <a:noFill/>
+          </a:ln>
+        </p:spPr>
+        <p:txBody>
+          <a:bodyPr lIns="0" rIns="0" tIns="0" bIns="0" anchor="t">
+            <a:normAutofit/>
+          </a:bodyPr>
           <a:p>
             <a:endParaRPr b="0" lang="en-IN" sz="3200" spc="-1" strike="noStrike">
-              <a:solidFill>
-                <a:srgbClr val="000000"/>
-              </a:solidFill>
-              <a:uFill>
-                <a:solidFill>
-                  <a:srgbClr val="ffffff"/>
-                </a:solidFill>
-              </a:uFill>
               <a:latin typeface="Arial"/>
             </a:endParaRPr>
           </a:p>
@@ -133,30 +132,28 @@
             <a:spLocks noGrp="1"/>
           </p:cNvSpPr>
           <p:nvPr>
-            <p:ph type="body"/>
-          </p:nvPr>
-        </p:nvSpPr>
-        <p:spPr>
-          <a:xfrm>
-            <a:off x="504000" y="4113720"/>
-            <a:ext cx="9071640" cy="2090880"/>
-          </a:xfrm>
-          <a:prstGeom prst="rect">
-            <a:avLst/>
-          </a:prstGeom>
-        </p:spPr>
-        <p:txBody>
-          <a:bodyPr lIns="0" rIns="0" tIns="0" bIns="0"/>
+            <p:ph/>
+          </p:nvPr>
+        </p:nvSpPr>
+        <p:spPr>
+          <a:xfrm>
+            <a:off x="504000" y="4058640"/>
+            <a:ext cx="9072000" cy="2090880"/>
+          </a:xfrm>
+          <a:prstGeom prst="rect">
+            <a:avLst/>
+          </a:prstGeom>
+          <a:noFill/>
+          <a:ln w="0">
+            <a:noFill/>
+          </a:ln>
+        </p:spPr>
+        <p:txBody>
+          <a:bodyPr lIns="0" rIns="0" tIns="0" bIns="0" anchor="t">
+            <a:normAutofit/>
+          </a:bodyPr>
           <a:p>
             <a:endParaRPr b="0" lang="en-IN" sz="3200" spc="-1" strike="noStrike">
-              <a:solidFill>
-                <a:srgbClr val="000000"/>
-              </a:solidFill>
-              <a:uFill>
-                <a:solidFill>
-                  <a:srgbClr val="ffffff"/>
-                </a:solidFill>
-              </a:uFill>
               <a:latin typeface="Arial"/>
             </a:endParaRPr>
           </a:p>
@@ -196,26 +193,26 @@
         </p:nvSpPr>
         <p:spPr>
           <a:xfrm>
-            <a:off x="504000" y="288000"/>
-            <a:ext cx="9071640" cy="1247760"/>
-          </a:xfrm>
-          <a:prstGeom prst="rect">
-            <a:avLst/>
-          </a:prstGeom>
-        </p:spPr>
-        <p:txBody>
-          <a:bodyPr lIns="0" rIns="0" tIns="0" bIns="0" anchor="ctr"/>
-          <a:p>
-            <a:pPr algn="ctr"/>
+            <a:off x="504000" y="301320"/>
+            <a:ext cx="9072000" cy="1261800"/>
+          </a:xfrm>
+          <a:prstGeom prst="rect">
+            <a:avLst/>
+          </a:prstGeom>
+          <a:noFill/>
+          <a:ln w="0">
+            <a:noFill/>
+          </a:ln>
+        </p:spPr>
+        <p:txBody>
+          <a:bodyPr lIns="0" rIns="0" tIns="0" bIns="0" anchor="ctr">
+            <a:noAutofit/>
+          </a:bodyPr>
+          <a:p>
+            <a:pPr algn="ctr">
+              <a:buNone/>
+            </a:pPr>
             <a:endParaRPr b="0" lang="en-IN" sz="4400" spc="-1" strike="noStrike">
-              <a:solidFill>
-                <a:srgbClr val="000000"/>
-              </a:solidFill>
-              <a:uFill>
-                <a:solidFill>
-                  <a:srgbClr val="ffffff"/>
-                </a:solidFill>
-              </a:uFill>
               <a:latin typeface="Arial"/>
             </a:endParaRPr>
           </a:p>
@@ -228,30 +225,28 @@
             <a:spLocks noGrp="1"/>
           </p:cNvSpPr>
           <p:nvPr>
-            <p:ph type="body"/>
-          </p:nvPr>
-        </p:nvSpPr>
-        <p:spPr>
-          <a:xfrm>
-            <a:off x="504000" y="1823760"/>
+            <p:ph/>
+          </p:nvPr>
+        </p:nvSpPr>
+        <p:spPr>
+          <a:xfrm>
+            <a:off x="504000" y="1768680"/>
             <a:ext cx="4426920" cy="2090880"/>
           </a:xfrm>
           <a:prstGeom prst="rect">
             <a:avLst/>
           </a:prstGeom>
-        </p:spPr>
-        <p:txBody>
-          <a:bodyPr lIns="0" rIns="0" tIns="0" bIns="0"/>
+          <a:noFill/>
+          <a:ln w="0">
+            <a:noFill/>
+          </a:ln>
+        </p:spPr>
+        <p:txBody>
+          <a:bodyPr lIns="0" rIns="0" tIns="0" bIns="0" anchor="t">
+            <a:normAutofit/>
+          </a:bodyPr>
           <a:p>
             <a:endParaRPr b="0" lang="en-IN" sz="3200" spc="-1" strike="noStrike">
-              <a:solidFill>
-                <a:srgbClr val="000000"/>
-              </a:solidFill>
-              <a:uFill>
-                <a:solidFill>
-                  <a:srgbClr val="ffffff"/>
-                </a:solidFill>
-              </a:uFill>
               <a:latin typeface="Arial"/>
             </a:endParaRPr>
           </a:p>
@@ -264,30 +259,28 @@
             <a:spLocks noGrp="1"/>
           </p:cNvSpPr>
           <p:nvPr>
-            <p:ph type="body"/>
-          </p:nvPr>
-        </p:nvSpPr>
-        <p:spPr>
-          <a:xfrm>
-            <a:off x="5152680" y="1823760"/>
+            <p:ph/>
+          </p:nvPr>
+        </p:nvSpPr>
+        <p:spPr>
+          <a:xfrm>
+            <a:off x="5152680" y="1768680"/>
             <a:ext cx="4426920" cy="2090880"/>
           </a:xfrm>
           <a:prstGeom prst="rect">
             <a:avLst/>
           </a:prstGeom>
-        </p:spPr>
-        <p:txBody>
-          <a:bodyPr lIns="0" rIns="0" tIns="0" bIns="0"/>
+          <a:noFill/>
+          <a:ln w="0">
+            <a:noFill/>
+          </a:ln>
+        </p:spPr>
+        <p:txBody>
+          <a:bodyPr lIns="0" rIns="0" tIns="0" bIns="0" anchor="t">
+            <a:normAutofit/>
+          </a:bodyPr>
           <a:p>
             <a:endParaRPr b="0" lang="en-IN" sz="3200" spc="-1" strike="noStrike">
-              <a:solidFill>
-                <a:srgbClr val="000000"/>
-              </a:solidFill>
-              <a:uFill>
-                <a:solidFill>
-                  <a:srgbClr val="ffffff"/>
-                </a:solidFill>
-              </a:uFill>
               <a:latin typeface="Arial"/>
             </a:endParaRPr>
           </a:p>
@@ -300,30 +293,28 @@
             <a:spLocks noGrp="1"/>
           </p:cNvSpPr>
           <p:nvPr>
-            <p:ph type="body"/>
-          </p:nvPr>
-        </p:nvSpPr>
-        <p:spPr>
-          <a:xfrm>
-            <a:off x="5152680" y="4113720"/>
+            <p:ph/>
+          </p:nvPr>
+        </p:nvSpPr>
+        <p:spPr>
+          <a:xfrm>
+            <a:off x="504000" y="4058640"/>
             <a:ext cx="4426920" cy="2090880"/>
           </a:xfrm>
           <a:prstGeom prst="rect">
             <a:avLst/>
           </a:prstGeom>
-        </p:spPr>
-        <p:txBody>
-          <a:bodyPr lIns="0" rIns="0" tIns="0" bIns="0"/>
+          <a:noFill/>
+          <a:ln w="0">
+            <a:noFill/>
+          </a:ln>
+        </p:spPr>
+        <p:txBody>
+          <a:bodyPr lIns="0" rIns="0" tIns="0" bIns="0" anchor="t">
+            <a:normAutofit/>
+          </a:bodyPr>
           <a:p>
             <a:endParaRPr b="0" lang="en-IN" sz="3200" spc="-1" strike="noStrike">
-              <a:solidFill>
-                <a:srgbClr val="000000"/>
-              </a:solidFill>
-              <a:uFill>
-                <a:solidFill>
-                  <a:srgbClr val="ffffff"/>
-                </a:solidFill>
-              </a:uFill>
               <a:latin typeface="Arial"/>
             </a:endParaRPr>
           </a:p>
@@ -336,30 +327,28 @@
             <a:spLocks noGrp="1"/>
           </p:cNvSpPr>
           <p:nvPr>
-            <p:ph type="body"/>
-          </p:nvPr>
-        </p:nvSpPr>
-        <p:spPr>
-          <a:xfrm>
-            <a:off x="504000" y="4113720"/>
+            <p:ph/>
+          </p:nvPr>
+        </p:nvSpPr>
+        <p:spPr>
+          <a:xfrm>
+            <a:off x="5152680" y="4058640"/>
             <a:ext cx="4426920" cy="2090880"/>
           </a:xfrm>
           <a:prstGeom prst="rect">
             <a:avLst/>
           </a:prstGeom>
-        </p:spPr>
-        <p:txBody>
-          <a:bodyPr lIns="0" rIns="0" tIns="0" bIns="0"/>
+          <a:noFill/>
+          <a:ln w="0">
+            <a:noFill/>
+          </a:ln>
+        </p:spPr>
+        <p:txBody>
+          <a:bodyPr lIns="0" rIns="0" tIns="0" bIns="0" anchor="t">
+            <a:normAutofit/>
+          </a:bodyPr>
           <a:p>
             <a:endParaRPr b="0" lang="en-IN" sz="3200" spc="-1" strike="noStrike">
-              <a:solidFill>
-                <a:srgbClr val="000000"/>
-              </a:solidFill>
-              <a:uFill>
-                <a:solidFill>
-                  <a:srgbClr val="ffffff"/>
-                </a:solidFill>
-              </a:uFill>
               <a:latin typeface="Arial"/>
             </a:endParaRPr>
           </a:p>
@@ -399,26 +388,26 @@
         </p:nvSpPr>
         <p:spPr>
           <a:xfrm>
-            <a:off x="504000" y="288000"/>
-            <a:ext cx="9071640" cy="1247760"/>
-          </a:xfrm>
-          <a:prstGeom prst="rect">
-            <a:avLst/>
-          </a:prstGeom>
-        </p:spPr>
-        <p:txBody>
-          <a:bodyPr lIns="0" rIns="0" tIns="0" bIns="0" anchor="ctr"/>
-          <a:p>
-            <a:pPr algn="ctr"/>
+            <a:off x="504000" y="301320"/>
+            <a:ext cx="9072000" cy="1261800"/>
+          </a:xfrm>
+          <a:prstGeom prst="rect">
+            <a:avLst/>
+          </a:prstGeom>
+          <a:noFill/>
+          <a:ln w="0">
+            <a:noFill/>
+          </a:ln>
+        </p:spPr>
+        <p:txBody>
+          <a:bodyPr lIns="0" rIns="0" tIns="0" bIns="0" anchor="ctr">
+            <a:noAutofit/>
+          </a:bodyPr>
+          <a:p>
+            <a:pPr algn="ctr">
+              <a:buNone/>
+            </a:pPr>
             <a:endParaRPr b="0" lang="en-IN" sz="4400" spc="-1" strike="noStrike">
-              <a:solidFill>
-                <a:srgbClr val="000000"/>
-              </a:solidFill>
-              <a:uFill>
-                <a:solidFill>
-                  <a:srgbClr val="ffffff"/>
-                </a:solidFill>
-              </a:uFill>
               <a:latin typeface="Arial"/>
             </a:endParaRPr>
           </a:p>
@@ -431,30 +420,28 @@
             <a:spLocks noGrp="1"/>
           </p:cNvSpPr>
           <p:nvPr>
-            <p:ph type="body"/>
-          </p:nvPr>
-        </p:nvSpPr>
-        <p:spPr>
-          <a:xfrm>
-            <a:off x="504000" y="1823760"/>
-            <a:ext cx="9071640" cy="4384080"/>
-          </a:xfrm>
-          <a:prstGeom prst="rect">
-            <a:avLst/>
-          </a:prstGeom>
-        </p:spPr>
-        <p:txBody>
-          <a:bodyPr lIns="0" rIns="0" tIns="0" bIns="0"/>
+            <p:ph/>
+          </p:nvPr>
+        </p:nvSpPr>
+        <p:spPr>
+          <a:xfrm>
+            <a:off x="504000" y="1768680"/>
+            <a:ext cx="2921040" cy="2090880"/>
+          </a:xfrm>
+          <a:prstGeom prst="rect">
+            <a:avLst/>
+          </a:prstGeom>
+          <a:noFill/>
+          <a:ln w="0">
+            <a:noFill/>
+          </a:ln>
+        </p:spPr>
+        <p:txBody>
+          <a:bodyPr lIns="0" rIns="0" tIns="0" bIns="0" anchor="t">
+            <a:normAutofit/>
+          </a:bodyPr>
           <a:p>
             <a:endParaRPr b="0" lang="en-IN" sz="3200" spc="-1" strike="noStrike">
-              <a:solidFill>
-                <a:srgbClr val="000000"/>
-              </a:solidFill>
-              <a:uFill>
-                <a:solidFill>
-                  <a:srgbClr val="ffffff"/>
-                </a:solidFill>
-              </a:uFill>
               <a:latin typeface="Arial"/>
             </a:endParaRPr>
           </a:p>
@@ -467,81 +454,169 @@
             <a:spLocks noGrp="1"/>
           </p:cNvSpPr>
           <p:nvPr>
-            <p:ph type="body"/>
-          </p:nvPr>
-        </p:nvSpPr>
-        <p:spPr>
-          <a:xfrm>
-            <a:off x="504000" y="1823760"/>
-            <a:ext cx="9071640" cy="4384080"/>
-          </a:xfrm>
-          <a:prstGeom prst="rect">
-            <a:avLst/>
-          </a:prstGeom>
-        </p:spPr>
-        <p:txBody>
-          <a:bodyPr lIns="0" rIns="0" tIns="0" bIns="0"/>
+            <p:ph/>
+          </p:nvPr>
+        </p:nvSpPr>
+        <p:spPr>
+          <a:xfrm>
+            <a:off x="3571560" y="1768680"/>
+            <a:ext cx="2921040" cy="2090880"/>
+          </a:xfrm>
+          <a:prstGeom prst="rect">
+            <a:avLst/>
+          </a:prstGeom>
+          <a:noFill/>
+          <a:ln w="0">
+            <a:noFill/>
+          </a:ln>
+        </p:spPr>
+        <p:txBody>
+          <a:bodyPr lIns="0" rIns="0" tIns="0" bIns="0" anchor="t">
+            <a:normAutofit/>
+          </a:bodyPr>
           <a:p>
             <a:endParaRPr b="0" lang="en-IN" sz="3200" spc="-1" strike="noStrike">
-              <a:solidFill>
-                <a:srgbClr val="000000"/>
-              </a:solidFill>
-              <a:uFill>
-                <a:solidFill>
-                  <a:srgbClr val="ffffff"/>
-                </a:solidFill>
-              </a:uFill>
-              <a:latin typeface="Arial"/>
-            </a:endParaRPr>
-          </a:p>
-        </p:txBody>
-      </p:sp>
-      <p:pic>
-        <p:nvPicPr>
-          <p:cNvPr id="35" name="" descr=""/>
-          <p:cNvPicPr/>
-          <p:nvPr/>
-        </p:nvPicPr>
-        <p:blipFill>
-          <a:blip r:embed="rId2"/>
-          <a:stretch/>
-        </p:blipFill>
-        <p:spPr>
-          <a:xfrm>
-            <a:off x="2292120" y="1823760"/>
-            <a:ext cx="5494680" cy="4384080"/>
-          </a:xfrm>
-          <a:prstGeom prst="rect">
-            <a:avLst/>
-          </a:prstGeom>
-          <a:ln>
-            <a:noFill/>
-          </a:ln>
-        </p:spPr>
-      </p:pic>
-      <p:pic>
-        <p:nvPicPr>
-          <p:cNvPr id="36" name="" descr=""/>
-          <p:cNvPicPr/>
-          <p:nvPr/>
-        </p:nvPicPr>
-        <p:blipFill>
-          <a:blip r:embed="rId3"/>
-          <a:stretch/>
-        </p:blipFill>
-        <p:spPr>
-          <a:xfrm>
-            <a:off x="2292120" y="1823760"/>
-            <a:ext cx="5494680" cy="4384080"/>
-          </a:xfrm>
-          <a:prstGeom prst="rect">
-            <a:avLst/>
-          </a:prstGeom>
-          <a:ln>
-            <a:noFill/>
-          </a:ln>
-        </p:spPr>
-      </p:pic>
+              <a:latin typeface="Arial"/>
+            </a:endParaRPr>
+          </a:p>
+        </p:txBody>
+      </p:sp>
+      <p:sp>
+        <p:nvSpPr>
+          <p:cNvPr id="35" name="PlaceHolder 4"/>
+          <p:cNvSpPr>
+            <a:spLocks noGrp="1"/>
+          </p:cNvSpPr>
+          <p:nvPr>
+            <p:ph/>
+          </p:nvPr>
+        </p:nvSpPr>
+        <p:spPr>
+          <a:xfrm>
+            <a:off x="6639120" y="1768680"/>
+            <a:ext cx="2921040" cy="2090880"/>
+          </a:xfrm>
+          <a:prstGeom prst="rect">
+            <a:avLst/>
+          </a:prstGeom>
+          <a:noFill/>
+          <a:ln w="0">
+            <a:noFill/>
+          </a:ln>
+        </p:spPr>
+        <p:txBody>
+          <a:bodyPr lIns="0" rIns="0" tIns="0" bIns="0" anchor="t">
+            <a:normAutofit/>
+          </a:bodyPr>
+          <a:p>
+            <a:endParaRPr b="0" lang="en-IN" sz="3200" spc="-1" strike="noStrike">
+              <a:latin typeface="Arial"/>
+            </a:endParaRPr>
+          </a:p>
+        </p:txBody>
+      </p:sp>
+      <p:sp>
+        <p:nvSpPr>
+          <p:cNvPr id="36" name="PlaceHolder 5"/>
+          <p:cNvSpPr>
+            <a:spLocks noGrp="1"/>
+          </p:cNvSpPr>
+          <p:nvPr>
+            <p:ph/>
+          </p:nvPr>
+        </p:nvSpPr>
+        <p:spPr>
+          <a:xfrm>
+            <a:off x="504000" y="4058640"/>
+            <a:ext cx="2921040" cy="2090880"/>
+          </a:xfrm>
+          <a:prstGeom prst="rect">
+            <a:avLst/>
+          </a:prstGeom>
+          <a:noFill/>
+          <a:ln w="0">
+            <a:noFill/>
+          </a:ln>
+        </p:spPr>
+        <p:txBody>
+          <a:bodyPr lIns="0" rIns="0" tIns="0" bIns="0" anchor="t">
+            <a:normAutofit/>
+          </a:bodyPr>
+          <a:p>
+            <a:endParaRPr b="0" lang="en-IN" sz="3200" spc="-1" strike="noStrike">
+              <a:latin typeface="Arial"/>
+            </a:endParaRPr>
+          </a:p>
+        </p:txBody>
+      </p:sp>
+      <p:sp>
+        <p:nvSpPr>
+          <p:cNvPr id="37" name="PlaceHolder 6"/>
+          <p:cNvSpPr>
+            <a:spLocks noGrp="1"/>
+          </p:cNvSpPr>
+          <p:nvPr>
+            <p:ph/>
+          </p:nvPr>
+        </p:nvSpPr>
+        <p:spPr>
+          <a:xfrm>
+            <a:off x="3571560" y="4058640"/>
+            <a:ext cx="2921040" cy="2090880"/>
+          </a:xfrm>
+          <a:prstGeom prst="rect">
+            <a:avLst/>
+          </a:prstGeom>
+          <a:noFill/>
+          <a:ln w="0">
+            <a:noFill/>
+          </a:ln>
+        </p:spPr>
+        <p:txBody>
+          <a:bodyPr lIns="0" rIns="0" tIns="0" bIns="0" anchor="t">
+            <a:normAutofit/>
+          </a:bodyPr>
+          <a:p>
+            <a:endParaRPr b="0" lang="en-IN" sz="3200" spc="-1" strike="noStrike">
+              <a:latin typeface="Arial"/>
+            </a:endParaRPr>
+          </a:p>
+        </p:txBody>
+      </p:sp>
+      <p:sp>
+        <p:nvSpPr>
+          <p:cNvPr id="38" name="PlaceHolder 7"/>
+          <p:cNvSpPr>
+            <a:spLocks noGrp="1"/>
+          </p:cNvSpPr>
+          <p:nvPr>
+            <p:ph/>
+          </p:nvPr>
+        </p:nvSpPr>
+        <p:spPr>
+          <a:xfrm>
+            <a:off x="6639120" y="4058640"/>
+            <a:ext cx="2921040" cy="2090880"/>
+          </a:xfrm>
+          <a:prstGeom prst="rect">
+            <a:avLst/>
+          </a:prstGeom>
+          <a:noFill/>
+          <a:ln w="0">
+            <a:noFill/>
+          </a:ln>
+        </p:spPr>
+        <p:txBody>
+          <a:bodyPr lIns="0" rIns="0" tIns="0" bIns="0" anchor="t">
+            <a:normAutofit/>
+          </a:bodyPr>
+          <a:p>
+            <a:endParaRPr b="0" lang="en-IN" sz="3200" spc="-1" strike="noStrike">
+              <a:latin typeface="Arial"/>
+            </a:endParaRPr>
+          </a:p>
+        </p:txBody>
+      </p:sp>
     </p:spTree>
   </p:cSld>
 </p:sldLayout>
@@ -576,26 +651,26 @@
         </p:nvSpPr>
         <p:spPr>
           <a:xfrm>
-            <a:off x="504000" y="288000"/>
-            <a:ext cx="9071640" cy="1247760"/>
-          </a:xfrm>
-          <a:prstGeom prst="rect">
-            <a:avLst/>
-          </a:prstGeom>
-        </p:spPr>
-        <p:txBody>
-          <a:bodyPr lIns="0" rIns="0" tIns="0" bIns="0" anchor="ctr"/>
-          <a:p>
-            <a:pPr algn="ctr"/>
+            <a:off x="504000" y="301320"/>
+            <a:ext cx="9072000" cy="1261800"/>
+          </a:xfrm>
+          <a:prstGeom prst="rect">
+            <a:avLst/>
+          </a:prstGeom>
+          <a:noFill/>
+          <a:ln w="0">
+            <a:noFill/>
+          </a:ln>
+        </p:spPr>
+        <p:txBody>
+          <a:bodyPr lIns="0" rIns="0" tIns="0" bIns="0" anchor="ctr">
+            <a:noAutofit/>
+          </a:bodyPr>
+          <a:p>
+            <a:pPr algn="ctr">
+              <a:buNone/>
+            </a:pPr>
             <a:endParaRPr b="0" lang="en-IN" sz="4400" spc="-1" strike="noStrike">
-              <a:solidFill>
-                <a:srgbClr val="000000"/>
-              </a:solidFill>
-              <a:uFill>
-                <a:solidFill>
-                  <a:srgbClr val="ffffff"/>
-                </a:solidFill>
-              </a:uFill>
               <a:latin typeface="Arial"/>
             </a:endParaRPr>
           </a:p>
@@ -613,26 +688,26 @@
         </p:nvSpPr>
         <p:spPr>
           <a:xfrm>
-            <a:off x="504000" y="1823760"/>
-            <a:ext cx="9071640" cy="4384080"/>
-          </a:xfrm>
-          <a:prstGeom prst="rect">
-            <a:avLst/>
-          </a:prstGeom>
-        </p:spPr>
-        <p:txBody>
-          <a:bodyPr lIns="0" rIns="0" tIns="0" bIns="0" anchor="ctr"/>
-          <a:p>
-            <a:pPr algn="ctr"/>
+            <a:off x="504000" y="1768680"/>
+            <a:ext cx="9072000" cy="4384080"/>
+          </a:xfrm>
+          <a:prstGeom prst="rect">
+            <a:avLst/>
+          </a:prstGeom>
+          <a:noFill/>
+          <a:ln w="0">
+            <a:noFill/>
+          </a:ln>
+        </p:spPr>
+        <p:txBody>
+          <a:bodyPr lIns="0" rIns="0" tIns="0" bIns="0" anchor="ctr">
+            <a:noAutofit/>
+          </a:bodyPr>
+          <a:p>
+            <a:pPr algn="ctr">
+              <a:buNone/>
+            </a:pPr>
             <a:endParaRPr b="0" lang="en-IN" sz="3200" spc="-1" strike="noStrike">
-              <a:solidFill>
-                <a:srgbClr val="000000"/>
-              </a:solidFill>
-              <a:uFill>
-                <a:solidFill>
-                  <a:srgbClr val="ffffff"/>
-                </a:solidFill>
-              </a:uFill>
               <a:latin typeface="Arial"/>
             </a:endParaRPr>
           </a:p>
@@ -672,26 +747,26 @@
         </p:nvSpPr>
         <p:spPr>
           <a:xfrm>
-            <a:off x="504000" y="288000"/>
-            <a:ext cx="9071640" cy="1247760"/>
-          </a:xfrm>
-          <a:prstGeom prst="rect">
-            <a:avLst/>
-          </a:prstGeom>
-        </p:spPr>
-        <p:txBody>
-          <a:bodyPr lIns="0" rIns="0" tIns="0" bIns="0" anchor="ctr"/>
-          <a:p>
-            <a:pPr algn="ctr"/>
+            <a:off x="504000" y="301320"/>
+            <a:ext cx="9072000" cy="1261800"/>
+          </a:xfrm>
+          <a:prstGeom prst="rect">
+            <a:avLst/>
+          </a:prstGeom>
+          <a:noFill/>
+          <a:ln w="0">
+            <a:noFill/>
+          </a:ln>
+        </p:spPr>
+        <p:txBody>
+          <a:bodyPr lIns="0" rIns="0" tIns="0" bIns="0" anchor="ctr">
+            <a:noAutofit/>
+          </a:bodyPr>
+          <a:p>
+            <a:pPr algn="ctr">
+              <a:buNone/>
+            </a:pPr>
             <a:endParaRPr b="0" lang="en-IN" sz="4400" spc="-1" strike="noStrike">
-              <a:solidFill>
-                <a:srgbClr val="000000"/>
-              </a:solidFill>
-              <a:uFill>
-                <a:solidFill>
-                  <a:srgbClr val="ffffff"/>
-                </a:solidFill>
-              </a:uFill>
               <a:latin typeface="Arial"/>
             </a:endParaRPr>
           </a:p>
@@ -704,30 +779,28 @@
             <a:spLocks noGrp="1"/>
           </p:cNvSpPr>
           <p:nvPr>
-            <p:ph type="body"/>
-          </p:nvPr>
-        </p:nvSpPr>
-        <p:spPr>
-          <a:xfrm>
-            <a:off x="504000" y="1823760"/>
-            <a:ext cx="9071640" cy="4384080"/>
-          </a:xfrm>
-          <a:prstGeom prst="rect">
-            <a:avLst/>
-          </a:prstGeom>
-        </p:spPr>
-        <p:txBody>
-          <a:bodyPr lIns="0" rIns="0" tIns="0" bIns="0"/>
+            <p:ph/>
+          </p:nvPr>
+        </p:nvSpPr>
+        <p:spPr>
+          <a:xfrm>
+            <a:off x="504000" y="1768680"/>
+            <a:ext cx="9072000" cy="4384080"/>
+          </a:xfrm>
+          <a:prstGeom prst="rect">
+            <a:avLst/>
+          </a:prstGeom>
+          <a:noFill/>
+          <a:ln w="0">
+            <a:noFill/>
+          </a:ln>
+        </p:spPr>
+        <p:txBody>
+          <a:bodyPr lIns="0" rIns="0" tIns="0" bIns="0" anchor="t">
+            <a:normAutofit/>
+          </a:bodyPr>
           <a:p>
             <a:endParaRPr b="0" lang="en-IN" sz="3200" spc="-1" strike="noStrike">
-              <a:solidFill>
-                <a:srgbClr val="000000"/>
-              </a:solidFill>
-              <a:uFill>
-                <a:solidFill>
-                  <a:srgbClr val="ffffff"/>
-                </a:solidFill>
-              </a:uFill>
               <a:latin typeface="Arial"/>
             </a:endParaRPr>
           </a:p>
@@ -767,26 +840,26 @@
         </p:nvSpPr>
         <p:spPr>
           <a:xfrm>
-            <a:off x="504000" y="288000"/>
-            <a:ext cx="9071640" cy="1247760"/>
-          </a:xfrm>
-          <a:prstGeom prst="rect">
-            <a:avLst/>
-          </a:prstGeom>
-        </p:spPr>
-        <p:txBody>
-          <a:bodyPr lIns="0" rIns="0" tIns="0" bIns="0" anchor="ctr"/>
-          <a:p>
-            <a:pPr algn="ctr"/>
+            <a:off x="504000" y="301320"/>
+            <a:ext cx="9072000" cy="1261800"/>
+          </a:xfrm>
+          <a:prstGeom prst="rect">
+            <a:avLst/>
+          </a:prstGeom>
+          <a:noFill/>
+          <a:ln w="0">
+            <a:noFill/>
+          </a:ln>
+        </p:spPr>
+        <p:txBody>
+          <a:bodyPr lIns="0" rIns="0" tIns="0" bIns="0" anchor="ctr">
+            <a:noAutofit/>
+          </a:bodyPr>
+          <a:p>
+            <a:pPr algn="ctr">
+              <a:buNone/>
+            </a:pPr>
             <a:endParaRPr b="0" lang="en-IN" sz="4400" spc="-1" strike="noStrike">
-              <a:solidFill>
-                <a:srgbClr val="000000"/>
-              </a:solidFill>
-              <a:uFill>
-                <a:solidFill>
-                  <a:srgbClr val="ffffff"/>
-                </a:solidFill>
-              </a:uFill>
               <a:latin typeface="Arial"/>
             </a:endParaRPr>
           </a:p>
@@ -799,30 +872,28 @@
             <a:spLocks noGrp="1"/>
           </p:cNvSpPr>
           <p:nvPr>
-            <p:ph type="body"/>
-          </p:nvPr>
-        </p:nvSpPr>
-        <p:spPr>
-          <a:xfrm>
-            <a:off x="504000" y="1823760"/>
+            <p:ph/>
+          </p:nvPr>
+        </p:nvSpPr>
+        <p:spPr>
+          <a:xfrm>
+            <a:off x="504000" y="1768680"/>
             <a:ext cx="4426920" cy="4384080"/>
           </a:xfrm>
           <a:prstGeom prst="rect">
             <a:avLst/>
           </a:prstGeom>
-        </p:spPr>
-        <p:txBody>
-          <a:bodyPr lIns="0" rIns="0" tIns="0" bIns="0"/>
+          <a:noFill/>
+          <a:ln w="0">
+            <a:noFill/>
+          </a:ln>
+        </p:spPr>
+        <p:txBody>
+          <a:bodyPr lIns="0" rIns="0" tIns="0" bIns="0" anchor="t">
+            <a:normAutofit/>
+          </a:bodyPr>
           <a:p>
             <a:endParaRPr b="0" lang="en-IN" sz="3200" spc="-1" strike="noStrike">
-              <a:solidFill>
-                <a:srgbClr val="000000"/>
-              </a:solidFill>
-              <a:uFill>
-                <a:solidFill>
-                  <a:srgbClr val="ffffff"/>
-                </a:solidFill>
-              </a:uFill>
               <a:latin typeface="Arial"/>
             </a:endParaRPr>
           </a:p>
@@ -835,30 +906,28 @@
             <a:spLocks noGrp="1"/>
           </p:cNvSpPr>
           <p:nvPr>
-            <p:ph type="body"/>
-          </p:nvPr>
-        </p:nvSpPr>
-        <p:spPr>
-          <a:xfrm>
-            <a:off x="5152680" y="1823760"/>
+            <p:ph/>
+          </p:nvPr>
+        </p:nvSpPr>
+        <p:spPr>
+          <a:xfrm>
+            <a:off x="5152680" y="1768680"/>
             <a:ext cx="4426920" cy="4384080"/>
           </a:xfrm>
           <a:prstGeom prst="rect">
             <a:avLst/>
           </a:prstGeom>
-        </p:spPr>
-        <p:txBody>
-          <a:bodyPr lIns="0" rIns="0" tIns="0" bIns="0"/>
+          <a:noFill/>
+          <a:ln w="0">
+            <a:noFill/>
+          </a:ln>
+        </p:spPr>
+        <p:txBody>
+          <a:bodyPr lIns="0" rIns="0" tIns="0" bIns="0" anchor="t">
+            <a:normAutofit/>
+          </a:bodyPr>
           <a:p>
             <a:endParaRPr b="0" lang="en-IN" sz="3200" spc="-1" strike="noStrike">
-              <a:solidFill>
-                <a:srgbClr val="000000"/>
-              </a:solidFill>
-              <a:uFill>
-                <a:solidFill>
-                  <a:srgbClr val="ffffff"/>
-                </a:solidFill>
-              </a:uFill>
               <a:latin typeface="Arial"/>
             </a:endParaRPr>
           </a:p>
@@ -898,26 +967,26 @@
         </p:nvSpPr>
         <p:spPr>
           <a:xfrm>
-            <a:off x="504000" y="288000"/>
-            <a:ext cx="9071640" cy="1247760"/>
-          </a:xfrm>
-          <a:prstGeom prst="rect">
-            <a:avLst/>
-          </a:prstGeom>
-        </p:spPr>
-        <p:txBody>
-          <a:bodyPr lIns="0" rIns="0" tIns="0" bIns="0" anchor="ctr"/>
-          <a:p>
-            <a:pPr algn="ctr"/>
+            <a:off x="504000" y="301320"/>
+            <a:ext cx="9072000" cy="1261800"/>
+          </a:xfrm>
+          <a:prstGeom prst="rect">
+            <a:avLst/>
+          </a:prstGeom>
+          <a:noFill/>
+          <a:ln w="0">
+            <a:noFill/>
+          </a:ln>
+        </p:spPr>
+        <p:txBody>
+          <a:bodyPr lIns="0" rIns="0" tIns="0" bIns="0" anchor="ctr">
+            <a:noAutofit/>
+          </a:bodyPr>
+          <a:p>
+            <a:pPr algn="ctr">
+              <a:buNone/>
+            </a:pPr>
             <a:endParaRPr b="0" lang="en-IN" sz="4400" spc="-1" strike="noStrike">
-              <a:solidFill>
-                <a:srgbClr val="000000"/>
-              </a:solidFill>
-              <a:uFill>
-                <a:solidFill>
-                  <a:srgbClr val="ffffff"/>
-                </a:solidFill>
-              </a:uFill>
               <a:latin typeface="Arial"/>
             </a:endParaRPr>
           </a:p>
@@ -957,26 +1026,26 @@
         </p:nvSpPr>
         <p:spPr>
           <a:xfrm>
-            <a:off x="504000" y="288000"/>
-            <a:ext cx="9071640" cy="5785200"/>
-          </a:xfrm>
-          <a:prstGeom prst="rect">
-            <a:avLst/>
-          </a:prstGeom>
-        </p:spPr>
-        <p:txBody>
-          <a:bodyPr lIns="0" rIns="0" tIns="0" bIns="0" anchor="ctr"/>
-          <a:p>
-            <a:pPr algn="ctr"/>
+            <a:off x="504000" y="301320"/>
+            <a:ext cx="9072000" cy="5850360"/>
+          </a:xfrm>
+          <a:prstGeom prst="rect">
+            <a:avLst/>
+          </a:prstGeom>
+          <a:noFill/>
+          <a:ln w="0">
+            <a:noFill/>
+          </a:ln>
+        </p:spPr>
+        <p:txBody>
+          <a:bodyPr lIns="0" rIns="0" tIns="0" bIns="0" anchor="ctr">
+            <a:noAutofit/>
+          </a:bodyPr>
+          <a:p>
+            <a:pPr algn="ctr">
+              <a:buNone/>
+            </a:pPr>
             <a:endParaRPr b="0" lang="en-IN" sz="3200" spc="-1" strike="noStrike">
-              <a:solidFill>
-                <a:srgbClr val="000000"/>
-              </a:solidFill>
-              <a:uFill>
-                <a:solidFill>
-                  <a:srgbClr val="ffffff"/>
-                </a:solidFill>
-              </a:uFill>
               <a:latin typeface="Arial"/>
             </a:endParaRPr>
           </a:p>
@@ -1016,26 +1085,26 @@
         </p:nvSpPr>
         <p:spPr>
           <a:xfrm>
-            <a:off x="504000" y="288000"/>
-            <a:ext cx="9071640" cy="1247760"/>
-          </a:xfrm>
-          <a:prstGeom prst="rect">
-            <a:avLst/>
-          </a:prstGeom>
-        </p:spPr>
-        <p:txBody>
-          <a:bodyPr lIns="0" rIns="0" tIns="0" bIns="0" anchor="ctr"/>
-          <a:p>
-            <a:pPr algn="ctr"/>
+            <a:off x="504000" y="301320"/>
+            <a:ext cx="9072000" cy="1261800"/>
+          </a:xfrm>
+          <a:prstGeom prst="rect">
+            <a:avLst/>
+          </a:prstGeom>
+          <a:noFill/>
+          <a:ln w="0">
+            <a:noFill/>
+          </a:ln>
+        </p:spPr>
+        <p:txBody>
+          <a:bodyPr lIns="0" rIns="0" tIns="0" bIns="0" anchor="ctr">
+            <a:noAutofit/>
+          </a:bodyPr>
+          <a:p>
+            <a:pPr algn="ctr">
+              <a:buNone/>
+            </a:pPr>
             <a:endParaRPr b="0" lang="en-IN" sz="4400" spc="-1" strike="noStrike">
-              <a:solidFill>
-                <a:srgbClr val="000000"/>
-              </a:solidFill>
-              <a:uFill>
-                <a:solidFill>
-                  <a:srgbClr val="ffffff"/>
-                </a:solidFill>
-              </a:uFill>
               <a:latin typeface="Arial"/>
             </a:endParaRPr>
           </a:p>
@@ -1048,30 +1117,28 @@
             <a:spLocks noGrp="1"/>
           </p:cNvSpPr>
           <p:nvPr>
-            <p:ph type="body"/>
-          </p:nvPr>
-        </p:nvSpPr>
-        <p:spPr>
-          <a:xfrm>
-            <a:off x="504000" y="1823760"/>
+            <p:ph/>
+          </p:nvPr>
+        </p:nvSpPr>
+        <p:spPr>
+          <a:xfrm>
+            <a:off x="504000" y="1768680"/>
             <a:ext cx="4426920" cy="2090880"/>
           </a:xfrm>
           <a:prstGeom prst="rect">
             <a:avLst/>
           </a:prstGeom>
-        </p:spPr>
-        <p:txBody>
-          <a:bodyPr lIns="0" rIns="0" tIns="0" bIns="0"/>
+          <a:noFill/>
+          <a:ln w="0">
+            <a:noFill/>
+          </a:ln>
+        </p:spPr>
+        <p:txBody>
+          <a:bodyPr lIns="0" rIns="0" tIns="0" bIns="0" anchor="t">
+            <a:normAutofit/>
+          </a:bodyPr>
           <a:p>
             <a:endParaRPr b="0" lang="en-IN" sz="3200" spc="-1" strike="noStrike">
-              <a:solidFill>
-                <a:srgbClr val="000000"/>
-              </a:solidFill>
-              <a:uFill>
-                <a:solidFill>
-                  <a:srgbClr val="ffffff"/>
-                </a:solidFill>
-              </a:uFill>
               <a:latin typeface="Arial"/>
             </a:endParaRPr>
           </a:p>
@@ -1084,66 +1151,62 @@
             <a:spLocks noGrp="1"/>
           </p:cNvSpPr>
           <p:nvPr>
-            <p:ph type="body"/>
-          </p:nvPr>
-        </p:nvSpPr>
-        <p:spPr>
-          <a:xfrm>
-            <a:off x="504000" y="4113720"/>
+            <p:ph/>
+          </p:nvPr>
+        </p:nvSpPr>
+        <p:spPr>
+          <a:xfrm>
+            <a:off x="5152680" y="1768680"/>
+            <a:ext cx="4426920" cy="4384080"/>
+          </a:xfrm>
+          <a:prstGeom prst="rect">
+            <a:avLst/>
+          </a:prstGeom>
+          <a:noFill/>
+          <a:ln w="0">
+            <a:noFill/>
+          </a:ln>
+        </p:spPr>
+        <p:txBody>
+          <a:bodyPr lIns="0" rIns="0" tIns="0" bIns="0" anchor="t">
+            <a:normAutofit/>
+          </a:bodyPr>
+          <a:p>
+            <a:endParaRPr b="0" lang="en-IN" sz="3200" spc="-1" strike="noStrike">
+              <a:latin typeface="Arial"/>
+            </a:endParaRPr>
+          </a:p>
+        </p:txBody>
+      </p:sp>
+      <p:sp>
+        <p:nvSpPr>
+          <p:cNvPr id="15" name="PlaceHolder 4"/>
+          <p:cNvSpPr>
+            <a:spLocks noGrp="1"/>
+          </p:cNvSpPr>
+          <p:nvPr>
+            <p:ph/>
+          </p:nvPr>
+        </p:nvSpPr>
+        <p:spPr>
+          <a:xfrm>
+            <a:off x="504000" y="4058640"/>
             <a:ext cx="4426920" cy="2090880"/>
           </a:xfrm>
           <a:prstGeom prst="rect">
             <a:avLst/>
           </a:prstGeom>
-        </p:spPr>
-        <p:txBody>
-          <a:bodyPr lIns="0" rIns="0" tIns="0" bIns="0"/>
+          <a:noFill/>
+          <a:ln w="0">
+            <a:noFill/>
+          </a:ln>
+        </p:spPr>
+        <p:txBody>
+          <a:bodyPr lIns="0" rIns="0" tIns="0" bIns="0" anchor="t">
+            <a:normAutofit/>
+          </a:bodyPr>
           <a:p>
             <a:endParaRPr b="0" lang="en-IN" sz="3200" spc="-1" strike="noStrike">
-              <a:solidFill>
-                <a:srgbClr val="000000"/>
-              </a:solidFill>
-              <a:uFill>
-                <a:solidFill>
-                  <a:srgbClr val="ffffff"/>
-                </a:solidFill>
-              </a:uFill>
-              <a:latin typeface="Arial"/>
-            </a:endParaRPr>
-          </a:p>
-        </p:txBody>
-      </p:sp>
-      <p:sp>
-        <p:nvSpPr>
-          <p:cNvPr id="15" name="PlaceHolder 4"/>
-          <p:cNvSpPr>
-            <a:spLocks noGrp="1"/>
-          </p:cNvSpPr>
-          <p:nvPr>
-            <p:ph type="body"/>
-          </p:nvPr>
-        </p:nvSpPr>
-        <p:spPr>
-          <a:xfrm>
-            <a:off x="5152680" y="1823760"/>
-            <a:ext cx="4426920" cy="4384080"/>
-          </a:xfrm>
-          <a:prstGeom prst="rect">
-            <a:avLst/>
-          </a:prstGeom>
-        </p:spPr>
-        <p:txBody>
-          <a:bodyPr lIns="0" rIns="0" tIns="0" bIns="0"/>
-          <a:p>
-            <a:endParaRPr b="0" lang="en-IN" sz="3200" spc="-1" strike="noStrike">
-              <a:solidFill>
-                <a:srgbClr val="000000"/>
-              </a:solidFill>
-              <a:uFill>
-                <a:solidFill>
-                  <a:srgbClr val="ffffff"/>
-                </a:solidFill>
-              </a:uFill>
               <a:latin typeface="Arial"/>
             </a:endParaRPr>
           </a:p>
@@ -1183,26 +1246,26 @@
         </p:nvSpPr>
         <p:spPr>
           <a:xfrm>
-            <a:off x="504000" y="288000"/>
-            <a:ext cx="9071640" cy="1247760"/>
-          </a:xfrm>
-          <a:prstGeom prst="rect">
-            <a:avLst/>
-          </a:prstGeom>
-        </p:spPr>
-        <p:txBody>
-          <a:bodyPr lIns="0" rIns="0" tIns="0" bIns="0" anchor="ctr"/>
-          <a:p>
-            <a:pPr algn="ctr"/>
+            <a:off x="504000" y="301320"/>
+            <a:ext cx="9072000" cy="1261800"/>
+          </a:xfrm>
+          <a:prstGeom prst="rect">
+            <a:avLst/>
+          </a:prstGeom>
+          <a:noFill/>
+          <a:ln w="0">
+            <a:noFill/>
+          </a:ln>
+        </p:spPr>
+        <p:txBody>
+          <a:bodyPr lIns="0" rIns="0" tIns="0" bIns="0" anchor="ctr">
+            <a:noAutofit/>
+          </a:bodyPr>
+          <a:p>
+            <a:pPr algn="ctr">
+              <a:buNone/>
+            </a:pPr>
             <a:endParaRPr b="0" lang="en-IN" sz="4400" spc="-1" strike="noStrike">
-              <a:solidFill>
-                <a:srgbClr val="000000"/>
-              </a:solidFill>
-              <a:uFill>
-                <a:solidFill>
-                  <a:srgbClr val="ffffff"/>
-                </a:solidFill>
-              </a:uFill>
               <a:latin typeface="Arial"/>
             </a:endParaRPr>
           </a:p>
@@ -1215,30 +1278,28 @@
             <a:spLocks noGrp="1"/>
           </p:cNvSpPr>
           <p:nvPr>
-            <p:ph type="body"/>
-          </p:nvPr>
-        </p:nvSpPr>
-        <p:spPr>
-          <a:xfrm>
-            <a:off x="504000" y="1823760"/>
+            <p:ph/>
+          </p:nvPr>
+        </p:nvSpPr>
+        <p:spPr>
+          <a:xfrm>
+            <a:off x="504000" y="1768680"/>
             <a:ext cx="4426920" cy="4384080"/>
           </a:xfrm>
           <a:prstGeom prst="rect">
             <a:avLst/>
           </a:prstGeom>
-        </p:spPr>
-        <p:txBody>
-          <a:bodyPr lIns="0" rIns="0" tIns="0" bIns="0"/>
+          <a:noFill/>
+          <a:ln w="0">
+            <a:noFill/>
+          </a:ln>
+        </p:spPr>
+        <p:txBody>
+          <a:bodyPr lIns="0" rIns="0" tIns="0" bIns="0" anchor="t">
+            <a:normAutofit/>
+          </a:bodyPr>
           <a:p>
             <a:endParaRPr b="0" lang="en-IN" sz="3200" spc="-1" strike="noStrike">
-              <a:solidFill>
-                <a:srgbClr val="000000"/>
-              </a:solidFill>
-              <a:uFill>
-                <a:solidFill>
-                  <a:srgbClr val="ffffff"/>
-                </a:solidFill>
-              </a:uFill>
               <a:latin typeface="Arial"/>
             </a:endParaRPr>
           </a:p>
@@ -1251,30 +1312,28 @@
             <a:spLocks noGrp="1"/>
           </p:cNvSpPr>
           <p:nvPr>
-            <p:ph type="body"/>
-          </p:nvPr>
-        </p:nvSpPr>
-        <p:spPr>
-          <a:xfrm>
-            <a:off x="5152680" y="1823760"/>
+            <p:ph/>
+          </p:nvPr>
+        </p:nvSpPr>
+        <p:spPr>
+          <a:xfrm>
+            <a:off x="5152680" y="1768680"/>
             <a:ext cx="4426920" cy="2090880"/>
           </a:xfrm>
           <a:prstGeom prst="rect">
             <a:avLst/>
           </a:prstGeom>
-        </p:spPr>
-        <p:txBody>
-          <a:bodyPr lIns="0" rIns="0" tIns="0" bIns="0"/>
+          <a:noFill/>
+          <a:ln w="0">
+            <a:noFill/>
+          </a:ln>
+        </p:spPr>
+        <p:txBody>
+          <a:bodyPr lIns="0" rIns="0" tIns="0" bIns="0" anchor="t">
+            <a:normAutofit/>
+          </a:bodyPr>
           <a:p>
             <a:endParaRPr b="0" lang="en-IN" sz="3200" spc="-1" strike="noStrike">
-              <a:solidFill>
-                <a:srgbClr val="000000"/>
-              </a:solidFill>
-              <a:uFill>
-                <a:solidFill>
-                  <a:srgbClr val="ffffff"/>
-                </a:solidFill>
-              </a:uFill>
               <a:latin typeface="Arial"/>
             </a:endParaRPr>
           </a:p>
@@ -1287,30 +1346,28 @@
             <a:spLocks noGrp="1"/>
           </p:cNvSpPr>
           <p:nvPr>
-            <p:ph type="body"/>
-          </p:nvPr>
-        </p:nvSpPr>
-        <p:spPr>
-          <a:xfrm>
-            <a:off x="5152680" y="4113720"/>
+            <p:ph/>
+          </p:nvPr>
+        </p:nvSpPr>
+        <p:spPr>
+          <a:xfrm>
+            <a:off x="5152680" y="4058640"/>
             <a:ext cx="4426920" cy="2090880"/>
           </a:xfrm>
           <a:prstGeom prst="rect">
             <a:avLst/>
           </a:prstGeom>
-        </p:spPr>
-        <p:txBody>
-          <a:bodyPr lIns="0" rIns="0" tIns="0" bIns="0"/>
+          <a:noFill/>
+          <a:ln w="0">
+            <a:noFill/>
+          </a:ln>
+        </p:spPr>
+        <p:txBody>
+          <a:bodyPr lIns="0" rIns="0" tIns="0" bIns="0" anchor="t">
+            <a:normAutofit/>
+          </a:bodyPr>
           <a:p>
             <a:endParaRPr b="0" lang="en-IN" sz="3200" spc="-1" strike="noStrike">
-              <a:solidFill>
-                <a:srgbClr val="000000"/>
-              </a:solidFill>
-              <a:uFill>
-                <a:solidFill>
-                  <a:srgbClr val="ffffff"/>
-                </a:solidFill>
-              </a:uFill>
               <a:latin typeface="Arial"/>
             </a:endParaRPr>
           </a:p>
@@ -1350,26 +1407,26 @@
         </p:nvSpPr>
         <p:spPr>
           <a:xfrm>
-            <a:off x="504000" y="288000"/>
-            <a:ext cx="9071640" cy="1247760"/>
-          </a:xfrm>
-          <a:prstGeom prst="rect">
-            <a:avLst/>
-          </a:prstGeom>
-        </p:spPr>
-        <p:txBody>
-          <a:bodyPr lIns="0" rIns="0" tIns="0" bIns="0" anchor="ctr"/>
-          <a:p>
-            <a:pPr algn="ctr"/>
+            <a:off x="504000" y="301320"/>
+            <a:ext cx="9072000" cy="1261800"/>
+          </a:xfrm>
+          <a:prstGeom prst="rect">
+            <a:avLst/>
+          </a:prstGeom>
+          <a:noFill/>
+          <a:ln w="0">
+            <a:noFill/>
+          </a:ln>
+        </p:spPr>
+        <p:txBody>
+          <a:bodyPr lIns="0" rIns="0" tIns="0" bIns="0" anchor="ctr">
+            <a:noAutofit/>
+          </a:bodyPr>
+          <a:p>
+            <a:pPr algn="ctr">
+              <a:buNone/>
+            </a:pPr>
             <a:endParaRPr b="0" lang="en-IN" sz="4400" spc="-1" strike="noStrike">
-              <a:solidFill>
-                <a:srgbClr val="000000"/>
-              </a:solidFill>
-              <a:uFill>
-                <a:solidFill>
-                  <a:srgbClr val="ffffff"/>
-                </a:solidFill>
-              </a:uFill>
               <a:latin typeface="Arial"/>
             </a:endParaRPr>
           </a:p>
@@ -1382,30 +1439,28 @@
             <a:spLocks noGrp="1"/>
           </p:cNvSpPr>
           <p:nvPr>
-            <p:ph type="body"/>
-          </p:nvPr>
-        </p:nvSpPr>
-        <p:spPr>
-          <a:xfrm>
-            <a:off x="504000" y="1823760"/>
+            <p:ph/>
+          </p:nvPr>
+        </p:nvSpPr>
+        <p:spPr>
+          <a:xfrm>
+            <a:off x="504000" y="1768680"/>
             <a:ext cx="4426920" cy="2090880"/>
           </a:xfrm>
           <a:prstGeom prst="rect">
             <a:avLst/>
           </a:prstGeom>
-        </p:spPr>
-        <p:txBody>
-          <a:bodyPr lIns="0" rIns="0" tIns="0" bIns="0"/>
+          <a:noFill/>
+          <a:ln w="0">
+            <a:noFill/>
+          </a:ln>
+        </p:spPr>
+        <p:txBody>
+          <a:bodyPr lIns="0" rIns="0" tIns="0" bIns="0" anchor="t">
+            <a:normAutofit/>
+          </a:bodyPr>
           <a:p>
             <a:endParaRPr b="0" lang="en-IN" sz="3200" spc="-1" strike="noStrike">
-              <a:solidFill>
-                <a:srgbClr val="000000"/>
-              </a:solidFill>
-              <a:uFill>
-                <a:solidFill>
-                  <a:srgbClr val="ffffff"/>
-                </a:solidFill>
-              </a:uFill>
               <a:latin typeface="Arial"/>
             </a:endParaRPr>
           </a:p>
@@ -1418,30 +1473,28 @@
             <a:spLocks noGrp="1"/>
           </p:cNvSpPr>
           <p:nvPr>
-            <p:ph type="body"/>
-          </p:nvPr>
-        </p:nvSpPr>
-        <p:spPr>
-          <a:xfrm>
-            <a:off x="5152680" y="1823760"/>
+            <p:ph/>
+          </p:nvPr>
+        </p:nvSpPr>
+        <p:spPr>
+          <a:xfrm>
+            <a:off x="5152680" y="1768680"/>
             <a:ext cx="4426920" cy="2090880"/>
           </a:xfrm>
           <a:prstGeom prst="rect">
             <a:avLst/>
           </a:prstGeom>
-        </p:spPr>
-        <p:txBody>
-          <a:bodyPr lIns="0" rIns="0" tIns="0" bIns="0"/>
+          <a:noFill/>
+          <a:ln w="0">
+            <a:noFill/>
+          </a:ln>
+        </p:spPr>
+        <p:txBody>
+          <a:bodyPr lIns="0" rIns="0" tIns="0" bIns="0" anchor="t">
+            <a:normAutofit/>
+          </a:bodyPr>
           <a:p>
             <a:endParaRPr b="0" lang="en-IN" sz="3200" spc="-1" strike="noStrike">
-              <a:solidFill>
-                <a:srgbClr val="000000"/>
-              </a:solidFill>
-              <a:uFill>
-                <a:solidFill>
-                  <a:srgbClr val="ffffff"/>
-                </a:solidFill>
-              </a:uFill>
               <a:latin typeface="Arial"/>
             </a:endParaRPr>
           </a:p>
@@ -1454,30 +1507,28 @@
             <a:spLocks noGrp="1"/>
           </p:cNvSpPr>
           <p:nvPr>
-            <p:ph type="body"/>
-          </p:nvPr>
-        </p:nvSpPr>
-        <p:spPr>
-          <a:xfrm>
-            <a:off x="504000" y="4113720"/>
-            <a:ext cx="9071640" cy="2090880"/>
-          </a:xfrm>
-          <a:prstGeom prst="rect">
-            <a:avLst/>
-          </a:prstGeom>
-        </p:spPr>
-        <p:txBody>
-          <a:bodyPr lIns="0" rIns="0" tIns="0" bIns="0"/>
+            <p:ph/>
+          </p:nvPr>
+        </p:nvSpPr>
+        <p:spPr>
+          <a:xfrm>
+            <a:off x="504000" y="4058640"/>
+            <a:ext cx="9072000" cy="2090880"/>
+          </a:xfrm>
+          <a:prstGeom prst="rect">
+            <a:avLst/>
+          </a:prstGeom>
+          <a:noFill/>
+          <a:ln w="0">
+            <a:noFill/>
+          </a:ln>
+        </p:spPr>
+        <p:txBody>
+          <a:bodyPr lIns="0" rIns="0" tIns="0" bIns="0" anchor="t">
+            <a:normAutofit/>
+          </a:bodyPr>
           <a:p>
             <a:endParaRPr b="0" lang="en-IN" sz="3200" spc="-1" strike="noStrike">
-              <a:solidFill>
-                <a:srgbClr val="000000"/>
-              </a:solidFill>
-              <a:uFill>
-                <a:solidFill>
-                  <a:srgbClr val="ffffff"/>
-                </a:solidFill>
-              </a:uFill>
               <a:latin typeface="Arial"/>
             </a:endParaRPr>
           </a:p>
@@ -1518,12 +1569,12 @@
         <p:spPr>
           <a:xfrm>
             <a:off x="0" y="0"/>
-            <a:ext cx="10079280" cy="7559640"/>
-          </a:xfrm>
-          <a:prstGeom prst="rect">
-            <a:avLst/>
-          </a:prstGeom>
-          <a:ln>
+            <a:ext cx="10078920" cy="7559280"/>
+          </a:xfrm>
+          <a:prstGeom prst="rect">
+            <a:avLst/>
+          </a:prstGeom>
+          <a:ln w="0">
             <a:noFill/>
           </a:ln>
         </p:spPr>
@@ -1540,26 +1591,32 @@
         </p:nvSpPr>
         <p:spPr>
           <a:xfrm>
-            <a:off x="504000" y="288000"/>
-            <a:ext cx="9071640" cy="1247760"/>
-          </a:xfrm>
-          <a:prstGeom prst="rect">
-            <a:avLst/>
-          </a:prstGeom>
-        </p:spPr>
-        <p:txBody>
-          <a:bodyPr lIns="0" rIns="0" tIns="0" bIns="0" anchor="ctr"/>
-          <a:p>
-            <a:pPr algn="ctr"/>
+            <a:off x="504000" y="301320"/>
+            <a:ext cx="9072000" cy="1261800"/>
+          </a:xfrm>
+          <a:prstGeom prst="rect">
+            <a:avLst/>
+          </a:prstGeom>
+          <a:noFill/>
+          <a:ln w="0">
+            <a:noFill/>
+          </a:ln>
+        </p:spPr>
+        <p:txBody>
+          <a:bodyPr lIns="0" rIns="0" tIns="0" bIns="0" anchor="ctr">
+            <a:noAutofit/>
+          </a:bodyPr>
+          <a:p>
+            <a:pPr algn="ctr">
+              <a:buNone/>
+            </a:pPr>
+            <a:r>
+              <a:rPr b="0" lang="en-IN" sz="4400" spc="-1" strike="noStrike">
+                <a:latin typeface="Arial"/>
+              </a:rPr>
+              <a:t>Click to edit the title text format</a:t>
+            </a:r>
             <a:endParaRPr b="0" lang="en-IN" sz="4400" spc="-1" strike="noStrike">
-              <a:solidFill>
-                <a:srgbClr val="000000"/>
-              </a:solidFill>
-              <a:uFill>
-                <a:solidFill>
-                  <a:srgbClr val="ffffff"/>
-                </a:solidFill>
-              </a:uFill>
               <a:latin typeface="Arial"/>
             </a:endParaRPr>
           </a:p>
@@ -1577,17 +1634,26 @@
         </p:nvSpPr>
         <p:spPr>
           <a:xfrm>
-            <a:off x="504000" y="1823760"/>
-            <a:ext cx="9071640" cy="4384080"/>
-          </a:xfrm>
-          <a:prstGeom prst="rect">
-            <a:avLst/>
-          </a:prstGeom>
-        </p:spPr>
-        <p:txBody>
-          <a:bodyPr lIns="0" rIns="0" tIns="0" bIns="0"/>
+            <a:off x="504000" y="1768680"/>
+            <a:ext cx="9072000" cy="4384080"/>
+          </a:xfrm>
+          <a:prstGeom prst="rect">
+            <a:avLst/>
+          </a:prstGeom>
+          <a:noFill/>
+          <a:ln w="0">
+            <a:noFill/>
+          </a:ln>
+        </p:spPr>
+        <p:txBody>
+          <a:bodyPr lIns="0" rIns="0" tIns="0" bIns="0" anchor="t">
+            <a:normAutofit/>
+          </a:bodyPr>
           <a:p>
             <a:pPr marL="432000" indent="-324000">
+              <a:spcBef>
+                <a:spcPts val="1417"/>
+              </a:spcBef>
               <a:buClr>
                 <a:srgbClr val="000000"/>
               </a:buClr>
@@ -1596,33 +1662,20 @@
               <a:buChar char=""/>
             </a:pPr>
             <a:r>
-              <a:rPr b="0" lang="en-IN" sz="1800" spc="-1" strike="noStrike">
-                <a:solidFill>
-                  <a:srgbClr val="000000"/>
-                </a:solidFill>
-                <a:uFill>
-                  <a:solidFill>
-                    <a:srgbClr val="ffffff"/>
-                  </a:solidFill>
-                </a:uFill>
+              <a:rPr b="0" lang="en-IN" sz="3200" spc="-1" strike="noStrike">
                 <a:latin typeface="Arial"/>
               </a:rPr>
               <a:t>Click to edit the outline text format</a:t>
             </a:r>
-            <a:endParaRPr b="0" lang="en-IN" sz="1800" spc="-1" strike="noStrike">
-              <a:solidFill>
-                <a:srgbClr val="000000"/>
-              </a:solidFill>
-              <a:uFill>
-                <a:solidFill>
-                  <a:srgbClr val="ffffff"/>
-                </a:solidFill>
-              </a:uFill>
+            <a:endParaRPr b="0" lang="en-IN" sz="3200" spc="-1" strike="noStrike">
               <a:latin typeface="Arial"/>
             </a:endParaRPr>
           </a:p>
           <a:p>
             <a:pPr lvl="1" marL="864000" indent="-324000">
+              <a:spcBef>
+                <a:spcPts val="1134"/>
+              </a:spcBef>
               <a:buClr>
                 <a:srgbClr val="000000"/>
               </a:buClr>
@@ -1631,33 +1684,20 @@
               <a:buChar char=""/>
             </a:pPr>
             <a:r>
-              <a:rPr b="0" lang="en-IN" sz="1800" spc="-1" strike="noStrike">
-                <a:solidFill>
-                  <a:srgbClr val="000000"/>
-                </a:solidFill>
-                <a:uFill>
-                  <a:solidFill>
-                    <a:srgbClr val="ffffff"/>
-                  </a:solidFill>
-                </a:uFill>
+              <a:rPr b="0" lang="en-IN" sz="2800" spc="-1" strike="noStrike">
                 <a:latin typeface="Arial"/>
               </a:rPr>
               <a:t>Second Outline Level</a:t>
             </a:r>
-            <a:endParaRPr b="0" lang="en-IN" sz="1800" spc="-1" strike="noStrike">
-              <a:solidFill>
-                <a:srgbClr val="000000"/>
-              </a:solidFill>
-              <a:uFill>
-                <a:solidFill>
-                  <a:srgbClr val="ffffff"/>
-                </a:solidFill>
-              </a:uFill>
+            <a:endParaRPr b="0" lang="en-IN" sz="2800" spc="-1" strike="noStrike">
               <a:latin typeface="Arial"/>
             </a:endParaRPr>
           </a:p>
           <a:p>
             <a:pPr lvl="2" marL="1296000" indent="-288000">
+              <a:spcBef>
+                <a:spcPts val="850"/>
+              </a:spcBef>
               <a:buClr>
                 <a:srgbClr val="000000"/>
               </a:buClr>
@@ -1666,33 +1706,20 @@
               <a:buChar char=""/>
             </a:pPr>
             <a:r>
-              <a:rPr b="0" lang="en-IN" sz="1800" spc="-1" strike="noStrike">
-                <a:solidFill>
-                  <a:srgbClr val="000000"/>
-                </a:solidFill>
-                <a:uFill>
-                  <a:solidFill>
-                    <a:srgbClr val="ffffff"/>
-                  </a:solidFill>
-                </a:uFill>
+              <a:rPr b="0" lang="en-IN" sz="2400" spc="-1" strike="noStrike">
                 <a:latin typeface="Arial"/>
               </a:rPr>
               <a:t>Third Outline Level</a:t>
             </a:r>
-            <a:endParaRPr b="0" lang="en-IN" sz="1800" spc="-1" strike="noStrike">
-              <a:solidFill>
-                <a:srgbClr val="000000"/>
-              </a:solidFill>
-              <a:uFill>
-                <a:solidFill>
-                  <a:srgbClr val="ffffff"/>
-                </a:solidFill>
-              </a:uFill>
+            <a:endParaRPr b="0" lang="en-IN" sz="2400" spc="-1" strike="noStrike">
               <a:latin typeface="Arial"/>
             </a:endParaRPr>
           </a:p>
           <a:p>
             <a:pPr lvl="3" marL="1728000" indent="-216000">
+              <a:spcBef>
+                <a:spcPts val="567"/>
+              </a:spcBef>
               <a:buClr>
                 <a:srgbClr val="000000"/>
               </a:buClr>
@@ -1701,33 +1728,20 @@
               <a:buChar char=""/>
             </a:pPr>
             <a:r>
-              <a:rPr b="0" lang="en-IN" sz="1800" spc="-1" strike="noStrike">
-                <a:solidFill>
-                  <a:srgbClr val="000000"/>
-                </a:solidFill>
-                <a:uFill>
-                  <a:solidFill>
-                    <a:srgbClr val="ffffff"/>
-                  </a:solidFill>
-                </a:uFill>
+              <a:rPr b="0" lang="en-IN" sz="2000" spc="-1" strike="noStrike">
                 <a:latin typeface="Arial"/>
               </a:rPr>
               <a:t>Fourth Outline Level</a:t>
             </a:r>
-            <a:endParaRPr b="0" lang="en-IN" sz="1800" spc="-1" strike="noStrike">
-              <a:solidFill>
-                <a:srgbClr val="000000"/>
-              </a:solidFill>
-              <a:uFill>
-                <a:solidFill>
-                  <a:srgbClr val="ffffff"/>
-                </a:solidFill>
-              </a:uFill>
+            <a:endParaRPr b="0" lang="en-IN" sz="2000" spc="-1" strike="noStrike">
               <a:latin typeface="Arial"/>
             </a:endParaRPr>
           </a:p>
           <a:p>
             <a:pPr lvl="4" marL="2160000" indent="-216000">
+              <a:spcBef>
+                <a:spcPts val="283"/>
+              </a:spcBef>
               <a:buClr>
                 <a:srgbClr val="000000"/>
               </a:buClr>
@@ -1736,33 +1750,20 @@
               <a:buChar char=""/>
             </a:pPr>
             <a:r>
-              <a:rPr b="0" lang="en-IN" sz="1800" spc="-1" strike="noStrike">
-                <a:solidFill>
-                  <a:srgbClr val="000000"/>
-                </a:solidFill>
-                <a:uFill>
-                  <a:solidFill>
-                    <a:srgbClr val="ffffff"/>
-                  </a:solidFill>
-                </a:uFill>
+              <a:rPr b="0" lang="en-IN" sz="2000" spc="-1" strike="noStrike">
                 <a:latin typeface="Arial"/>
               </a:rPr>
               <a:t>Fifth Outline Level</a:t>
             </a:r>
-            <a:endParaRPr b="0" lang="en-IN" sz="1800" spc="-1" strike="noStrike">
-              <a:solidFill>
-                <a:srgbClr val="000000"/>
-              </a:solidFill>
-              <a:uFill>
-                <a:solidFill>
-                  <a:srgbClr val="ffffff"/>
-                </a:solidFill>
-              </a:uFill>
+            <a:endParaRPr b="0" lang="en-IN" sz="2000" spc="-1" strike="noStrike">
               <a:latin typeface="Arial"/>
             </a:endParaRPr>
           </a:p>
           <a:p>
             <a:pPr lvl="5" marL="2592000" indent="-216000">
+              <a:spcBef>
+                <a:spcPts val="283"/>
+              </a:spcBef>
               <a:buClr>
                 <a:srgbClr val="000000"/>
               </a:buClr>
@@ -1771,33 +1772,20 @@
               <a:buChar char=""/>
             </a:pPr>
             <a:r>
-              <a:rPr b="0" lang="en-IN" sz="1800" spc="-1" strike="noStrike">
-                <a:solidFill>
-                  <a:srgbClr val="000000"/>
-                </a:solidFill>
-                <a:uFill>
-                  <a:solidFill>
-                    <a:srgbClr val="ffffff"/>
-                  </a:solidFill>
-                </a:uFill>
+              <a:rPr b="0" lang="en-IN" sz="2000" spc="-1" strike="noStrike">
                 <a:latin typeface="Arial"/>
               </a:rPr>
               <a:t>Sixth Outline Level</a:t>
             </a:r>
-            <a:endParaRPr b="0" lang="en-IN" sz="1800" spc="-1" strike="noStrike">
-              <a:solidFill>
-                <a:srgbClr val="000000"/>
-              </a:solidFill>
-              <a:uFill>
-                <a:solidFill>
-                  <a:srgbClr val="ffffff"/>
-                </a:solidFill>
-              </a:uFill>
+            <a:endParaRPr b="0" lang="en-IN" sz="2000" spc="-1" strike="noStrike">
               <a:latin typeface="Arial"/>
             </a:endParaRPr>
           </a:p>
           <a:p>
             <a:pPr lvl="6" marL="3024000" indent="-216000">
+              <a:spcBef>
+                <a:spcPts val="283"/>
+              </a:spcBef>
               <a:buClr>
                 <a:srgbClr val="000000"/>
               </a:buClr>
@@ -1806,28 +1794,12 @@
               <a:buChar char=""/>
             </a:pPr>
             <a:r>
-              <a:rPr b="0" lang="en-IN" sz="1800" spc="-1" strike="noStrike">
-                <a:solidFill>
-                  <a:srgbClr val="000000"/>
-                </a:solidFill>
-                <a:uFill>
-                  <a:solidFill>
-                    <a:srgbClr val="ffffff"/>
-                  </a:solidFill>
-                </a:uFill>
+              <a:rPr b="0" lang="en-IN" sz="2000" spc="-1" strike="noStrike">
                 <a:latin typeface="Arial"/>
               </a:rPr>
               <a:t>Seventh Outline Level</a:t>
             </a:r>
-            <a:endParaRPr b="0" lang="en-IN" sz="1800" spc="-1" strike="noStrike">
-              <a:solidFill>
-                <a:srgbClr val="000000"/>
-              </a:solidFill>
-              <a:uFill>
-                <a:solidFill>
-                  <a:srgbClr val="ffffff"/>
-                </a:solidFill>
-              </a:uFill>
+            <a:endParaRPr b="0" lang="en-IN" sz="2000" spc="-1" strike="noStrike">
               <a:latin typeface="Arial"/>
             </a:endParaRPr>
           </a:p>
@@ -1872,20 +1844,20 @@
       </p:grpSpPr>
       <p:sp>
         <p:nvSpPr>
-          <p:cNvPr id="37" name="CustomShape 1"/>
+          <p:cNvPr id="39" name="CustomShape 1"/>
           <p:cNvSpPr/>
           <p:nvPr/>
         </p:nvSpPr>
         <p:spPr>
           <a:xfrm>
             <a:off x="504000" y="288000"/>
-            <a:ext cx="9071640" cy="1247760"/>
-          </a:xfrm>
-          <a:prstGeom prst="rect">
-            <a:avLst/>
-          </a:prstGeom>
-          <a:noFill/>
-          <a:ln>
+            <a:ext cx="9071280" cy="1247400"/>
+          </a:xfrm>
+          <a:prstGeom prst="rect">
+            <a:avLst/>
+          </a:prstGeom>
+          <a:noFill/>
+          <a:ln w="0">
             <a:noFill/>
           </a:ln>
         </p:spPr>
@@ -1896,57 +1868,48 @@
           <a:fontRef idx="minor"/>
         </p:style>
         <p:txBody>
-          <a:bodyPr lIns="0" rIns="0" tIns="0" bIns="0" anchor="ctr"/>
+          <a:bodyPr lIns="0" rIns="0" tIns="0" bIns="0" anchor="ctr">
+            <a:noAutofit/>
+          </a:bodyPr>
           <a:p>
             <a:pPr algn="ctr">
               <a:lnSpc>
                 <a:spcPct val="100000"/>
               </a:lnSpc>
+              <a:buNone/>
             </a:pPr>
             <a:r>
               <a:rPr b="0" lang="en-IN" sz="4760" spc="-1" strike="noStrike">
                 <a:solidFill>
                   <a:srgbClr val="000000"/>
                 </a:solidFill>
-                <a:uFill>
-                  <a:solidFill>
-                    <a:srgbClr val="ffffff"/>
-                  </a:solidFill>
-                </a:uFill>
-                <a:latin typeface="Arial"/>
+                <a:latin typeface="Arial"/>
+                <a:ea typeface="DejaVu Sans"/>
               </a:rPr>
               <a:t>Singleton design pattern</a:t>
             </a:r>
-            <a:endParaRPr b="0" lang="en-IN" sz="1800" spc="-1" strike="noStrike">
-              <a:solidFill>
-                <a:srgbClr val="000000"/>
-              </a:solidFill>
-              <a:uFill>
-                <a:solidFill>
-                  <a:srgbClr val="ffffff"/>
-                </a:solidFill>
-              </a:uFill>
-              <a:latin typeface="Arial"/>
-            </a:endParaRPr>
-          </a:p>
-        </p:txBody>
-      </p:sp>
-      <p:sp>
-        <p:nvSpPr>
-          <p:cNvPr id="38" name="CustomShape 2"/>
+            <a:endParaRPr b="0" lang="en-IN" sz="4760" spc="-1" strike="noStrike">
+              <a:latin typeface="Arial"/>
+            </a:endParaRPr>
+          </a:p>
+        </p:txBody>
+      </p:sp>
+      <p:sp>
+        <p:nvSpPr>
+          <p:cNvPr id="40" name="CustomShape 2"/>
           <p:cNvSpPr/>
           <p:nvPr/>
         </p:nvSpPr>
         <p:spPr>
           <a:xfrm>
             <a:off x="504000" y="1823760"/>
-            <a:ext cx="9071640" cy="4384080"/>
-          </a:xfrm>
-          <a:prstGeom prst="rect">
-            <a:avLst/>
-          </a:prstGeom>
-          <a:noFill/>
-          <a:ln>
+            <a:ext cx="9071280" cy="4383720"/>
+          </a:xfrm>
+          <a:prstGeom prst="rect">
+            <a:avLst/>
+          </a:prstGeom>
+          <a:noFill/>
+          <a:ln w="0">
             <a:noFill/>
           </a:ln>
         </p:spPr>
@@ -1957,7 +1920,9 @@
           <a:fontRef idx="minor"/>
         </p:style>
         <p:txBody>
-          <a:bodyPr lIns="0" rIns="0" tIns="0" bIns="0"/>
+          <a:bodyPr lIns="0" rIns="0" tIns="0" bIns="0" anchor="t">
+            <a:noAutofit/>
+          </a:bodyPr>
           <a:p>
             <a:pPr marL="432000" indent="-323640">
               <a:lnSpc>
@@ -1975,24 +1940,12 @@
                 <a:solidFill>
                   <a:srgbClr val="ffffff"/>
                 </a:solidFill>
-                <a:uFill>
-                  <a:solidFill>
-                    <a:srgbClr val="ffffff"/>
-                  </a:solidFill>
-                </a:uFill>
-                <a:latin typeface="Arial"/>
+                <a:latin typeface="Arial"/>
+                <a:ea typeface="DejaVu Sans"/>
               </a:rPr>
               <a:t>The singleton design pattern is a creational design pattern which makes sure that you have one single instance of a particular class in the duration of your runtime, and provides a global point of access to the single instance. </a:t>
             </a:r>
-            <a:endParaRPr b="0" lang="en-IN" sz="1800" spc="-1" strike="noStrike">
-              <a:solidFill>
-                <a:srgbClr val="000000"/>
-              </a:solidFill>
-              <a:uFill>
-                <a:solidFill>
-                  <a:srgbClr val="ffffff"/>
-                </a:solidFill>
-              </a:uFill>
+            <a:endParaRPr b="0" lang="en-IN" sz="3470" spc="-1" strike="noStrike">
               <a:latin typeface="Arial"/>
             </a:endParaRPr>
           </a:p>
@@ -2000,33 +1953,14 @@
       </p:sp>
     </p:spTree>
   </p:cSld>
-  <p:timing>
-    <p:tnLst>
-      <p:par>
-        <p:cTn id="1" dur="indefinite" restart="never" nodeType="tmRoot">
-          <p:childTnLst>
-            <p:seq>
-              <p:cTn id="2" nodeType="mainSeq"/>
-              <p:prevCondLst>
-                <p:cond delay="0" evt="onPrev">
-                  <p:tgtEl>
-                    <p:sldTgt/>
-                  </p:tgtEl>
-                </p:cond>
-              </p:prevCondLst>
-              <p:nextCondLst>
-                <p:cond delay="0" evt="onNext">
-                  <p:tgtEl>
-                    <p:sldTgt/>
-                  </p:tgtEl>
-                </p:cond>
-              </p:nextCondLst>
-            </p:seq>
-          </p:childTnLst>
-        </p:cTn>
-      </p:par>
-    </p:tnLst>
-  </p:timing>
+  <mc:AlternateContent>
+    <mc:Choice Requires="p14">
+      <p:transition spd="slow" p14:dur="2000"/>
+    </mc:Choice>
+    <mc:Fallback>
+      <p:transition spd="slow"/>
+    </mc:Fallback>
+  </mc:AlternateContent>
 </p:sld>
 </file>
 
@@ -2049,20 +1983,20 @@
       </p:grpSpPr>
       <p:sp>
         <p:nvSpPr>
-          <p:cNvPr id="39" name="CustomShape 1"/>
+          <p:cNvPr id="41" name="CustomShape 1"/>
           <p:cNvSpPr/>
           <p:nvPr/>
         </p:nvSpPr>
         <p:spPr>
           <a:xfrm>
             <a:off x="504000" y="288000"/>
-            <a:ext cx="9071640" cy="1247760"/>
-          </a:xfrm>
-          <a:prstGeom prst="rect">
-            <a:avLst/>
-          </a:prstGeom>
-          <a:noFill/>
-          <a:ln>
+            <a:ext cx="9071280" cy="1247400"/>
+          </a:xfrm>
+          <a:prstGeom prst="rect">
+            <a:avLst/>
+          </a:prstGeom>
+          <a:noFill/>
+          <a:ln w="0">
             <a:noFill/>
           </a:ln>
         </p:spPr>
@@ -2073,57 +2007,48 @@
           <a:fontRef idx="minor"/>
         </p:style>
         <p:txBody>
-          <a:bodyPr lIns="0" rIns="0" tIns="0" bIns="0" anchor="ctr"/>
+          <a:bodyPr lIns="0" rIns="0" tIns="0" bIns="0" anchor="ctr">
+            <a:noAutofit/>
+          </a:bodyPr>
           <a:p>
             <a:pPr algn="ctr">
               <a:lnSpc>
                 <a:spcPct val="100000"/>
               </a:lnSpc>
+              <a:buNone/>
             </a:pPr>
             <a:r>
               <a:rPr b="0" lang="en-IN" sz="4760" spc="-1" strike="noStrike">
                 <a:solidFill>
                   <a:srgbClr val="000000"/>
                 </a:solidFill>
-                <a:uFill>
-                  <a:solidFill>
-                    <a:srgbClr val="ffffff"/>
-                  </a:solidFill>
-                </a:uFill>
-                <a:latin typeface="Arial"/>
+                <a:latin typeface="Arial"/>
+                <a:ea typeface="DejaVu Sans"/>
               </a:rPr>
               <a:t>When we can use it?</a:t>
             </a:r>
-            <a:endParaRPr b="0" lang="en-IN" sz="1800" spc="-1" strike="noStrike">
-              <a:solidFill>
-                <a:srgbClr val="000000"/>
-              </a:solidFill>
-              <a:uFill>
-                <a:solidFill>
-                  <a:srgbClr val="ffffff"/>
-                </a:solidFill>
-              </a:uFill>
-              <a:latin typeface="Arial"/>
-            </a:endParaRPr>
-          </a:p>
-        </p:txBody>
-      </p:sp>
-      <p:sp>
-        <p:nvSpPr>
-          <p:cNvPr id="40" name="CustomShape 2"/>
+            <a:endParaRPr b="0" lang="en-IN" sz="4760" spc="-1" strike="noStrike">
+              <a:latin typeface="Arial"/>
+            </a:endParaRPr>
+          </a:p>
+        </p:txBody>
+      </p:sp>
+      <p:sp>
+        <p:nvSpPr>
+          <p:cNvPr id="42" name="CustomShape 2"/>
           <p:cNvSpPr/>
           <p:nvPr/>
         </p:nvSpPr>
         <p:spPr>
           <a:xfrm>
             <a:off x="504000" y="1823760"/>
-            <a:ext cx="9071640" cy="4384080"/>
-          </a:xfrm>
-          <a:prstGeom prst="rect">
-            <a:avLst/>
-          </a:prstGeom>
-          <a:noFill/>
-          <a:ln>
+            <a:ext cx="9071280" cy="4383720"/>
+          </a:xfrm>
+          <a:prstGeom prst="rect">
+            <a:avLst/>
+          </a:prstGeom>
+          <a:noFill/>
+          <a:ln w="0">
             <a:noFill/>
           </a:ln>
         </p:spPr>
@@ -2134,7 +2059,9 @@
           <a:fontRef idx="minor"/>
         </p:style>
         <p:txBody>
-          <a:bodyPr lIns="0" rIns="0" tIns="0" bIns="0"/>
+          <a:bodyPr lIns="0" rIns="0" tIns="0" bIns="0" anchor="t">
+            <a:noAutofit/>
+          </a:bodyPr>
           <a:p>
             <a:pPr marL="432000" indent="-323640">
               <a:lnSpc>
@@ -2152,24 +2079,12 @@
                 <a:solidFill>
                   <a:srgbClr val="ffffff"/>
                 </a:solidFill>
-                <a:uFill>
-                  <a:solidFill>
-                    <a:srgbClr val="ffffff"/>
-                  </a:solidFill>
-                </a:uFill>
-                <a:latin typeface="Arial"/>
+                <a:latin typeface="Arial"/>
+                <a:ea typeface="DejaVu Sans"/>
               </a:rPr>
               <a:t>If you need to pass a specific instance from one class to another, you can use the singleton pattern to avoid having to pass the instance via constructor or argument. Imagine that you have created a Session class, which simulates the $_SESSION global array. Since this class will only need to be instantiated once, we can implement a singleton pattern </a:t>
             </a:r>
-            <a:endParaRPr b="0" lang="en-IN" sz="1800" spc="-1" strike="noStrike">
-              <a:solidFill>
-                <a:srgbClr val="000000"/>
-              </a:solidFill>
-              <a:uFill>
-                <a:solidFill>
-                  <a:srgbClr val="ffffff"/>
-                </a:solidFill>
-              </a:uFill>
+            <a:endParaRPr b="0" lang="en-IN" sz="3470" spc="-1" strike="noStrike">
               <a:latin typeface="Arial"/>
             </a:endParaRPr>
           </a:p>
@@ -2177,33 +2092,14 @@
       </p:sp>
     </p:spTree>
   </p:cSld>
-  <p:timing>
-    <p:tnLst>
-      <p:par>
-        <p:cTn id="3" dur="indefinite" restart="never" nodeType="tmRoot">
-          <p:childTnLst>
-            <p:seq>
-              <p:cTn id="4" nodeType="mainSeq"/>
-              <p:prevCondLst>
-                <p:cond delay="0" evt="onPrev">
-                  <p:tgtEl>
-                    <p:sldTgt/>
-                  </p:tgtEl>
-                </p:cond>
-              </p:prevCondLst>
-              <p:nextCondLst>
-                <p:cond delay="0" evt="onNext">
-                  <p:tgtEl>
-                    <p:sldTgt/>
-                  </p:tgtEl>
-                </p:cond>
-              </p:nextCondLst>
-            </p:seq>
-          </p:childTnLst>
-        </p:cTn>
-      </p:par>
-    </p:tnLst>
-  </p:timing>
+  <mc:AlternateContent>
+    <mc:Choice Requires="p14">
+      <p:transition spd="slow" p14:dur="2000"/>
+    </mc:Choice>
+    <mc:Fallback>
+      <p:transition spd="slow"/>
+    </mc:Fallback>
+  </mc:AlternateContent>
 </p:sld>
 </file>
 
@@ -2226,20 +2122,20 @@
       </p:grpSpPr>
       <p:sp>
         <p:nvSpPr>
-          <p:cNvPr id="41" name="CustomShape 1"/>
+          <p:cNvPr id="43" name="CustomShape 1"/>
           <p:cNvSpPr/>
           <p:nvPr/>
         </p:nvSpPr>
         <p:spPr>
           <a:xfrm>
             <a:off x="504000" y="288000"/>
-            <a:ext cx="9071640" cy="1247760"/>
-          </a:xfrm>
-          <a:prstGeom prst="rect">
-            <a:avLst/>
-          </a:prstGeom>
-          <a:noFill/>
-          <a:ln>
+            <a:ext cx="9071280" cy="1247400"/>
+          </a:xfrm>
+          <a:prstGeom prst="rect">
+            <a:avLst/>
+          </a:prstGeom>
+          <a:noFill/>
+          <a:ln w="0">
             <a:noFill/>
           </a:ln>
         </p:spPr>
@@ -2250,57 +2146,48 @@
           <a:fontRef idx="minor"/>
         </p:style>
         <p:txBody>
-          <a:bodyPr lIns="0" rIns="0" tIns="0" bIns="0" anchor="ctr"/>
+          <a:bodyPr lIns="0" rIns="0" tIns="0" bIns="0" anchor="ctr">
+            <a:noAutofit/>
+          </a:bodyPr>
           <a:p>
             <a:pPr algn="ctr">
               <a:lnSpc>
                 <a:spcPct val="100000"/>
               </a:lnSpc>
+              <a:buNone/>
             </a:pPr>
             <a:r>
               <a:rPr b="0" lang="en-IN" sz="4760" spc="-1" strike="noStrike">
                 <a:solidFill>
                   <a:srgbClr val="000000"/>
                 </a:solidFill>
-                <a:uFill>
-                  <a:solidFill>
-                    <a:srgbClr val="ffffff"/>
-                  </a:solidFill>
-                </a:uFill>
-                <a:latin typeface="Arial"/>
+                <a:latin typeface="Arial"/>
+                <a:ea typeface="DejaVu Sans"/>
               </a:rPr>
               <a:t>Example</a:t>
             </a:r>
-            <a:endParaRPr b="0" lang="en-IN" sz="1800" spc="-1" strike="noStrike">
-              <a:solidFill>
-                <a:srgbClr val="000000"/>
-              </a:solidFill>
-              <a:uFill>
-                <a:solidFill>
-                  <a:srgbClr val="ffffff"/>
-                </a:solidFill>
-              </a:uFill>
-              <a:latin typeface="Arial"/>
-            </a:endParaRPr>
-          </a:p>
-        </p:txBody>
-      </p:sp>
-      <p:sp>
-        <p:nvSpPr>
-          <p:cNvPr id="42" name="CustomShape 2"/>
+            <a:endParaRPr b="0" lang="en-IN" sz="4760" spc="-1" strike="noStrike">
+              <a:latin typeface="Arial"/>
+            </a:endParaRPr>
+          </a:p>
+        </p:txBody>
+      </p:sp>
+      <p:sp>
+        <p:nvSpPr>
+          <p:cNvPr id="44" name="CustomShape 2"/>
           <p:cNvSpPr/>
           <p:nvPr/>
         </p:nvSpPr>
         <p:spPr>
           <a:xfrm>
             <a:off x="504000" y="1823760"/>
-            <a:ext cx="9071640" cy="4384080"/>
-          </a:xfrm>
-          <a:prstGeom prst="rect">
-            <a:avLst/>
-          </a:prstGeom>
-          <a:noFill/>
-          <a:ln>
+            <a:ext cx="9071280" cy="4383720"/>
+          </a:xfrm>
+          <a:prstGeom prst="rect">
+            <a:avLst/>
+          </a:prstGeom>
+          <a:noFill/>
+          <a:ln w="0">
             <a:noFill/>
           </a:ln>
         </p:spPr>
@@ -2311,7 +2198,9 @@
           <a:fontRef idx="minor"/>
         </p:style>
         <p:txBody>
-          <a:bodyPr lIns="0" rIns="0" tIns="0" bIns="0"/>
+          <a:bodyPr lIns="0" rIns="0" tIns="0" bIns="0" anchor="t">
+            <a:noAutofit/>
+          </a:bodyPr>
           <a:p>
             <a:pPr marL="432000" indent="-323640">
               <a:lnSpc>
@@ -2329,24 +2218,12 @@
                 <a:solidFill>
                   <a:srgbClr val="ffffff"/>
                 </a:solidFill>
-                <a:uFill>
-                  <a:solidFill>
-                    <a:srgbClr val="ffffff"/>
-                  </a:solidFill>
-                </a:uFill>
-                <a:latin typeface="Arial"/>
+                <a:latin typeface="Arial"/>
+                <a:ea typeface="DejaVu Sans"/>
               </a:rPr>
               <a:t>&lt;?php</a:t>
             </a:r>
-            <a:endParaRPr b="0" lang="en-IN" sz="1800" spc="-1" strike="noStrike">
-              <a:solidFill>
-                <a:srgbClr val="000000"/>
-              </a:solidFill>
-              <a:uFill>
-                <a:solidFill>
-                  <a:srgbClr val="ffffff"/>
-                </a:solidFill>
-              </a:uFill>
+            <a:endParaRPr b="0" lang="en-IN" sz="1400" spc="-1" strike="noStrike">
               <a:latin typeface="Arial"/>
             </a:endParaRPr>
           </a:p>
@@ -2367,24 +2244,12 @@
                 <a:solidFill>
                   <a:srgbClr val="ffffff"/>
                 </a:solidFill>
-                <a:uFill>
-                  <a:solidFill>
-                    <a:srgbClr val="ffffff"/>
-                  </a:solidFill>
-                </a:uFill>
-                <a:latin typeface="Arial"/>
+                <a:latin typeface="Arial"/>
+                <a:ea typeface="DejaVu Sans"/>
               </a:rPr>
               <a:t>class Session</a:t>
             </a:r>
-            <a:endParaRPr b="0" lang="en-IN" sz="1800" spc="-1" strike="noStrike">
-              <a:solidFill>
-                <a:srgbClr val="000000"/>
-              </a:solidFill>
-              <a:uFill>
-                <a:solidFill>
-                  <a:srgbClr val="ffffff"/>
-                </a:solidFill>
-              </a:uFill>
+            <a:endParaRPr b="0" lang="en-IN" sz="1400" spc="-1" strike="noStrike">
               <a:latin typeface="Arial"/>
             </a:endParaRPr>
           </a:p>
@@ -2405,24 +2270,12 @@
                 <a:solidFill>
                   <a:srgbClr val="ffffff"/>
                 </a:solidFill>
-                <a:uFill>
-                  <a:solidFill>
-                    <a:srgbClr val="ffffff"/>
-                  </a:solidFill>
-                </a:uFill>
-                <a:latin typeface="Arial"/>
+                <a:latin typeface="Arial"/>
+                <a:ea typeface="DejaVu Sans"/>
               </a:rPr>
               <a:t>{</a:t>
             </a:r>
-            <a:endParaRPr b="0" lang="en-IN" sz="1800" spc="-1" strike="noStrike">
-              <a:solidFill>
-                <a:srgbClr val="000000"/>
-              </a:solidFill>
-              <a:uFill>
-                <a:solidFill>
-                  <a:srgbClr val="ffffff"/>
-                </a:solidFill>
-              </a:uFill>
+            <a:endParaRPr b="0" lang="en-IN" sz="1400" spc="-1" strike="noStrike">
               <a:latin typeface="Arial"/>
             </a:endParaRPr>
           </a:p>
@@ -2443,12 +2296,8 @@
                 <a:solidFill>
                   <a:srgbClr val="ffffff"/>
                 </a:solidFill>
-                <a:uFill>
-                  <a:solidFill>
-                    <a:srgbClr val="ffffff"/>
-                  </a:solidFill>
-                </a:uFill>
-                <a:latin typeface="Arial"/>
+                <a:latin typeface="Arial"/>
+                <a:ea typeface="DejaVu Sans"/>
               </a:rPr>
               <a:t>    </a:t>
             </a:r>
@@ -2457,24 +2306,12 @@
                 <a:solidFill>
                   <a:srgbClr val="ffffff"/>
                 </a:solidFill>
-                <a:uFill>
-                  <a:solidFill>
-                    <a:srgbClr val="ffffff"/>
-                  </a:solidFill>
-                </a:uFill>
-                <a:latin typeface="Arial"/>
+                <a:latin typeface="Arial"/>
+                <a:ea typeface="DejaVu Sans"/>
               </a:rPr>
               <a:t>private static $instance;</a:t>
             </a:r>
-            <a:endParaRPr b="0" lang="en-IN" sz="1800" spc="-1" strike="noStrike">
-              <a:solidFill>
-                <a:srgbClr val="000000"/>
-              </a:solidFill>
-              <a:uFill>
-                <a:solidFill>
-                  <a:srgbClr val="ffffff"/>
-                </a:solidFill>
-              </a:uFill>
+            <a:endParaRPr b="0" lang="en-IN" sz="1400" spc="-1" strike="noStrike">
               <a:latin typeface="Arial"/>
             </a:endParaRPr>
           </a:p>
@@ -2495,24 +2332,12 @@
                 <a:solidFill>
                   <a:srgbClr val="ffffff"/>
                 </a:solidFill>
-                <a:uFill>
-                  <a:solidFill>
-                    <a:srgbClr val="ffffff"/>
-                  </a:solidFill>
-                </a:uFill>
-                <a:latin typeface="Arial"/>
+                <a:latin typeface="Arial"/>
+                <a:ea typeface="DejaVu Sans"/>
               </a:rPr>
               <a:t>     </a:t>
             </a:r>
-            <a:endParaRPr b="0" lang="en-IN" sz="1800" spc="-1" strike="noStrike">
-              <a:solidFill>
-                <a:srgbClr val="000000"/>
-              </a:solidFill>
-              <a:uFill>
-                <a:solidFill>
-                  <a:srgbClr val="ffffff"/>
-                </a:solidFill>
-              </a:uFill>
+            <a:endParaRPr b="0" lang="en-IN" sz="1400" spc="-1" strike="noStrike">
               <a:latin typeface="Arial"/>
             </a:endParaRPr>
           </a:p>
@@ -2533,12 +2358,8 @@
                 <a:solidFill>
                   <a:srgbClr val="ffffff"/>
                 </a:solidFill>
-                <a:uFill>
-                  <a:solidFill>
-                    <a:srgbClr val="ffffff"/>
-                  </a:solidFill>
-                </a:uFill>
-                <a:latin typeface="Arial"/>
+                <a:latin typeface="Arial"/>
+                <a:ea typeface="DejaVu Sans"/>
               </a:rPr>
               <a:t>    </a:t>
             </a:r>
@@ -2547,24 +2368,12 @@
                 <a:solidFill>
                   <a:srgbClr val="ffffff"/>
                 </a:solidFill>
-                <a:uFill>
-                  <a:solidFill>
-                    <a:srgbClr val="ffffff"/>
-                  </a:solidFill>
-                </a:uFill>
-                <a:latin typeface="Arial"/>
+                <a:latin typeface="Arial"/>
+                <a:ea typeface="DejaVu Sans"/>
               </a:rPr>
               <a:t>public static function getInstance()</a:t>
             </a:r>
-            <a:endParaRPr b="0" lang="en-IN" sz="1800" spc="-1" strike="noStrike">
-              <a:solidFill>
-                <a:srgbClr val="000000"/>
-              </a:solidFill>
-              <a:uFill>
-                <a:solidFill>
-                  <a:srgbClr val="ffffff"/>
-                </a:solidFill>
-              </a:uFill>
+            <a:endParaRPr b="0" lang="en-IN" sz="1400" spc="-1" strike="noStrike">
               <a:latin typeface="Arial"/>
             </a:endParaRPr>
           </a:p>
@@ -2585,12 +2394,8 @@
                 <a:solidFill>
                   <a:srgbClr val="ffffff"/>
                 </a:solidFill>
-                <a:uFill>
-                  <a:solidFill>
-                    <a:srgbClr val="ffffff"/>
-                  </a:solidFill>
-                </a:uFill>
-                <a:latin typeface="Arial"/>
+                <a:latin typeface="Arial"/>
+                <a:ea typeface="DejaVu Sans"/>
               </a:rPr>
               <a:t>    </a:t>
             </a:r>
@@ -2599,24 +2404,12 @@
                 <a:solidFill>
                   <a:srgbClr val="ffffff"/>
                 </a:solidFill>
-                <a:uFill>
-                  <a:solidFill>
-                    <a:srgbClr val="ffffff"/>
-                  </a:solidFill>
-                </a:uFill>
-                <a:latin typeface="Arial"/>
+                <a:latin typeface="Arial"/>
+                <a:ea typeface="DejaVu Sans"/>
               </a:rPr>
               <a:t>{</a:t>
             </a:r>
-            <a:endParaRPr b="0" lang="en-IN" sz="1800" spc="-1" strike="noStrike">
-              <a:solidFill>
-                <a:srgbClr val="000000"/>
-              </a:solidFill>
-              <a:uFill>
-                <a:solidFill>
-                  <a:srgbClr val="ffffff"/>
-                </a:solidFill>
-              </a:uFill>
+            <a:endParaRPr b="0" lang="en-IN" sz="1400" spc="-1" strike="noStrike">
               <a:latin typeface="Arial"/>
             </a:endParaRPr>
           </a:p>
@@ -2637,12 +2430,8 @@
                 <a:solidFill>
                   <a:srgbClr val="ffffff"/>
                 </a:solidFill>
-                <a:uFill>
-                  <a:solidFill>
-                    <a:srgbClr val="ffffff"/>
-                  </a:solidFill>
-                </a:uFill>
-                <a:latin typeface="Arial"/>
+                <a:latin typeface="Arial"/>
+                <a:ea typeface="DejaVu Sans"/>
               </a:rPr>
               <a:t>        </a:t>
             </a:r>
@@ -2651,24 +2440,12 @@
                 <a:solidFill>
                   <a:srgbClr val="ffffff"/>
                 </a:solidFill>
-                <a:uFill>
-                  <a:solidFill>
-                    <a:srgbClr val="ffffff"/>
-                  </a:solidFill>
-                </a:uFill>
-                <a:latin typeface="Arial"/>
+                <a:latin typeface="Arial"/>
+                <a:ea typeface="DejaVu Sans"/>
               </a:rPr>
               <a:t>if( is_null(self::$instance) ) {</a:t>
             </a:r>
-            <a:endParaRPr b="0" lang="en-IN" sz="1800" spc="-1" strike="noStrike">
-              <a:solidFill>
-                <a:srgbClr val="000000"/>
-              </a:solidFill>
-              <a:uFill>
-                <a:solidFill>
-                  <a:srgbClr val="ffffff"/>
-                </a:solidFill>
-              </a:uFill>
+            <a:endParaRPr b="0" lang="en-IN" sz="1400" spc="-1" strike="noStrike">
               <a:latin typeface="Arial"/>
             </a:endParaRPr>
           </a:p>
@@ -2689,12 +2466,8 @@
                 <a:solidFill>
                   <a:srgbClr val="ffffff"/>
                 </a:solidFill>
-                <a:uFill>
-                  <a:solidFill>
-                    <a:srgbClr val="ffffff"/>
-                  </a:solidFill>
-                </a:uFill>
-                <a:latin typeface="Arial"/>
+                <a:latin typeface="Arial"/>
+                <a:ea typeface="DejaVu Sans"/>
               </a:rPr>
               <a:t>            </a:t>
             </a:r>
@@ -2703,24 +2476,12 @@
                 <a:solidFill>
                   <a:srgbClr val="ffffff"/>
                 </a:solidFill>
-                <a:uFill>
-                  <a:solidFill>
-                    <a:srgbClr val="ffffff"/>
-                  </a:solidFill>
-                </a:uFill>
-                <a:latin typeface="Arial"/>
+                <a:latin typeface="Arial"/>
+                <a:ea typeface="DejaVu Sans"/>
               </a:rPr>
               <a:t>self::$instance = new self();</a:t>
             </a:r>
-            <a:endParaRPr b="0" lang="en-IN" sz="1800" spc="-1" strike="noStrike">
-              <a:solidFill>
-                <a:srgbClr val="000000"/>
-              </a:solidFill>
-              <a:uFill>
-                <a:solidFill>
-                  <a:srgbClr val="ffffff"/>
-                </a:solidFill>
-              </a:uFill>
+            <a:endParaRPr b="0" lang="en-IN" sz="1400" spc="-1" strike="noStrike">
               <a:latin typeface="Arial"/>
             </a:endParaRPr>
           </a:p>
@@ -2741,12 +2502,8 @@
                 <a:solidFill>
                   <a:srgbClr val="ffffff"/>
                 </a:solidFill>
-                <a:uFill>
-                  <a:solidFill>
-                    <a:srgbClr val="ffffff"/>
-                  </a:solidFill>
-                </a:uFill>
-                <a:latin typeface="Arial"/>
+                <a:latin typeface="Arial"/>
+                <a:ea typeface="DejaVu Sans"/>
               </a:rPr>
               <a:t>        </a:t>
             </a:r>
@@ -2755,24 +2512,12 @@
                 <a:solidFill>
                   <a:srgbClr val="ffffff"/>
                 </a:solidFill>
-                <a:uFill>
-                  <a:solidFill>
-                    <a:srgbClr val="ffffff"/>
-                  </a:solidFill>
-                </a:uFill>
-                <a:latin typeface="Arial"/>
+                <a:latin typeface="Arial"/>
+                <a:ea typeface="DejaVu Sans"/>
               </a:rPr>
               <a:t>}</a:t>
             </a:r>
-            <a:endParaRPr b="0" lang="en-IN" sz="1800" spc="-1" strike="noStrike">
-              <a:solidFill>
-                <a:srgbClr val="000000"/>
-              </a:solidFill>
-              <a:uFill>
-                <a:solidFill>
-                  <a:srgbClr val="ffffff"/>
-                </a:solidFill>
-              </a:uFill>
+            <a:endParaRPr b="0" lang="en-IN" sz="1400" spc="-1" strike="noStrike">
               <a:latin typeface="Arial"/>
             </a:endParaRPr>
           </a:p>
@@ -2793,12 +2538,8 @@
                 <a:solidFill>
                   <a:srgbClr val="ffffff"/>
                 </a:solidFill>
-                <a:uFill>
-                  <a:solidFill>
-                    <a:srgbClr val="ffffff"/>
-                  </a:solidFill>
-                </a:uFill>
-                <a:latin typeface="Arial"/>
+                <a:latin typeface="Arial"/>
+                <a:ea typeface="DejaVu Sans"/>
               </a:rPr>
               <a:t>        </a:t>
             </a:r>
@@ -2807,24 +2548,12 @@
                 <a:solidFill>
                   <a:srgbClr val="ffffff"/>
                 </a:solidFill>
-                <a:uFill>
-                  <a:solidFill>
-                    <a:srgbClr val="ffffff"/>
-                  </a:solidFill>
-                </a:uFill>
-                <a:latin typeface="Arial"/>
+                <a:latin typeface="Arial"/>
+                <a:ea typeface="DejaVu Sans"/>
               </a:rPr>
               <a:t>return self::$instance;</a:t>
             </a:r>
-            <a:endParaRPr b="0" lang="en-IN" sz="1800" spc="-1" strike="noStrike">
-              <a:solidFill>
-                <a:srgbClr val="000000"/>
-              </a:solidFill>
-              <a:uFill>
-                <a:solidFill>
-                  <a:srgbClr val="ffffff"/>
-                </a:solidFill>
-              </a:uFill>
+            <a:endParaRPr b="0" lang="en-IN" sz="1400" spc="-1" strike="noStrike">
               <a:latin typeface="Arial"/>
             </a:endParaRPr>
           </a:p>
@@ -2845,12 +2574,8 @@
                 <a:solidFill>
                   <a:srgbClr val="ffffff"/>
                 </a:solidFill>
-                <a:uFill>
-                  <a:solidFill>
-                    <a:srgbClr val="ffffff"/>
-                  </a:solidFill>
-                </a:uFill>
-                <a:latin typeface="Arial"/>
+                <a:latin typeface="Arial"/>
+                <a:ea typeface="DejaVu Sans"/>
               </a:rPr>
               <a:t>    </a:t>
             </a:r>
@@ -2859,24 +2584,12 @@
                 <a:solidFill>
                   <a:srgbClr val="ffffff"/>
                 </a:solidFill>
-                <a:uFill>
-                  <a:solidFill>
-                    <a:srgbClr val="ffffff"/>
-                  </a:solidFill>
-                </a:uFill>
-                <a:latin typeface="Arial"/>
+                <a:latin typeface="Arial"/>
+                <a:ea typeface="DejaVu Sans"/>
               </a:rPr>
               <a:t>}</a:t>
             </a:r>
-            <a:endParaRPr b="0" lang="en-IN" sz="1800" spc="-1" strike="noStrike">
-              <a:solidFill>
-                <a:srgbClr val="000000"/>
-              </a:solidFill>
-              <a:uFill>
-                <a:solidFill>
-                  <a:srgbClr val="ffffff"/>
-                </a:solidFill>
-              </a:uFill>
+            <a:endParaRPr b="0" lang="en-IN" sz="1400" spc="-1" strike="noStrike">
               <a:latin typeface="Arial"/>
             </a:endParaRPr>
           </a:p>
@@ -2897,24 +2610,12 @@
                 <a:solidFill>
                   <a:srgbClr val="ffffff"/>
                 </a:solidFill>
-                <a:uFill>
-                  <a:solidFill>
-                    <a:srgbClr val="ffffff"/>
-                  </a:solidFill>
-                </a:uFill>
-                <a:latin typeface="Arial"/>
+                <a:latin typeface="Arial"/>
+                <a:ea typeface="DejaVu Sans"/>
               </a:rPr>
               <a:t>     </a:t>
             </a:r>
-            <a:endParaRPr b="0" lang="en-IN" sz="1800" spc="-1" strike="noStrike">
-              <a:solidFill>
-                <a:srgbClr val="000000"/>
-              </a:solidFill>
-              <a:uFill>
-                <a:solidFill>
-                  <a:srgbClr val="ffffff"/>
-                </a:solidFill>
-              </a:uFill>
+            <a:endParaRPr b="0" lang="en-IN" sz="1400" spc="-1" strike="noStrike">
               <a:latin typeface="Arial"/>
             </a:endParaRPr>
           </a:p>
@@ -2935,12 +2636,8 @@
                 <a:solidFill>
                   <a:srgbClr val="ffffff"/>
                 </a:solidFill>
-                <a:uFill>
-                  <a:solidFill>
-                    <a:srgbClr val="ffffff"/>
-                  </a:solidFill>
-                </a:uFill>
-                <a:latin typeface="Arial"/>
+                <a:latin typeface="Arial"/>
+                <a:ea typeface="DejaVu Sans"/>
               </a:rPr>
               <a:t>    </a:t>
             </a:r>
@@ -2949,24 +2646,12 @@
                 <a:solidFill>
                   <a:srgbClr val="ffffff"/>
                 </a:solidFill>
-                <a:uFill>
-                  <a:solidFill>
-                    <a:srgbClr val="ffffff"/>
-                  </a:solidFill>
-                </a:uFill>
-                <a:latin typeface="Arial"/>
+                <a:latin typeface="Arial"/>
+                <a:ea typeface="DejaVu Sans"/>
               </a:rPr>
               <a:t>private function __construct() { }</a:t>
             </a:r>
-            <a:endParaRPr b="0" lang="en-IN" sz="1800" spc="-1" strike="noStrike">
-              <a:solidFill>
-                <a:srgbClr val="000000"/>
-              </a:solidFill>
-              <a:uFill>
-                <a:solidFill>
-                  <a:srgbClr val="ffffff"/>
-                </a:solidFill>
-              </a:uFill>
+            <a:endParaRPr b="0" lang="en-IN" sz="1400" spc="-1" strike="noStrike">
               <a:latin typeface="Arial"/>
             </a:endParaRPr>
           </a:p>
@@ -2987,24 +2672,12 @@
                 <a:solidFill>
                   <a:srgbClr val="ffffff"/>
                 </a:solidFill>
-                <a:uFill>
-                  <a:solidFill>
-                    <a:srgbClr val="ffffff"/>
-                  </a:solidFill>
-                </a:uFill>
-                <a:latin typeface="Arial"/>
+                <a:latin typeface="Arial"/>
+                <a:ea typeface="DejaVu Sans"/>
               </a:rPr>
               <a:t>     </a:t>
             </a:r>
-            <a:endParaRPr b="0" lang="en-IN" sz="1800" spc="-1" strike="noStrike">
-              <a:solidFill>
-                <a:srgbClr val="000000"/>
-              </a:solidFill>
-              <a:uFill>
-                <a:solidFill>
-                  <a:srgbClr val="ffffff"/>
-                </a:solidFill>
-              </a:uFill>
+            <a:endParaRPr b="0" lang="en-IN" sz="1400" spc="-1" strike="noStrike">
               <a:latin typeface="Arial"/>
             </a:endParaRPr>
           </a:p>
@@ -3025,12 +2698,8 @@
                 <a:solidFill>
                   <a:srgbClr val="ffffff"/>
                 </a:solidFill>
-                <a:uFill>
-                  <a:solidFill>
-                    <a:srgbClr val="ffffff"/>
-                  </a:solidFill>
-                </a:uFill>
-                <a:latin typeface="Arial"/>
+                <a:latin typeface="Arial"/>
+                <a:ea typeface="DejaVu Sans"/>
               </a:rPr>
               <a:t>    </a:t>
             </a:r>
@@ -3039,24 +2708,12 @@
                 <a:solidFill>
                   <a:srgbClr val="ffffff"/>
                 </a:solidFill>
-                <a:uFill>
-                  <a:solidFill>
-                    <a:srgbClr val="ffffff"/>
-                  </a:solidFill>
-                </a:uFill>
-                <a:latin typeface="Arial"/>
+                <a:latin typeface="Arial"/>
+                <a:ea typeface="DejaVu Sans"/>
               </a:rPr>
               <a:t>private function __clone() { }</a:t>
             </a:r>
-            <a:endParaRPr b="0" lang="en-IN" sz="1800" spc="-1" strike="noStrike">
-              <a:solidFill>
-                <a:srgbClr val="000000"/>
-              </a:solidFill>
-              <a:uFill>
-                <a:solidFill>
-                  <a:srgbClr val="ffffff"/>
-                </a:solidFill>
-              </a:uFill>
+            <a:endParaRPr b="0" lang="en-IN" sz="1400" spc="-1" strike="noStrike">
               <a:latin typeface="Arial"/>
             </a:endParaRPr>
           </a:p>
@@ -3077,24 +2734,12 @@
                 <a:solidFill>
                   <a:srgbClr val="ffffff"/>
                 </a:solidFill>
-                <a:uFill>
-                  <a:solidFill>
-                    <a:srgbClr val="ffffff"/>
-                  </a:solidFill>
-                </a:uFill>
-                <a:latin typeface="Arial"/>
+                <a:latin typeface="Arial"/>
+                <a:ea typeface="DejaVu Sans"/>
               </a:rPr>
               <a:t>}</a:t>
             </a:r>
-            <a:endParaRPr b="0" lang="en-IN" sz="1800" spc="-1" strike="noStrike">
-              <a:solidFill>
-                <a:srgbClr val="000000"/>
-              </a:solidFill>
-              <a:uFill>
-                <a:solidFill>
-                  <a:srgbClr val="ffffff"/>
-                </a:solidFill>
-              </a:uFill>
+            <a:endParaRPr b="0" lang="en-IN" sz="1400" spc="-1" strike="noStrike">
               <a:latin typeface="Arial"/>
             </a:endParaRPr>
           </a:p>
@@ -3115,24 +2760,12 @@
                 <a:solidFill>
                   <a:srgbClr val="ffffff"/>
                 </a:solidFill>
-                <a:uFill>
-                  <a:solidFill>
-                    <a:srgbClr val="ffffff"/>
-                  </a:solidFill>
-                </a:uFill>
-                <a:latin typeface="Arial"/>
+                <a:latin typeface="Arial"/>
+                <a:ea typeface="DejaVu Sans"/>
               </a:rPr>
               <a:t> </a:t>
             </a:r>
-            <a:endParaRPr b="0" lang="en-IN" sz="1800" spc="-1" strike="noStrike">
-              <a:solidFill>
-                <a:srgbClr val="000000"/>
-              </a:solidFill>
-              <a:uFill>
-                <a:solidFill>
-                  <a:srgbClr val="ffffff"/>
-                </a:solidFill>
-              </a:uFill>
+            <a:endParaRPr b="0" lang="en-IN" sz="1400" spc="-1" strike="noStrike">
               <a:latin typeface="Arial"/>
             </a:endParaRPr>
           </a:p>
@@ -3153,24 +2786,12 @@
                 <a:solidFill>
                   <a:srgbClr val="ffffff"/>
                 </a:solidFill>
-                <a:uFill>
-                  <a:solidFill>
-                    <a:srgbClr val="ffffff"/>
-                  </a:solidFill>
-                </a:uFill>
-                <a:latin typeface="Arial"/>
+                <a:latin typeface="Arial"/>
+                <a:ea typeface="DejaVu Sans"/>
               </a:rPr>
               <a:t>// get a session instance</a:t>
             </a:r>
-            <a:endParaRPr b="0" lang="en-IN" sz="1800" spc="-1" strike="noStrike">
-              <a:solidFill>
-                <a:srgbClr val="000000"/>
-              </a:solidFill>
-              <a:uFill>
-                <a:solidFill>
-                  <a:srgbClr val="ffffff"/>
-                </a:solidFill>
-              </a:uFill>
+            <a:endParaRPr b="0" lang="en-IN" sz="1400" spc="-1" strike="noStrike">
               <a:latin typeface="Arial"/>
             </a:endParaRPr>
           </a:p>
@@ -3191,24 +2812,12 @@
                 <a:solidFill>
                   <a:srgbClr val="ffffff"/>
                 </a:solidFill>
-                <a:uFill>
-                  <a:solidFill>
-                    <a:srgbClr val="ffffff"/>
-                  </a:solidFill>
-                </a:uFill>
-                <a:latin typeface="Arial"/>
+                <a:latin typeface="Arial"/>
+                <a:ea typeface="DejaVu Sans"/>
               </a:rPr>
               <a:t>$session = Session::getInstance();</a:t>
             </a:r>
-            <a:endParaRPr b="0" lang="en-IN" sz="1800" spc="-1" strike="noStrike">
-              <a:solidFill>
-                <a:srgbClr val="000000"/>
-              </a:solidFill>
-              <a:uFill>
-                <a:solidFill>
-                  <a:srgbClr val="ffffff"/>
-                </a:solidFill>
-              </a:uFill>
+            <a:endParaRPr b="0" lang="en-IN" sz="1400" spc="-1" strike="noStrike">
               <a:latin typeface="Arial"/>
             </a:endParaRPr>
           </a:p>
@@ -3217,30 +2826,19 @@
               <a:lnSpc>
                 <a:spcPct val="100000"/>
               </a:lnSpc>
+              <a:buNone/>
             </a:pPr>
             <a:r>
               <a:rPr b="0" lang="en-IN" sz="1400" spc="-1" strike="noStrike">
                 <a:solidFill>
                   <a:srgbClr val="ffffff"/>
                 </a:solidFill>
-                <a:uFill>
-                  <a:solidFill>
-                    <a:srgbClr val="ffffff"/>
-                  </a:solidFill>
-                </a:uFill>
-                <a:latin typeface="Arial"/>
+                <a:latin typeface="Arial"/>
+                <a:ea typeface="DejaVu Sans"/>
               </a:rPr>
               <a:t>$session1 = Session::getInstance();</a:t>
             </a:r>
-            <a:endParaRPr b="0" lang="en-IN" sz="1800" spc="-1" strike="noStrike">
-              <a:solidFill>
-                <a:srgbClr val="000000"/>
-              </a:solidFill>
-              <a:uFill>
-                <a:solidFill>
-                  <a:srgbClr val="ffffff"/>
-                </a:solidFill>
-              </a:uFill>
+            <a:endParaRPr b="0" lang="en-IN" sz="1400" spc="-1" strike="noStrike">
               <a:latin typeface="Arial"/>
             </a:endParaRPr>
           </a:p>
@@ -3249,30 +2847,19 @@
               <a:lnSpc>
                 <a:spcPct val="100000"/>
               </a:lnSpc>
+              <a:buNone/>
             </a:pPr>
             <a:r>
               <a:rPr b="0" lang="en-IN" sz="1400" spc="-1" strike="noStrike">
                 <a:solidFill>
                   <a:srgbClr val="ffffff"/>
                 </a:solidFill>
-                <a:uFill>
-                  <a:solidFill>
-                    <a:srgbClr val="ffffff"/>
-                  </a:solidFill>
-                </a:uFill>
-                <a:latin typeface="Arial"/>
+                <a:latin typeface="Arial"/>
+                <a:ea typeface="DejaVu Sans"/>
               </a:rPr>
               <a:t>$session2 = Session::getInstance();</a:t>
             </a:r>
-            <a:endParaRPr b="0" lang="en-IN" sz="1800" spc="-1" strike="noStrike">
-              <a:solidFill>
-                <a:srgbClr val="000000"/>
-              </a:solidFill>
-              <a:uFill>
-                <a:solidFill>
-                  <a:srgbClr val="ffffff"/>
-                </a:solidFill>
-              </a:uFill>
+            <a:endParaRPr b="0" lang="en-IN" sz="1400" spc="-1" strike="noStrike">
               <a:latin typeface="Arial"/>
             </a:endParaRPr>
           </a:p>
@@ -3280,33 +2867,80 @@
       </p:sp>
     </p:spTree>
   </p:cSld>
-  <p:timing>
-    <p:tnLst>
-      <p:par>
-        <p:cTn id="5" dur="indefinite" restart="never" nodeType="tmRoot">
-          <p:childTnLst>
-            <p:seq>
-              <p:cTn id="6" nodeType="mainSeq"/>
-              <p:prevCondLst>
-                <p:cond delay="0" evt="onPrev">
-                  <p:tgtEl>
-                    <p:sldTgt/>
-                  </p:tgtEl>
-                </p:cond>
-              </p:prevCondLst>
-              <p:nextCondLst>
-                <p:cond delay="0" evt="onNext">
-                  <p:tgtEl>
-                    <p:sldTgt/>
-                  </p:tgtEl>
-                </p:cond>
-              </p:nextCondLst>
-            </p:seq>
-          </p:childTnLst>
-        </p:cTn>
-      </p:par>
-    </p:tnLst>
-  </p:timing>
+  <mc:AlternateContent>
+    <mc:Choice Requires="p14">
+      <p:transition spd="slow" p14:dur="2000"/>
+    </mc:Choice>
+    <mc:Fallback>
+      <p:transition spd="slow"/>
+    </mc:Fallback>
+  </mc:AlternateContent>
+</p:sld>
+</file>
+
+<file path=ppt/slides/slide4.xml><?xml version="1.0" encoding="utf-8"?>
+<p:sld xmlns:a="http://schemas.openxmlformats.org/drawingml/2006/main" xmlns:p="http://schemas.openxmlformats.org/presentationml/2006/main" xmlns:r="http://schemas.openxmlformats.org/officeDocument/2006/relationships" xmlns:p14="http://schemas.microsoft.com/office/powerpoint/2010/main" xmlns:p15="http://schemas.microsoft.com/office/powerpoint/2012/main" xmlns:mc="http://schemas.openxmlformats.org/markup-compatibility/2006">
+  <p:cSld>
+    <p:spTree>
+      <p:nvGrpSpPr>
+        <p:cNvPr id="1" name=""/>
+        <p:cNvGrpSpPr/>
+        <p:nvPr/>
+      </p:nvGrpSpPr>
+      <p:grpSpPr>
+        <a:xfrm>
+          <a:off x="0" y="0"/>
+          <a:ext cx="0" cy="0"/>
+          <a:chOff x="0" y="0"/>
+          <a:chExt cx="0" cy="0"/>
+        </a:xfrm>
+      </p:grpSpPr>
+      <p:sp>
+        <p:nvSpPr>
+          <p:cNvPr id="45" name=""/>
+          <p:cNvSpPr txBox="1"/>
+          <p:nvPr/>
+        </p:nvSpPr>
+        <p:spPr>
+          <a:xfrm>
+            <a:off x="4109040" y="3280680"/>
+            <a:ext cx="1930320" cy="346680"/>
+          </a:xfrm>
+          <a:prstGeom prst="rect">
+            <a:avLst/>
+          </a:prstGeom>
+          <a:noFill/>
+          <a:ln w="0">
+            <a:noFill/>
+          </a:ln>
+        </p:spPr>
+        <p:txBody>
+          <a:bodyPr lIns="90000" rIns="90000" tIns="45000" bIns="45000" anchor="t">
+            <a:noAutofit/>
+          </a:bodyPr>
+          <a:p>
+            <a:r>
+              <a:rPr b="0" lang="en-IN" sz="1800" spc="-1" strike="noStrike">
+                <a:latin typeface="Arial"/>
+              </a:rPr>
+              <a:t>presentation.pptx</a:t>
+            </a:r>
+            <a:endParaRPr b="0" lang="en-IN" sz="1800" spc="-1" strike="noStrike">
+              <a:latin typeface="Arial"/>
+            </a:endParaRPr>
+          </a:p>
+        </p:txBody>
+      </p:sp>
+    </p:spTree>
+  </p:cSld>
+  <mc:AlternateContent>
+    <mc:Choice Requires="p14">
+      <p:transition spd="slow" p14:dur="2000"/>
+    </mc:Choice>
+    <mc:Fallback>
+      <p:transition spd="slow"/>
+    </mc:Fallback>
+  </mc:AlternateContent>
 </p:sld>
 </file>
 
@@ -3321,31 +2955,31 @@
         <a:sysClr val="window" lastClr="FFFFFF"/>
       </a:lt1>
       <a:dk2>
-        <a:srgbClr val="1F497D"/>
+        <a:srgbClr val="1f497d"/>
       </a:dk2>
       <a:lt2>
-        <a:srgbClr val="EEECE1"/>
+        <a:srgbClr val="eeece1"/>
       </a:lt2>
       <a:accent1>
-        <a:srgbClr val="4F81BD"/>
+        <a:srgbClr val="4f81bd"/>
       </a:accent1>
       <a:accent2>
-        <a:srgbClr val="C0504D"/>
+        <a:srgbClr val="c0504d"/>
       </a:accent2>
       <a:accent3>
-        <a:srgbClr val="9BBB59"/>
+        <a:srgbClr val="9bbb59"/>
       </a:accent3>
       <a:accent4>
-        <a:srgbClr val="8064A2"/>
+        <a:srgbClr val="8064a2"/>
       </a:accent4>
       <a:accent5>
-        <a:srgbClr val="4BACC6"/>
+        <a:srgbClr val="4bacc6"/>
       </a:accent5>
       <a:accent6>
-        <a:srgbClr val="F79646"/>
+        <a:srgbClr val="f79646"/>
       </a:accent6>
       <a:hlink>
-        <a:srgbClr val="0000FF"/>
+        <a:srgbClr val="0000ff"/>
       </a:hlink>
       <a:folHlink>
         <a:srgbClr val="800080"/>
@@ -3424,18 +3058,21 @@
             </a:schemeClr>
           </a:solidFill>
           <a:prstDash val="solid"/>
+          <a:miter/>
         </a:ln>
         <a:ln w="25400" cap="flat" cmpd="sng" algn="ctr">
           <a:solidFill>
             <a:schemeClr val="phClr"/>
           </a:solidFill>
           <a:prstDash val="solid"/>
+          <a:miter/>
         </a:ln>
         <a:ln w="38100" cap="flat" cmpd="sng" algn="ctr">
           <a:solidFill>
             <a:schemeClr val="phClr"/>
           </a:solidFill>
           <a:prstDash val="solid"/>
+          <a:miter/>
         </a:ln>
       </a:lnStyleLst>
       <a:effectStyleLst>

--- a/presentation.pptx
+++ b/presentation.pptx
@@ -8,9 +8,11 @@
     <p:sldId id="256" r:id="rId3"/>
     <p:sldId id="257" r:id="rId4"/>
     <p:sldId id="258" r:id="rId5"/>
+    <p:sldId id="259" r:id="rId6"/>
+    <p:sldId id="260" r:id="rId7"/>
   </p:sldIdLst>
   <p:sldSz cx="10080625" cy="7559675"/>
-  <p:notesSz cx="7559675" cy="10691812"/>
+  <p:notesSz cx="7559675" cy="10691813"/>
 </p:presentation>
 </file>
 
@@ -65,26 +67,26 @@
         </p:nvSpPr>
         <p:spPr>
           <a:xfrm>
-            <a:off x="504000" y="288000"/>
-            <a:ext cx="9071640" cy="1247760"/>
-          </a:xfrm>
-          <a:prstGeom prst="rect">
-            <a:avLst/>
-          </a:prstGeom>
-        </p:spPr>
-        <p:txBody>
-          <a:bodyPr lIns="0" rIns="0" tIns="0" bIns="0" anchor="ctr"/>
-          <a:p>
-            <a:pPr algn="ctr"/>
+            <a:off x="504000" y="301320"/>
+            <a:ext cx="9072000" cy="1261800"/>
+          </a:xfrm>
+          <a:prstGeom prst="rect">
+            <a:avLst/>
+          </a:prstGeom>
+          <a:noFill/>
+          <a:ln w="0">
+            <a:noFill/>
+          </a:ln>
+        </p:spPr>
+        <p:txBody>
+          <a:bodyPr lIns="0" rIns="0" tIns="0" bIns="0" anchor="ctr">
+            <a:noAutofit/>
+          </a:bodyPr>
+          <a:p>
+            <a:pPr algn="ctr">
+              <a:buNone/>
+            </a:pPr>
             <a:endParaRPr b="0" lang="en-IN" sz="4400" spc="-1" strike="noStrike">
-              <a:solidFill>
-                <a:srgbClr val="000000"/>
-              </a:solidFill>
-              <a:uFill>
-                <a:solidFill>
-                  <a:srgbClr val="ffffff"/>
-                </a:solidFill>
-              </a:uFill>
               <a:latin typeface="Arial"/>
             </a:endParaRPr>
           </a:p>
@@ -97,30 +99,28 @@
             <a:spLocks noGrp="1"/>
           </p:cNvSpPr>
           <p:nvPr>
-            <p:ph type="body"/>
-          </p:nvPr>
-        </p:nvSpPr>
-        <p:spPr>
-          <a:xfrm>
-            <a:off x="504000" y="1823760"/>
-            <a:ext cx="9071640" cy="2090880"/>
-          </a:xfrm>
-          <a:prstGeom prst="rect">
-            <a:avLst/>
-          </a:prstGeom>
-        </p:spPr>
-        <p:txBody>
-          <a:bodyPr lIns="0" rIns="0" tIns="0" bIns="0"/>
+            <p:ph/>
+          </p:nvPr>
+        </p:nvSpPr>
+        <p:spPr>
+          <a:xfrm>
+            <a:off x="504000" y="1768680"/>
+            <a:ext cx="9072000" cy="2090880"/>
+          </a:xfrm>
+          <a:prstGeom prst="rect">
+            <a:avLst/>
+          </a:prstGeom>
+          <a:noFill/>
+          <a:ln w="0">
+            <a:noFill/>
+          </a:ln>
+        </p:spPr>
+        <p:txBody>
+          <a:bodyPr lIns="0" rIns="0" tIns="0" bIns="0" anchor="t">
+            <a:normAutofit/>
+          </a:bodyPr>
           <a:p>
             <a:endParaRPr b="0" lang="en-IN" sz="3200" spc="-1" strike="noStrike">
-              <a:solidFill>
-                <a:srgbClr val="000000"/>
-              </a:solidFill>
-              <a:uFill>
-                <a:solidFill>
-                  <a:srgbClr val="ffffff"/>
-                </a:solidFill>
-              </a:uFill>
               <a:latin typeface="Arial"/>
             </a:endParaRPr>
           </a:p>
@@ -133,30 +133,28 @@
             <a:spLocks noGrp="1"/>
           </p:cNvSpPr>
           <p:nvPr>
-            <p:ph type="body"/>
-          </p:nvPr>
-        </p:nvSpPr>
-        <p:spPr>
-          <a:xfrm>
-            <a:off x="504000" y="4113720"/>
-            <a:ext cx="9071640" cy="2090880"/>
-          </a:xfrm>
-          <a:prstGeom prst="rect">
-            <a:avLst/>
-          </a:prstGeom>
-        </p:spPr>
-        <p:txBody>
-          <a:bodyPr lIns="0" rIns="0" tIns="0" bIns="0"/>
+            <p:ph/>
+          </p:nvPr>
+        </p:nvSpPr>
+        <p:spPr>
+          <a:xfrm>
+            <a:off x="504000" y="4058640"/>
+            <a:ext cx="9072000" cy="2090880"/>
+          </a:xfrm>
+          <a:prstGeom prst="rect">
+            <a:avLst/>
+          </a:prstGeom>
+          <a:noFill/>
+          <a:ln w="0">
+            <a:noFill/>
+          </a:ln>
+        </p:spPr>
+        <p:txBody>
+          <a:bodyPr lIns="0" rIns="0" tIns="0" bIns="0" anchor="t">
+            <a:normAutofit/>
+          </a:bodyPr>
           <a:p>
             <a:endParaRPr b="0" lang="en-IN" sz="3200" spc="-1" strike="noStrike">
-              <a:solidFill>
-                <a:srgbClr val="000000"/>
-              </a:solidFill>
-              <a:uFill>
-                <a:solidFill>
-                  <a:srgbClr val="ffffff"/>
-                </a:solidFill>
-              </a:uFill>
               <a:latin typeface="Arial"/>
             </a:endParaRPr>
           </a:p>
@@ -196,26 +194,26 @@
         </p:nvSpPr>
         <p:spPr>
           <a:xfrm>
-            <a:off x="504000" y="288000"/>
-            <a:ext cx="9071640" cy="1247760"/>
-          </a:xfrm>
-          <a:prstGeom prst="rect">
-            <a:avLst/>
-          </a:prstGeom>
-        </p:spPr>
-        <p:txBody>
-          <a:bodyPr lIns="0" rIns="0" tIns="0" bIns="0" anchor="ctr"/>
-          <a:p>
-            <a:pPr algn="ctr"/>
+            <a:off x="504000" y="301320"/>
+            <a:ext cx="9072000" cy="1261800"/>
+          </a:xfrm>
+          <a:prstGeom prst="rect">
+            <a:avLst/>
+          </a:prstGeom>
+          <a:noFill/>
+          <a:ln w="0">
+            <a:noFill/>
+          </a:ln>
+        </p:spPr>
+        <p:txBody>
+          <a:bodyPr lIns="0" rIns="0" tIns="0" bIns="0" anchor="ctr">
+            <a:noAutofit/>
+          </a:bodyPr>
+          <a:p>
+            <a:pPr algn="ctr">
+              <a:buNone/>
+            </a:pPr>
             <a:endParaRPr b="0" lang="en-IN" sz="4400" spc="-1" strike="noStrike">
-              <a:solidFill>
-                <a:srgbClr val="000000"/>
-              </a:solidFill>
-              <a:uFill>
-                <a:solidFill>
-                  <a:srgbClr val="ffffff"/>
-                </a:solidFill>
-              </a:uFill>
               <a:latin typeface="Arial"/>
             </a:endParaRPr>
           </a:p>
@@ -228,30 +226,28 @@
             <a:spLocks noGrp="1"/>
           </p:cNvSpPr>
           <p:nvPr>
-            <p:ph type="body"/>
-          </p:nvPr>
-        </p:nvSpPr>
-        <p:spPr>
-          <a:xfrm>
-            <a:off x="504000" y="1823760"/>
+            <p:ph/>
+          </p:nvPr>
+        </p:nvSpPr>
+        <p:spPr>
+          <a:xfrm>
+            <a:off x="504000" y="1768680"/>
             <a:ext cx="4426920" cy="2090880"/>
           </a:xfrm>
           <a:prstGeom prst="rect">
             <a:avLst/>
           </a:prstGeom>
-        </p:spPr>
-        <p:txBody>
-          <a:bodyPr lIns="0" rIns="0" tIns="0" bIns="0"/>
+          <a:noFill/>
+          <a:ln w="0">
+            <a:noFill/>
+          </a:ln>
+        </p:spPr>
+        <p:txBody>
+          <a:bodyPr lIns="0" rIns="0" tIns="0" bIns="0" anchor="t">
+            <a:normAutofit/>
+          </a:bodyPr>
           <a:p>
             <a:endParaRPr b="0" lang="en-IN" sz="3200" spc="-1" strike="noStrike">
-              <a:solidFill>
-                <a:srgbClr val="000000"/>
-              </a:solidFill>
-              <a:uFill>
-                <a:solidFill>
-                  <a:srgbClr val="ffffff"/>
-                </a:solidFill>
-              </a:uFill>
               <a:latin typeface="Arial"/>
             </a:endParaRPr>
           </a:p>
@@ -264,30 +260,28 @@
             <a:spLocks noGrp="1"/>
           </p:cNvSpPr>
           <p:nvPr>
-            <p:ph type="body"/>
-          </p:nvPr>
-        </p:nvSpPr>
-        <p:spPr>
-          <a:xfrm>
-            <a:off x="5152680" y="1823760"/>
+            <p:ph/>
+          </p:nvPr>
+        </p:nvSpPr>
+        <p:spPr>
+          <a:xfrm>
+            <a:off x="5152680" y="1768680"/>
             <a:ext cx="4426920" cy="2090880"/>
           </a:xfrm>
           <a:prstGeom prst="rect">
             <a:avLst/>
           </a:prstGeom>
-        </p:spPr>
-        <p:txBody>
-          <a:bodyPr lIns="0" rIns="0" tIns="0" bIns="0"/>
+          <a:noFill/>
+          <a:ln w="0">
+            <a:noFill/>
+          </a:ln>
+        </p:spPr>
+        <p:txBody>
+          <a:bodyPr lIns="0" rIns="0" tIns="0" bIns="0" anchor="t">
+            <a:normAutofit/>
+          </a:bodyPr>
           <a:p>
             <a:endParaRPr b="0" lang="en-IN" sz="3200" spc="-1" strike="noStrike">
-              <a:solidFill>
-                <a:srgbClr val="000000"/>
-              </a:solidFill>
-              <a:uFill>
-                <a:solidFill>
-                  <a:srgbClr val="ffffff"/>
-                </a:solidFill>
-              </a:uFill>
               <a:latin typeface="Arial"/>
             </a:endParaRPr>
           </a:p>
@@ -300,30 +294,28 @@
             <a:spLocks noGrp="1"/>
           </p:cNvSpPr>
           <p:nvPr>
-            <p:ph type="body"/>
-          </p:nvPr>
-        </p:nvSpPr>
-        <p:spPr>
-          <a:xfrm>
-            <a:off x="5152680" y="4113720"/>
+            <p:ph/>
+          </p:nvPr>
+        </p:nvSpPr>
+        <p:spPr>
+          <a:xfrm>
+            <a:off x="504000" y="4058640"/>
             <a:ext cx="4426920" cy="2090880"/>
           </a:xfrm>
           <a:prstGeom prst="rect">
             <a:avLst/>
           </a:prstGeom>
-        </p:spPr>
-        <p:txBody>
-          <a:bodyPr lIns="0" rIns="0" tIns="0" bIns="0"/>
+          <a:noFill/>
+          <a:ln w="0">
+            <a:noFill/>
+          </a:ln>
+        </p:spPr>
+        <p:txBody>
+          <a:bodyPr lIns="0" rIns="0" tIns="0" bIns="0" anchor="t">
+            <a:normAutofit/>
+          </a:bodyPr>
           <a:p>
             <a:endParaRPr b="0" lang="en-IN" sz="3200" spc="-1" strike="noStrike">
-              <a:solidFill>
-                <a:srgbClr val="000000"/>
-              </a:solidFill>
-              <a:uFill>
-                <a:solidFill>
-                  <a:srgbClr val="ffffff"/>
-                </a:solidFill>
-              </a:uFill>
               <a:latin typeface="Arial"/>
             </a:endParaRPr>
           </a:p>
@@ -336,30 +328,28 @@
             <a:spLocks noGrp="1"/>
           </p:cNvSpPr>
           <p:nvPr>
-            <p:ph type="body"/>
-          </p:nvPr>
-        </p:nvSpPr>
-        <p:spPr>
-          <a:xfrm>
-            <a:off x="504000" y="4113720"/>
+            <p:ph/>
+          </p:nvPr>
+        </p:nvSpPr>
+        <p:spPr>
+          <a:xfrm>
+            <a:off x="5152680" y="4058640"/>
             <a:ext cx="4426920" cy="2090880"/>
           </a:xfrm>
           <a:prstGeom prst="rect">
             <a:avLst/>
           </a:prstGeom>
-        </p:spPr>
-        <p:txBody>
-          <a:bodyPr lIns="0" rIns="0" tIns="0" bIns="0"/>
+          <a:noFill/>
+          <a:ln w="0">
+            <a:noFill/>
+          </a:ln>
+        </p:spPr>
+        <p:txBody>
+          <a:bodyPr lIns="0" rIns="0" tIns="0" bIns="0" anchor="t">
+            <a:normAutofit/>
+          </a:bodyPr>
           <a:p>
             <a:endParaRPr b="0" lang="en-IN" sz="3200" spc="-1" strike="noStrike">
-              <a:solidFill>
-                <a:srgbClr val="000000"/>
-              </a:solidFill>
-              <a:uFill>
-                <a:solidFill>
-                  <a:srgbClr val="ffffff"/>
-                </a:solidFill>
-              </a:uFill>
               <a:latin typeface="Arial"/>
             </a:endParaRPr>
           </a:p>
@@ -399,26 +389,26 @@
         </p:nvSpPr>
         <p:spPr>
           <a:xfrm>
-            <a:off x="504000" y="288000"/>
-            <a:ext cx="9071640" cy="1247760"/>
-          </a:xfrm>
-          <a:prstGeom prst="rect">
-            <a:avLst/>
-          </a:prstGeom>
-        </p:spPr>
-        <p:txBody>
-          <a:bodyPr lIns="0" rIns="0" tIns="0" bIns="0" anchor="ctr"/>
-          <a:p>
-            <a:pPr algn="ctr"/>
+            <a:off x="504000" y="301320"/>
+            <a:ext cx="9072000" cy="1261800"/>
+          </a:xfrm>
+          <a:prstGeom prst="rect">
+            <a:avLst/>
+          </a:prstGeom>
+          <a:noFill/>
+          <a:ln w="0">
+            <a:noFill/>
+          </a:ln>
+        </p:spPr>
+        <p:txBody>
+          <a:bodyPr lIns="0" rIns="0" tIns="0" bIns="0" anchor="ctr">
+            <a:noAutofit/>
+          </a:bodyPr>
+          <a:p>
+            <a:pPr algn="ctr">
+              <a:buNone/>
+            </a:pPr>
             <a:endParaRPr b="0" lang="en-IN" sz="4400" spc="-1" strike="noStrike">
-              <a:solidFill>
-                <a:srgbClr val="000000"/>
-              </a:solidFill>
-              <a:uFill>
-                <a:solidFill>
-                  <a:srgbClr val="ffffff"/>
-                </a:solidFill>
-              </a:uFill>
               <a:latin typeface="Arial"/>
             </a:endParaRPr>
           </a:p>
@@ -431,30 +421,28 @@
             <a:spLocks noGrp="1"/>
           </p:cNvSpPr>
           <p:nvPr>
-            <p:ph type="body"/>
-          </p:nvPr>
-        </p:nvSpPr>
-        <p:spPr>
-          <a:xfrm>
-            <a:off x="504000" y="1823760"/>
-            <a:ext cx="9071640" cy="4384080"/>
-          </a:xfrm>
-          <a:prstGeom prst="rect">
-            <a:avLst/>
-          </a:prstGeom>
-        </p:spPr>
-        <p:txBody>
-          <a:bodyPr lIns="0" rIns="0" tIns="0" bIns="0"/>
+            <p:ph/>
+          </p:nvPr>
+        </p:nvSpPr>
+        <p:spPr>
+          <a:xfrm>
+            <a:off x="504000" y="1768680"/>
+            <a:ext cx="2921040" cy="2090880"/>
+          </a:xfrm>
+          <a:prstGeom prst="rect">
+            <a:avLst/>
+          </a:prstGeom>
+          <a:noFill/>
+          <a:ln w="0">
+            <a:noFill/>
+          </a:ln>
+        </p:spPr>
+        <p:txBody>
+          <a:bodyPr lIns="0" rIns="0" tIns="0" bIns="0" anchor="t">
+            <a:normAutofit/>
+          </a:bodyPr>
           <a:p>
             <a:endParaRPr b="0" lang="en-IN" sz="3200" spc="-1" strike="noStrike">
-              <a:solidFill>
-                <a:srgbClr val="000000"/>
-              </a:solidFill>
-              <a:uFill>
-                <a:solidFill>
-                  <a:srgbClr val="ffffff"/>
-                </a:solidFill>
-              </a:uFill>
               <a:latin typeface="Arial"/>
             </a:endParaRPr>
           </a:p>
@@ -467,81 +455,169 @@
             <a:spLocks noGrp="1"/>
           </p:cNvSpPr>
           <p:nvPr>
-            <p:ph type="body"/>
-          </p:nvPr>
-        </p:nvSpPr>
-        <p:spPr>
-          <a:xfrm>
-            <a:off x="504000" y="1823760"/>
-            <a:ext cx="9071640" cy="4384080"/>
-          </a:xfrm>
-          <a:prstGeom prst="rect">
-            <a:avLst/>
-          </a:prstGeom>
-        </p:spPr>
-        <p:txBody>
-          <a:bodyPr lIns="0" rIns="0" tIns="0" bIns="0"/>
+            <p:ph/>
+          </p:nvPr>
+        </p:nvSpPr>
+        <p:spPr>
+          <a:xfrm>
+            <a:off x="3571560" y="1768680"/>
+            <a:ext cx="2921040" cy="2090880"/>
+          </a:xfrm>
+          <a:prstGeom prst="rect">
+            <a:avLst/>
+          </a:prstGeom>
+          <a:noFill/>
+          <a:ln w="0">
+            <a:noFill/>
+          </a:ln>
+        </p:spPr>
+        <p:txBody>
+          <a:bodyPr lIns="0" rIns="0" tIns="0" bIns="0" anchor="t">
+            <a:normAutofit/>
+          </a:bodyPr>
           <a:p>
             <a:endParaRPr b="0" lang="en-IN" sz="3200" spc="-1" strike="noStrike">
-              <a:solidFill>
-                <a:srgbClr val="000000"/>
-              </a:solidFill>
-              <a:uFill>
-                <a:solidFill>
-                  <a:srgbClr val="ffffff"/>
-                </a:solidFill>
-              </a:uFill>
-              <a:latin typeface="Arial"/>
-            </a:endParaRPr>
-          </a:p>
-        </p:txBody>
-      </p:sp>
-      <p:pic>
-        <p:nvPicPr>
-          <p:cNvPr id="35" name="" descr=""/>
-          <p:cNvPicPr/>
-          <p:nvPr/>
-        </p:nvPicPr>
-        <p:blipFill>
-          <a:blip r:embed="rId2"/>
-          <a:stretch/>
-        </p:blipFill>
-        <p:spPr>
-          <a:xfrm>
-            <a:off x="2292120" y="1823760"/>
-            <a:ext cx="5494680" cy="4384080"/>
-          </a:xfrm>
-          <a:prstGeom prst="rect">
-            <a:avLst/>
-          </a:prstGeom>
-          <a:ln>
-            <a:noFill/>
-          </a:ln>
-        </p:spPr>
-      </p:pic>
-      <p:pic>
-        <p:nvPicPr>
-          <p:cNvPr id="36" name="" descr=""/>
-          <p:cNvPicPr/>
-          <p:nvPr/>
-        </p:nvPicPr>
-        <p:blipFill>
-          <a:blip r:embed="rId3"/>
-          <a:stretch/>
-        </p:blipFill>
-        <p:spPr>
-          <a:xfrm>
-            <a:off x="2292120" y="1823760"/>
-            <a:ext cx="5494680" cy="4384080"/>
-          </a:xfrm>
-          <a:prstGeom prst="rect">
-            <a:avLst/>
-          </a:prstGeom>
-          <a:ln>
-            <a:noFill/>
-          </a:ln>
-        </p:spPr>
-      </p:pic>
+              <a:latin typeface="Arial"/>
+            </a:endParaRPr>
+          </a:p>
+        </p:txBody>
+      </p:sp>
+      <p:sp>
+        <p:nvSpPr>
+          <p:cNvPr id="35" name="PlaceHolder 4"/>
+          <p:cNvSpPr>
+            <a:spLocks noGrp="1"/>
+          </p:cNvSpPr>
+          <p:nvPr>
+            <p:ph/>
+          </p:nvPr>
+        </p:nvSpPr>
+        <p:spPr>
+          <a:xfrm>
+            <a:off x="6639120" y="1768680"/>
+            <a:ext cx="2921040" cy="2090880"/>
+          </a:xfrm>
+          <a:prstGeom prst="rect">
+            <a:avLst/>
+          </a:prstGeom>
+          <a:noFill/>
+          <a:ln w="0">
+            <a:noFill/>
+          </a:ln>
+        </p:spPr>
+        <p:txBody>
+          <a:bodyPr lIns="0" rIns="0" tIns="0" bIns="0" anchor="t">
+            <a:normAutofit/>
+          </a:bodyPr>
+          <a:p>
+            <a:endParaRPr b="0" lang="en-IN" sz="3200" spc="-1" strike="noStrike">
+              <a:latin typeface="Arial"/>
+            </a:endParaRPr>
+          </a:p>
+        </p:txBody>
+      </p:sp>
+      <p:sp>
+        <p:nvSpPr>
+          <p:cNvPr id="36" name="PlaceHolder 5"/>
+          <p:cNvSpPr>
+            <a:spLocks noGrp="1"/>
+          </p:cNvSpPr>
+          <p:nvPr>
+            <p:ph/>
+          </p:nvPr>
+        </p:nvSpPr>
+        <p:spPr>
+          <a:xfrm>
+            <a:off x="504000" y="4058640"/>
+            <a:ext cx="2921040" cy="2090880"/>
+          </a:xfrm>
+          <a:prstGeom prst="rect">
+            <a:avLst/>
+          </a:prstGeom>
+          <a:noFill/>
+          <a:ln w="0">
+            <a:noFill/>
+          </a:ln>
+        </p:spPr>
+        <p:txBody>
+          <a:bodyPr lIns="0" rIns="0" tIns="0" bIns="0" anchor="t">
+            <a:normAutofit/>
+          </a:bodyPr>
+          <a:p>
+            <a:endParaRPr b="0" lang="en-IN" sz="3200" spc="-1" strike="noStrike">
+              <a:latin typeface="Arial"/>
+            </a:endParaRPr>
+          </a:p>
+        </p:txBody>
+      </p:sp>
+      <p:sp>
+        <p:nvSpPr>
+          <p:cNvPr id="37" name="PlaceHolder 6"/>
+          <p:cNvSpPr>
+            <a:spLocks noGrp="1"/>
+          </p:cNvSpPr>
+          <p:nvPr>
+            <p:ph/>
+          </p:nvPr>
+        </p:nvSpPr>
+        <p:spPr>
+          <a:xfrm>
+            <a:off x="3571560" y="4058640"/>
+            <a:ext cx="2921040" cy="2090880"/>
+          </a:xfrm>
+          <a:prstGeom prst="rect">
+            <a:avLst/>
+          </a:prstGeom>
+          <a:noFill/>
+          <a:ln w="0">
+            <a:noFill/>
+          </a:ln>
+        </p:spPr>
+        <p:txBody>
+          <a:bodyPr lIns="0" rIns="0" tIns="0" bIns="0" anchor="t">
+            <a:normAutofit/>
+          </a:bodyPr>
+          <a:p>
+            <a:endParaRPr b="0" lang="en-IN" sz="3200" spc="-1" strike="noStrike">
+              <a:latin typeface="Arial"/>
+            </a:endParaRPr>
+          </a:p>
+        </p:txBody>
+      </p:sp>
+      <p:sp>
+        <p:nvSpPr>
+          <p:cNvPr id="38" name="PlaceHolder 7"/>
+          <p:cNvSpPr>
+            <a:spLocks noGrp="1"/>
+          </p:cNvSpPr>
+          <p:nvPr>
+            <p:ph/>
+          </p:nvPr>
+        </p:nvSpPr>
+        <p:spPr>
+          <a:xfrm>
+            <a:off x="6639120" y="4058640"/>
+            <a:ext cx="2921040" cy="2090880"/>
+          </a:xfrm>
+          <a:prstGeom prst="rect">
+            <a:avLst/>
+          </a:prstGeom>
+          <a:noFill/>
+          <a:ln w="0">
+            <a:noFill/>
+          </a:ln>
+        </p:spPr>
+        <p:txBody>
+          <a:bodyPr lIns="0" rIns="0" tIns="0" bIns="0" anchor="t">
+            <a:normAutofit/>
+          </a:bodyPr>
+          <a:p>
+            <a:endParaRPr b="0" lang="en-IN" sz="3200" spc="-1" strike="noStrike">
+              <a:latin typeface="Arial"/>
+            </a:endParaRPr>
+          </a:p>
+        </p:txBody>
+      </p:sp>
     </p:spTree>
   </p:cSld>
 </p:sldLayout>
@@ -576,26 +652,26 @@
         </p:nvSpPr>
         <p:spPr>
           <a:xfrm>
-            <a:off x="504000" y="288000"/>
-            <a:ext cx="9071640" cy="1247760"/>
-          </a:xfrm>
-          <a:prstGeom prst="rect">
-            <a:avLst/>
-          </a:prstGeom>
-        </p:spPr>
-        <p:txBody>
-          <a:bodyPr lIns="0" rIns="0" tIns="0" bIns="0" anchor="ctr"/>
-          <a:p>
-            <a:pPr algn="ctr"/>
+            <a:off x="504000" y="301320"/>
+            <a:ext cx="9072000" cy="1261800"/>
+          </a:xfrm>
+          <a:prstGeom prst="rect">
+            <a:avLst/>
+          </a:prstGeom>
+          <a:noFill/>
+          <a:ln w="0">
+            <a:noFill/>
+          </a:ln>
+        </p:spPr>
+        <p:txBody>
+          <a:bodyPr lIns="0" rIns="0" tIns="0" bIns="0" anchor="ctr">
+            <a:noAutofit/>
+          </a:bodyPr>
+          <a:p>
+            <a:pPr algn="ctr">
+              <a:buNone/>
+            </a:pPr>
             <a:endParaRPr b="0" lang="en-IN" sz="4400" spc="-1" strike="noStrike">
-              <a:solidFill>
-                <a:srgbClr val="000000"/>
-              </a:solidFill>
-              <a:uFill>
-                <a:solidFill>
-                  <a:srgbClr val="ffffff"/>
-                </a:solidFill>
-              </a:uFill>
               <a:latin typeface="Arial"/>
             </a:endParaRPr>
           </a:p>
@@ -613,26 +689,26 @@
         </p:nvSpPr>
         <p:spPr>
           <a:xfrm>
-            <a:off x="504000" y="1823760"/>
-            <a:ext cx="9071640" cy="4384080"/>
-          </a:xfrm>
-          <a:prstGeom prst="rect">
-            <a:avLst/>
-          </a:prstGeom>
-        </p:spPr>
-        <p:txBody>
-          <a:bodyPr lIns="0" rIns="0" tIns="0" bIns="0" anchor="ctr"/>
-          <a:p>
-            <a:pPr algn="ctr"/>
+            <a:off x="504000" y="1768680"/>
+            <a:ext cx="9072000" cy="4384080"/>
+          </a:xfrm>
+          <a:prstGeom prst="rect">
+            <a:avLst/>
+          </a:prstGeom>
+          <a:noFill/>
+          <a:ln w="0">
+            <a:noFill/>
+          </a:ln>
+        </p:spPr>
+        <p:txBody>
+          <a:bodyPr lIns="0" rIns="0" tIns="0" bIns="0" anchor="ctr">
+            <a:noAutofit/>
+          </a:bodyPr>
+          <a:p>
+            <a:pPr algn="ctr">
+              <a:buNone/>
+            </a:pPr>
             <a:endParaRPr b="0" lang="en-IN" sz="3200" spc="-1" strike="noStrike">
-              <a:solidFill>
-                <a:srgbClr val="000000"/>
-              </a:solidFill>
-              <a:uFill>
-                <a:solidFill>
-                  <a:srgbClr val="ffffff"/>
-                </a:solidFill>
-              </a:uFill>
               <a:latin typeface="Arial"/>
             </a:endParaRPr>
           </a:p>
@@ -672,26 +748,26 @@
         </p:nvSpPr>
         <p:spPr>
           <a:xfrm>
-            <a:off x="504000" y="288000"/>
-            <a:ext cx="9071640" cy="1247760"/>
-          </a:xfrm>
-          <a:prstGeom prst="rect">
-            <a:avLst/>
-          </a:prstGeom>
-        </p:spPr>
-        <p:txBody>
-          <a:bodyPr lIns="0" rIns="0" tIns="0" bIns="0" anchor="ctr"/>
-          <a:p>
-            <a:pPr algn="ctr"/>
+            <a:off x="504000" y="301320"/>
+            <a:ext cx="9072000" cy="1261800"/>
+          </a:xfrm>
+          <a:prstGeom prst="rect">
+            <a:avLst/>
+          </a:prstGeom>
+          <a:noFill/>
+          <a:ln w="0">
+            <a:noFill/>
+          </a:ln>
+        </p:spPr>
+        <p:txBody>
+          <a:bodyPr lIns="0" rIns="0" tIns="0" bIns="0" anchor="ctr">
+            <a:noAutofit/>
+          </a:bodyPr>
+          <a:p>
+            <a:pPr algn="ctr">
+              <a:buNone/>
+            </a:pPr>
             <a:endParaRPr b="0" lang="en-IN" sz="4400" spc="-1" strike="noStrike">
-              <a:solidFill>
-                <a:srgbClr val="000000"/>
-              </a:solidFill>
-              <a:uFill>
-                <a:solidFill>
-                  <a:srgbClr val="ffffff"/>
-                </a:solidFill>
-              </a:uFill>
               <a:latin typeface="Arial"/>
             </a:endParaRPr>
           </a:p>
@@ -704,30 +780,28 @@
             <a:spLocks noGrp="1"/>
           </p:cNvSpPr>
           <p:nvPr>
-            <p:ph type="body"/>
-          </p:nvPr>
-        </p:nvSpPr>
-        <p:spPr>
-          <a:xfrm>
-            <a:off x="504000" y="1823760"/>
-            <a:ext cx="9071640" cy="4384080"/>
-          </a:xfrm>
-          <a:prstGeom prst="rect">
-            <a:avLst/>
-          </a:prstGeom>
-        </p:spPr>
-        <p:txBody>
-          <a:bodyPr lIns="0" rIns="0" tIns="0" bIns="0"/>
+            <p:ph/>
+          </p:nvPr>
+        </p:nvSpPr>
+        <p:spPr>
+          <a:xfrm>
+            <a:off x="504000" y="1768680"/>
+            <a:ext cx="9072000" cy="4384080"/>
+          </a:xfrm>
+          <a:prstGeom prst="rect">
+            <a:avLst/>
+          </a:prstGeom>
+          <a:noFill/>
+          <a:ln w="0">
+            <a:noFill/>
+          </a:ln>
+        </p:spPr>
+        <p:txBody>
+          <a:bodyPr lIns="0" rIns="0" tIns="0" bIns="0" anchor="t">
+            <a:normAutofit/>
+          </a:bodyPr>
           <a:p>
             <a:endParaRPr b="0" lang="en-IN" sz="3200" spc="-1" strike="noStrike">
-              <a:solidFill>
-                <a:srgbClr val="000000"/>
-              </a:solidFill>
-              <a:uFill>
-                <a:solidFill>
-                  <a:srgbClr val="ffffff"/>
-                </a:solidFill>
-              </a:uFill>
               <a:latin typeface="Arial"/>
             </a:endParaRPr>
           </a:p>
@@ -767,26 +841,26 @@
         </p:nvSpPr>
         <p:spPr>
           <a:xfrm>
-            <a:off x="504000" y="288000"/>
-            <a:ext cx="9071640" cy="1247760"/>
-          </a:xfrm>
-          <a:prstGeom prst="rect">
-            <a:avLst/>
-          </a:prstGeom>
-        </p:spPr>
-        <p:txBody>
-          <a:bodyPr lIns="0" rIns="0" tIns="0" bIns="0" anchor="ctr"/>
-          <a:p>
-            <a:pPr algn="ctr"/>
+            <a:off x="504000" y="301320"/>
+            <a:ext cx="9072000" cy="1261800"/>
+          </a:xfrm>
+          <a:prstGeom prst="rect">
+            <a:avLst/>
+          </a:prstGeom>
+          <a:noFill/>
+          <a:ln w="0">
+            <a:noFill/>
+          </a:ln>
+        </p:spPr>
+        <p:txBody>
+          <a:bodyPr lIns="0" rIns="0" tIns="0" bIns="0" anchor="ctr">
+            <a:noAutofit/>
+          </a:bodyPr>
+          <a:p>
+            <a:pPr algn="ctr">
+              <a:buNone/>
+            </a:pPr>
             <a:endParaRPr b="0" lang="en-IN" sz="4400" spc="-1" strike="noStrike">
-              <a:solidFill>
-                <a:srgbClr val="000000"/>
-              </a:solidFill>
-              <a:uFill>
-                <a:solidFill>
-                  <a:srgbClr val="ffffff"/>
-                </a:solidFill>
-              </a:uFill>
               <a:latin typeface="Arial"/>
             </a:endParaRPr>
           </a:p>
@@ -799,30 +873,28 @@
             <a:spLocks noGrp="1"/>
           </p:cNvSpPr>
           <p:nvPr>
-            <p:ph type="body"/>
-          </p:nvPr>
-        </p:nvSpPr>
-        <p:spPr>
-          <a:xfrm>
-            <a:off x="504000" y="1823760"/>
+            <p:ph/>
+          </p:nvPr>
+        </p:nvSpPr>
+        <p:spPr>
+          <a:xfrm>
+            <a:off x="504000" y="1768680"/>
             <a:ext cx="4426920" cy="4384080"/>
           </a:xfrm>
           <a:prstGeom prst="rect">
             <a:avLst/>
           </a:prstGeom>
-        </p:spPr>
-        <p:txBody>
-          <a:bodyPr lIns="0" rIns="0" tIns="0" bIns="0"/>
+          <a:noFill/>
+          <a:ln w="0">
+            <a:noFill/>
+          </a:ln>
+        </p:spPr>
+        <p:txBody>
+          <a:bodyPr lIns="0" rIns="0" tIns="0" bIns="0" anchor="t">
+            <a:normAutofit/>
+          </a:bodyPr>
           <a:p>
             <a:endParaRPr b="0" lang="en-IN" sz="3200" spc="-1" strike="noStrike">
-              <a:solidFill>
-                <a:srgbClr val="000000"/>
-              </a:solidFill>
-              <a:uFill>
-                <a:solidFill>
-                  <a:srgbClr val="ffffff"/>
-                </a:solidFill>
-              </a:uFill>
               <a:latin typeface="Arial"/>
             </a:endParaRPr>
           </a:p>
@@ -835,30 +907,28 @@
             <a:spLocks noGrp="1"/>
           </p:cNvSpPr>
           <p:nvPr>
-            <p:ph type="body"/>
-          </p:nvPr>
-        </p:nvSpPr>
-        <p:spPr>
-          <a:xfrm>
-            <a:off x="5152680" y="1823760"/>
+            <p:ph/>
+          </p:nvPr>
+        </p:nvSpPr>
+        <p:spPr>
+          <a:xfrm>
+            <a:off x="5152680" y="1768680"/>
             <a:ext cx="4426920" cy="4384080"/>
           </a:xfrm>
           <a:prstGeom prst="rect">
             <a:avLst/>
           </a:prstGeom>
-        </p:spPr>
-        <p:txBody>
-          <a:bodyPr lIns="0" rIns="0" tIns="0" bIns="0"/>
+          <a:noFill/>
+          <a:ln w="0">
+            <a:noFill/>
+          </a:ln>
+        </p:spPr>
+        <p:txBody>
+          <a:bodyPr lIns="0" rIns="0" tIns="0" bIns="0" anchor="t">
+            <a:normAutofit/>
+          </a:bodyPr>
           <a:p>
             <a:endParaRPr b="0" lang="en-IN" sz="3200" spc="-1" strike="noStrike">
-              <a:solidFill>
-                <a:srgbClr val="000000"/>
-              </a:solidFill>
-              <a:uFill>
-                <a:solidFill>
-                  <a:srgbClr val="ffffff"/>
-                </a:solidFill>
-              </a:uFill>
               <a:latin typeface="Arial"/>
             </a:endParaRPr>
           </a:p>
@@ -898,26 +968,26 @@
         </p:nvSpPr>
         <p:spPr>
           <a:xfrm>
-            <a:off x="504000" y="288000"/>
-            <a:ext cx="9071640" cy="1247760"/>
-          </a:xfrm>
-          <a:prstGeom prst="rect">
-            <a:avLst/>
-          </a:prstGeom>
-        </p:spPr>
-        <p:txBody>
-          <a:bodyPr lIns="0" rIns="0" tIns="0" bIns="0" anchor="ctr"/>
-          <a:p>
-            <a:pPr algn="ctr"/>
+            <a:off x="504000" y="301320"/>
+            <a:ext cx="9072000" cy="1261800"/>
+          </a:xfrm>
+          <a:prstGeom prst="rect">
+            <a:avLst/>
+          </a:prstGeom>
+          <a:noFill/>
+          <a:ln w="0">
+            <a:noFill/>
+          </a:ln>
+        </p:spPr>
+        <p:txBody>
+          <a:bodyPr lIns="0" rIns="0" tIns="0" bIns="0" anchor="ctr">
+            <a:noAutofit/>
+          </a:bodyPr>
+          <a:p>
+            <a:pPr algn="ctr">
+              <a:buNone/>
+            </a:pPr>
             <a:endParaRPr b="0" lang="en-IN" sz="4400" spc="-1" strike="noStrike">
-              <a:solidFill>
-                <a:srgbClr val="000000"/>
-              </a:solidFill>
-              <a:uFill>
-                <a:solidFill>
-                  <a:srgbClr val="ffffff"/>
-                </a:solidFill>
-              </a:uFill>
               <a:latin typeface="Arial"/>
             </a:endParaRPr>
           </a:p>
@@ -957,26 +1027,26 @@
         </p:nvSpPr>
         <p:spPr>
           <a:xfrm>
-            <a:off x="504000" y="288000"/>
-            <a:ext cx="9071640" cy="5785200"/>
-          </a:xfrm>
-          <a:prstGeom prst="rect">
-            <a:avLst/>
-          </a:prstGeom>
-        </p:spPr>
-        <p:txBody>
-          <a:bodyPr lIns="0" rIns="0" tIns="0" bIns="0" anchor="ctr"/>
-          <a:p>
-            <a:pPr algn="ctr"/>
+            <a:off x="504000" y="301320"/>
+            <a:ext cx="9072000" cy="5850360"/>
+          </a:xfrm>
+          <a:prstGeom prst="rect">
+            <a:avLst/>
+          </a:prstGeom>
+          <a:noFill/>
+          <a:ln w="0">
+            <a:noFill/>
+          </a:ln>
+        </p:spPr>
+        <p:txBody>
+          <a:bodyPr lIns="0" rIns="0" tIns="0" bIns="0" anchor="ctr">
+            <a:noAutofit/>
+          </a:bodyPr>
+          <a:p>
+            <a:pPr algn="ctr">
+              <a:buNone/>
+            </a:pPr>
             <a:endParaRPr b="0" lang="en-IN" sz="3200" spc="-1" strike="noStrike">
-              <a:solidFill>
-                <a:srgbClr val="000000"/>
-              </a:solidFill>
-              <a:uFill>
-                <a:solidFill>
-                  <a:srgbClr val="ffffff"/>
-                </a:solidFill>
-              </a:uFill>
               <a:latin typeface="Arial"/>
             </a:endParaRPr>
           </a:p>
@@ -1016,26 +1086,26 @@
         </p:nvSpPr>
         <p:spPr>
           <a:xfrm>
-            <a:off x="504000" y="288000"/>
-            <a:ext cx="9071640" cy="1247760"/>
-          </a:xfrm>
-          <a:prstGeom prst="rect">
-            <a:avLst/>
-          </a:prstGeom>
-        </p:spPr>
-        <p:txBody>
-          <a:bodyPr lIns="0" rIns="0" tIns="0" bIns="0" anchor="ctr"/>
-          <a:p>
-            <a:pPr algn="ctr"/>
+            <a:off x="504000" y="301320"/>
+            <a:ext cx="9072000" cy="1261800"/>
+          </a:xfrm>
+          <a:prstGeom prst="rect">
+            <a:avLst/>
+          </a:prstGeom>
+          <a:noFill/>
+          <a:ln w="0">
+            <a:noFill/>
+          </a:ln>
+        </p:spPr>
+        <p:txBody>
+          <a:bodyPr lIns="0" rIns="0" tIns="0" bIns="0" anchor="ctr">
+            <a:noAutofit/>
+          </a:bodyPr>
+          <a:p>
+            <a:pPr algn="ctr">
+              <a:buNone/>
+            </a:pPr>
             <a:endParaRPr b="0" lang="en-IN" sz="4400" spc="-1" strike="noStrike">
-              <a:solidFill>
-                <a:srgbClr val="000000"/>
-              </a:solidFill>
-              <a:uFill>
-                <a:solidFill>
-                  <a:srgbClr val="ffffff"/>
-                </a:solidFill>
-              </a:uFill>
               <a:latin typeface="Arial"/>
             </a:endParaRPr>
           </a:p>
@@ -1048,30 +1118,28 @@
             <a:spLocks noGrp="1"/>
           </p:cNvSpPr>
           <p:nvPr>
-            <p:ph type="body"/>
-          </p:nvPr>
-        </p:nvSpPr>
-        <p:spPr>
-          <a:xfrm>
-            <a:off x="504000" y="1823760"/>
+            <p:ph/>
+          </p:nvPr>
+        </p:nvSpPr>
+        <p:spPr>
+          <a:xfrm>
+            <a:off x="504000" y="1768680"/>
             <a:ext cx="4426920" cy="2090880"/>
           </a:xfrm>
           <a:prstGeom prst="rect">
             <a:avLst/>
           </a:prstGeom>
-        </p:spPr>
-        <p:txBody>
-          <a:bodyPr lIns="0" rIns="0" tIns="0" bIns="0"/>
+          <a:noFill/>
+          <a:ln w="0">
+            <a:noFill/>
+          </a:ln>
+        </p:spPr>
+        <p:txBody>
+          <a:bodyPr lIns="0" rIns="0" tIns="0" bIns="0" anchor="t">
+            <a:normAutofit/>
+          </a:bodyPr>
           <a:p>
             <a:endParaRPr b="0" lang="en-IN" sz="3200" spc="-1" strike="noStrike">
-              <a:solidFill>
-                <a:srgbClr val="000000"/>
-              </a:solidFill>
-              <a:uFill>
-                <a:solidFill>
-                  <a:srgbClr val="ffffff"/>
-                </a:solidFill>
-              </a:uFill>
               <a:latin typeface="Arial"/>
             </a:endParaRPr>
           </a:p>
@@ -1084,66 +1152,62 @@
             <a:spLocks noGrp="1"/>
           </p:cNvSpPr>
           <p:nvPr>
-            <p:ph type="body"/>
-          </p:nvPr>
-        </p:nvSpPr>
-        <p:spPr>
-          <a:xfrm>
-            <a:off x="504000" y="4113720"/>
+            <p:ph/>
+          </p:nvPr>
+        </p:nvSpPr>
+        <p:spPr>
+          <a:xfrm>
+            <a:off x="5152680" y="1768680"/>
+            <a:ext cx="4426920" cy="4384080"/>
+          </a:xfrm>
+          <a:prstGeom prst="rect">
+            <a:avLst/>
+          </a:prstGeom>
+          <a:noFill/>
+          <a:ln w="0">
+            <a:noFill/>
+          </a:ln>
+        </p:spPr>
+        <p:txBody>
+          <a:bodyPr lIns="0" rIns="0" tIns="0" bIns="0" anchor="t">
+            <a:normAutofit/>
+          </a:bodyPr>
+          <a:p>
+            <a:endParaRPr b="0" lang="en-IN" sz="3200" spc="-1" strike="noStrike">
+              <a:latin typeface="Arial"/>
+            </a:endParaRPr>
+          </a:p>
+        </p:txBody>
+      </p:sp>
+      <p:sp>
+        <p:nvSpPr>
+          <p:cNvPr id="15" name="PlaceHolder 4"/>
+          <p:cNvSpPr>
+            <a:spLocks noGrp="1"/>
+          </p:cNvSpPr>
+          <p:nvPr>
+            <p:ph/>
+          </p:nvPr>
+        </p:nvSpPr>
+        <p:spPr>
+          <a:xfrm>
+            <a:off x="504000" y="4058640"/>
             <a:ext cx="4426920" cy="2090880"/>
           </a:xfrm>
           <a:prstGeom prst="rect">
             <a:avLst/>
           </a:prstGeom>
-        </p:spPr>
-        <p:txBody>
-          <a:bodyPr lIns="0" rIns="0" tIns="0" bIns="0"/>
+          <a:noFill/>
+          <a:ln w="0">
+            <a:noFill/>
+          </a:ln>
+        </p:spPr>
+        <p:txBody>
+          <a:bodyPr lIns="0" rIns="0" tIns="0" bIns="0" anchor="t">
+            <a:normAutofit/>
+          </a:bodyPr>
           <a:p>
             <a:endParaRPr b="0" lang="en-IN" sz="3200" spc="-1" strike="noStrike">
-              <a:solidFill>
-                <a:srgbClr val="000000"/>
-              </a:solidFill>
-              <a:uFill>
-                <a:solidFill>
-                  <a:srgbClr val="ffffff"/>
-                </a:solidFill>
-              </a:uFill>
-              <a:latin typeface="Arial"/>
-            </a:endParaRPr>
-          </a:p>
-        </p:txBody>
-      </p:sp>
-      <p:sp>
-        <p:nvSpPr>
-          <p:cNvPr id="15" name="PlaceHolder 4"/>
-          <p:cNvSpPr>
-            <a:spLocks noGrp="1"/>
-          </p:cNvSpPr>
-          <p:nvPr>
-            <p:ph type="body"/>
-          </p:nvPr>
-        </p:nvSpPr>
-        <p:spPr>
-          <a:xfrm>
-            <a:off x="5152680" y="1823760"/>
-            <a:ext cx="4426920" cy="4384080"/>
-          </a:xfrm>
-          <a:prstGeom prst="rect">
-            <a:avLst/>
-          </a:prstGeom>
-        </p:spPr>
-        <p:txBody>
-          <a:bodyPr lIns="0" rIns="0" tIns="0" bIns="0"/>
-          <a:p>
-            <a:endParaRPr b="0" lang="en-IN" sz="3200" spc="-1" strike="noStrike">
-              <a:solidFill>
-                <a:srgbClr val="000000"/>
-              </a:solidFill>
-              <a:uFill>
-                <a:solidFill>
-                  <a:srgbClr val="ffffff"/>
-                </a:solidFill>
-              </a:uFill>
               <a:latin typeface="Arial"/>
             </a:endParaRPr>
           </a:p>
@@ -1183,26 +1247,26 @@
         </p:nvSpPr>
         <p:spPr>
           <a:xfrm>
-            <a:off x="504000" y="288000"/>
-            <a:ext cx="9071640" cy="1247760"/>
-          </a:xfrm>
-          <a:prstGeom prst="rect">
-            <a:avLst/>
-          </a:prstGeom>
-        </p:spPr>
-        <p:txBody>
-          <a:bodyPr lIns="0" rIns="0" tIns="0" bIns="0" anchor="ctr"/>
-          <a:p>
-            <a:pPr algn="ctr"/>
+            <a:off x="504000" y="301320"/>
+            <a:ext cx="9072000" cy="1261800"/>
+          </a:xfrm>
+          <a:prstGeom prst="rect">
+            <a:avLst/>
+          </a:prstGeom>
+          <a:noFill/>
+          <a:ln w="0">
+            <a:noFill/>
+          </a:ln>
+        </p:spPr>
+        <p:txBody>
+          <a:bodyPr lIns="0" rIns="0" tIns="0" bIns="0" anchor="ctr">
+            <a:noAutofit/>
+          </a:bodyPr>
+          <a:p>
+            <a:pPr algn="ctr">
+              <a:buNone/>
+            </a:pPr>
             <a:endParaRPr b="0" lang="en-IN" sz="4400" spc="-1" strike="noStrike">
-              <a:solidFill>
-                <a:srgbClr val="000000"/>
-              </a:solidFill>
-              <a:uFill>
-                <a:solidFill>
-                  <a:srgbClr val="ffffff"/>
-                </a:solidFill>
-              </a:uFill>
               <a:latin typeface="Arial"/>
             </a:endParaRPr>
           </a:p>
@@ -1215,30 +1279,28 @@
             <a:spLocks noGrp="1"/>
           </p:cNvSpPr>
           <p:nvPr>
-            <p:ph type="body"/>
-          </p:nvPr>
-        </p:nvSpPr>
-        <p:spPr>
-          <a:xfrm>
-            <a:off x="504000" y="1823760"/>
+            <p:ph/>
+          </p:nvPr>
+        </p:nvSpPr>
+        <p:spPr>
+          <a:xfrm>
+            <a:off x="504000" y="1768680"/>
             <a:ext cx="4426920" cy="4384080"/>
           </a:xfrm>
           <a:prstGeom prst="rect">
             <a:avLst/>
           </a:prstGeom>
-        </p:spPr>
-        <p:txBody>
-          <a:bodyPr lIns="0" rIns="0" tIns="0" bIns="0"/>
+          <a:noFill/>
+          <a:ln w="0">
+            <a:noFill/>
+          </a:ln>
+        </p:spPr>
+        <p:txBody>
+          <a:bodyPr lIns="0" rIns="0" tIns="0" bIns="0" anchor="t">
+            <a:normAutofit/>
+          </a:bodyPr>
           <a:p>
             <a:endParaRPr b="0" lang="en-IN" sz="3200" spc="-1" strike="noStrike">
-              <a:solidFill>
-                <a:srgbClr val="000000"/>
-              </a:solidFill>
-              <a:uFill>
-                <a:solidFill>
-                  <a:srgbClr val="ffffff"/>
-                </a:solidFill>
-              </a:uFill>
               <a:latin typeface="Arial"/>
             </a:endParaRPr>
           </a:p>
@@ -1251,30 +1313,28 @@
             <a:spLocks noGrp="1"/>
           </p:cNvSpPr>
           <p:nvPr>
-            <p:ph type="body"/>
-          </p:nvPr>
-        </p:nvSpPr>
-        <p:spPr>
-          <a:xfrm>
-            <a:off x="5152680" y="1823760"/>
+            <p:ph/>
+          </p:nvPr>
+        </p:nvSpPr>
+        <p:spPr>
+          <a:xfrm>
+            <a:off x="5152680" y="1768680"/>
             <a:ext cx="4426920" cy="2090880"/>
           </a:xfrm>
           <a:prstGeom prst="rect">
             <a:avLst/>
           </a:prstGeom>
-        </p:spPr>
-        <p:txBody>
-          <a:bodyPr lIns="0" rIns="0" tIns="0" bIns="0"/>
+          <a:noFill/>
+          <a:ln w="0">
+            <a:noFill/>
+          </a:ln>
+        </p:spPr>
+        <p:txBody>
+          <a:bodyPr lIns="0" rIns="0" tIns="0" bIns="0" anchor="t">
+            <a:normAutofit/>
+          </a:bodyPr>
           <a:p>
             <a:endParaRPr b="0" lang="en-IN" sz="3200" spc="-1" strike="noStrike">
-              <a:solidFill>
-                <a:srgbClr val="000000"/>
-              </a:solidFill>
-              <a:uFill>
-                <a:solidFill>
-                  <a:srgbClr val="ffffff"/>
-                </a:solidFill>
-              </a:uFill>
               <a:latin typeface="Arial"/>
             </a:endParaRPr>
           </a:p>
@@ -1287,30 +1347,28 @@
             <a:spLocks noGrp="1"/>
           </p:cNvSpPr>
           <p:nvPr>
-            <p:ph type="body"/>
-          </p:nvPr>
-        </p:nvSpPr>
-        <p:spPr>
-          <a:xfrm>
-            <a:off x="5152680" y="4113720"/>
+            <p:ph/>
+          </p:nvPr>
+        </p:nvSpPr>
+        <p:spPr>
+          <a:xfrm>
+            <a:off x="5152680" y="4058640"/>
             <a:ext cx="4426920" cy="2090880"/>
           </a:xfrm>
           <a:prstGeom prst="rect">
             <a:avLst/>
           </a:prstGeom>
-        </p:spPr>
-        <p:txBody>
-          <a:bodyPr lIns="0" rIns="0" tIns="0" bIns="0"/>
+          <a:noFill/>
+          <a:ln w="0">
+            <a:noFill/>
+          </a:ln>
+        </p:spPr>
+        <p:txBody>
+          <a:bodyPr lIns="0" rIns="0" tIns="0" bIns="0" anchor="t">
+            <a:normAutofit/>
+          </a:bodyPr>
           <a:p>
             <a:endParaRPr b="0" lang="en-IN" sz="3200" spc="-1" strike="noStrike">
-              <a:solidFill>
-                <a:srgbClr val="000000"/>
-              </a:solidFill>
-              <a:uFill>
-                <a:solidFill>
-                  <a:srgbClr val="ffffff"/>
-                </a:solidFill>
-              </a:uFill>
               <a:latin typeface="Arial"/>
             </a:endParaRPr>
           </a:p>
@@ -1350,26 +1408,26 @@
         </p:nvSpPr>
         <p:spPr>
           <a:xfrm>
-            <a:off x="504000" y="288000"/>
-            <a:ext cx="9071640" cy="1247760"/>
-          </a:xfrm>
-          <a:prstGeom prst="rect">
-            <a:avLst/>
-          </a:prstGeom>
-        </p:spPr>
-        <p:txBody>
-          <a:bodyPr lIns="0" rIns="0" tIns="0" bIns="0" anchor="ctr"/>
-          <a:p>
-            <a:pPr algn="ctr"/>
+            <a:off x="504000" y="301320"/>
+            <a:ext cx="9072000" cy="1261800"/>
+          </a:xfrm>
+          <a:prstGeom prst="rect">
+            <a:avLst/>
+          </a:prstGeom>
+          <a:noFill/>
+          <a:ln w="0">
+            <a:noFill/>
+          </a:ln>
+        </p:spPr>
+        <p:txBody>
+          <a:bodyPr lIns="0" rIns="0" tIns="0" bIns="0" anchor="ctr">
+            <a:noAutofit/>
+          </a:bodyPr>
+          <a:p>
+            <a:pPr algn="ctr">
+              <a:buNone/>
+            </a:pPr>
             <a:endParaRPr b="0" lang="en-IN" sz="4400" spc="-1" strike="noStrike">
-              <a:solidFill>
-                <a:srgbClr val="000000"/>
-              </a:solidFill>
-              <a:uFill>
-                <a:solidFill>
-                  <a:srgbClr val="ffffff"/>
-                </a:solidFill>
-              </a:uFill>
               <a:latin typeface="Arial"/>
             </a:endParaRPr>
           </a:p>
@@ -1382,30 +1440,28 @@
             <a:spLocks noGrp="1"/>
           </p:cNvSpPr>
           <p:nvPr>
-            <p:ph type="body"/>
-          </p:nvPr>
-        </p:nvSpPr>
-        <p:spPr>
-          <a:xfrm>
-            <a:off x="504000" y="1823760"/>
+            <p:ph/>
+          </p:nvPr>
+        </p:nvSpPr>
+        <p:spPr>
+          <a:xfrm>
+            <a:off x="504000" y="1768680"/>
             <a:ext cx="4426920" cy="2090880"/>
           </a:xfrm>
           <a:prstGeom prst="rect">
             <a:avLst/>
           </a:prstGeom>
-        </p:spPr>
-        <p:txBody>
-          <a:bodyPr lIns="0" rIns="0" tIns="0" bIns="0"/>
+          <a:noFill/>
+          <a:ln w="0">
+            <a:noFill/>
+          </a:ln>
+        </p:spPr>
+        <p:txBody>
+          <a:bodyPr lIns="0" rIns="0" tIns="0" bIns="0" anchor="t">
+            <a:normAutofit/>
+          </a:bodyPr>
           <a:p>
             <a:endParaRPr b="0" lang="en-IN" sz="3200" spc="-1" strike="noStrike">
-              <a:solidFill>
-                <a:srgbClr val="000000"/>
-              </a:solidFill>
-              <a:uFill>
-                <a:solidFill>
-                  <a:srgbClr val="ffffff"/>
-                </a:solidFill>
-              </a:uFill>
               <a:latin typeface="Arial"/>
             </a:endParaRPr>
           </a:p>
@@ -1418,30 +1474,28 @@
             <a:spLocks noGrp="1"/>
           </p:cNvSpPr>
           <p:nvPr>
-            <p:ph type="body"/>
-          </p:nvPr>
-        </p:nvSpPr>
-        <p:spPr>
-          <a:xfrm>
-            <a:off x="5152680" y="1823760"/>
+            <p:ph/>
+          </p:nvPr>
+        </p:nvSpPr>
+        <p:spPr>
+          <a:xfrm>
+            <a:off x="5152680" y="1768680"/>
             <a:ext cx="4426920" cy="2090880"/>
           </a:xfrm>
           <a:prstGeom prst="rect">
             <a:avLst/>
           </a:prstGeom>
-        </p:spPr>
-        <p:txBody>
-          <a:bodyPr lIns="0" rIns="0" tIns="0" bIns="0"/>
+          <a:noFill/>
+          <a:ln w="0">
+            <a:noFill/>
+          </a:ln>
+        </p:spPr>
+        <p:txBody>
+          <a:bodyPr lIns="0" rIns="0" tIns="0" bIns="0" anchor="t">
+            <a:normAutofit/>
+          </a:bodyPr>
           <a:p>
             <a:endParaRPr b="0" lang="en-IN" sz="3200" spc="-1" strike="noStrike">
-              <a:solidFill>
-                <a:srgbClr val="000000"/>
-              </a:solidFill>
-              <a:uFill>
-                <a:solidFill>
-                  <a:srgbClr val="ffffff"/>
-                </a:solidFill>
-              </a:uFill>
               <a:latin typeface="Arial"/>
             </a:endParaRPr>
           </a:p>
@@ -1454,30 +1508,28 @@
             <a:spLocks noGrp="1"/>
           </p:cNvSpPr>
           <p:nvPr>
-            <p:ph type="body"/>
-          </p:nvPr>
-        </p:nvSpPr>
-        <p:spPr>
-          <a:xfrm>
-            <a:off x="504000" y="4113720"/>
-            <a:ext cx="9071640" cy="2090880"/>
-          </a:xfrm>
-          <a:prstGeom prst="rect">
-            <a:avLst/>
-          </a:prstGeom>
-        </p:spPr>
-        <p:txBody>
-          <a:bodyPr lIns="0" rIns="0" tIns="0" bIns="0"/>
+            <p:ph/>
+          </p:nvPr>
+        </p:nvSpPr>
+        <p:spPr>
+          <a:xfrm>
+            <a:off x="504000" y="4058640"/>
+            <a:ext cx="9072000" cy="2090880"/>
+          </a:xfrm>
+          <a:prstGeom prst="rect">
+            <a:avLst/>
+          </a:prstGeom>
+          <a:noFill/>
+          <a:ln w="0">
+            <a:noFill/>
+          </a:ln>
+        </p:spPr>
+        <p:txBody>
+          <a:bodyPr lIns="0" rIns="0" tIns="0" bIns="0" anchor="t">
+            <a:normAutofit/>
+          </a:bodyPr>
           <a:p>
             <a:endParaRPr b="0" lang="en-IN" sz="3200" spc="-1" strike="noStrike">
-              <a:solidFill>
-                <a:srgbClr val="000000"/>
-              </a:solidFill>
-              <a:uFill>
-                <a:solidFill>
-                  <a:srgbClr val="ffffff"/>
-                </a:solidFill>
-              </a:uFill>
               <a:latin typeface="Arial"/>
             </a:endParaRPr>
           </a:p>
@@ -1518,12 +1570,12 @@
         <p:spPr>
           <a:xfrm>
             <a:off x="0" y="0"/>
-            <a:ext cx="10079280" cy="7559640"/>
-          </a:xfrm>
-          <a:prstGeom prst="rect">
-            <a:avLst/>
-          </a:prstGeom>
-          <a:ln>
+            <a:ext cx="10078920" cy="7559280"/>
+          </a:xfrm>
+          <a:prstGeom prst="rect">
+            <a:avLst/>
+          </a:prstGeom>
+          <a:ln w="0">
             <a:noFill/>
           </a:ln>
         </p:spPr>
@@ -1540,26 +1592,32 @@
         </p:nvSpPr>
         <p:spPr>
           <a:xfrm>
-            <a:off x="504000" y="288000"/>
-            <a:ext cx="9071640" cy="1247760"/>
-          </a:xfrm>
-          <a:prstGeom prst="rect">
-            <a:avLst/>
-          </a:prstGeom>
-        </p:spPr>
-        <p:txBody>
-          <a:bodyPr lIns="0" rIns="0" tIns="0" bIns="0" anchor="ctr"/>
-          <a:p>
-            <a:pPr algn="ctr"/>
+            <a:off x="504000" y="301320"/>
+            <a:ext cx="9072000" cy="1261800"/>
+          </a:xfrm>
+          <a:prstGeom prst="rect">
+            <a:avLst/>
+          </a:prstGeom>
+          <a:noFill/>
+          <a:ln w="0">
+            <a:noFill/>
+          </a:ln>
+        </p:spPr>
+        <p:txBody>
+          <a:bodyPr lIns="0" rIns="0" tIns="0" bIns="0" anchor="ctr">
+            <a:noAutofit/>
+          </a:bodyPr>
+          <a:p>
+            <a:pPr algn="ctr">
+              <a:buNone/>
+            </a:pPr>
+            <a:r>
+              <a:rPr b="0" lang="en-IN" sz="4400" spc="-1" strike="noStrike">
+                <a:latin typeface="Arial"/>
+              </a:rPr>
+              <a:t>Click to edit the title text format</a:t>
+            </a:r>
             <a:endParaRPr b="0" lang="en-IN" sz="4400" spc="-1" strike="noStrike">
-              <a:solidFill>
-                <a:srgbClr val="000000"/>
-              </a:solidFill>
-              <a:uFill>
-                <a:solidFill>
-                  <a:srgbClr val="ffffff"/>
-                </a:solidFill>
-              </a:uFill>
               <a:latin typeface="Arial"/>
             </a:endParaRPr>
           </a:p>
@@ -1577,17 +1635,26 @@
         </p:nvSpPr>
         <p:spPr>
           <a:xfrm>
-            <a:off x="504000" y="1823760"/>
-            <a:ext cx="9071640" cy="4384080"/>
-          </a:xfrm>
-          <a:prstGeom prst="rect">
-            <a:avLst/>
-          </a:prstGeom>
-        </p:spPr>
-        <p:txBody>
-          <a:bodyPr lIns="0" rIns="0" tIns="0" bIns="0"/>
+            <a:off x="504000" y="1768680"/>
+            <a:ext cx="9072000" cy="4384080"/>
+          </a:xfrm>
+          <a:prstGeom prst="rect">
+            <a:avLst/>
+          </a:prstGeom>
+          <a:noFill/>
+          <a:ln w="0">
+            <a:noFill/>
+          </a:ln>
+        </p:spPr>
+        <p:txBody>
+          <a:bodyPr lIns="0" rIns="0" tIns="0" bIns="0" anchor="t">
+            <a:normAutofit/>
+          </a:bodyPr>
           <a:p>
             <a:pPr marL="432000" indent="-324000">
+              <a:spcBef>
+                <a:spcPts val="1417"/>
+              </a:spcBef>
               <a:buClr>
                 <a:srgbClr val="000000"/>
               </a:buClr>
@@ -1596,33 +1663,20 @@
               <a:buChar char=""/>
             </a:pPr>
             <a:r>
-              <a:rPr b="0" lang="en-IN" sz="1800" spc="-1" strike="noStrike">
-                <a:solidFill>
-                  <a:srgbClr val="000000"/>
-                </a:solidFill>
-                <a:uFill>
-                  <a:solidFill>
-                    <a:srgbClr val="ffffff"/>
-                  </a:solidFill>
-                </a:uFill>
+              <a:rPr b="0" lang="en-IN" sz="3200" spc="-1" strike="noStrike">
                 <a:latin typeface="Arial"/>
               </a:rPr>
               <a:t>Click to edit the outline text format</a:t>
             </a:r>
-            <a:endParaRPr b="0" lang="en-IN" sz="1800" spc="-1" strike="noStrike">
-              <a:solidFill>
-                <a:srgbClr val="000000"/>
-              </a:solidFill>
-              <a:uFill>
-                <a:solidFill>
-                  <a:srgbClr val="ffffff"/>
-                </a:solidFill>
-              </a:uFill>
+            <a:endParaRPr b="0" lang="en-IN" sz="3200" spc="-1" strike="noStrike">
               <a:latin typeface="Arial"/>
             </a:endParaRPr>
           </a:p>
           <a:p>
             <a:pPr lvl="1" marL="864000" indent="-324000">
+              <a:spcBef>
+                <a:spcPts val="1134"/>
+              </a:spcBef>
               <a:buClr>
                 <a:srgbClr val="000000"/>
               </a:buClr>
@@ -1631,33 +1685,20 @@
               <a:buChar char=""/>
             </a:pPr>
             <a:r>
-              <a:rPr b="0" lang="en-IN" sz="1800" spc="-1" strike="noStrike">
-                <a:solidFill>
-                  <a:srgbClr val="000000"/>
-                </a:solidFill>
-                <a:uFill>
-                  <a:solidFill>
-                    <a:srgbClr val="ffffff"/>
-                  </a:solidFill>
-                </a:uFill>
+              <a:rPr b="0" lang="en-IN" sz="2800" spc="-1" strike="noStrike">
                 <a:latin typeface="Arial"/>
               </a:rPr>
               <a:t>Second Outline Level</a:t>
             </a:r>
-            <a:endParaRPr b="0" lang="en-IN" sz="1800" spc="-1" strike="noStrike">
-              <a:solidFill>
-                <a:srgbClr val="000000"/>
-              </a:solidFill>
-              <a:uFill>
-                <a:solidFill>
-                  <a:srgbClr val="ffffff"/>
-                </a:solidFill>
-              </a:uFill>
+            <a:endParaRPr b="0" lang="en-IN" sz="2800" spc="-1" strike="noStrike">
               <a:latin typeface="Arial"/>
             </a:endParaRPr>
           </a:p>
           <a:p>
             <a:pPr lvl="2" marL="1296000" indent="-288000">
+              <a:spcBef>
+                <a:spcPts val="850"/>
+              </a:spcBef>
               <a:buClr>
                 <a:srgbClr val="000000"/>
               </a:buClr>
@@ -1666,33 +1707,20 @@
               <a:buChar char=""/>
             </a:pPr>
             <a:r>
-              <a:rPr b="0" lang="en-IN" sz="1800" spc="-1" strike="noStrike">
-                <a:solidFill>
-                  <a:srgbClr val="000000"/>
-                </a:solidFill>
-                <a:uFill>
-                  <a:solidFill>
-                    <a:srgbClr val="ffffff"/>
-                  </a:solidFill>
-                </a:uFill>
+              <a:rPr b="0" lang="en-IN" sz="2400" spc="-1" strike="noStrike">
                 <a:latin typeface="Arial"/>
               </a:rPr>
               <a:t>Third Outline Level</a:t>
             </a:r>
-            <a:endParaRPr b="0" lang="en-IN" sz="1800" spc="-1" strike="noStrike">
-              <a:solidFill>
-                <a:srgbClr val="000000"/>
-              </a:solidFill>
-              <a:uFill>
-                <a:solidFill>
-                  <a:srgbClr val="ffffff"/>
-                </a:solidFill>
-              </a:uFill>
+            <a:endParaRPr b="0" lang="en-IN" sz="2400" spc="-1" strike="noStrike">
               <a:latin typeface="Arial"/>
             </a:endParaRPr>
           </a:p>
           <a:p>
             <a:pPr lvl="3" marL="1728000" indent="-216000">
+              <a:spcBef>
+                <a:spcPts val="567"/>
+              </a:spcBef>
               <a:buClr>
                 <a:srgbClr val="000000"/>
               </a:buClr>
@@ -1701,33 +1729,20 @@
               <a:buChar char=""/>
             </a:pPr>
             <a:r>
-              <a:rPr b="0" lang="en-IN" sz="1800" spc="-1" strike="noStrike">
-                <a:solidFill>
-                  <a:srgbClr val="000000"/>
-                </a:solidFill>
-                <a:uFill>
-                  <a:solidFill>
-                    <a:srgbClr val="ffffff"/>
-                  </a:solidFill>
-                </a:uFill>
+              <a:rPr b="0" lang="en-IN" sz="2000" spc="-1" strike="noStrike">
                 <a:latin typeface="Arial"/>
               </a:rPr>
               <a:t>Fourth Outline Level</a:t>
             </a:r>
-            <a:endParaRPr b="0" lang="en-IN" sz="1800" spc="-1" strike="noStrike">
-              <a:solidFill>
-                <a:srgbClr val="000000"/>
-              </a:solidFill>
-              <a:uFill>
-                <a:solidFill>
-                  <a:srgbClr val="ffffff"/>
-                </a:solidFill>
-              </a:uFill>
+            <a:endParaRPr b="0" lang="en-IN" sz="2000" spc="-1" strike="noStrike">
               <a:latin typeface="Arial"/>
             </a:endParaRPr>
           </a:p>
           <a:p>
             <a:pPr lvl="4" marL="2160000" indent="-216000">
+              <a:spcBef>
+                <a:spcPts val="283"/>
+              </a:spcBef>
               <a:buClr>
                 <a:srgbClr val="000000"/>
               </a:buClr>
@@ -1736,33 +1751,20 @@
               <a:buChar char=""/>
             </a:pPr>
             <a:r>
-              <a:rPr b="0" lang="en-IN" sz="1800" spc="-1" strike="noStrike">
-                <a:solidFill>
-                  <a:srgbClr val="000000"/>
-                </a:solidFill>
-                <a:uFill>
-                  <a:solidFill>
-                    <a:srgbClr val="ffffff"/>
-                  </a:solidFill>
-                </a:uFill>
+              <a:rPr b="0" lang="en-IN" sz="2000" spc="-1" strike="noStrike">
                 <a:latin typeface="Arial"/>
               </a:rPr>
               <a:t>Fifth Outline Level</a:t>
             </a:r>
-            <a:endParaRPr b="0" lang="en-IN" sz="1800" spc="-1" strike="noStrike">
-              <a:solidFill>
-                <a:srgbClr val="000000"/>
-              </a:solidFill>
-              <a:uFill>
-                <a:solidFill>
-                  <a:srgbClr val="ffffff"/>
-                </a:solidFill>
-              </a:uFill>
+            <a:endParaRPr b="0" lang="en-IN" sz="2000" spc="-1" strike="noStrike">
               <a:latin typeface="Arial"/>
             </a:endParaRPr>
           </a:p>
           <a:p>
             <a:pPr lvl="5" marL="2592000" indent="-216000">
+              <a:spcBef>
+                <a:spcPts val="283"/>
+              </a:spcBef>
               <a:buClr>
                 <a:srgbClr val="000000"/>
               </a:buClr>
@@ -1771,33 +1773,20 @@
               <a:buChar char=""/>
             </a:pPr>
             <a:r>
-              <a:rPr b="0" lang="en-IN" sz="1800" spc="-1" strike="noStrike">
-                <a:solidFill>
-                  <a:srgbClr val="000000"/>
-                </a:solidFill>
-                <a:uFill>
-                  <a:solidFill>
-                    <a:srgbClr val="ffffff"/>
-                  </a:solidFill>
-                </a:uFill>
+              <a:rPr b="0" lang="en-IN" sz="2000" spc="-1" strike="noStrike">
                 <a:latin typeface="Arial"/>
               </a:rPr>
               <a:t>Sixth Outline Level</a:t>
             </a:r>
-            <a:endParaRPr b="0" lang="en-IN" sz="1800" spc="-1" strike="noStrike">
-              <a:solidFill>
-                <a:srgbClr val="000000"/>
-              </a:solidFill>
-              <a:uFill>
-                <a:solidFill>
-                  <a:srgbClr val="ffffff"/>
-                </a:solidFill>
-              </a:uFill>
+            <a:endParaRPr b="0" lang="en-IN" sz="2000" spc="-1" strike="noStrike">
               <a:latin typeface="Arial"/>
             </a:endParaRPr>
           </a:p>
           <a:p>
             <a:pPr lvl="6" marL="3024000" indent="-216000">
+              <a:spcBef>
+                <a:spcPts val="283"/>
+              </a:spcBef>
               <a:buClr>
                 <a:srgbClr val="000000"/>
               </a:buClr>
@@ -1806,28 +1795,12 @@
               <a:buChar char=""/>
             </a:pPr>
             <a:r>
-              <a:rPr b="0" lang="en-IN" sz="1800" spc="-1" strike="noStrike">
-                <a:solidFill>
-                  <a:srgbClr val="000000"/>
-                </a:solidFill>
-                <a:uFill>
-                  <a:solidFill>
-                    <a:srgbClr val="ffffff"/>
-                  </a:solidFill>
-                </a:uFill>
+              <a:rPr b="0" lang="en-IN" sz="2000" spc="-1" strike="noStrike">
                 <a:latin typeface="Arial"/>
               </a:rPr>
               <a:t>Seventh Outline Level</a:t>
             </a:r>
-            <a:endParaRPr b="0" lang="en-IN" sz="1800" spc="-1" strike="noStrike">
-              <a:solidFill>
-                <a:srgbClr val="000000"/>
-              </a:solidFill>
-              <a:uFill>
-                <a:solidFill>
-                  <a:srgbClr val="ffffff"/>
-                </a:solidFill>
-              </a:uFill>
+            <a:endParaRPr b="0" lang="en-IN" sz="2000" spc="-1" strike="noStrike">
               <a:latin typeface="Arial"/>
             </a:endParaRPr>
           </a:p>
@@ -1872,20 +1845,20 @@
       </p:grpSpPr>
       <p:sp>
         <p:nvSpPr>
-          <p:cNvPr id="37" name="CustomShape 1"/>
+          <p:cNvPr id="39" name="CustomShape 1"/>
           <p:cNvSpPr/>
           <p:nvPr/>
         </p:nvSpPr>
         <p:spPr>
           <a:xfrm>
             <a:off x="504000" y="288000"/>
-            <a:ext cx="9071640" cy="1247760"/>
-          </a:xfrm>
-          <a:prstGeom prst="rect">
-            <a:avLst/>
-          </a:prstGeom>
-          <a:noFill/>
-          <a:ln>
+            <a:ext cx="9071280" cy="1247400"/>
+          </a:xfrm>
+          <a:prstGeom prst="rect">
+            <a:avLst/>
+          </a:prstGeom>
+          <a:noFill/>
+          <a:ln w="0">
             <a:noFill/>
           </a:ln>
         </p:spPr>
@@ -1896,57 +1869,48 @@
           <a:fontRef idx="minor"/>
         </p:style>
         <p:txBody>
-          <a:bodyPr lIns="0" rIns="0" tIns="0" bIns="0" anchor="ctr"/>
+          <a:bodyPr lIns="0" rIns="0" tIns="0" bIns="0" anchor="ctr">
+            <a:noAutofit/>
+          </a:bodyPr>
           <a:p>
             <a:pPr algn="ctr">
               <a:lnSpc>
                 <a:spcPct val="100000"/>
               </a:lnSpc>
+              <a:buNone/>
             </a:pPr>
             <a:r>
               <a:rPr b="0" lang="en-IN" sz="4760" spc="-1" strike="noStrike">
                 <a:solidFill>
                   <a:srgbClr val="000000"/>
                 </a:solidFill>
-                <a:uFill>
-                  <a:solidFill>
-                    <a:srgbClr val="ffffff"/>
-                  </a:solidFill>
-                </a:uFill>
-                <a:latin typeface="Arial"/>
+                <a:latin typeface="Arial"/>
+                <a:ea typeface="DejaVu Sans"/>
               </a:rPr>
               <a:t>Singleton design pattern</a:t>
             </a:r>
-            <a:endParaRPr b="0" lang="en-IN" sz="1800" spc="-1" strike="noStrike">
-              <a:solidFill>
-                <a:srgbClr val="000000"/>
-              </a:solidFill>
-              <a:uFill>
-                <a:solidFill>
-                  <a:srgbClr val="ffffff"/>
-                </a:solidFill>
-              </a:uFill>
-              <a:latin typeface="Arial"/>
-            </a:endParaRPr>
-          </a:p>
-        </p:txBody>
-      </p:sp>
-      <p:sp>
-        <p:nvSpPr>
-          <p:cNvPr id="38" name="CustomShape 2"/>
+            <a:endParaRPr b="0" lang="en-IN" sz="4760" spc="-1" strike="noStrike">
+              <a:latin typeface="Arial"/>
+            </a:endParaRPr>
+          </a:p>
+        </p:txBody>
+      </p:sp>
+      <p:sp>
+        <p:nvSpPr>
+          <p:cNvPr id="40" name="CustomShape 2"/>
           <p:cNvSpPr/>
           <p:nvPr/>
         </p:nvSpPr>
         <p:spPr>
           <a:xfrm>
             <a:off x="504000" y="1823760"/>
-            <a:ext cx="9071640" cy="4384080"/>
-          </a:xfrm>
-          <a:prstGeom prst="rect">
-            <a:avLst/>
-          </a:prstGeom>
-          <a:noFill/>
-          <a:ln>
+            <a:ext cx="9071280" cy="4383720"/>
+          </a:xfrm>
+          <a:prstGeom prst="rect">
+            <a:avLst/>
+          </a:prstGeom>
+          <a:noFill/>
+          <a:ln w="0">
             <a:noFill/>
           </a:ln>
         </p:spPr>
@@ -1957,7 +1921,9 @@
           <a:fontRef idx="minor"/>
         </p:style>
         <p:txBody>
-          <a:bodyPr lIns="0" rIns="0" tIns="0" bIns="0"/>
+          <a:bodyPr lIns="0" rIns="0" tIns="0" bIns="0" anchor="t">
+            <a:noAutofit/>
+          </a:bodyPr>
           <a:p>
             <a:pPr marL="432000" indent="-323640">
               <a:lnSpc>
@@ -1975,24 +1941,12 @@
                 <a:solidFill>
                   <a:srgbClr val="ffffff"/>
                 </a:solidFill>
-                <a:uFill>
-                  <a:solidFill>
-                    <a:srgbClr val="ffffff"/>
-                  </a:solidFill>
-                </a:uFill>
-                <a:latin typeface="Arial"/>
+                <a:latin typeface="Arial"/>
+                <a:ea typeface="DejaVu Sans"/>
               </a:rPr>
               <a:t>The singleton design pattern is a creational design pattern which makes sure that you have one single instance of a particular class in the duration of your runtime, and provides a global point of access to the single instance. </a:t>
             </a:r>
-            <a:endParaRPr b="0" lang="en-IN" sz="1800" spc="-1" strike="noStrike">
-              <a:solidFill>
-                <a:srgbClr val="000000"/>
-              </a:solidFill>
-              <a:uFill>
-                <a:solidFill>
-                  <a:srgbClr val="ffffff"/>
-                </a:solidFill>
-              </a:uFill>
+            <a:endParaRPr b="0" lang="en-IN" sz="3470" spc="-1" strike="noStrike">
               <a:latin typeface="Arial"/>
             </a:endParaRPr>
           </a:p>
@@ -2000,33 +1954,14 @@
       </p:sp>
     </p:spTree>
   </p:cSld>
-  <p:timing>
-    <p:tnLst>
-      <p:par>
-        <p:cTn id="1" dur="indefinite" restart="never" nodeType="tmRoot">
-          <p:childTnLst>
-            <p:seq>
-              <p:cTn id="2" nodeType="mainSeq"/>
-              <p:prevCondLst>
-                <p:cond delay="0" evt="onPrev">
-                  <p:tgtEl>
-                    <p:sldTgt/>
-                  </p:tgtEl>
-                </p:cond>
-              </p:prevCondLst>
-              <p:nextCondLst>
-                <p:cond delay="0" evt="onNext">
-                  <p:tgtEl>
-                    <p:sldTgt/>
-                  </p:tgtEl>
-                </p:cond>
-              </p:nextCondLst>
-            </p:seq>
-          </p:childTnLst>
-        </p:cTn>
-      </p:par>
-    </p:tnLst>
-  </p:timing>
+  <mc:AlternateContent>
+    <mc:Choice Requires="p14">
+      <p:transition spd="slow" p14:dur="2000"/>
+    </mc:Choice>
+    <mc:Fallback>
+      <p:transition spd="slow"/>
+    </mc:Fallback>
+  </mc:AlternateContent>
 </p:sld>
 </file>
 
@@ -2049,20 +1984,20 @@
       </p:grpSpPr>
       <p:sp>
         <p:nvSpPr>
-          <p:cNvPr id="39" name="CustomShape 1"/>
+          <p:cNvPr id="41" name="CustomShape 1"/>
           <p:cNvSpPr/>
           <p:nvPr/>
         </p:nvSpPr>
         <p:spPr>
           <a:xfrm>
             <a:off x="504000" y="288000"/>
-            <a:ext cx="9071640" cy="1247760"/>
-          </a:xfrm>
-          <a:prstGeom prst="rect">
-            <a:avLst/>
-          </a:prstGeom>
-          <a:noFill/>
-          <a:ln>
+            <a:ext cx="9071280" cy="1247400"/>
+          </a:xfrm>
+          <a:prstGeom prst="rect">
+            <a:avLst/>
+          </a:prstGeom>
+          <a:noFill/>
+          <a:ln w="0">
             <a:noFill/>
           </a:ln>
         </p:spPr>
@@ -2073,57 +2008,48 @@
           <a:fontRef idx="minor"/>
         </p:style>
         <p:txBody>
-          <a:bodyPr lIns="0" rIns="0" tIns="0" bIns="0" anchor="ctr"/>
+          <a:bodyPr lIns="0" rIns="0" tIns="0" bIns="0" anchor="ctr">
+            <a:noAutofit/>
+          </a:bodyPr>
           <a:p>
             <a:pPr algn="ctr">
               <a:lnSpc>
                 <a:spcPct val="100000"/>
               </a:lnSpc>
+              <a:buNone/>
             </a:pPr>
             <a:r>
               <a:rPr b="0" lang="en-IN" sz="4760" spc="-1" strike="noStrike">
                 <a:solidFill>
                   <a:srgbClr val="000000"/>
                 </a:solidFill>
-                <a:uFill>
-                  <a:solidFill>
-                    <a:srgbClr val="ffffff"/>
-                  </a:solidFill>
-                </a:uFill>
-                <a:latin typeface="Arial"/>
+                <a:latin typeface="Arial"/>
+                <a:ea typeface="DejaVu Sans"/>
               </a:rPr>
               <a:t>When we can use it?</a:t>
             </a:r>
-            <a:endParaRPr b="0" lang="en-IN" sz="1800" spc="-1" strike="noStrike">
-              <a:solidFill>
-                <a:srgbClr val="000000"/>
-              </a:solidFill>
-              <a:uFill>
-                <a:solidFill>
-                  <a:srgbClr val="ffffff"/>
-                </a:solidFill>
-              </a:uFill>
-              <a:latin typeface="Arial"/>
-            </a:endParaRPr>
-          </a:p>
-        </p:txBody>
-      </p:sp>
-      <p:sp>
-        <p:nvSpPr>
-          <p:cNvPr id="40" name="CustomShape 2"/>
+            <a:endParaRPr b="0" lang="en-IN" sz="4760" spc="-1" strike="noStrike">
+              <a:latin typeface="Arial"/>
+            </a:endParaRPr>
+          </a:p>
+        </p:txBody>
+      </p:sp>
+      <p:sp>
+        <p:nvSpPr>
+          <p:cNvPr id="42" name="CustomShape 2"/>
           <p:cNvSpPr/>
           <p:nvPr/>
         </p:nvSpPr>
         <p:spPr>
           <a:xfrm>
             <a:off x="504000" y="1823760"/>
-            <a:ext cx="9071640" cy="4384080"/>
-          </a:xfrm>
-          <a:prstGeom prst="rect">
-            <a:avLst/>
-          </a:prstGeom>
-          <a:noFill/>
-          <a:ln>
+            <a:ext cx="9071280" cy="4383720"/>
+          </a:xfrm>
+          <a:prstGeom prst="rect">
+            <a:avLst/>
+          </a:prstGeom>
+          <a:noFill/>
+          <a:ln w="0">
             <a:noFill/>
           </a:ln>
         </p:spPr>
@@ -2134,7 +2060,9 @@
           <a:fontRef idx="minor"/>
         </p:style>
         <p:txBody>
-          <a:bodyPr lIns="0" rIns="0" tIns="0" bIns="0"/>
+          <a:bodyPr lIns="0" rIns="0" tIns="0" bIns="0" anchor="t">
+            <a:noAutofit/>
+          </a:bodyPr>
           <a:p>
             <a:pPr marL="432000" indent="-323640">
               <a:lnSpc>
@@ -2152,24 +2080,12 @@
                 <a:solidFill>
                   <a:srgbClr val="ffffff"/>
                 </a:solidFill>
-                <a:uFill>
-                  <a:solidFill>
-                    <a:srgbClr val="ffffff"/>
-                  </a:solidFill>
-                </a:uFill>
-                <a:latin typeface="Arial"/>
+                <a:latin typeface="Arial"/>
+                <a:ea typeface="DejaVu Sans"/>
               </a:rPr>
               <a:t>If you need to pass a specific instance from one class to another, you can use the singleton pattern to avoid having to pass the instance via constructor or argument. Imagine that you have created a Session class, which simulates the $_SESSION global array. Since this class will only need to be instantiated once, we can implement a singleton pattern </a:t>
             </a:r>
-            <a:endParaRPr b="0" lang="en-IN" sz="1800" spc="-1" strike="noStrike">
-              <a:solidFill>
-                <a:srgbClr val="000000"/>
-              </a:solidFill>
-              <a:uFill>
-                <a:solidFill>
-                  <a:srgbClr val="ffffff"/>
-                </a:solidFill>
-              </a:uFill>
+            <a:endParaRPr b="0" lang="en-IN" sz="3470" spc="-1" strike="noStrike">
               <a:latin typeface="Arial"/>
             </a:endParaRPr>
           </a:p>
@@ -2177,33 +2093,14 @@
       </p:sp>
     </p:spTree>
   </p:cSld>
-  <p:timing>
-    <p:tnLst>
-      <p:par>
-        <p:cTn id="3" dur="indefinite" restart="never" nodeType="tmRoot">
-          <p:childTnLst>
-            <p:seq>
-              <p:cTn id="4" nodeType="mainSeq"/>
-              <p:prevCondLst>
-                <p:cond delay="0" evt="onPrev">
-                  <p:tgtEl>
-                    <p:sldTgt/>
-                  </p:tgtEl>
-                </p:cond>
-              </p:prevCondLst>
-              <p:nextCondLst>
-                <p:cond delay="0" evt="onNext">
-                  <p:tgtEl>
-                    <p:sldTgt/>
-                  </p:tgtEl>
-                </p:cond>
-              </p:nextCondLst>
-            </p:seq>
-          </p:childTnLst>
-        </p:cTn>
-      </p:par>
-    </p:tnLst>
-  </p:timing>
+  <mc:AlternateContent>
+    <mc:Choice Requires="p14">
+      <p:transition spd="slow" p14:dur="2000"/>
+    </mc:Choice>
+    <mc:Fallback>
+      <p:transition spd="slow"/>
+    </mc:Fallback>
+  </mc:AlternateContent>
 </p:sld>
 </file>
 
@@ -2226,20 +2123,20 @@
       </p:grpSpPr>
       <p:sp>
         <p:nvSpPr>
-          <p:cNvPr id="41" name="CustomShape 1"/>
+          <p:cNvPr id="43" name="CustomShape 1"/>
           <p:cNvSpPr/>
           <p:nvPr/>
         </p:nvSpPr>
         <p:spPr>
           <a:xfrm>
             <a:off x="504000" y="288000"/>
-            <a:ext cx="9071640" cy="1247760"/>
-          </a:xfrm>
-          <a:prstGeom prst="rect">
-            <a:avLst/>
-          </a:prstGeom>
-          <a:noFill/>
-          <a:ln>
+            <a:ext cx="9071280" cy="1247400"/>
+          </a:xfrm>
+          <a:prstGeom prst="rect">
+            <a:avLst/>
+          </a:prstGeom>
+          <a:noFill/>
+          <a:ln w="0">
             <a:noFill/>
           </a:ln>
         </p:spPr>
@@ -2250,57 +2147,48 @@
           <a:fontRef idx="minor"/>
         </p:style>
         <p:txBody>
-          <a:bodyPr lIns="0" rIns="0" tIns="0" bIns="0" anchor="ctr"/>
+          <a:bodyPr lIns="0" rIns="0" tIns="0" bIns="0" anchor="ctr">
+            <a:noAutofit/>
+          </a:bodyPr>
           <a:p>
             <a:pPr algn="ctr">
               <a:lnSpc>
                 <a:spcPct val="100000"/>
               </a:lnSpc>
+              <a:buNone/>
             </a:pPr>
             <a:r>
               <a:rPr b="0" lang="en-IN" sz="4760" spc="-1" strike="noStrike">
                 <a:solidFill>
                   <a:srgbClr val="000000"/>
                 </a:solidFill>
-                <a:uFill>
-                  <a:solidFill>
-                    <a:srgbClr val="ffffff"/>
-                  </a:solidFill>
-                </a:uFill>
-                <a:latin typeface="Arial"/>
+                <a:latin typeface="Arial"/>
+                <a:ea typeface="DejaVu Sans"/>
               </a:rPr>
               <a:t>Example</a:t>
             </a:r>
-            <a:endParaRPr b="0" lang="en-IN" sz="1800" spc="-1" strike="noStrike">
-              <a:solidFill>
-                <a:srgbClr val="000000"/>
-              </a:solidFill>
-              <a:uFill>
-                <a:solidFill>
-                  <a:srgbClr val="ffffff"/>
-                </a:solidFill>
-              </a:uFill>
-              <a:latin typeface="Arial"/>
-            </a:endParaRPr>
-          </a:p>
-        </p:txBody>
-      </p:sp>
-      <p:sp>
-        <p:nvSpPr>
-          <p:cNvPr id="42" name="CustomShape 2"/>
+            <a:endParaRPr b="0" lang="en-IN" sz="4760" spc="-1" strike="noStrike">
+              <a:latin typeface="Arial"/>
+            </a:endParaRPr>
+          </a:p>
+        </p:txBody>
+      </p:sp>
+      <p:sp>
+        <p:nvSpPr>
+          <p:cNvPr id="44" name="CustomShape 2"/>
           <p:cNvSpPr/>
           <p:nvPr/>
         </p:nvSpPr>
         <p:spPr>
           <a:xfrm>
             <a:off x="504000" y="1823760"/>
-            <a:ext cx="9071640" cy="4384080"/>
-          </a:xfrm>
-          <a:prstGeom prst="rect">
-            <a:avLst/>
-          </a:prstGeom>
-          <a:noFill/>
-          <a:ln>
+            <a:ext cx="9071280" cy="4383720"/>
+          </a:xfrm>
+          <a:prstGeom prst="rect">
+            <a:avLst/>
+          </a:prstGeom>
+          <a:noFill/>
+          <a:ln w="0">
             <a:noFill/>
           </a:ln>
         </p:spPr>
@@ -2311,7 +2199,9 @@
           <a:fontRef idx="minor"/>
         </p:style>
         <p:txBody>
-          <a:bodyPr lIns="0" rIns="0" tIns="0" bIns="0"/>
+          <a:bodyPr lIns="0" rIns="0" tIns="0" bIns="0" anchor="t">
+            <a:noAutofit/>
+          </a:bodyPr>
           <a:p>
             <a:pPr marL="432000" indent="-323640">
               <a:lnSpc>
@@ -2329,24 +2219,12 @@
                 <a:solidFill>
                   <a:srgbClr val="ffffff"/>
                 </a:solidFill>
-                <a:uFill>
-                  <a:solidFill>
-                    <a:srgbClr val="ffffff"/>
-                  </a:solidFill>
-                </a:uFill>
-                <a:latin typeface="Arial"/>
+                <a:latin typeface="Arial"/>
+                <a:ea typeface="DejaVu Sans"/>
               </a:rPr>
               <a:t>&lt;?php</a:t>
             </a:r>
-            <a:endParaRPr b="0" lang="en-IN" sz="1800" spc="-1" strike="noStrike">
-              <a:solidFill>
-                <a:srgbClr val="000000"/>
-              </a:solidFill>
-              <a:uFill>
-                <a:solidFill>
-                  <a:srgbClr val="ffffff"/>
-                </a:solidFill>
-              </a:uFill>
+            <a:endParaRPr b="0" lang="en-IN" sz="1400" spc="-1" strike="noStrike">
               <a:latin typeface="Arial"/>
             </a:endParaRPr>
           </a:p>
@@ -2367,24 +2245,12 @@
                 <a:solidFill>
                   <a:srgbClr val="ffffff"/>
                 </a:solidFill>
-                <a:uFill>
-                  <a:solidFill>
-                    <a:srgbClr val="ffffff"/>
-                  </a:solidFill>
-                </a:uFill>
-                <a:latin typeface="Arial"/>
+                <a:latin typeface="Arial"/>
+                <a:ea typeface="DejaVu Sans"/>
               </a:rPr>
               <a:t>class Session</a:t>
             </a:r>
-            <a:endParaRPr b="0" lang="en-IN" sz="1800" spc="-1" strike="noStrike">
-              <a:solidFill>
-                <a:srgbClr val="000000"/>
-              </a:solidFill>
-              <a:uFill>
-                <a:solidFill>
-                  <a:srgbClr val="ffffff"/>
-                </a:solidFill>
-              </a:uFill>
+            <a:endParaRPr b="0" lang="en-IN" sz="1400" spc="-1" strike="noStrike">
               <a:latin typeface="Arial"/>
             </a:endParaRPr>
           </a:p>
@@ -2405,24 +2271,12 @@
                 <a:solidFill>
                   <a:srgbClr val="ffffff"/>
                 </a:solidFill>
-                <a:uFill>
-                  <a:solidFill>
-                    <a:srgbClr val="ffffff"/>
-                  </a:solidFill>
-                </a:uFill>
-                <a:latin typeface="Arial"/>
+                <a:latin typeface="Arial"/>
+                <a:ea typeface="DejaVu Sans"/>
               </a:rPr>
               <a:t>{</a:t>
             </a:r>
-            <a:endParaRPr b="0" lang="en-IN" sz="1800" spc="-1" strike="noStrike">
-              <a:solidFill>
-                <a:srgbClr val="000000"/>
-              </a:solidFill>
-              <a:uFill>
-                <a:solidFill>
-                  <a:srgbClr val="ffffff"/>
-                </a:solidFill>
-              </a:uFill>
+            <a:endParaRPr b="0" lang="en-IN" sz="1400" spc="-1" strike="noStrike">
               <a:latin typeface="Arial"/>
             </a:endParaRPr>
           </a:p>
@@ -2443,12 +2297,8 @@
                 <a:solidFill>
                   <a:srgbClr val="ffffff"/>
                 </a:solidFill>
-                <a:uFill>
-                  <a:solidFill>
-                    <a:srgbClr val="ffffff"/>
-                  </a:solidFill>
-                </a:uFill>
-                <a:latin typeface="Arial"/>
+                <a:latin typeface="Arial"/>
+                <a:ea typeface="DejaVu Sans"/>
               </a:rPr>
               <a:t>    </a:t>
             </a:r>
@@ -2457,24 +2307,12 @@
                 <a:solidFill>
                   <a:srgbClr val="ffffff"/>
                 </a:solidFill>
-                <a:uFill>
-                  <a:solidFill>
-                    <a:srgbClr val="ffffff"/>
-                  </a:solidFill>
-                </a:uFill>
-                <a:latin typeface="Arial"/>
+                <a:latin typeface="Arial"/>
+                <a:ea typeface="DejaVu Sans"/>
               </a:rPr>
               <a:t>private static $instance;</a:t>
             </a:r>
-            <a:endParaRPr b="0" lang="en-IN" sz="1800" spc="-1" strike="noStrike">
-              <a:solidFill>
-                <a:srgbClr val="000000"/>
-              </a:solidFill>
-              <a:uFill>
-                <a:solidFill>
-                  <a:srgbClr val="ffffff"/>
-                </a:solidFill>
-              </a:uFill>
+            <a:endParaRPr b="0" lang="en-IN" sz="1400" spc="-1" strike="noStrike">
               <a:latin typeface="Arial"/>
             </a:endParaRPr>
           </a:p>
@@ -2495,24 +2333,12 @@
                 <a:solidFill>
                   <a:srgbClr val="ffffff"/>
                 </a:solidFill>
-                <a:uFill>
-                  <a:solidFill>
-                    <a:srgbClr val="ffffff"/>
-                  </a:solidFill>
-                </a:uFill>
-                <a:latin typeface="Arial"/>
+                <a:latin typeface="Arial"/>
+                <a:ea typeface="DejaVu Sans"/>
               </a:rPr>
               <a:t>     </a:t>
             </a:r>
-            <a:endParaRPr b="0" lang="en-IN" sz="1800" spc="-1" strike="noStrike">
-              <a:solidFill>
-                <a:srgbClr val="000000"/>
-              </a:solidFill>
-              <a:uFill>
-                <a:solidFill>
-                  <a:srgbClr val="ffffff"/>
-                </a:solidFill>
-              </a:uFill>
+            <a:endParaRPr b="0" lang="en-IN" sz="1400" spc="-1" strike="noStrike">
               <a:latin typeface="Arial"/>
             </a:endParaRPr>
           </a:p>
@@ -2533,12 +2359,8 @@
                 <a:solidFill>
                   <a:srgbClr val="ffffff"/>
                 </a:solidFill>
-                <a:uFill>
-                  <a:solidFill>
-                    <a:srgbClr val="ffffff"/>
-                  </a:solidFill>
-                </a:uFill>
-                <a:latin typeface="Arial"/>
+                <a:latin typeface="Arial"/>
+                <a:ea typeface="DejaVu Sans"/>
               </a:rPr>
               <a:t>    </a:t>
             </a:r>
@@ -2547,24 +2369,12 @@
                 <a:solidFill>
                   <a:srgbClr val="ffffff"/>
                 </a:solidFill>
-                <a:uFill>
-                  <a:solidFill>
-                    <a:srgbClr val="ffffff"/>
-                  </a:solidFill>
-                </a:uFill>
-                <a:latin typeface="Arial"/>
+                <a:latin typeface="Arial"/>
+                <a:ea typeface="DejaVu Sans"/>
               </a:rPr>
               <a:t>public static function getInstance()</a:t>
             </a:r>
-            <a:endParaRPr b="0" lang="en-IN" sz="1800" spc="-1" strike="noStrike">
-              <a:solidFill>
-                <a:srgbClr val="000000"/>
-              </a:solidFill>
-              <a:uFill>
-                <a:solidFill>
-                  <a:srgbClr val="ffffff"/>
-                </a:solidFill>
-              </a:uFill>
+            <a:endParaRPr b="0" lang="en-IN" sz="1400" spc="-1" strike="noStrike">
               <a:latin typeface="Arial"/>
             </a:endParaRPr>
           </a:p>
@@ -2585,12 +2395,8 @@
                 <a:solidFill>
                   <a:srgbClr val="ffffff"/>
                 </a:solidFill>
-                <a:uFill>
-                  <a:solidFill>
-                    <a:srgbClr val="ffffff"/>
-                  </a:solidFill>
-                </a:uFill>
-                <a:latin typeface="Arial"/>
+                <a:latin typeface="Arial"/>
+                <a:ea typeface="DejaVu Sans"/>
               </a:rPr>
               <a:t>    </a:t>
             </a:r>
@@ -2599,24 +2405,12 @@
                 <a:solidFill>
                   <a:srgbClr val="ffffff"/>
                 </a:solidFill>
-                <a:uFill>
-                  <a:solidFill>
-                    <a:srgbClr val="ffffff"/>
-                  </a:solidFill>
-                </a:uFill>
-                <a:latin typeface="Arial"/>
+                <a:latin typeface="Arial"/>
+                <a:ea typeface="DejaVu Sans"/>
               </a:rPr>
               <a:t>{</a:t>
             </a:r>
-            <a:endParaRPr b="0" lang="en-IN" sz="1800" spc="-1" strike="noStrike">
-              <a:solidFill>
-                <a:srgbClr val="000000"/>
-              </a:solidFill>
-              <a:uFill>
-                <a:solidFill>
-                  <a:srgbClr val="ffffff"/>
-                </a:solidFill>
-              </a:uFill>
+            <a:endParaRPr b="0" lang="en-IN" sz="1400" spc="-1" strike="noStrike">
               <a:latin typeface="Arial"/>
             </a:endParaRPr>
           </a:p>
@@ -2637,12 +2431,8 @@
                 <a:solidFill>
                   <a:srgbClr val="ffffff"/>
                 </a:solidFill>
-                <a:uFill>
-                  <a:solidFill>
-                    <a:srgbClr val="ffffff"/>
-                  </a:solidFill>
-                </a:uFill>
-                <a:latin typeface="Arial"/>
+                <a:latin typeface="Arial"/>
+                <a:ea typeface="DejaVu Sans"/>
               </a:rPr>
               <a:t>        </a:t>
             </a:r>
@@ -2651,24 +2441,12 @@
                 <a:solidFill>
                   <a:srgbClr val="ffffff"/>
                 </a:solidFill>
-                <a:uFill>
-                  <a:solidFill>
-                    <a:srgbClr val="ffffff"/>
-                  </a:solidFill>
-                </a:uFill>
-                <a:latin typeface="Arial"/>
+                <a:latin typeface="Arial"/>
+                <a:ea typeface="DejaVu Sans"/>
               </a:rPr>
               <a:t>if( is_null(self::$instance) ) {</a:t>
             </a:r>
-            <a:endParaRPr b="0" lang="en-IN" sz="1800" spc="-1" strike="noStrike">
-              <a:solidFill>
-                <a:srgbClr val="000000"/>
-              </a:solidFill>
-              <a:uFill>
-                <a:solidFill>
-                  <a:srgbClr val="ffffff"/>
-                </a:solidFill>
-              </a:uFill>
+            <a:endParaRPr b="0" lang="en-IN" sz="1400" spc="-1" strike="noStrike">
               <a:latin typeface="Arial"/>
             </a:endParaRPr>
           </a:p>
@@ -2689,12 +2467,8 @@
                 <a:solidFill>
                   <a:srgbClr val="ffffff"/>
                 </a:solidFill>
-                <a:uFill>
-                  <a:solidFill>
-                    <a:srgbClr val="ffffff"/>
-                  </a:solidFill>
-                </a:uFill>
-                <a:latin typeface="Arial"/>
+                <a:latin typeface="Arial"/>
+                <a:ea typeface="DejaVu Sans"/>
               </a:rPr>
               <a:t>            </a:t>
             </a:r>
@@ -2703,24 +2477,12 @@
                 <a:solidFill>
                   <a:srgbClr val="ffffff"/>
                 </a:solidFill>
-                <a:uFill>
-                  <a:solidFill>
-                    <a:srgbClr val="ffffff"/>
-                  </a:solidFill>
-                </a:uFill>
-                <a:latin typeface="Arial"/>
+                <a:latin typeface="Arial"/>
+                <a:ea typeface="DejaVu Sans"/>
               </a:rPr>
               <a:t>self::$instance = new self();</a:t>
             </a:r>
-            <a:endParaRPr b="0" lang="en-IN" sz="1800" spc="-1" strike="noStrike">
-              <a:solidFill>
-                <a:srgbClr val="000000"/>
-              </a:solidFill>
-              <a:uFill>
-                <a:solidFill>
-                  <a:srgbClr val="ffffff"/>
-                </a:solidFill>
-              </a:uFill>
+            <a:endParaRPr b="0" lang="en-IN" sz="1400" spc="-1" strike="noStrike">
               <a:latin typeface="Arial"/>
             </a:endParaRPr>
           </a:p>
@@ -2741,12 +2503,8 @@
                 <a:solidFill>
                   <a:srgbClr val="ffffff"/>
                 </a:solidFill>
-                <a:uFill>
-                  <a:solidFill>
-                    <a:srgbClr val="ffffff"/>
-                  </a:solidFill>
-                </a:uFill>
-                <a:latin typeface="Arial"/>
+                <a:latin typeface="Arial"/>
+                <a:ea typeface="DejaVu Sans"/>
               </a:rPr>
               <a:t>        </a:t>
             </a:r>
@@ -2755,24 +2513,12 @@
                 <a:solidFill>
                   <a:srgbClr val="ffffff"/>
                 </a:solidFill>
-                <a:uFill>
-                  <a:solidFill>
-                    <a:srgbClr val="ffffff"/>
-                  </a:solidFill>
-                </a:uFill>
-                <a:latin typeface="Arial"/>
+                <a:latin typeface="Arial"/>
+                <a:ea typeface="DejaVu Sans"/>
               </a:rPr>
               <a:t>}</a:t>
             </a:r>
-            <a:endParaRPr b="0" lang="en-IN" sz="1800" spc="-1" strike="noStrike">
-              <a:solidFill>
-                <a:srgbClr val="000000"/>
-              </a:solidFill>
-              <a:uFill>
-                <a:solidFill>
-                  <a:srgbClr val="ffffff"/>
-                </a:solidFill>
-              </a:uFill>
+            <a:endParaRPr b="0" lang="en-IN" sz="1400" spc="-1" strike="noStrike">
               <a:latin typeface="Arial"/>
             </a:endParaRPr>
           </a:p>
@@ -2793,12 +2539,8 @@
                 <a:solidFill>
                   <a:srgbClr val="ffffff"/>
                 </a:solidFill>
-                <a:uFill>
-                  <a:solidFill>
-                    <a:srgbClr val="ffffff"/>
-                  </a:solidFill>
-                </a:uFill>
-                <a:latin typeface="Arial"/>
+                <a:latin typeface="Arial"/>
+                <a:ea typeface="DejaVu Sans"/>
               </a:rPr>
               <a:t>        </a:t>
             </a:r>
@@ -2807,24 +2549,12 @@
                 <a:solidFill>
                   <a:srgbClr val="ffffff"/>
                 </a:solidFill>
-                <a:uFill>
-                  <a:solidFill>
-                    <a:srgbClr val="ffffff"/>
-                  </a:solidFill>
-                </a:uFill>
-                <a:latin typeface="Arial"/>
+                <a:latin typeface="Arial"/>
+                <a:ea typeface="DejaVu Sans"/>
               </a:rPr>
               <a:t>return self::$instance;</a:t>
             </a:r>
-            <a:endParaRPr b="0" lang="en-IN" sz="1800" spc="-1" strike="noStrike">
-              <a:solidFill>
-                <a:srgbClr val="000000"/>
-              </a:solidFill>
-              <a:uFill>
-                <a:solidFill>
-                  <a:srgbClr val="ffffff"/>
-                </a:solidFill>
-              </a:uFill>
+            <a:endParaRPr b="0" lang="en-IN" sz="1400" spc="-1" strike="noStrike">
               <a:latin typeface="Arial"/>
             </a:endParaRPr>
           </a:p>
@@ -2845,12 +2575,8 @@
                 <a:solidFill>
                   <a:srgbClr val="ffffff"/>
                 </a:solidFill>
-                <a:uFill>
-                  <a:solidFill>
-                    <a:srgbClr val="ffffff"/>
-                  </a:solidFill>
-                </a:uFill>
-                <a:latin typeface="Arial"/>
+                <a:latin typeface="Arial"/>
+                <a:ea typeface="DejaVu Sans"/>
               </a:rPr>
               <a:t>    </a:t>
             </a:r>
@@ -2859,24 +2585,12 @@
                 <a:solidFill>
                   <a:srgbClr val="ffffff"/>
                 </a:solidFill>
-                <a:uFill>
-                  <a:solidFill>
-                    <a:srgbClr val="ffffff"/>
-                  </a:solidFill>
-                </a:uFill>
-                <a:latin typeface="Arial"/>
+                <a:latin typeface="Arial"/>
+                <a:ea typeface="DejaVu Sans"/>
               </a:rPr>
               <a:t>}</a:t>
             </a:r>
-            <a:endParaRPr b="0" lang="en-IN" sz="1800" spc="-1" strike="noStrike">
-              <a:solidFill>
-                <a:srgbClr val="000000"/>
-              </a:solidFill>
-              <a:uFill>
-                <a:solidFill>
-                  <a:srgbClr val="ffffff"/>
-                </a:solidFill>
-              </a:uFill>
+            <a:endParaRPr b="0" lang="en-IN" sz="1400" spc="-1" strike="noStrike">
               <a:latin typeface="Arial"/>
             </a:endParaRPr>
           </a:p>
@@ -2897,24 +2611,12 @@
                 <a:solidFill>
                   <a:srgbClr val="ffffff"/>
                 </a:solidFill>
-                <a:uFill>
-                  <a:solidFill>
-                    <a:srgbClr val="ffffff"/>
-                  </a:solidFill>
-                </a:uFill>
-                <a:latin typeface="Arial"/>
+                <a:latin typeface="Arial"/>
+                <a:ea typeface="DejaVu Sans"/>
               </a:rPr>
               <a:t>     </a:t>
             </a:r>
-            <a:endParaRPr b="0" lang="en-IN" sz="1800" spc="-1" strike="noStrike">
-              <a:solidFill>
-                <a:srgbClr val="000000"/>
-              </a:solidFill>
-              <a:uFill>
-                <a:solidFill>
-                  <a:srgbClr val="ffffff"/>
-                </a:solidFill>
-              </a:uFill>
+            <a:endParaRPr b="0" lang="en-IN" sz="1400" spc="-1" strike="noStrike">
               <a:latin typeface="Arial"/>
             </a:endParaRPr>
           </a:p>
@@ -2935,12 +2637,8 @@
                 <a:solidFill>
                   <a:srgbClr val="ffffff"/>
                 </a:solidFill>
-                <a:uFill>
-                  <a:solidFill>
-                    <a:srgbClr val="ffffff"/>
-                  </a:solidFill>
-                </a:uFill>
-                <a:latin typeface="Arial"/>
+                <a:latin typeface="Arial"/>
+                <a:ea typeface="DejaVu Sans"/>
               </a:rPr>
               <a:t>    </a:t>
             </a:r>
@@ -2949,24 +2647,12 @@
                 <a:solidFill>
                   <a:srgbClr val="ffffff"/>
                 </a:solidFill>
-                <a:uFill>
-                  <a:solidFill>
-                    <a:srgbClr val="ffffff"/>
-                  </a:solidFill>
-                </a:uFill>
-                <a:latin typeface="Arial"/>
+                <a:latin typeface="Arial"/>
+                <a:ea typeface="DejaVu Sans"/>
               </a:rPr>
               <a:t>private function __construct() { }</a:t>
             </a:r>
-            <a:endParaRPr b="0" lang="en-IN" sz="1800" spc="-1" strike="noStrike">
-              <a:solidFill>
-                <a:srgbClr val="000000"/>
-              </a:solidFill>
-              <a:uFill>
-                <a:solidFill>
-                  <a:srgbClr val="ffffff"/>
-                </a:solidFill>
-              </a:uFill>
+            <a:endParaRPr b="0" lang="en-IN" sz="1400" spc="-1" strike="noStrike">
               <a:latin typeface="Arial"/>
             </a:endParaRPr>
           </a:p>
@@ -2987,24 +2673,12 @@
                 <a:solidFill>
                   <a:srgbClr val="ffffff"/>
                 </a:solidFill>
-                <a:uFill>
-                  <a:solidFill>
-                    <a:srgbClr val="ffffff"/>
-                  </a:solidFill>
-                </a:uFill>
-                <a:latin typeface="Arial"/>
+                <a:latin typeface="Arial"/>
+                <a:ea typeface="DejaVu Sans"/>
               </a:rPr>
               <a:t>     </a:t>
             </a:r>
-            <a:endParaRPr b="0" lang="en-IN" sz="1800" spc="-1" strike="noStrike">
-              <a:solidFill>
-                <a:srgbClr val="000000"/>
-              </a:solidFill>
-              <a:uFill>
-                <a:solidFill>
-                  <a:srgbClr val="ffffff"/>
-                </a:solidFill>
-              </a:uFill>
+            <a:endParaRPr b="0" lang="en-IN" sz="1400" spc="-1" strike="noStrike">
               <a:latin typeface="Arial"/>
             </a:endParaRPr>
           </a:p>
@@ -3025,12 +2699,8 @@
                 <a:solidFill>
                   <a:srgbClr val="ffffff"/>
                 </a:solidFill>
-                <a:uFill>
-                  <a:solidFill>
-                    <a:srgbClr val="ffffff"/>
-                  </a:solidFill>
-                </a:uFill>
-                <a:latin typeface="Arial"/>
+                <a:latin typeface="Arial"/>
+                <a:ea typeface="DejaVu Sans"/>
               </a:rPr>
               <a:t>    </a:t>
             </a:r>
@@ -3039,24 +2709,12 @@
                 <a:solidFill>
                   <a:srgbClr val="ffffff"/>
                 </a:solidFill>
-                <a:uFill>
-                  <a:solidFill>
-                    <a:srgbClr val="ffffff"/>
-                  </a:solidFill>
-                </a:uFill>
-                <a:latin typeface="Arial"/>
+                <a:latin typeface="Arial"/>
+                <a:ea typeface="DejaVu Sans"/>
               </a:rPr>
               <a:t>private function __clone() { }</a:t>
             </a:r>
-            <a:endParaRPr b="0" lang="en-IN" sz="1800" spc="-1" strike="noStrike">
-              <a:solidFill>
-                <a:srgbClr val="000000"/>
-              </a:solidFill>
-              <a:uFill>
-                <a:solidFill>
-                  <a:srgbClr val="ffffff"/>
-                </a:solidFill>
-              </a:uFill>
+            <a:endParaRPr b="0" lang="en-IN" sz="1400" spc="-1" strike="noStrike">
               <a:latin typeface="Arial"/>
             </a:endParaRPr>
           </a:p>
@@ -3077,24 +2735,12 @@
                 <a:solidFill>
                   <a:srgbClr val="ffffff"/>
                 </a:solidFill>
-                <a:uFill>
-                  <a:solidFill>
-                    <a:srgbClr val="ffffff"/>
-                  </a:solidFill>
-                </a:uFill>
-                <a:latin typeface="Arial"/>
+                <a:latin typeface="Arial"/>
+                <a:ea typeface="DejaVu Sans"/>
               </a:rPr>
               <a:t>}</a:t>
             </a:r>
-            <a:endParaRPr b="0" lang="en-IN" sz="1800" spc="-1" strike="noStrike">
-              <a:solidFill>
-                <a:srgbClr val="000000"/>
-              </a:solidFill>
-              <a:uFill>
-                <a:solidFill>
-                  <a:srgbClr val="ffffff"/>
-                </a:solidFill>
-              </a:uFill>
+            <a:endParaRPr b="0" lang="en-IN" sz="1400" spc="-1" strike="noStrike">
               <a:latin typeface="Arial"/>
             </a:endParaRPr>
           </a:p>
@@ -3115,24 +2761,12 @@
                 <a:solidFill>
                   <a:srgbClr val="ffffff"/>
                 </a:solidFill>
-                <a:uFill>
-                  <a:solidFill>
-                    <a:srgbClr val="ffffff"/>
-                  </a:solidFill>
-                </a:uFill>
-                <a:latin typeface="Arial"/>
+                <a:latin typeface="Arial"/>
+                <a:ea typeface="DejaVu Sans"/>
               </a:rPr>
               <a:t> </a:t>
             </a:r>
-            <a:endParaRPr b="0" lang="en-IN" sz="1800" spc="-1" strike="noStrike">
-              <a:solidFill>
-                <a:srgbClr val="000000"/>
-              </a:solidFill>
-              <a:uFill>
-                <a:solidFill>
-                  <a:srgbClr val="ffffff"/>
-                </a:solidFill>
-              </a:uFill>
+            <a:endParaRPr b="0" lang="en-IN" sz="1400" spc="-1" strike="noStrike">
               <a:latin typeface="Arial"/>
             </a:endParaRPr>
           </a:p>
@@ -3153,24 +2787,12 @@
                 <a:solidFill>
                   <a:srgbClr val="ffffff"/>
                 </a:solidFill>
-                <a:uFill>
-                  <a:solidFill>
-                    <a:srgbClr val="ffffff"/>
-                  </a:solidFill>
-                </a:uFill>
-                <a:latin typeface="Arial"/>
+                <a:latin typeface="Arial"/>
+                <a:ea typeface="DejaVu Sans"/>
               </a:rPr>
               <a:t>// get a session instance</a:t>
             </a:r>
-            <a:endParaRPr b="0" lang="en-IN" sz="1800" spc="-1" strike="noStrike">
-              <a:solidFill>
-                <a:srgbClr val="000000"/>
-              </a:solidFill>
-              <a:uFill>
-                <a:solidFill>
-                  <a:srgbClr val="ffffff"/>
-                </a:solidFill>
-              </a:uFill>
+            <a:endParaRPr b="0" lang="en-IN" sz="1400" spc="-1" strike="noStrike">
               <a:latin typeface="Arial"/>
             </a:endParaRPr>
           </a:p>
@@ -3191,24 +2813,12 @@
                 <a:solidFill>
                   <a:srgbClr val="ffffff"/>
                 </a:solidFill>
-                <a:uFill>
-                  <a:solidFill>
-                    <a:srgbClr val="ffffff"/>
-                  </a:solidFill>
-                </a:uFill>
-                <a:latin typeface="Arial"/>
+                <a:latin typeface="Arial"/>
+                <a:ea typeface="DejaVu Sans"/>
               </a:rPr>
               <a:t>$session = Session::getInstance();</a:t>
             </a:r>
-            <a:endParaRPr b="0" lang="en-IN" sz="1800" spc="-1" strike="noStrike">
-              <a:solidFill>
-                <a:srgbClr val="000000"/>
-              </a:solidFill>
-              <a:uFill>
-                <a:solidFill>
-                  <a:srgbClr val="ffffff"/>
-                </a:solidFill>
-              </a:uFill>
+            <a:endParaRPr b="0" lang="en-IN" sz="1400" spc="-1" strike="noStrike">
               <a:latin typeface="Arial"/>
             </a:endParaRPr>
           </a:p>
@@ -3217,30 +2827,19 @@
               <a:lnSpc>
                 <a:spcPct val="100000"/>
               </a:lnSpc>
+              <a:buNone/>
             </a:pPr>
             <a:r>
               <a:rPr b="0" lang="en-IN" sz="1400" spc="-1" strike="noStrike">
                 <a:solidFill>
                   <a:srgbClr val="ffffff"/>
                 </a:solidFill>
-                <a:uFill>
-                  <a:solidFill>
-                    <a:srgbClr val="ffffff"/>
-                  </a:solidFill>
-                </a:uFill>
-                <a:latin typeface="Arial"/>
+                <a:latin typeface="Arial"/>
+                <a:ea typeface="DejaVu Sans"/>
               </a:rPr>
               <a:t>$session1 = Session::getInstance();</a:t>
             </a:r>
-            <a:endParaRPr b="0" lang="en-IN" sz="1800" spc="-1" strike="noStrike">
-              <a:solidFill>
-                <a:srgbClr val="000000"/>
-              </a:solidFill>
-              <a:uFill>
-                <a:solidFill>
-                  <a:srgbClr val="ffffff"/>
-                </a:solidFill>
-              </a:uFill>
+            <a:endParaRPr b="0" lang="en-IN" sz="1400" spc="-1" strike="noStrike">
               <a:latin typeface="Arial"/>
             </a:endParaRPr>
           </a:p>
@@ -3249,30 +2848,19 @@
               <a:lnSpc>
                 <a:spcPct val="100000"/>
               </a:lnSpc>
+              <a:buNone/>
             </a:pPr>
             <a:r>
               <a:rPr b="0" lang="en-IN" sz="1400" spc="-1" strike="noStrike">
                 <a:solidFill>
                   <a:srgbClr val="ffffff"/>
                 </a:solidFill>
-                <a:uFill>
-                  <a:solidFill>
-                    <a:srgbClr val="ffffff"/>
-                  </a:solidFill>
-                </a:uFill>
-                <a:latin typeface="Arial"/>
+                <a:latin typeface="Arial"/>
+                <a:ea typeface="DejaVu Sans"/>
               </a:rPr>
               <a:t>$session2 = Session::getInstance();</a:t>
             </a:r>
-            <a:endParaRPr b="0" lang="en-IN" sz="1800" spc="-1" strike="noStrike">
-              <a:solidFill>
-                <a:srgbClr val="000000"/>
-              </a:solidFill>
-              <a:uFill>
-                <a:solidFill>
-                  <a:srgbClr val="ffffff"/>
-                </a:solidFill>
-              </a:uFill>
+            <a:endParaRPr b="0" lang="en-IN" sz="1400" spc="-1" strike="noStrike">
               <a:latin typeface="Arial"/>
             </a:endParaRPr>
           </a:p>
@@ -3280,33 +2868,146 @@
       </p:sp>
     </p:spTree>
   </p:cSld>
-  <p:timing>
-    <p:tnLst>
-      <p:par>
-        <p:cTn id="5" dur="indefinite" restart="never" nodeType="tmRoot">
-          <p:childTnLst>
-            <p:seq>
-              <p:cTn id="6" nodeType="mainSeq"/>
-              <p:prevCondLst>
-                <p:cond delay="0" evt="onPrev">
-                  <p:tgtEl>
-                    <p:sldTgt/>
-                  </p:tgtEl>
-                </p:cond>
-              </p:prevCondLst>
-              <p:nextCondLst>
-                <p:cond delay="0" evt="onNext">
-                  <p:tgtEl>
-                    <p:sldTgt/>
-                  </p:tgtEl>
-                </p:cond>
-              </p:nextCondLst>
-            </p:seq>
-          </p:childTnLst>
-        </p:cTn>
-      </p:par>
-    </p:tnLst>
-  </p:timing>
+  <mc:AlternateContent>
+    <mc:Choice Requires="p14">
+      <p:transition spd="slow" p14:dur="2000"/>
+    </mc:Choice>
+    <mc:Fallback>
+      <p:transition spd="slow"/>
+    </mc:Fallback>
+  </mc:AlternateContent>
+</p:sld>
+</file>
+
+<file path=ppt/slides/slide4.xml><?xml version="1.0" encoding="utf-8"?>
+<p:sld xmlns:a="http://schemas.openxmlformats.org/drawingml/2006/main" xmlns:p="http://schemas.openxmlformats.org/presentationml/2006/main" xmlns:r="http://schemas.openxmlformats.org/officeDocument/2006/relationships" xmlns:p14="http://schemas.microsoft.com/office/powerpoint/2010/main" xmlns:p15="http://schemas.microsoft.com/office/powerpoint/2012/main" xmlns:mc="http://schemas.openxmlformats.org/markup-compatibility/2006">
+  <p:cSld>
+    <p:spTree>
+      <p:nvGrpSpPr>
+        <p:cNvPr id="1" name=""/>
+        <p:cNvGrpSpPr/>
+        <p:nvPr/>
+      </p:nvGrpSpPr>
+      <p:grpSpPr>
+        <a:xfrm>
+          <a:off x="0" y="0"/>
+          <a:ext cx="0" cy="0"/>
+          <a:chOff x="0" y="0"/>
+          <a:chExt cx="0" cy="0"/>
+        </a:xfrm>
+      </p:grpSpPr>
+      <p:sp>
+        <p:nvSpPr>
+          <p:cNvPr id="45" name=""/>
+          <p:cNvSpPr txBox="1"/>
+          <p:nvPr/>
+        </p:nvSpPr>
+        <p:spPr>
+          <a:xfrm>
+            <a:off x="4109040" y="3280680"/>
+            <a:ext cx="1930320" cy="346680"/>
+          </a:xfrm>
+          <a:prstGeom prst="rect">
+            <a:avLst/>
+          </a:prstGeom>
+          <a:noFill/>
+          <a:ln w="0">
+            <a:noFill/>
+          </a:ln>
+        </p:spPr>
+        <p:txBody>
+          <a:bodyPr lIns="90000" rIns="90000" tIns="45000" bIns="45000" anchor="t">
+            <a:noAutofit/>
+          </a:bodyPr>
+          <a:p>
+            <a:r>
+              <a:rPr b="0" lang="en-IN" sz="1800" spc="-1" strike="noStrike">
+                <a:latin typeface="Arial"/>
+              </a:rPr>
+              <a:t>presentation.pptx</a:t>
+            </a:r>
+            <a:endParaRPr b="0" lang="en-IN" sz="1800" spc="-1" strike="noStrike">
+              <a:latin typeface="Arial"/>
+            </a:endParaRPr>
+          </a:p>
+        </p:txBody>
+      </p:sp>
+    </p:spTree>
+  </p:cSld>
+  <mc:AlternateContent>
+    <mc:Choice Requires="p14">
+      <p:transition spd="slow" p14:dur="2000"/>
+    </mc:Choice>
+    <mc:Fallback>
+      <p:transition spd="slow"/>
+    </mc:Fallback>
+  </mc:AlternateContent>
+</p:sld>
+</file>
+
+<file path=ppt/slides/slide5.xml><?xml version="1.0" encoding="utf-8"?>
+<p:sld xmlns:a="http://schemas.openxmlformats.org/drawingml/2006/main" xmlns:p="http://schemas.openxmlformats.org/presentationml/2006/main" xmlns:r="http://schemas.openxmlformats.org/officeDocument/2006/relationships" xmlns:p14="http://schemas.microsoft.com/office/powerpoint/2010/main" xmlns:p15="http://schemas.microsoft.com/office/powerpoint/2012/main" xmlns:mc="http://schemas.openxmlformats.org/markup-compatibility/2006">
+  <p:cSld>
+    <p:spTree>
+      <p:nvGrpSpPr>
+        <p:cNvPr id="1" name=""/>
+        <p:cNvGrpSpPr/>
+        <p:nvPr/>
+      </p:nvGrpSpPr>
+      <p:grpSpPr>
+        <a:xfrm>
+          <a:off x="0" y="0"/>
+          <a:ext cx="0" cy="0"/>
+          <a:chOff x="0" y="0"/>
+          <a:chExt cx="0" cy="0"/>
+        </a:xfrm>
+      </p:grpSpPr>
+      <p:sp>
+        <p:nvSpPr>
+          <p:cNvPr id="46" name=""/>
+          <p:cNvSpPr txBox="1"/>
+          <p:nvPr/>
+        </p:nvSpPr>
+        <p:spPr>
+          <a:xfrm>
+            <a:off x="4432320" y="3280680"/>
+            <a:ext cx="1284120" cy="346680"/>
+          </a:xfrm>
+          <a:prstGeom prst="rect">
+            <a:avLst/>
+          </a:prstGeom>
+          <a:noFill/>
+          <a:ln w="0">
+            <a:noFill/>
+          </a:ln>
+        </p:spPr>
+        <p:txBody>
+          <a:bodyPr lIns="90000" rIns="90000" tIns="45000" bIns="45000" anchor="t">
+            <a:noAutofit/>
+          </a:bodyPr>
+          <a:p>
+            <a:r>
+              <a:rPr b="0" lang="en-IN" sz="1800" spc="-1" strike="noStrike">
+                <a:latin typeface="Arial"/>
+              </a:rPr>
+              <a:t>testaction2</a:t>
+            </a:r>
+            <a:endParaRPr b="0" lang="en-IN" sz="1800" spc="-1" strike="noStrike">
+              <a:latin typeface="Arial"/>
+            </a:endParaRPr>
+          </a:p>
+        </p:txBody>
+      </p:sp>
+    </p:spTree>
+  </p:cSld>
+  <mc:AlternateContent>
+    <mc:Choice Requires="p14">
+      <p:transition spd="slow" p14:dur="2000"/>
+    </mc:Choice>
+    <mc:Fallback>
+      <p:transition spd="slow"/>
+    </mc:Fallback>
+  </mc:AlternateContent>
 </p:sld>
 </file>
 
@@ -3321,31 +3022,31 @@
         <a:sysClr val="window" lastClr="FFFFFF"/>
       </a:lt1>
       <a:dk2>
-        <a:srgbClr val="1F497D"/>
+        <a:srgbClr val="1f497d"/>
       </a:dk2>
       <a:lt2>
-        <a:srgbClr val="EEECE1"/>
+        <a:srgbClr val="eeece1"/>
       </a:lt2>
       <a:accent1>
-        <a:srgbClr val="4F81BD"/>
+        <a:srgbClr val="4f81bd"/>
       </a:accent1>
       <a:accent2>
-        <a:srgbClr val="C0504D"/>
+        <a:srgbClr val="c0504d"/>
       </a:accent2>
       <a:accent3>
-        <a:srgbClr val="9BBB59"/>
+        <a:srgbClr val="9bbb59"/>
       </a:accent3>
       <a:accent4>
-        <a:srgbClr val="8064A2"/>
+        <a:srgbClr val="8064a2"/>
       </a:accent4>
       <a:accent5>
-        <a:srgbClr val="4BACC6"/>
+        <a:srgbClr val="4bacc6"/>
       </a:accent5>
       <a:accent6>
-        <a:srgbClr val="F79646"/>
+        <a:srgbClr val="f79646"/>
       </a:accent6>
       <a:hlink>
-        <a:srgbClr val="0000FF"/>
+        <a:srgbClr val="0000ff"/>
       </a:hlink>
       <a:folHlink>
         <a:srgbClr val="800080"/>
@@ -3424,18 +3125,21 @@
             </a:schemeClr>
           </a:solidFill>
           <a:prstDash val="solid"/>
+          <a:miter/>
         </a:ln>
         <a:ln w="25400" cap="flat" cmpd="sng" algn="ctr">
           <a:solidFill>
             <a:schemeClr val="phClr"/>
           </a:solidFill>
           <a:prstDash val="solid"/>
+          <a:miter/>
         </a:ln>
         <a:ln w="38100" cap="flat" cmpd="sng" algn="ctr">
           <a:solidFill>
             <a:schemeClr val="phClr"/>
           </a:solidFill>
           <a:prstDash val="solid"/>
+          <a:miter/>
         </a:ln>
       </a:lnStyleLst>
       <a:effectStyleLst>

--- a/presentation.pptx
+++ b/presentation.pptx
@@ -8,9 +8,12 @@
     <p:sldId id="256" r:id="rId3"/>
     <p:sldId id="257" r:id="rId4"/>
     <p:sldId id="258" r:id="rId5"/>
+    <p:sldId id="259" r:id="rId6"/>
+    <p:sldId id="260" r:id="rId7"/>
+    <p:sldId id="261" r:id="rId8"/>
   </p:sldIdLst>
   <p:sldSz cx="10080625" cy="7559675"/>
-  <p:notesSz cx="7559675" cy="10691812"/>
+  <p:notesSz cx="7559675" cy="10691813"/>
 </p:presentation>
 </file>
 
@@ -65,26 +68,26 @@
         </p:nvSpPr>
         <p:spPr>
           <a:xfrm>
-            <a:off x="504000" y="288000"/>
-            <a:ext cx="9071640" cy="1247760"/>
-          </a:xfrm>
-          <a:prstGeom prst="rect">
-            <a:avLst/>
-          </a:prstGeom>
-        </p:spPr>
-        <p:txBody>
-          <a:bodyPr lIns="0" rIns="0" tIns="0" bIns="0" anchor="ctr"/>
-          <a:p>
-            <a:pPr algn="ctr"/>
+            <a:off x="504000" y="301320"/>
+            <a:ext cx="9072000" cy="1261800"/>
+          </a:xfrm>
+          <a:prstGeom prst="rect">
+            <a:avLst/>
+          </a:prstGeom>
+          <a:noFill/>
+          <a:ln w="0">
+            <a:noFill/>
+          </a:ln>
+        </p:spPr>
+        <p:txBody>
+          <a:bodyPr lIns="0" rIns="0" tIns="0" bIns="0" anchor="ctr">
+            <a:noAutofit/>
+          </a:bodyPr>
+          <a:p>
+            <a:pPr algn="ctr">
+              <a:buNone/>
+            </a:pPr>
             <a:endParaRPr b="0" lang="en-IN" sz="4400" spc="-1" strike="noStrike">
-              <a:solidFill>
-                <a:srgbClr val="000000"/>
-              </a:solidFill>
-              <a:uFill>
-                <a:solidFill>
-                  <a:srgbClr val="ffffff"/>
-                </a:solidFill>
-              </a:uFill>
               <a:latin typeface="Arial"/>
             </a:endParaRPr>
           </a:p>
@@ -97,30 +100,28 @@
             <a:spLocks noGrp="1"/>
           </p:cNvSpPr>
           <p:nvPr>
-            <p:ph type="body"/>
-          </p:nvPr>
-        </p:nvSpPr>
-        <p:spPr>
-          <a:xfrm>
-            <a:off x="504000" y="1823760"/>
-            <a:ext cx="9071640" cy="2090880"/>
-          </a:xfrm>
-          <a:prstGeom prst="rect">
-            <a:avLst/>
-          </a:prstGeom>
-        </p:spPr>
-        <p:txBody>
-          <a:bodyPr lIns="0" rIns="0" tIns="0" bIns="0"/>
+            <p:ph/>
+          </p:nvPr>
+        </p:nvSpPr>
+        <p:spPr>
+          <a:xfrm>
+            <a:off x="504000" y="1768680"/>
+            <a:ext cx="9072000" cy="2090880"/>
+          </a:xfrm>
+          <a:prstGeom prst="rect">
+            <a:avLst/>
+          </a:prstGeom>
+          <a:noFill/>
+          <a:ln w="0">
+            <a:noFill/>
+          </a:ln>
+        </p:spPr>
+        <p:txBody>
+          <a:bodyPr lIns="0" rIns="0" tIns="0" bIns="0" anchor="t">
+            <a:normAutofit/>
+          </a:bodyPr>
           <a:p>
             <a:endParaRPr b="0" lang="en-IN" sz="3200" spc="-1" strike="noStrike">
-              <a:solidFill>
-                <a:srgbClr val="000000"/>
-              </a:solidFill>
-              <a:uFill>
-                <a:solidFill>
-                  <a:srgbClr val="ffffff"/>
-                </a:solidFill>
-              </a:uFill>
               <a:latin typeface="Arial"/>
             </a:endParaRPr>
           </a:p>
@@ -133,30 +134,28 @@
             <a:spLocks noGrp="1"/>
           </p:cNvSpPr>
           <p:nvPr>
-            <p:ph type="body"/>
-          </p:nvPr>
-        </p:nvSpPr>
-        <p:spPr>
-          <a:xfrm>
-            <a:off x="504000" y="4113720"/>
-            <a:ext cx="9071640" cy="2090880"/>
-          </a:xfrm>
-          <a:prstGeom prst="rect">
-            <a:avLst/>
-          </a:prstGeom>
-        </p:spPr>
-        <p:txBody>
-          <a:bodyPr lIns="0" rIns="0" tIns="0" bIns="0"/>
+            <p:ph/>
+          </p:nvPr>
+        </p:nvSpPr>
+        <p:spPr>
+          <a:xfrm>
+            <a:off x="504000" y="4058640"/>
+            <a:ext cx="9072000" cy="2090880"/>
+          </a:xfrm>
+          <a:prstGeom prst="rect">
+            <a:avLst/>
+          </a:prstGeom>
+          <a:noFill/>
+          <a:ln w="0">
+            <a:noFill/>
+          </a:ln>
+        </p:spPr>
+        <p:txBody>
+          <a:bodyPr lIns="0" rIns="0" tIns="0" bIns="0" anchor="t">
+            <a:normAutofit/>
+          </a:bodyPr>
           <a:p>
             <a:endParaRPr b="0" lang="en-IN" sz="3200" spc="-1" strike="noStrike">
-              <a:solidFill>
-                <a:srgbClr val="000000"/>
-              </a:solidFill>
-              <a:uFill>
-                <a:solidFill>
-                  <a:srgbClr val="ffffff"/>
-                </a:solidFill>
-              </a:uFill>
               <a:latin typeface="Arial"/>
             </a:endParaRPr>
           </a:p>
@@ -196,26 +195,26 @@
         </p:nvSpPr>
         <p:spPr>
           <a:xfrm>
-            <a:off x="504000" y="288000"/>
-            <a:ext cx="9071640" cy="1247760"/>
-          </a:xfrm>
-          <a:prstGeom prst="rect">
-            <a:avLst/>
-          </a:prstGeom>
-        </p:spPr>
-        <p:txBody>
-          <a:bodyPr lIns="0" rIns="0" tIns="0" bIns="0" anchor="ctr"/>
-          <a:p>
-            <a:pPr algn="ctr"/>
+            <a:off x="504000" y="301320"/>
+            <a:ext cx="9072000" cy="1261800"/>
+          </a:xfrm>
+          <a:prstGeom prst="rect">
+            <a:avLst/>
+          </a:prstGeom>
+          <a:noFill/>
+          <a:ln w="0">
+            <a:noFill/>
+          </a:ln>
+        </p:spPr>
+        <p:txBody>
+          <a:bodyPr lIns="0" rIns="0" tIns="0" bIns="0" anchor="ctr">
+            <a:noAutofit/>
+          </a:bodyPr>
+          <a:p>
+            <a:pPr algn="ctr">
+              <a:buNone/>
+            </a:pPr>
             <a:endParaRPr b="0" lang="en-IN" sz="4400" spc="-1" strike="noStrike">
-              <a:solidFill>
-                <a:srgbClr val="000000"/>
-              </a:solidFill>
-              <a:uFill>
-                <a:solidFill>
-                  <a:srgbClr val="ffffff"/>
-                </a:solidFill>
-              </a:uFill>
               <a:latin typeface="Arial"/>
             </a:endParaRPr>
           </a:p>
@@ -228,30 +227,28 @@
             <a:spLocks noGrp="1"/>
           </p:cNvSpPr>
           <p:nvPr>
-            <p:ph type="body"/>
-          </p:nvPr>
-        </p:nvSpPr>
-        <p:spPr>
-          <a:xfrm>
-            <a:off x="504000" y="1823760"/>
+            <p:ph/>
+          </p:nvPr>
+        </p:nvSpPr>
+        <p:spPr>
+          <a:xfrm>
+            <a:off x="504000" y="1768680"/>
             <a:ext cx="4426920" cy="2090880"/>
           </a:xfrm>
           <a:prstGeom prst="rect">
             <a:avLst/>
           </a:prstGeom>
-        </p:spPr>
-        <p:txBody>
-          <a:bodyPr lIns="0" rIns="0" tIns="0" bIns="0"/>
+          <a:noFill/>
+          <a:ln w="0">
+            <a:noFill/>
+          </a:ln>
+        </p:spPr>
+        <p:txBody>
+          <a:bodyPr lIns="0" rIns="0" tIns="0" bIns="0" anchor="t">
+            <a:normAutofit/>
+          </a:bodyPr>
           <a:p>
             <a:endParaRPr b="0" lang="en-IN" sz="3200" spc="-1" strike="noStrike">
-              <a:solidFill>
-                <a:srgbClr val="000000"/>
-              </a:solidFill>
-              <a:uFill>
-                <a:solidFill>
-                  <a:srgbClr val="ffffff"/>
-                </a:solidFill>
-              </a:uFill>
               <a:latin typeface="Arial"/>
             </a:endParaRPr>
           </a:p>
@@ -264,30 +261,28 @@
             <a:spLocks noGrp="1"/>
           </p:cNvSpPr>
           <p:nvPr>
-            <p:ph type="body"/>
-          </p:nvPr>
-        </p:nvSpPr>
-        <p:spPr>
-          <a:xfrm>
-            <a:off x="5152680" y="1823760"/>
+            <p:ph/>
+          </p:nvPr>
+        </p:nvSpPr>
+        <p:spPr>
+          <a:xfrm>
+            <a:off x="5152680" y="1768680"/>
             <a:ext cx="4426920" cy="2090880"/>
           </a:xfrm>
           <a:prstGeom prst="rect">
             <a:avLst/>
           </a:prstGeom>
-        </p:spPr>
-        <p:txBody>
-          <a:bodyPr lIns="0" rIns="0" tIns="0" bIns="0"/>
+          <a:noFill/>
+          <a:ln w="0">
+            <a:noFill/>
+          </a:ln>
+        </p:spPr>
+        <p:txBody>
+          <a:bodyPr lIns="0" rIns="0" tIns="0" bIns="0" anchor="t">
+            <a:normAutofit/>
+          </a:bodyPr>
           <a:p>
             <a:endParaRPr b="0" lang="en-IN" sz="3200" spc="-1" strike="noStrike">
-              <a:solidFill>
-                <a:srgbClr val="000000"/>
-              </a:solidFill>
-              <a:uFill>
-                <a:solidFill>
-                  <a:srgbClr val="ffffff"/>
-                </a:solidFill>
-              </a:uFill>
               <a:latin typeface="Arial"/>
             </a:endParaRPr>
           </a:p>
@@ -300,30 +295,28 @@
             <a:spLocks noGrp="1"/>
           </p:cNvSpPr>
           <p:nvPr>
-            <p:ph type="body"/>
-          </p:nvPr>
-        </p:nvSpPr>
-        <p:spPr>
-          <a:xfrm>
-            <a:off x="5152680" y="4113720"/>
+            <p:ph/>
+          </p:nvPr>
+        </p:nvSpPr>
+        <p:spPr>
+          <a:xfrm>
+            <a:off x="504000" y="4058640"/>
             <a:ext cx="4426920" cy="2090880"/>
           </a:xfrm>
           <a:prstGeom prst="rect">
             <a:avLst/>
           </a:prstGeom>
-        </p:spPr>
-        <p:txBody>
-          <a:bodyPr lIns="0" rIns="0" tIns="0" bIns="0"/>
+          <a:noFill/>
+          <a:ln w="0">
+            <a:noFill/>
+          </a:ln>
+        </p:spPr>
+        <p:txBody>
+          <a:bodyPr lIns="0" rIns="0" tIns="0" bIns="0" anchor="t">
+            <a:normAutofit/>
+          </a:bodyPr>
           <a:p>
             <a:endParaRPr b="0" lang="en-IN" sz="3200" spc="-1" strike="noStrike">
-              <a:solidFill>
-                <a:srgbClr val="000000"/>
-              </a:solidFill>
-              <a:uFill>
-                <a:solidFill>
-                  <a:srgbClr val="ffffff"/>
-                </a:solidFill>
-              </a:uFill>
               <a:latin typeface="Arial"/>
             </a:endParaRPr>
           </a:p>
@@ -336,30 +329,28 @@
             <a:spLocks noGrp="1"/>
           </p:cNvSpPr>
           <p:nvPr>
-            <p:ph type="body"/>
-          </p:nvPr>
-        </p:nvSpPr>
-        <p:spPr>
-          <a:xfrm>
-            <a:off x="504000" y="4113720"/>
+            <p:ph/>
+          </p:nvPr>
+        </p:nvSpPr>
+        <p:spPr>
+          <a:xfrm>
+            <a:off x="5152680" y="4058640"/>
             <a:ext cx="4426920" cy="2090880"/>
           </a:xfrm>
           <a:prstGeom prst="rect">
             <a:avLst/>
           </a:prstGeom>
-        </p:spPr>
-        <p:txBody>
-          <a:bodyPr lIns="0" rIns="0" tIns="0" bIns="0"/>
+          <a:noFill/>
+          <a:ln w="0">
+            <a:noFill/>
+          </a:ln>
+        </p:spPr>
+        <p:txBody>
+          <a:bodyPr lIns="0" rIns="0" tIns="0" bIns="0" anchor="t">
+            <a:normAutofit/>
+          </a:bodyPr>
           <a:p>
             <a:endParaRPr b="0" lang="en-IN" sz="3200" spc="-1" strike="noStrike">
-              <a:solidFill>
-                <a:srgbClr val="000000"/>
-              </a:solidFill>
-              <a:uFill>
-                <a:solidFill>
-                  <a:srgbClr val="ffffff"/>
-                </a:solidFill>
-              </a:uFill>
               <a:latin typeface="Arial"/>
             </a:endParaRPr>
           </a:p>
@@ -399,26 +390,26 @@
         </p:nvSpPr>
         <p:spPr>
           <a:xfrm>
-            <a:off x="504000" y="288000"/>
-            <a:ext cx="9071640" cy="1247760"/>
-          </a:xfrm>
-          <a:prstGeom prst="rect">
-            <a:avLst/>
-          </a:prstGeom>
-        </p:spPr>
-        <p:txBody>
-          <a:bodyPr lIns="0" rIns="0" tIns="0" bIns="0" anchor="ctr"/>
-          <a:p>
-            <a:pPr algn="ctr"/>
+            <a:off x="504000" y="301320"/>
+            <a:ext cx="9072000" cy="1261800"/>
+          </a:xfrm>
+          <a:prstGeom prst="rect">
+            <a:avLst/>
+          </a:prstGeom>
+          <a:noFill/>
+          <a:ln w="0">
+            <a:noFill/>
+          </a:ln>
+        </p:spPr>
+        <p:txBody>
+          <a:bodyPr lIns="0" rIns="0" tIns="0" bIns="0" anchor="ctr">
+            <a:noAutofit/>
+          </a:bodyPr>
+          <a:p>
+            <a:pPr algn="ctr">
+              <a:buNone/>
+            </a:pPr>
             <a:endParaRPr b="0" lang="en-IN" sz="4400" spc="-1" strike="noStrike">
-              <a:solidFill>
-                <a:srgbClr val="000000"/>
-              </a:solidFill>
-              <a:uFill>
-                <a:solidFill>
-                  <a:srgbClr val="ffffff"/>
-                </a:solidFill>
-              </a:uFill>
               <a:latin typeface="Arial"/>
             </a:endParaRPr>
           </a:p>
@@ -431,30 +422,28 @@
             <a:spLocks noGrp="1"/>
           </p:cNvSpPr>
           <p:nvPr>
-            <p:ph type="body"/>
-          </p:nvPr>
-        </p:nvSpPr>
-        <p:spPr>
-          <a:xfrm>
-            <a:off x="504000" y="1823760"/>
-            <a:ext cx="9071640" cy="4384080"/>
-          </a:xfrm>
-          <a:prstGeom prst="rect">
-            <a:avLst/>
-          </a:prstGeom>
-        </p:spPr>
-        <p:txBody>
-          <a:bodyPr lIns="0" rIns="0" tIns="0" bIns="0"/>
+            <p:ph/>
+          </p:nvPr>
+        </p:nvSpPr>
+        <p:spPr>
+          <a:xfrm>
+            <a:off x="504000" y="1768680"/>
+            <a:ext cx="2921040" cy="2090880"/>
+          </a:xfrm>
+          <a:prstGeom prst="rect">
+            <a:avLst/>
+          </a:prstGeom>
+          <a:noFill/>
+          <a:ln w="0">
+            <a:noFill/>
+          </a:ln>
+        </p:spPr>
+        <p:txBody>
+          <a:bodyPr lIns="0" rIns="0" tIns="0" bIns="0" anchor="t">
+            <a:normAutofit/>
+          </a:bodyPr>
           <a:p>
             <a:endParaRPr b="0" lang="en-IN" sz="3200" spc="-1" strike="noStrike">
-              <a:solidFill>
-                <a:srgbClr val="000000"/>
-              </a:solidFill>
-              <a:uFill>
-                <a:solidFill>
-                  <a:srgbClr val="ffffff"/>
-                </a:solidFill>
-              </a:uFill>
               <a:latin typeface="Arial"/>
             </a:endParaRPr>
           </a:p>
@@ -467,81 +456,169 @@
             <a:spLocks noGrp="1"/>
           </p:cNvSpPr>
           <p:nvPr>
-            <p:ph type="body"/>
-          </p:nvPr>
-        </p:nvSpPr>
-        <p:spPr>
-          <a:xfrm>
-            <a:off x="504000" y="1823760"/>
-            <a:ext cx="9071640" cy="4384080"/>
-          </a:xfrm>
-          <a:prstGeom prst="rect">
-            <a:avLst/>
-          </a:prstGeom>
-        </p:spPr>
-        <p:txBody>
-          <a:bodyPr lIns="0" rIns="0" tIns="0" bIns="0"/>
+            <p:ph/>
+          </p:nvPr>
+        </p:nvSpPr>
+        <p:spPr>
+          <a:xfrm>
+            <a:off x="3571560" y="1768680"/>
+            <a:ext cx="2921040" cy="2090880"/>
+          </a:xfrm>
+          <a:prstGeom prst="rect">
+            <a:avLst/>
+          </a:prstGeom>
+          <a:noFill/>
+          <a:ln w="0">
+            <a:noFill/>
+          </a:ln>
+        </p:spPr>
+        <p:txBody>
+          <a:bodyPr lIns="0" rIns="0" tIns="0" bIns="0" anchor="t">
+            <a:normAutofit/>
+          </a:bodyPr>
           <a:p>
             <a:endParaRPr b="0" lang="en-IN" sz="3200" spc="-1" strike="noStrike">
-              <a:solidFill>
-                <a:srgbClr val="000000"/>
-              </a:solidFill>
-              <a:uFill>
-                <a:solidFill>
-                  <a:srgbClr val="ffffff"/>
-                </a:solidFill>
-              </a:uFill>
-              <a:latin typeface="Arial"/>
-            </a:endParaRPr>
-          </a:p>
-        </p:txBody>
-      </p:sp>
-      <p:pic>
-        <p:nvPicPr>
-          <p:cNvPr id="35" name="" descr=""/>
-          <p:cNvPicPr/>
-          <p:nvPr/>
-        </p:nvPicPr>
-        <p:blipFill>
-          <a:blip r:embed="rId2"/>
-          <a:stretch/>
-        </p:blipFill>
-        <p:spPr>
-          <a:xfrm>
-            <a:off x="2292120" y="1823760"/>
-            <a:ext cx="5494680" cy="4384080"/>
-          </a:xfrm>
-          <a:prstGeom prst="rect">
-            <a:avLst/>
-          </a:prstGeom>
-          <a:ln>
-            <a:noFill/>
-          </a:ln>
-        </p:spPr>
-      </p:pic>
-      <p:pic>
-        <p:nvPicPr>
-          <p:cNvPr id="36" name="" descr=""/>
-          <p:cNvPicPr/>
-          <p:nvPr/>
-        </p:nvPicPr>
-        <p:blipFill>
-          <a:blip r:embed="rId3"/>
-          <a:stretch/>
-        </p:blipFill>
-        <p:spPr>
-          <a:xfrm>
-            <a:off x="2292120" y="1823760"/>
-            <a:ext cx="5494680" cy="4384080"/>
-          </a:xfrm>
-          <a:prstGeom prst="rect">
-            <a:avLst/>
-          </a:prstGeom>
-          <a:ln>
-            <a:noFill/>
-          </a:ln>
-        </p:spPr>
-      </p:pic>
+              <a:latin typeface="Arial"/>
+            </a:endParaRPr>
+          </a:p>
+        </p:txBody>
+      </p:sp>
+      <p:sp>
+        <p:nvSpPr>
+          <p:cNvPr id="35" name="PlaceHolder 4"/>
+          <p:cNvSpPr>
+            <a:spLocks noGrp="1"/>
+          </p:cNvSpPr>
+          <p:nvPr>
+            <p:ph/>
+          </p:nvPr>
+        </p:nvSpPr>
+        <p:spPr>
+          <a:xfrm>
+            <a:off x="6639120" y="1768680"/>
+            <a:ext cx="2921040" cy="2090880"/>
+          </a:xfrm>
+          <a:prstGeom prst="rect">
+            <a:avLst/>
+          </a:prstGeom>
+          <a:noFill/>
+          <a:ln w="0">
+            <a:noFill/>
+          </a:ln>
+        </p:spPr>
+        <p:txBody>
+          <a:bodyPr lIns="0" rIns="0" tIns="0" bIns="0" anchor="t">
+            <a:normAutofit/>
+          </a:bodyPr>
+          <a:p>
+            <a:endParaRPr b="0" lang="en-IN" sz="3200" spc="-1" strike="noStrike">
+              <a:latin typeface="Arial"/>
+            </a:endParaRPr>
+          </a:p>
+        </p:txBody>
+      </p:sp>
+      <p:sp>
+        <p:nvSpPr>
+          <p:cNvPr id="36" name="PlaceHolder 5"/>
+          <p:cNvSpPr>
+            <a:spLocks noGrp="1"/>
+          </p:cNvSpPr>
+          <p:nvPr>
+            <p:ph/>
+          </p:nvPr>
+        </p:nvSpPr>
+        <p:spPr>
+          <a:xfrm>
+            <a:off x="504000" y="4058640"/>
+            <a:ext cx="2921040" cy="2090880"/>
+          </a:xfrm>
+          <a:prstGeom prst="rect">
+            <a:avLst/>
+          </a:prstGeom>
+          <a:noFill/>
+          <a:ln w="0">
+            <a:noFill/>
+          </a:ln>
+        </p:spPr>
+        <p:txBody>
+          <a:bodyPr lIns="0" rIns="0" tIns="0" bIns="0" anchor="t">
+            <a:normAutofit/>
+          </a:bodyPr>
+          <a:p>
+            <a:endParaRPr b="0" lang="en-IN" sz="3200" spc="-1" strike="noStrike">
+              <a:latin typeface="Arial"/>
+            </a:endParaRPr>
+          </a:p>
+        </p:txBody>
+      </p:sp>
+      <p:sp>
+        <p:nvSpPr>
+          <p:cNvPr id="37" name="PlaceHolder 6"/>
+          <p:cNvSpPr>
+            <a:spLocks noGrp="1"/>
+          </p:cNvSpPr>
+          <p:nvPr>
+            <p:ph/>
+          </p:nvPr>
+        </p:nvSpPr>
+        <p:spPr>
+          <a:xfrm>
+            <a:off x="3571560" y="4058640"/>
+            <a:ext cx="2921040" cy="2090880"/>
+          </a:xfrm>
+          <a:prstGeom prst="rect">
+            <a:avLst/>
+          </a:prstGeom>
+          <a:noFill/>
+          <a:ln w="0">
+            <a:noFill/>
+          </a:ln>
+        </p:spPr>
+        <p:txBody>
+          <a:bodyPr lIns="0" rIns="0" tIns="0" bIns="0" anchor="t">
+            <a:normAutofit/>
+          </a:bodyPr>
+          <a:p>
+            <a:endParaRPr b="0" lang="en-IN" sz="3200" spc="-1" strike="noStrike">
+              <a:latin typeface="Arial"/>
+            </a:endParaRPr>
+          </a:p>
+        </p:txBody>
+      </p:sp>
+      <p:sp>
+        <p:nvSpPr>
+          <p:cNvPr id="38" name="PlaceHolder 7"/>
+          <p:cNvSpPr>
+            <a:spLocks noGrp="1"/>
+          </p:cNvSpPr>
+          <p:nvPr>
+            <p:ph/>
+          </p:nvPr>
+        </p:nvSpPr>
+        <p:spPr>
+          <a:xfrm>
+            <a:off x="6639120" y="4058640"/>
+            <a:ext cx="2921040" cy="2090880"/>
+          </a:xfrm>
+          <a:prstGeom prst="rect">
+            <a:avLst/>
+          </a:prstGeom>
+          <a:noFill/>
+          <a:ln w="0">
+            <a:noFill/>
+          </a:ln>
+        </p:spPr>
+        <p:txBody>
+          <a:bodyPr lIns="0" rIns="0" tIns="0" bIns="0" anchor="t">
+            <a:normAutofit/>
+          </a:bodyPr>
+          <a:p>
+            <a:endParaRPr b="0" lang="en-IN" sz="3200" spc="-1" strike="noStrike">
+              <a:latin typeface="Arial"/>
+            </a:endParaRPr>
+          </a:p>
+        </p:txBody>
+      </p:sp>
     </p:spTree>
   </p:cSld>
 </p:sldLayout>
@@ -576,26 +653,26 @@
         </p:nvSpPr>
         <p:spPr>
           <a:xfrm>
-            <a:off x="504000" y="288000"/>
-            <a:ext cx="9071640" cy="1247760"/>
-          </a:xfrm>
-          <a:prstGeom prst="rect">
-            <a:avLst/>
-          </a:prstGeom>
-        </p:spPr>
-        <p:txBody>
-          <a:bodyPr lIns="0" rIns="0" tIns="0" bIns="0" anchor="ctr"/>
-          <a:p>
-            <a:pPr algn="ctr"/>
+            <a:off x="504000" y="301320"/>
+            <a:ext cx="9072000" cy="1261800"/>
+          </a:xfrm>
+          <a:prstGeom prst="rect">
+            <a:avLst/>
+          </a:prstGeom>
+          <a:noFill/>
+          <a:ln w="0">
+            <a:noFill/>
+          </a:ln>
+        </p:spPr>
+        <p:txBody>
+          <a:bodyPr lIns="0" rIns="0" tIns="0" bIns="0" anchor="ctr">
+            <a:noAutofit/>
+          </a:bodyPr>
+          <a:p>
+            <a:pPr algn="ctr">
+              <a:buNone/>
+            </a:pPr>
             <a:endParaRPr b="0" lang="en-IN" sz="4400" spc="-1" strike="noStrike">
-              <a:solidFill>
-                <a:srgbClr val="000000"/>
-              </a:solidFill>
-              <a:uFill>
-                <a:solidFill>
-                  <a:srgbClr val="ffffff"/>
-                </a:solidFill>
-              </a:uFill>
               <a:latin typeface="Arial"/>
             </a:endParaRPr>
           </a:p>
@@ -613,26 +690,26 @@
         </p:nvSpPr>
         <p:spPr>
           <a:xfrm>
-            <a:off x="504000" y="1823760"/>
-            <a:ext cx="9071640" cy="4384080"/>
-          </a:xfrm>
-          <a:prstGeom prst="rect">
-            <a:avLst/>
-          </a:prstGeom>
-        </p:spPr>
-        <p:txBody>
-          <a:bodyPr lIns="0" rIns="0" tIns="0" bIns="0" anchor="ctr"/>
-          <a:p>
-            <a:pPr algn="ctr"/>
+            <a:off x="504000" y="1768680"/>
+            <a:ext cx="9072000" cy="4384080"/>
+          </a:xfrm>
+          <a:prstGeom prst="rect">
+            <a:avLst/>
+          </a:prstGeom>
+          <a:noFill/>
+          <a:ln w="0">
+            <a:noFill/>
+          </a:ln>
+        </p:spPr>
+        <p:txBody>
+          <a:bodyPr lIns="0" rIns="0" tIns="0" bIns="0" anchor="ctr">
+            <a:noAutofit/>
+          </a:bodyPr>
+          <a:p>
+            <a:pPr algn="ctr">
+              <a:buNone/>
+            </a:pPr>
             <a:endParaRPr b="0" lang="en-IN" sz="3200" spc="-1" strike="noStrike">
-              <a:solidFill>
-                <a:srgbClr val="000000"/>
-              </a:solidFill>
-              <a:uFill>
-                <a:solidFill>
-                  <a:srgbClr val="ffffff"/>
-                </a:solidFill>
-              </a:uFill>
               <a:latin typeface="Arial"/>
             </a:endParaRPr>
           </a:p>
@@ -672,26 +749,26 @@
         </p:nvSpPr>
         <p:spPr>
           <a:xfrm>
-            <a:off x="504000" y="288000"/>
-            <a:ext cx="9071640" cy="1247760"/>
-          </a:xfrm>
-          <a:prstGeom prst="rect">
-            <a:avLst/>
-          </a:prstGeom>
-        </p:spPr>
-        <p:txBody>
-          <a:bodyPr lIns="0" rIns="0" tIns="0" bIns="0" anchor="ctr"/>
-          <a:p>
-            <a:pPr algn="ctr"/>
+            <a:off x="504000" y="301320"/>
+            <a:ext cx="9072000" cy="1261800"/>
+          </a:xfrm>
+          <a:prstGeom prst="rect">
+            <a:avLst/>
+          </a:prstGeom>
+          <a:noFill/>
+          <a:ln w="0">
+            <a:noFill/>
+          </a:ln>
+        </p:spPr>
+        <p:txBody>
+          <a:bodyPr lIns="0" rIns="0" tIns="0" bIns="0" anchor="ctr">
+            <a:noAutofit/>
+          </a:bodyPr>
+          <a:p>
+            <a:pPr algn="ctr">
+              <a:buNone/>
+            </a:pPr>
             <a:endParaRPr b="0" lang="en-IN" sz="4400" spc="-1" strike="noStrike">
-              <a:solidFill>
-                <a:srgbClr val="000000"/>
-              </a:solidFill>
-              <a:uFill>
-                <a:solidFill>
-                  <a:srgbClr val="ffffff"/>
-                </a:solidFill>
-              </a:uFill>
               <a:latin typeface="Arial"/>
             </a:endParaRPr>
           </a:p>
@@ -704,30 +781,28 @@
             <a:spLocks noGrp="1"/>
           </p:cNvSpPr>
           <p:nvPr>
-            <p:ph type="body"/>
-          </p:nvPr>
-        </p:nvSpPr>
-        <p:spPr>
-          <a:xfrm>
-            <a:off x="504000" y="1823760"/>
-            <a:ext cx="9071640" cy="4384080"/>
-          </a:xfrm>
-          <a:prstGeom prst="rect">
-            <a:avLst/>
-          </a:prstGeom>
-        </p:spPr>
-        <p:txBody>
-          <a:bodyPr lIns="0" rIns="0" tIns="0" bIns="0"/>
+            <p:ph/>
+          </p:nvPr>
+        </p:nvSpPr>
+        <p:spPr>
+          <a:xfrm>
+            <a:off x="504000" y="1768680"/>
+            <a:ext cx="9072000" cy="4384080"/>
+          </a:xfrm>
+          <a:prstGeom prst="rect">
+            <a:avLst/>
+          </a:prstGeom>
+          <a:noFill/>
+          <a:ln w="0">
+            <a:noFill/>
+          </a:ln>
+        </p:spPr>
+        <p:txBody>
+          <a:bodyPr lIns="0" rIns="0" tIns="0" bIns="0" anchor="t">
+            <a:normAutofit/>
+          </a:bodyPr>
           <a:p>
             <a:endParaRPr b="0" lang="en-IN" sz="3200" spc="-1" strike="noStrike">
-              <a:solidFill>
-                <a:srgbClr val="000000"/>
-              </a:solidFill>
-              <a:uFill>
-                <a:solidFill>
-                  <a:srgbClr val="ffffff"/>
-                </a:solidFill>
-              </a:uFill>
               <a:latin typeface="Arial"/>
             </a:endParaRPr>
           </a:p>
@@ -767,26 +842,26 @@
         </p:nvSpPr>
         <p:spPr>
           <a:xfrm>
-            <a:off x="504000" y="288000"/>
-            <a:ext cx="9071640" cy="1247760"/>
-          </a:xfrm>
-          <a:prstGeom prst="rect">
-            <a:avLst/>
-          </a:prstGeom>
-        </p:spPr>
-        <p:txBody>
-          <a:bodyPr lIns="0" rIns="0" tIns="0" bIns="0" anchor="ctr"/>
-          <a:p>
-            <a:pPr algn="ctr"/>
+            <a:off x="504000" y="301320"/>
+            <a:ext cx="9072000" cy="1261800"/>
+          </a:xfrm>
+          <a:prstGeom prst="rect">
+            <a:avLst/>
+          </a:prstGeom>
+          <a:noFill/>
+          <a:ln w="0">
+            <a:noFill/>
+          </a:ln>
+        </p:spPr>
+        <p:txBody>
+          <a:bodyPr lIns="0" rIns="0" tIns="0" bIns="0" anchor="ctr">
+            <a:noAutofit/>
+          </a:bodyPr>
+          <a:p>
+            <a:pPr algn="ctr">
+              <a:buNone/>
+            </a:pPr>
             <a:endParaRPr b="0" lang="en-IN" sz="4400" spc="-1" strike="noStrike">
-              <a:solidFill>
-                <a:srgbClr val="000000"/>
-              </a:solidFill>
-              <a:uFill>
-                <a:solidFill>
-                  <a:srgbClr val="ffffff"/>
-                </a:solidFill>
-              </a:uFill>
               <a:latin typeface="Arial"/>
             </a:endParaRPr>
           </a:p>
@@ -799,30 +874,28 @@
             <a:spLocks noGrp="1"/>
           </p:cNvSpPr>
           <p:nvPr>
-            <p:ph type="body"/>
-          </p:nvPr>
-        </p:nvSpPr>
-        <p:spPr>
-          <a:xfrm>
-            <a:off x="504000" y="1823760"/>
+            <p:ph/>
+          </p:nvPr>
+        </p:nvSpPr>
+        <p:spPr>
+          <a:xfrm>
+            <a:off x="504000" y="1768680"/>
             <a:ext cx="4426920" cy="4384080"/>
           </a:xfrm>
           <a:prstGeom prst="rect">
             <a:avLst/>
           </a:prstGeom>
-        </p:spPr>
-        <p:txBody>
-          <a:bodyPr lIns="0" rIns="0" tIns="0" bIns="0"/>
+          <a:noFill/>
+          <a:ln w="0">
+            <a:noFill/>
+          </a:ln>
+        </p:spPr>
+        <p:txBody>
+          <a:bodyPr lIns="0" rIns="0" tIns="0" bIns="0" anchor="t">
+            <a:normAutofit/>
+          </a:bodyPr>
           <a:p>
             <a:endParaRPr b="0" lang="en-IN" sz="3200" spc="-1" strike="noStrike">
-              <a:solidFill>
-                <a:srgbClr val="000000"/>
-              </a:solidFill>
-              <a:uFill>
-                <a:solidFill>
-                  <a:srgbClr val="ffffff"/>
-                </a:solidFill>
-              </a:uFill>
               <a:latin typeface="Arial"/>
             </a:endParaRPr>
           </a:p>
@@ -835,30 +908,28 @@
             <a:spLocks noGrp="1"/>
           </p:cNvSpPr>
           <p:nvPr>
-            <p:ph type="body"/>
-          </p:nvPr>
-        </p:nvSpPr>
-        <p:spPr>
-          <a:xfrm>
-            <a:off x="5152680" y="1823760"/>
+            <p:ph/>
+          </p:nvPr>
+        </p:nvSpPr>
+        <p:spPr>
+          <a:xfrm>
+            <a:off x="5152680" y="1768680"/>
             <a:ext cx="4426920" cy="4384080"/>
           </a:xfrm>
           <a:prstGeom prst="rect">
             <a:avLst/>
           </a:prstGeom>
-        </p:spPr>
-        <p:txBody>
-          <a:bodyPr lIns="0" rIns="0" tIns="0" bIns="0"/>
+          <a:noFill/>
+          <a:ln w="0">
+            <a:noFill/>
+          </a:ln>
+        </p:spPr>
+        <p:txBody>
+          <a:bodyPr lIns="0" rIns="0" tIns="0" bIns="0" anchor="t">
+            <a:normAutofit/>
+          </a:bodyPr>
           <a:p>
             <a:endParaRPr b="0" lang="en-IN" sz="3200" spc="-1" strike="noStrike">
-              <a:solidFill>
-                <a:srgbClr val="000000"/>
-              </a:solidFill>
-              <a:uFill>
-                <a:solidFill>
-                  <a:srgbClr val="ffffff"/>
-                </a:solidFill>
-              </a:uFill>
               <a:latin typeface="Arial"/>
             </a:endParaRPr>
           </a:p>
@@ -898,26 +969,26 @@
         </p:nvSpPr>
         <p:spPr>
           <a:xfrm>
-            <a:off x="504000" y="288000"/>
-            <a:ext cx="9071640" cy="1247760"/>
-          </a:xfrm>
-          <a:prstGeom prst="rect">
-            <a:avLst/>
-          </a:prstGeom>
-        </p:spPr>
-        <p:txBody>
-          <a:bodyPr lIns="0" rIns="0" tIns="0" bIns="0" anchor="ctr"/>
-          <a:p>
-            <a:pPr algn="ctr"/>
+            <a:off x="504000" y="301320"/>
+            <a:ext cx="9072000" cy="1261800"/>
+          </a:xfrm>
+          <a:prstGeom prst="rect">
+            <a:avLst/>
+          </a:prstGeom>
+          <a:noFill/>
+          <a:ln w="0">
+            <a:noFill/>
+          </a:ln>
+        </p:spPr>
+        <p:txBody>
+          <a:bodyPr lIns="0" rIns="0" tIns="0" bIns="0" anchor="ctr">
+            <a:noAutofit/>
+          </a:bodyPr>
+          <a:p>
+            <a:pPr algn="ctr">
+              <a:buNone/>
+            </a:pPr>
             <a:endParaRPr b="0" lang="en-IN" sz="4400" spc="-1" strike="noStrike">
-              <a:solidFill>
-                <a:srgbClr val="000000"/>
-              </a:solidFill>
-              <a:uFill>
-                <a:solidFill>
-                  <a:srgbClr val="ffffff"/>
-                </a:solidFill>
-              </a:uFill>
               <a:latin typeface="Arial"/>
             </a:endParaRPr>
           </a:p>
@@ -957,26 +1028,26 @@
         </p:nvSpPr>
         <p:spPr>
           <a:xfrm>
-            <a:off x="504000" y="288000"/>
-            <a:ext cx="9071640" cy="5785200"/>
-          </a:xfrm>
-          <a:prstGeom prst="rect">
-            <a:avLst/>
-          </a:prstGeom>
-        </p:spPr>
-        <p:txBody>
-          <a:bodyPr lIns="0" rIns="0" tIns="0" bIns="0" anchor="ctr"/>
-          <a:p>
-            <a:pPr algn="ctr"/>
+            <a:off x="504000" y="301320"/>
+            <a:ext cx="9072000" cy="5850360"/>
+          </a:xfrm>
+          <a:prstGeom prst="rect">
+            <a:avLst/>
+          </a:prstGeom>
+          <a:noFill/>
+          <a:ln w="0">
+            <a:noFill/>
+          </a:ln>
+        </p:spPr>
+        <p:txBody>
+          <a:bodyPr lIns="0" rIns="0" tIns="0" bIns="0" anchor="ctr">
+            <a:noAutofit/>
+          </a:bodyPr>
+          <a:p>
+            <a:pPr algn="ctr">
+              <a:buNone/>
+            </a:pPr>
             <a:endParaRPr b="0" lang="en-IN" sz="3200" spc="-1" strike="noStrike">
-              <a:solidFill>
-                <a:srgbClr val="000000"/>
-              </a:solidFill>
-              <a:uFill>
-                <a:solidFill>
-                  <a:srgbClr val="ffffff"/>
-                </a:solidFill>
-              </a:uFill>
               <a:latin typeface="Arial"/>
             </a:endParaRPr>
           </a:p>
@@ -1016,26 +1087,26 @@
         </p:nvSpPr>
         <p:spPr>
           <a:xfrm>
-            <a:off x="504000" y="288000"/>
-            <a:ext cx="9071640" cy="1247760"/>
-          </a:xfrm>
-          <a:prstGeom prst="rect">
-            <a:avLst/>
-          </a:prstGeom>
-        </p:spPr>
-        <p:txBody>
-          <a:bodyPr lIns="0" rIns="0" tIns="0" bIns="0" anchor="ctr"/>
-          <a:p>
-            <a:pPr algn="ctr"/>
+            <a:off x="504000" y="301320"/>
+            <a:ext cx="9072000" cy="1261800"/>
+          </a:xfrm>
+          <a:prstGeom prst="rect">
+            <a:avLst/>
+          </a:prstGeom>
+          <a:noFill/>
+          <a:ln w="0">
+            <a:noFill/>
+          </a:ln>
+        </p:spPr>
+        <p:txBody>
+          <a:bodyPr lIns="0" rIns="0" tIns="0" bIns="0" anchor="ctr">
+            <a:noAutofit/>
+          </a:bodyPr>
+          <a:p>
+            <a:pPr algn="ctr">
+              <a:buNone/>
+            </a:pPr>
             <a:endParaRPr b="0" lang="en-IN" sz="4400" spc="-1" strike="noStrike">
-              <a:solidFill>
-                <a:srgbClr val="000000"/>
-              </a:solidFill>
-              <a:uFill>
-                <a:solidFill>
-                  <a:srgbClr val="ffffff"/>
-                </a:solidFill>
-              </a:uFill>
               <a:latin typeface="Arial"/>
             </a:endParaRPr>
           </a:p>
@@ -1048,30 +1119,28 @@
             <a:spLocks noGrp="1"/>
           </p:cNvSpPr>
           <p:nvPr>
-            <p:ph type="body"/>
-          </p:nvPr>
-        </p:nvSpPr>
-        <p:spPr>
-          <a:xfrm>
-            <a:off x="504000" y="1823760"/>
+            <p:ph/>
+          </p:nvPr>
+        </p:nvSpPr>
+        <p:spPr>
+          <a:xfrm>
+            <a:off x="504000" y="1768680"/>
             <a:ext cx="4426920" cy="2090880"/>
           </a:xfrm>
           <a:prstGeom prst="rect">
             <a:avLst/>
           </a:prstGeom>
-        </p:spPr>
-        <p:txBody>
-          <a:bodyPr lIns="0" rIns="0" tIns="0" bIns="0"/>
+          <a:noFill/>
+          <a:ln w="0">
+            <a:noFill/>
+          </a:ln>
+        </p:spPr>
+        <p:txBody>
+          <a:bodyPr lIns="0" rIns="0" tIns="0" bIns="0" anchor="t">
+            <a:normAutofit/>
+          </a:bodyPr>
           <a:p>
             <a:endParaRPr b="0" lang="en-IN" sz="3200" spc="-1" strike="noStrike">
-              <a:solidFill>
-                <a:srgbClr val="000000"/>
-              </a:solidFill>
-              <a:uFill>
-                <a:solidFill>
-                  <a:srgbClr val="ffffff"/>
-                </a:solidFill>
-              </a:uFill>
               <a:latin typeface="Arial"/>
             </a:endParaRPr>
           </a:p>
@@ -1084,66 +1153,62 @@
             <a:spLocks noGrp="1"/>
           </p:cNvSpPr>
           <p:nvPr>
-            <p:ph type="body"/>
-          </p:nvPr>
-        </p:nvSpPr>
-        <p:spPr>
-          <a:xfrm>
-            <a:off x="504000" y="4113720"/>
+            <p:ph/>
+          </p:nvPr>
+        </p:nvSpPr>
+        <p:spPr>
+          <a:xfrm>
+            <a:off x="5152680" y="1768680"/>
+            <a:ext cx="4426920" cy="4384080"/>
+          </a:xfrm>
+          <a:prstGeom prst="rect">
+            <a:avLst/>
+          </a:prstGeom>
+          <a:noFill/>
+          <a:ln w="0">
+            <a:noFill/>
+          </a:ln>
+        </p:spPr>
+        <p:txBody>
+          <a:bodyPr lIns="0" rIns="0" tIns="0" bIns="0" anchor="t">
+            <a:normAutofit/>
+          </a:bodyPr>
+          <a:p>
+            <a:endParaRPr b="0" lang="en-IN" sz="3200" spc="-1" strike="noStrike">
+              <a:latin typeface="Arial"/>
+            </a:endParaRPr>
+          </a:p>
+        </p:txBody>
+      </p:sp>
+      <p:sp>
+        <p:nvSpPr>
+          <p:cNvPr id="15" name="PlaceHolder 4"/>
+          <p:cNvSpPr>
+            <a:spLocks noGrp="1"/>
+          </p:cNvSpPr>
+          <p:nvPr>
+            <p:ph/>
+          </p:nvPr>
+        </p:nvSpPr>
+        <p:spPr>
+          <a:xfrm>
+            <a:off x="504000" y="4058640"/>
             <a:ext cx="4426920" cy="2090880"/>
           </a:xfrm>
           <a:prstGeom prst="rect">
             <a:avLst/>
           </a:prstGeom>
-        </p:spPr>
-        <p:txBody>
-          <a:bodyPr lIns="0" rIns="0" tIns="0" bIns="0"/>
+          <a:noFill/>
+          <a:ln w="0">
+            <a:noFill/>
+          </a:ln>
+        </p:spPr>
+        <p:txBody>
+          <a:bodyPr lIns="0" rIns="0" tIns="0" bIns="0" anchor="t">
+            <a:normAutofit/>
+          </a:bodyPr>
           <a:p>
             <a:endParaRPr b="0" lang="en-IN" sz="3200" spc="-1" strike="noStrike">
-              <a:solidFill>
-                <a:srgbClr val="000000"/>
-              </a:solidFill>
-              <a:uFill>
-                <a:solidFill>
-                  <a:srgbClr val="ffffff"/>
-                </a:solidFill>
-              </a:uFill>
-              <a:latin typeface="Arial"/>
-            </a:endParaRPr>
-          </a:p>
-        </p:txBody>
-      </p:sp>
-      <p:sp>
-        <p:nvSpPr>
-          <p:cNvPr id="15" name="PlaceHolder 4"/>
-          <p:cNvSpPr>
-            <a:spLocks noGrp="1"/>
-          </p:cNvSpPr>
-          <p:nvPr>
-            <p:ph type="body"/>
-          </p:nvPr>
-        </p:nvSpPr>
-        <p:spPr>
-          <a:xfrm>
-            <a:off x="5152680" y="1823760"/>
-            <a:ext cx="4426920" cy="4384080"/>
-          </a:xfrm>
-          <a:prstGeom prst="rect">
-            <a:avLst/>
-          </a:prstGeom>
-        </p:spPr>
-        <p:txBody>
-          <a:bodyPr lIns="0" rIns="0" tIns="0" bIns="0"/>
-          <a:p>
-            <a:endParaRPr b="0" lang="en-IN" sz="3200" spc="-1" strike="noStrike">
-              <a:solidFill>
-                <a:srgbClr val="000000"/>
-              </a:solidFill>
-              <a:uFill>
-                <a:solidFill>
-                  <a:srgbClr val="ffffff"/>
-                </a:solidFill>
-              </a:uFill>
               <a:latin typeface="Arial"/>
             </a:endParaRPr>
           </a:p>
@@ -1183,26 +1248,26 @@
         </p:nvSpPr>
         <p:spPr>
           <a:xfrm>
-            <a:off x="504000" y="288000"/>
-            <a:ext cx="9071640" cy="1247760"/>
-          </a:xfrm>
-          <a:prstGeom prst="rect">
-            <a:avLst/>
-          </a:prstGeom>
-        </p:spPr>
-        <p:txBody>
-          <a:bodyPr lIns="0" rIns="0" tIns="0" bIns="0" anchor="ctr"/>
-          <a:p>
-            <a:pPr algn="ctr"/>
+            <a:off x="504000" y="301320"/>
+            <a:ext cx="9072000" cy="1261800"/>
+          </a:xfrm>
+          <a:prstGeom prst="rect">
+            <a:avLst/>
+          </a:prstGeom>
+          <a:noFill/>
+          <a:ln w="0">
+            <a:noFill/>
+          </a:ln>
+        </p:spPr>
+        <p:txBody>
+          <a:bodyPr lIns="0" rIns="0" tIns="0" bIns="0" anchor="ctr">
+            <a:noAutofit/>
+          </a:bodyPr>
+          <a:p>
+            <a:pPr algn="ctr">
+              <a:buNone/>
+            </a:pPr>
             <a:endParaRPr b="0" lang="en-IN" sz="4400" spc="-1" strike="noStrike">
-              <a:solidFill>
-                <a:srgbClr val="000000"/>
-              </a:solidFill>
-              <a:uFill>
-                <a:solidFill>
-                  <a:srgbClr val="ffffff"/>
-                </a:solidFill>
-              </a:uFill>
               <a:latin typeface="Arial"/>
             </a:endParaRPr>
           </a:p>
@@ -1215,30 +1280,28 @@
             <a:spLocks noGrp="1"/>
           </p:cNvSpPr>
           <p:nvPr>
-            <p:ph type="body"/>
-          </p:nvPr>
-        </p:nvSpPr>
-        <p:spPr>
-          <a:xfrm>
-            <a:off x="504000" y="1823760"/>
+            <p:ph/>
+          </p:nvPr>
+        </p:nvSpPr>
+        <p:spPr>
+          <a:xfrm>
+            <a:off x="504000" y="1768680"/>
             <a:ext cx="4426920" cy="4384080"/>
           </a:xfrm>
           <a:prstGeom prst="rect">
             <a:avLst/>
           </a:prstGeom>
-        </p:spPr>
-        <p:txBody>
-          <a:bodyPr lIns="0" rIns="0" tIns="0" bIns="0"/>
+          <a:noFill/>
+          <a:ln w="0">
+            <a:noFill/>
+          </a:ln>
+        </p:spPr>
+        <p:txBody>
+          <a:bodyPr lIns="0" rIns="0" tIns="0" bIns="0" anchor="t">
+            <a:normAutofit/>
+          </a:bodyPr>
           <a:p>
             <a:endParaRPr b="0" lang="en-IN" sz="3200" spc="-1" strike="noStrike">
-              <a:solidFill>
-                <a:srgbClr val="000000"/>
-              </a:solidFill>
-              <a:uFill>
-                <a:solidFill>
-                  <a:srgbClr val="ffffff"/>
-                </a:solidFill>
-              </a:uFill>
               <a:latin typeface="Arial"/>
             </a:endParaRPr>
           </a:p>
@@ -1251,30 +1314,28 @@
             <a:spLocks noGrp="1"/>
           </p:cNvSpPr>
           <p:nvPr>
-            <p:ph type="body"/>
-          </p:nvPr>
-        </p:nvSpPr>
-        <p:spPr>
-          <a:xfrm>
-            <a:off x="5152680" y="1823760"/>
+            <p:ph/>
+          </p:nvPr>
+        </p:nvSpPr>
+        <p:spPr>
+          <a:xfrm>
+            <a:off x="5152680" y="1768680"/>
             <a:ext cx="4426920" cy="2090880"/>
           </a:xfrm>
           <a:prstGeom prst="rect">
             <a:avLst/>
           </a:prstGeom>
-        </p:spPr>
-        <p:txBody>
-          <a:bodyPr lIns="0" rIns="0" tIns="0" bIns="0"/>
+          <a:noFill/>
+          <a:ln w="0">
+            <a:noFill/>
+          </a:ln>
+        </p:spPr>
+        <p:txBody>
+          <a:bodyPr lIns="0" rIns="0" tIns="0" bIns="0" anchor="t">
+            <a:normAutofit/>
+          </a:bodyPr>
           <a:p>
             <a:endParaRPr b="0" lang="en-IN" sz="3200" spc="-1" strike="noStrike">
-              <a:solidFill>
-                <a:srgbClr val="000000"/>
-              </a:solidFill>
-              <a:uFill>
-                <a:solidFill>
-                  <a:srgbClr val="ffffff"/>
-                </a:solidFill>
-              </a:uFill>
               <a:latin typeface="Arial"/>
             </a:endParaRPr>
           </a:p>
@@ -1287,30 +1348,28 @@
             <a:spLocks noGrp="1"/>
           </p:cNvSpPr>
           <p:nvPr>
-            <p:ph type="body"/>
-          </p:nvPr>
-        </p:nvSpPr>
-        <p:spPr>
-          <a:xfrm>
-            <a:off x="5152680" y="4113720"/>
+            <p:ph/>
+          </p:nvPr>
+        </p:nvSpPr>
+        <p:spPr>
+          <a:xfrm>
+            <a:off x="5152680" y="4058640"/>
             <a:ext cx="4426920" cy="2090880"/>
           </a:xfrm>
           <a:prstGeom prst="rect">
             <a:avLst/>
           </a:prstGeom>
-        </p:spPr>
-        <p:txBody>
-          <a:bodyPr lIns="0" rIns="0" tIns="0" bIns="0"/>
+          <a:noFill/>
+          <a:ln w="0">
+            <a:noFill/>
+          </a:ln>
+        </p:spPr>
+        <p:txBody>
+          <a:bodyPr lIns="0" rIns="0" tIns="0" bIns="0" anchor="t">
+            <a:normAutofit/>
+          </a:bodyPr>
           <a:p>
             <a:endParaRPr b="0" lang="en-IN" sz="3200" spc="-1" strike="noStrike">
-              <a:solidFill>
-                <a:srgbClr val="000000"/>
-              </a:solidFill>
-              <a:uFill>
-                <a:solidFill>
-                  <a:srgbClr val="ffffff"/>
-                </a:solidFill>
-              </a:uFill>
               <a:latin typeface="Arial"/>
             </a:endParaRPr>
           </a:p>
@@ -1350,26 +1409,26 @@
         </p:nvSpPr>
         <p:spPr>
           <a:xfrm>
-            <a:off x="504000" y="288000"/>
-            <a:ext cx="9071640" cy="1247760"/>
-          </a:xfrm>
-          <a:prstGeom prst="rect">
-            <a:avLst/>
-          </a:prstGeom>
-        </p:spPr>
-        <p:txBody>
-          <a:bodyPr lIns="0" rIns="0" tIns="0" bIns="0" anchor="ctr"/>
-          <a:p>
-            <a:pPr algn="ctr"/>
+            <a:off x="504000" y="301320"/>
+            <a:ext cx="9072000" cy="1261800"/>
+          </a:xfrm>
+          <a:prstGeom prst="rect">
+            <a:avLst/>
+          </a:prstGeom>
+          <a:noFill/>
+          <a:ln w="0">
+            <a:noFill/>
+          </a:ln>
+        </p:spPr>
+        <p:txBody>
+          <a:bodyPr lIns="0" rIns="0" tIns="0" bIns="0" anchor="ctr">
+            <a:noAutofit/>
+          </a:bodyPr>
+          <a:p>
+            <a:pPr algn="ctr">
+              <a:buNone/>
+            </a:pPr>
             <a:endParaRPr b="0" lang="en-IN" sz="4400" spc="-1" strike="noStrike">
-              <a:solidFill>
-                <a:srgbClr val="000000"/>
-              </a:solidFill>
-              <a:uFill>
-                <a:solidFill>
-                  <a:srgbClr val="ffffff"/>
-                </a:solidFill>
-              </a:uFill>
               <a:latin typeface="Arial"/>
             </a:endParaRPr>
           </a:p>
@@ -1382,30 +1441,28 @@
             <a:spLocks noGrp="1"/>
           </p:cNvSpPr>
           <p:nvPr>
-            <p:ph type="body"/>
-          </p:nvPr>
-        </p:nvSpPr>
-        <p:spPr>
-          <a:xfrm>
-            <a:off x="504000" y="1823760"/>
+            <p:ph/>
+          </p:nvPr>
+        </p:nvSpPr>
+        <p:spPr>
+          <a:xfrm>
+            <a:off x="504000" y="1768680"/>
             <a:ext cx="4426920" cy="2090880"/>
           </a:xfrm>
           <a:prstGeom prst="rect">
             <a:avLst/>
           </a:prstGeom>
-        </p:spPr>
-        <p:txBody>
-          <a:bodyPr lIns="0" rIns="0" tIns="0" bIns="0"/>
+          <a:noFill/>
+          <a:ln w="0">
+            <a:noFill/>
+          </a:ln>
+        </p:spPr>
+        <p:txBody>
+          <a:bodyPr lIns="0" rIns="0" tIns="0" bIns="0" anchor="t">
+            <a:normAutofit/>
+          </a:bodyPr>
           <a:p>
             <a:endParaRPr b="0" lang="en-IN" sz="3200" spc="-1" strike="noStrike">
-              <a:solidFill>
-                <a:srgbClr val="000000"/>
-              </a:solidFill>
-              <a:uFill>
-                <a:solidFill>
-                  <a:srgbClr val="ffffff"/>
-                </a:solidFill>
-              </a:uFill>
               <a:latin typeface="Arial"/>
             </a:endParaRPr>
           </a:p>
@@ -1418,30 +1475,28 @@
             <a:spLocks noGrp="1"/>
           </p:cNvSpPr>
           <p:nvPr>
-            <p:ph type="body"/>
-          </p:nvPr>
-        </p:nvSpPr>
-        <p:spPr>
-          <a:xfrm>
-            <a:off x="5152680" y="1823760"/>
+            <p:ph/>
+          </p:nvPr>
+        </p:nvSpPr>
+        <p:spPr>
+          <a:xfrm>
+            <a:off x="5152680" y="1768680"/>
             <a:ext cx="4426920" cy="2090880"/>
           </a:xfrm>
           <a:prstGeom prst="rect">
             <a:avLst/>
           </a:prstGeom>
-        </p:spPr>
-        <p:txBody>
-          <a:bodyPr lIns="0" rIns="0" tIns="0" bIns="0"/>
+          <a:noFill/>
+          <a:ln w="0">
+            <a:noFill/>
+          </a:ln>
+        </p:spPr>
+        <p:txBody>
+          <a:bodyPr lIns="0" rIns="0" tIns="0" bIns="0" anchor="t">
+            <a:normAutofit/>
+          </a:bodyPr>
           <a:p>
             <a:endParaRPr b="0" lang="en-IN" sz="3200" spc="-1" strike="noStrike">
-              <a:solidFill>
-                <a:srgbClr val="000000"/>
-              </a:solidFill>
-              <a:uFill>
-                <a:solidFill>
-                  <a:srgbClr val="ffffff"/>
-                </a:solidFill>
-              </a:uFill>
               <a:latin typeface="Arial"/>
             </a:endParaRPr>
           </a:p>
@@ -1454,30 +1509,28 @@
             <a:spLocks noGrp="1"/>
           </p:cNvSpPr>
           <p:nvPr>
-            <p:ph type="body"/>
-          </p:nvPr>
-        </p:nvSpPr>
-        <p:spPr>
-          <a:xfrm>
-            <a:off x="504000" y="4113720"/>
-            <a:ext cx="9071640" cy="2090880"/>
-          </a:xfrm>
-          <a:prstGeom prst="rect">
-            <a:avLst/>
-          </a:prstGeom>
-        </p:spPr>
-        <p:txBody>
-          <a:bodyPr lIns="0" rIns="0" tIns="0" bIns="0"/>
+            <p:ph/>
+          </p:nvPr>
+        </p:nvSpPr>
+        <p:spPr>
+          <a:xfrm>
+            <a:off x="504000" y="4058640"/>
+            <a:ext cx="9072000" cy="2090880"/>
+          </a:xfrm>
+          <a:prstGeom prst="rect">
+            <a:avLst/>
+          </a:prstGeom>
+          <a:noFill/>
+          <a:ln w="0">
+            <a:noFill/>
+          </a:ln>
+        </p:spPr>
+        <p:txBody>
+          <a:bodyPr lIns="0" rIns="0" tIns="0" bIns="0" anchor="t">
+            <a:normAutofit/>
+          </a:bodyPr>
           <a:p>
             <a:endParaRPr b="0" lang="en-IN" sz="3200" spc="-1" strike="noStrike">
-              <a:solidFill>
-                <a:srgbClr val="000000"/>
-              </a:solidFill>
-              <a:uFill>
-                <a:solidFill>
-                  <a:srgbClr val="ffffff"/>
-                </a:solidFill>
-              </a:uFill>
               <a:latin typeface="Arial"/>
             </a:endParaRPr>
           </a:p>
@@ -1518,12 +1571,12 @@
         <p:spPr>
           <a:xfrm>
             <a:off x="0" y="0"/>
-            <a:ext cx="10079280" cy="7559640"/>
-          </a:xfrm>
-          <a:prstGeom prst="rect">
-            <a:avLst/>
-          </a:prstGeom>
-          <a:ln>
+            <a:ext cx="10078920" cy="7559280"/>
+          </a:xfrm>
+          <a:prstGeom prst="rect">
+            <a:avLst/>
+          </a:prstGeom>
+          <a:ln w="0">
             <a:noFill/>
           </a:ln>
         </p:spPr>
@@ -1540,26 +1593,32 @@
         </p:nvSpPr>
         <p:spPr>
           <a:xfrm>
-            <a:off x="504000" y="288000"/>
-            <a:ext cx="9071640" cy="1247760"/>
-          </a:xfrm>
-          <a:prstGeom prst="rect">
-            <a:avLst/>
-          </a:prstGeom>
-        </p:spPr>
-        <p:txBody>
-          <a:bodyPr lIns="0" rIns="0" tIns="0" bIns="0" anchor="ctr"/>
-          <a:p>
-            <a:pPr algn="ctr"/>
+            <a:off x="504000" y="301320"/>
+            <a:ext cx="9072000" cy="1261800"/>
+          </a:xfrm>
+          <a:prstGeom prst="rect">
+            <a:avLst/>
+          </a:prstGeom>
+          <a:noFill/>
+          <a:ln w="0">
+            <a:noFill/>
+          </a:ln>
+        </p:spPr>
+        <p:txBody>
+          <a:bodyPr lIns="0" rIns="0" tIns="0" bIns="0" anchor="ctr">
+            <a:noAutofit/>
+          </a:bodyPr>
+          <a:p>
+            <a:pPr algn="ctr">
+              <a:buNone/>
+            </a:pPr>
+            <a:r>
+              <a:rPr b="0" lang="en-IN" sz="4400" spc="-1" strike="noStrike">
+                <a:latin typeface="Arial"/>
+              </a:rPr>
+              <a:t>Click to edit the title text format</a:t>
+            </a:r>
             <a:endParaRPr b="0" lang="en-IN" sz="4400" spc="-1" strike="noStrike">
-              <a:solidFill>
-                <a:srgbClr val="000000"/>
-              </a:solidFill>
-              <a:uFill>
-                <a:solidFill>
-                  <a:srgbClr val="ffffff"/>
-                </a:solidFill>
-              </a:uFill>
               <a:latin typeface="Arial"/>
             </a:endParaRPr>
           </a:p>
@@ -1577,17 +1636,26 @@
         </p:nvSpPr>
         <p:spPr>
           <a:xfrm>
-            <a:off x="504000" y="1823760"/>
-            <a:ext cx="9071640" cy="4384080"/>
-          </a:xfrm>
-          <a:prstGeom prst="rect">
-            <a:avLst/>
-          </a:prstGeom>
-        </p:spPr>
-        <p:txBody>
-          <a:bodyPr lIns="0" rIns="0" tIns="0" bIns="0"/>
+            <a:off x="504000" y="1768680"/>
+            <a:ext cx="9072000" cy="4384080"/>
+          </a:xfrm>
+          <a:prstGeom prst="rect">
+            <a:avLst/>
+          </a:prstGeom>
+          <a:noFill/>
+          <a:ln w="0">
+            <a:noFill/>
+          </a:ln>
+        </p:spPr>
+        <p:txBody>
+          <a:bodyPr lIns="0" rIns="0" tIns="0" bIns="0" anchor="t">
+            <a:normAutofit/>
+          </a:bodyPr>
           <a:p>
             <a:pPr marL="432000" indent="-324000">
+              <a:spcBef>
+                <a:spcPts val="1417"/>
+              </a:spcBef>
               <a:buClr>
                 <a:srgbClr val="000000"/>
               </a:buClr>
@@ -1596,33 +1664,20 @@
               <a:buChar char=""/>
             </a:pPr>
             <a:r>
-              <a:rPr b="0" lang="en-IN" sz="1800" spc="-1" strike="noStrike">
-                <a:solidFill>
-                  <a:srgbClr val="000000"/>
-                </a:solidFill>
-                <a:uFill>
-                  <a:solidFill>
-                    <a:srgbClr val="ffffff"/>
-                  </a:solidFill>
-                </a:uFill>
+              <a:rPr b="0" lang="en-IN" sz="3200" spc="-1" strike="noStrike">
                 <a:latin typeface="Arial"/>
               </a:rPr>
               <a:t>Click to edit the outline text format</a:t>
             </a:r>
-            <a:endParaRPr b="0" lang="en-IN" sz="1800" spc="-1" strike="noStrike">
-              <a:solidFill>
-                <a:srgbClr val="000000"/>
-              </a:solidFill>
-              <a:uFill>
-                <a:solidFill>
-                  <a:srgbClr val="ffffff"/>
-                </a:solidFill>
-              </a:uFill>
+            <a:endParaRPr b="0" lang="en-IN" sz="3200" spc="-1" strike="noStrike">
               <a:latin typeface="Arial"/>
             </a:endParaRPr>
           </a:p>
           <a:p>
             <a:pPr lvl="1" marL="864000" indent="-324000">
+              <a:spcBef>
+                <a:spcPts val="1134"/>
+              </a:spcBef>
               <a:buClr>
                 <a:srgbClr val="000000"/>
               </a:buClr>
@@ -1631,33 +1686,20 @@
               <a:buChar char=""/>
             </a:pPr>
             <a:r>
-              <a:rPr b="0" lang="en-IN" sz="1800" spc="-1" strike="noStrike">
-                <a:solidFill>
-                  <a:srgbClr val="000000"/>
-                </a:solidFill>
-                <a:uFill>
-                  <a:solidFill>
-                    <a:srgbClr val="ffffff"/>
-                  </a:solidFill>
-                </a:uFill>
+              <a:rPr b="0" lang="en-IN" sz="2800" spc="-1" strike="noStrike">
                 <a:latin typeface="Arial"/>
               </a:rPr>
               <a:t>Second Outline Level</a:t>
             </a:r>
-            <a:endParaRPr b="0" lang="en-IN" sz="1800" spc="-1" strike="noStrike">
-              <a:solidFill>
-                <a:srgbClr val="000000"/>
-              </a:solidFill>
-              <a:uFill>
-                <a:solidFill>
-                  <a:srgbClr val="ffffff"/>
-                </a:solidFill>
-              </a:uFill>
+            <a:endParaRPr b="0" lang="en-IN" sz="2800" spc="-1" strike="noStrike">
               <a:latin typeface="Arial"/>
             </a:endParaRPr>
           </a:p>
           <a:p>
             <a:pPr lvl="2" marL="1296000" indent="-288000">
+              <a:spcBef>
+                <a:spcPts val="850"/>
+              </a:spcBef>
               <a:buClr>
                 <a:srgbClr val="000000"/>
               </a:buClr>
@@ -1666,33 +1708,20 @@
               <a:buChar char=""/>
             </a:pPr>
             <a:r>
-              <a:rPr b="0" lang="en-IN" sz="1800" spc="-1" strike="noStrike">
-                <a:solidFill>
-                  <a:srgbClr val="000000"/>
-                </a:solidFill>
-                <a:uFill>
-                  <a:solidFill>
-                    <a:srgbClr val="ffffff"/>
-                  </a:solidFill>
-                </a:uFill>
+              <a:rPr b="0" lang="en-IN" sz="2400" spc="-1" strike="noStrike">
                 <a:latin typeface="Arial"/>
               </a:rPr>
               <a:t>Third Outline Level</a:t>
             </a:r>
-            <a:endParaRPr b="0" lang="en-IN" sz="1800" spc="-1" strike="noStrike">
-              <a:solidFill>
-                <a:srgbClr val="000000"/>
-              </a:solidFill>
-              <a:uFill>
-                <a:solidFill>
-                  <a:srgbClr val="ffffff"/>
-                </a:solidFill>
-              </a:uFill>
+            <a:endParaRPr b="0" lang="en-IN" sz="2400" spc="-1" strike="noStrike">
               <a:latin typeface="Arial"/>
             </a:endParaRPr>
           </a:p>
           <a:p>
             <a:pPr lvl="3" marL="1728000" indent="-216000">
+              <a:spcBef>
+                <a:spcPts val="567"/>
+              </a:spcBef>
               <a:buClr>
                 <a:srgbClr val="000000"/>
               </a:buClr>
@@ -1701,33 +1730,20 @@
               <a:buChar char=""/>
             </a:pPr>
             <a:r>
-              <a:rPr b="0" lang="en-IN" sz="1800" spc="-1" strike="noStrike">
-                <a:solidFill>
-                  <a:srgbClr val="000000"/>
-                </a:solidFill>
-                <a:uFill>
-                  <a:solidFill>
-                    <a:srgbClr val="ffffff"/>
-                  </a:solidFill>
-                </a:uFill>
+              <a:rPr b="0" lang="en-IN" sz="2000" spc="-1" strike="noStrike">
                 <a:latin typeface="Arial"/>
               </a:rPr>
               <a:t>Fourth Outline Level</a:t>
             </a:r>
-            <a:endParaRPr b="0" lang="en-IN" sz="1800" spc="-1" strike="noStrike">
-              <a:solidFill>
-                <a:srgbClr val="000000"/>
-              </a:solidFill>
-              <a:uFill>
-                <a:solidFill>
-                  <a:srgbClr val="ffffff"/>
-                </a:solidFill>
-              </a:uFill>
+            <a:endParaRPr b="0" lang="en-IN" sz="2000" spc="-1" strike="noStrike">
               <a:latin typeface="Arial"/>
             </a:endParaRPr>
           </a:p>
           <a:p>
             <a:pPr lvl="4" marL="2160000" indent="-216000">
+              <a:spcBef>
+                <a:spcPts val="283"/>
+              </a:spcBef>
               <a:buClr>
                 <a:srgbClr val="000000"/>
               </a:buClr>
@@ -1736,33 +1752,20 @@
               <a:buChar char=""/>
             </a:pPr>
             <a:r>
-              <a:rPr b="0" lang="en-IN" sz="1800" spc="-1" strike="noStrike">
-                <a:solidFill>
-                  <a:srgbClr val="000000"/>
-                </a:solidFill>
-                <a:uFill>
-                  <a:solidFill>
-                    <a:srgbClr val="ffffff"/>
-                  </a:solidFill>
-                </a:uFill>
+              <a:rPr b="0" lang="en-IN" sz="2000" spc="-1" strike="noStrike">
                 <a:latin typeface="Arial"/>
               </a:rPr>
               <a:t>Fifth Outline Level</a:t>
             </a:r>
-            <a:endParaRPr b="0" lang="en-IN" sz="1800" spc="-1" strike="noStrike">
-              <a:solidFill>
-                <a:srgbClr val="000000"/>
-              </a:solidFill>
-              <a:uFill>
-                <a:solidFill>
-                  <a:srgbClr val="ffffff"/>
-                </a:solidFill>
-              </a:uFill>
+            <a:endParaRPr b="0" lang="en-IN" sz="2000" spc="-1" strike="noStrike">
               <a:latin typeface="Arial"/>
             </a:endParaRPr>
           </a:p>
           <a:p>
             <a:pPr lvl="5" marL="2592000" indent="-216000">
+              <a:spcBef>
+                <a:spcPts val="283"/>
+              </a:spcBef>
               <a:buClr>
                 <a:srgbClr val="000000"/>
               </a:buClr>
@@ -1771,33 +1774,20 @@
               <a:buChar char=""/>
             </a:pPr>
             <a:r>
-              <a:rPr b="0" lang="en-IN" sz="1800" spc="-1" strike="noStrike">
-                <a:solidFill>
-                  <a:srgbClr val="000000"/>
-                </a:solidFill>
-                <a:uFill>
-                  <a:solidFill>
-                    <a:srgbClr val="ffffff"/>
-                  </a:solidFill>
-                </a:uFill>
+              <a:rPr b="0" lang="en-IN" sz="2000" spc="-1" strike="noStrike">
                 <a:latin typeface="Arial"/>
               </a:rPr>
               <a:t>Sixth Outline Level</a:t>
             </a:r>
-            <a:endParaRPr b="0" lang="en-IN" sz="1800" spc="-1" strike="noStrike">
-              <a:solidFill>
-                <a:srgbClr val="000000"/>
-              </a:solidFill>
-              <a:uFill>
-                <a:solidFill>
-                  <a:srgbClr val="ffffff"/>
-                </a:solidFill>
-              </a:uFill>
+            <a:endParaRPr b="0" lang="en-IN" sz="2000" spc="-1" strike="noStrike">
               <a:latin typeface="Arial"/>
             </a:endParaRPr>
           </a:p>
           <a:p>
             <a:pPr lvl="6" marL="3024000" indent="-216000">
+              <a:spcBef>
+                <a:spcPts val="283"/>
+              </a:spcBef>
               <a:buClr>
                 <a:srgbClr val="000000"/>
               </a:buClr>
@@ -1806,28 +1796,12 @@
               <a:buChar char=""/>
             </a:pPr>
             <a:r>
-              <a:rPr b="0" lang="en-IN" sz="1800" spc="-1" strike="noStrike">
-                <a:solidFill>
-                  <a:srgbClr val="000000"/>
-                </a:solidFill>
-                <a:uFill>
-                  <a:solidFill>
-                    <a:srgbClr val="ffffff"/>
-                  </a:solidFill>
-                </a:uFill>
+              <a:rPr b="0" lang="en-IN" sz="2000" spc="-1" strike="noStrike">
                 <a:latin typeface="Arial"/>
               </a:rPr>
               <a:t>Seventh Outline Level</a:t>
             </a:r>
-            <a:endParaRPr b="0" lang="en-IN" sz="1800" spc="-1" strike="noStrike">
-              <a:solidFill>
-                <a:srgbClr val="000000"/>
-              </a:solidFill>
-              <a:uFill>
-                <a:solidFill>
-                  <a:srgbClr val="ffffff"/>
-                </a:solidFill>
-              </a:uFill>
+            <a:endParaRPr b="0" lang="en-IN" sz="2000" spc="-1" strike="noStrike">
               <a:latin typeface="Arial"/>
             </a:endParaRPr>
           </a:p>
@@ -1872,20 +1846,20 @@
       </p:grpSpPr>
       <p:sp>
         <p:nvSpPr>
-          <p:cNvPr id="37" name="CustomShape 1"/>
+          <p:cNvPr id="39" name="CustomShape 1"/>
           <p:cNvSpPr/>
           <p:nvPr/>
         </p:nvSpPr>
         <p:spPr>
           <a:xfrm>
             <a:off x="504000" y="288000"/>
-            <a:ext cx="9071640" cy="1247760"/>
-          </a:xfrm>
-          <a:prstGeom prst="rect">
-            <a:avLst/>
-          </a:prstGeom>
-          <a:noFill/>
-          <a:ln>
+            <a:ext cx="9071280" cy="1247400"/>
+          </a:xfrm>
+          <a:prstGeom prst="rect">
+            <a:avLst/>
+          </a:prstGeom>
+          <a:noFill/>
+          <a:ln w="0">
             <a:noFill/>
           </a:ln>
         </p:spPr>
@@ -1896,57 +1870,48 @@
           <a:fontRef idx="minor"/>
         </p:style>
         <p:txBody>
-          <a:bodyPr lIns="0" rIns="0" tIns="0" bIns="0" anchor="ctr"/>
+          <a:bodyPr lIns="0" rIns="0" tIns="0" bIns="0" anchor="ctr">
+            <a:noAutofit/>
+          </a:bodyPr>
           <a:p>
             <a:pPr algn="ctr">
               <a:lnSpc>
                 <a:spcPct val="100000"/>
               </a:lnSpc>
+              <a:buNone/>
             </a:pPr>
             <a:r>
               <a:rPr b="0" lang="en-IN" sz="4760" spc="-1" strike="noStrike">
                 <a:solidFill>
                   <a:srgbClr val="000000"/>
                 </a:solidFill>
-                <a:uFill>
-                  <a:solidFill>
-                    <a:srgbClr val="ffffff"/>
-                  </a:solidFill>
-                </a:uFill>
-                <a:latin typeface="Arial"/>
+                <a:latin typeface="Arial"/>
+                <a:ea typeface="DejaVu Sans"/>
               </a:rPr>
               <a:t>Singleton design pattern</a:t>
             </a:r>
-            <a:endParaRPr b="0" lang="en-IN" sz="1800" spc="-1" strike="noStrike">
-              <a:solidFill>
-                <a:srgbClr val="000000"/>
-              </a:solidFill>
-              <a:uFill>
-                <a:solidFill>
-                  <a:srgbClr val="ffffff"/>
-                </a:solidFill>
-              </a:uFill>
-              <a:latin typeface="Arial"/>
-            </a:endParaRPr>
-          </a:p>
-        </p:txBody>
-      </p:sp>
-      <p:sp>
-        <p:nvSpPr>
-          <p:cNvPr id="38" name="CustomShape 2"/>
+            <a:endParaRPr b="0" lang="en-IN" sz="4760" spc="-1" strike="noStrike">
+              <a:latin typeface="Arial"/>
+            </a:endParaRPr>
+          </a:p>
+        </p:txBody>
+      </p:sp>
+      <p:sp>
+        <p:nvSpPr>
+          <p:cNvPr id="40" name="CustomShape 2"/>
           <p:cNvSpPr/>
           <p:nvPr/>
         </p:nvSpPr>
         <p:spPr>
           <a:xfrm>
             <a:off x="504000" y="1823760"/>
-            <a:ext cx="9071640" cy="4384080"/>
-          </a:xfrm>
-          <a:prstGeom prst="rect">
-            <a:avLst/>
-          </a:prstGeom>
-          <a:noFill/>
-          <a:ln>
+            <a:ext cx="9071280" cy="4383720"/>
+          </a:xfrm>
+          <a:prstGeom prst="rect">
+            <a:avLst/>
+          </a:prstGeom>
+          <a:noFill/>
+          <a:ln w="0">
             <a:noFill/>
           </a:ln>
         </p:spPr>
@@ -1957,7 +1922,9 @@
           <a:fontRef idx="minor"/>
         </p:style>
         <p:txBody>
-          <a:bodyPr lIns="0" rIns="0" tIns="0" bIns="0"/>
+          <a:bodyPr lIns="0" rIns="0" tIns="0" bIns="0" anchor="t">
+            <a:noAutofit/>
+          </a:bodyPr>
           <a:p>
             <a:pPr marL="432000" indent="-323640">
               <a:lnSpc>
@@ -1975,24 +1942,12 @@
                 <a:solidFill>
                   <a:srgbClr val="ffffff"/>
                 </a:solidFill>
-                <a:uFill>
-                  <a:solidFill>
-                    <a:srgbClr val="ffffff"/>
-                  </a:solidFill>
-                </a:uFill>
-                <a:latin typeface="Arial"/>
+                <a:latin typeface="Arial"/>
+                <a:ea typeface="DejaVu Sans"/>
               </a:rPr>
               <a:t>The singleton design pattern is a creational design pattern which makes sure that you have one single instance of a particular class in the duration of your runtime, and provides a global point of access to the single instance. </a:t>
             </a:r>
-            <a:endParaRPr b="0" lang="en-IN" sz="1800" spc="-1" strike="noStrike">
-              <a:solidFill>
-                <a:srgbClr val="000000"/>
-              </a:solidFill>
-              <a:uFill>
-                <a:solidFill>
-                  <a:srgbClr val="ffffff"/>
-                </a:solidFill>
-              </a:uFill>
+            <a:endParaRPr b="0" lang="en-IN" sz="3470" spc="-1" strike="noStrike">
               <a:latin typeface="Arial"/>
             </a:endParaRPr>
           </a:p>
@@ -2000,33 +1955,14 @@
       </p:sp>
     </p:spTree>
   </p:cSld>
-  <p:timing>
-    <p:tnLst>
-      <p:par>
-        <p:cTn id="1" dur="indefinite" restart="never" nodeType="tmRoot">
-          <p:childTnLst>
-            <p:seq>
-              <p:cTn id="2" nodeType="mainSeq"/>
-              <p:prevCondLst>
-                <p:cond delay="0" evt="onPrev">
-                  <p:tgtEl>
-                    <p:sldTgt/>
-                  </p:tgtEl>
-                </p:cond>
-              </p:prevCondLst>
-              <p:nextCondLst>
-                <p:cond delay="0" evt="onNext">
-                  <p:tgtEl>
-                    <p:sldTgt/>
-                  </p:tgtEl>
-                </p:cond>
-              </p:nextCondLst>
-            </p:seq>
-          </p:childTnLst>
-        </p:cTn>
-      </p:par>
-    </p:tnLst>
-  </p:timing>
+  <mc:AlternateContent>
+    <mc:Choice Requires="p14">
+      <p:transition spd="slow" p14:dur="2000"/>
+    </mc:Choice>
+    <mc:Fallback>
+      <p:transition spd="slow"/>
+    </mc:Fallback>
+  </mc:AlternateContent>
 </p:sld>
 </file>
 
@@ -2049,20 +1985,20 @@
       </p:grpSpPr>
       <p:sp>
         <p:nvSpPr>
-          <p:cNvPr id="39" name="CustomShape 1"/>
+          <p:cNvPr id="41" name="CustomShape 1"/>
           <p:cNvSpPr/>
           <p:nvPr/>
         </p:nvSpPr>
         <p:spPr>
           <a:xfrm>
             <a:off x="504000" y="288000"/>
-            <a:ext cx="9071640" cy="1247760"/>
-          </a:xfrm>
-          <a:prstGeom prst="rect">
-            <a:avLst/>
-          </a:prstGeom>
-          <a:noFill/>
-          <a:ln>
+            <a:ext cx="9071280" cy="1247400"/>
+          </a:xfrm>
+          <a:prstGeom prst="rect">
+            <a:avLst/>
+          </a:prstGeom>
+          <a:noFill/>
+          <a:ln w="0">
             <a:noFill/>
           </a:ln>
         </p:spPr>
@@ -2073,57 +2009,48 @@
           <a:fontRef idx="minor"/>
         </p:style>
         <p:txBody>
-          <a:bodyPr lIns="0" rIns="0" tIns="0" bIns="0" anchor="ctr"/>
+          <a:bodyPr lIns="0" rIns="0" tIns="0" bIns="0" anchor="ctr">
+            <a:noAutofit/>
+          </a:bodyPr>
           <a:p>
             <a:pPr algn="ctr">
               <a:lnSpc>
                 <a:spcPct val="100000"/>
               </a:lnSpc>
+              <a:buNone/>
             </a:pPr>
             <a:r>
               <a:rPr b="0" lang="en-IN" sz="4760" spc="-1" strike="noStrike">
                 <a:solidFill>
                   <a:srgbClr val="000000"/>
                 </a:solidFill>
-                <a:uFill>
-                  <a:solidFill>
-                    <a:srgbClr val="ffffff"/>
-                  </a:solidFill>
-                </a:uFill>
-                <a:latin typeface="Arial"/>
+                <a:latin typeface="Arial"/>
+                <a:ea typeface="DejaVu Sans"/>
               </a:rPr>
               <a:t>When we can use it?</a:t>
             </a:r>
-            <a:endParaRPr b="0" lang="en-IN" sz="1800" spc="-1" strike="noStrike">
-              <a:solidFill>
-                <a:srgbClr val="000000"/>
-              </a:solidFill>
-              <a:uFill>
-                <a:solidFill>
-                  <a:srgbClr val="ffffff"/>
-                </a:solidFill>
-              </a:uFill>
-              <a:latin typeface="Arial"/>
-            </a:endParaRPr>
-          </a:p>
-        </p:txBody>
-      </p:sp>
-      <p:sp>
-        <p:nvSpPr>
-          <p:cNvPr id="40" name="CustomShape 2"/>
+            <a:endParaRPr b="0" lang="en-IN" sz="4760" spc="-1" strike="noStrike">
+              <a:latin typeface="Arial"/>
+            </a:endParaRPr>
+          </a:p>
+        </p:txBody>
+      </p:sp>
+      <p:sp>
+        <p:nvSpPr>
+          <p:cNvPr id="42" name="CustomShape 2"/>
           <p:cNvSpPr/>
           <p:nvPr/>
         </p:nvSpPr>
         <p:spPr>
           <a:xfrm>
             <a:off x="504000" y="1823760"/>
-            <a:ext cx="9071640" cy="4384080"/>
-          </a:xfrm>
-          <a:prstGeom prst="rect">
-            <a:avLst/>
-          </a:prstGeom>
-          <a:noFill/>
-          <a:ln>
+            <a:ext cx="9071280" cy="4383720"/>
+          </a:xfrm>
+          <a:prstGeom prst="rect">
+            <a:avLst/>
+          </a:prstGeom>
+          <a:noFill/>
+          <a:ln w="0">
             <a:noFill/>
           </a:ln>
         </p:spPr>
@@ -2134,7 +2061,9 @@
           <a:fontRef idx="minor"/>
         </p:style>
         <p:txBody>
-          <a:bodyPr lIns="0" rIns="0" tIns="0" bIns="0"/>
+          <a:bodyPr lIns="0" rIns="0" tIns="0" bIns="0" anchor="t">
+            <a:noAutofit/>
+          </a:bodyPr>
           <a:p>
             <a:pPr marL="432000" indent="-323640">
               <a:lnSpc>
@@ -2152,24 +2081,12 @@
                 <a:solidFill>
                   <a:srgbClr val="ffffff"/>
                 </a:solidFill>
-                <a:uFill>
-                  <a:solidFill>
-                    <a:srgbClr val="ffffff"/>
-                  </a:solidFill>
-                </a:uFill>
-                <a:latin typeface="Arial"/>
+                <a:latin typeface="Arial"/>
+                <a:ea typeface="DejaVu Sans"/>
               </a:rPr>
               <a:t>If you need to pass a specific instance from one class to another, you can use the singleton pattern to avoid having to pass the instance via constructor or argument. Imagine that you have created a Session class, which simulates the $_SESSION global array. Since this class will only need to be instantiated once, we can implement a singleton pattern </a:t>
             </a:r>
-            <a:endParaRPr b="0" lang="en-IN" sz="1800" spc="-1" strike="noStrike">
-              <a:solidFill>
-                <a:srgbClr val="000000"/>
-              </a:solidFill>
-              <a:uFill>
-                <a:solidFill>
-                  <a:srgbClr val="ffffff"/>
-                </a:solidFill>
-              </a:uFill>
+            <a:endParaRPr b="0" lang="en-IN" sz="3470" spc="-1" strike="noStrike">
               <a:latin typeface="Arial"/>
             </a:endParaRPr>
           </a:p>
@@ -2177,33 +2094,14 @@
       </p:sp>
     </p:spTree>
   </p:cSld>
-  <p:timing>
-    <p:tnLst>
-      <p:par>
-        <p:cTn id="3" dur="indefinite" restart="never" nodeType="tmRoot">
-          <p:childTnLst>
-            <p:seq>
-              <p:cTn id="4" nodeType="mainSeq"/>
-              <p:prevCondLst>
-                <p:cond delay="0" evt="onPrev">
-                  <p:tgtEl>
-                    <p:sldTgt/>
-                  </p:tgtEl>
-                </p:cond>
-              </p:prevCondLst>
-              <p:nextCondLst>
-                <p:cond delay="0" evt="onNext">
-                  <p:tgtEl>
-                    <p:sldTgt/>
-                  </p:tgtEl>
-                </p:cond>
-              </p:nextCondLst>
-            </p:seq>
-          </p:childTnLst>
-        </p:cTn>
-      </p:par>
-    </p:tnLst>
-  </p:timing>
+  <mc:AlternateContent>
+    <mc:Choice Requires="p14">
+      <p:transition spd="slow" p14:dur="2000"/>
+    </mc:Choice>
+    <mc:Fallback>
+      <p:transition spd="slow"/>
+    </mc:Fallback>
+  </mc:AlternateContent>
 </p:sld>
 </file>
 
@@ -2226,20 +2124,20 @@
       </p:grpSpPr>
       <p:sp>
         <p:nvSpPr>
-          <p:cNvPr id="41" name="CustomShape 1"/>
+          <p:cNvPr id="43" name="CustomShape 1"/>
           <p:cNvSpPr/>
           <p:nvPr/>
         </p:nvSpPr>
         <p:spPr>
           <a:xfrm>
             <a:off x="504000" y="288000"/>
-            <a:ext cx="9071640" cy="1247760"/>
-          </a:xfrm>
-          <a:prstGeom prst="rect">
-            <a:avLst/>
-          </a:prstGeom>
-          <a:noFill/>
-          <a:ln>
+            <a:ext cx="9071280" cy="1247400"/>
+          </a:xfrm>
+          <a:prstGeom prst="rect">
+            <a:avLst/>
+          </a:prstGeom>
+          <a:noFill/>
+          <a:ln w="0">
             <a:noFill/>
           </a:ln>
         </p:spPr>
@@ -2250,57 +2148,48 @@
           <a:fontRef idx="minor"/>
         </p:style>
         <p:txBody>
-          <a:bodyPr lIns="0" rIns="0" tIns="0" bIns="0" anchor="ctr"/>
+          <a:bodyPr lIns="0" rIns="0" tIns="0" bIns="0" anchor="ctr">
+            <a:noAutofit/>
+          </a:bodyPr>
           <a:p>
             <a:pPr algn="ctr">
               <a:lnSpc>
                 <a:spcPct val="100000"/>
               </a:lnSpc>
+              <a:buNone/>
             </a:pPr>
             <a:r>
               <a:rPr b="0" lang="en-IN" sz="4760" spc="-1" strike="noStrike">
                 <a:solidFill>
                   <a:srgbClr val="000000"/>
                 </a:solidFill>
-                <a:uFill>
-                  <a:solidFill>
-                    <a:srgbClr val="ffffff"/>
-                  </a:solidFill>
-                </a:uFill>
-                <a:latin typeface="Arial"/>
+                <a:latin typeface="Arial"/>
+                <a:ea typeface="DejaVu Sans"/>
               </a:rPr>
               <a:t>Example</a:t>
             </a:r>
-            <a:endParaRPr b="0" lang="en-IN" sz="1800" spc="-1" strike="noStrike">
-              <a:solidFill>
-                <a:srgbClr val="000000"/>
-              </a:solidFill>
-              <a:uFill>
-                <a:solidFill>
-                  <a:srgbClr val="ffffff"/>
-                </a:solidFill>
-              </a:uFill>
-              <a:latin typeface="Arial"/>
-            </a:endParaRPr>
-          </a:p>
-        </p:txBody>
-      </p:sp>
-      <p:sp>
-        <p:nvSpPr>
-          <p:cNvPr id="42" name="CustomShape 2"/>
+            <a:endParaRPr b="0" lang="en-IN" sz="4760" spc="-1" strike="noStrike">
+              <a:latin typeface="Arial"/>
+            </a:endParaRPr>
+          </a:p>
+        </p:txBody>
+      </p:sp>
+      <p:sp>
+        <p:nvSpPr>
+          <p:cNvPr id="44" name="CustomShape 2"/>
           <p:cNvSpPr/>
           <p:nvPr/>
         </p:nvSpPr>
         <p:spPr>
           <a:xfrm>
             <a:off x="504000" y="1823760"/>
-            <a:ext cx="9071640" cy="4384080"/>
-          </a:xfrm>
-          <a:prstGeom prst="rect">
-            <a:avLst/>
-          </a:prstGeom>
-          <a:noFill/>
-          <a:ln>
+            <a:ext cx="9071280" cy="4383720"/>
+          </a:xfrm>
+          <a:prstGeom prst="rect">
+            <a:avLst/>
+          </a:prstGeom>
+          <a:noFill/>
+          <a:ln w="0">
             <a:noFill/>
           </a:ln>
         </p:spPr>
@@ -2311,7 +2200,9 @@
           <a:fontRef idx="minor"/>
         </p:style>
         <p:txBody>
-          <a:bodyPr lIns="0" rIns="0" tIns="0" bIns="0"/>
+          <a:bodyPr lIns="0" rIns="0" tIns="0" bIns="0" anchor="t">
+            <a:noAutofit/>
+          </a:bodyPr>
           <a:p>
             <a:pPr marL="432000" indent="-323640">
               <a:lnSpc>
@@ -2329,24 +2220,12 @@
                 <a:solidFill>
                   <a:srgbClr val="ffffff"/>
                 </a:solidFill>
-                <a:uFill>
-                  <a:solidFill>
-                    <a:srgbClr val="ffffff"/>
-                  </a:solidFill>
-                </a:uFill>
-                <a:latin typeface="Arial"/>
+                <a:latin typeface="Arial"/>
+                <a:ea typeface="DejaVu Sans"/>
               </a:rPr>
               <a:t>&lt;?php</a:t>
             </a:r>
-            <a:endParaRPr b="0" lang="en-IN" sz="1800" spc="-1" strike="noStrike">
-              <a:solidFill>
-                <a:srgbClr val="000000"/>
-              </a:solidFill>
-              <a:uFill>
-                <a:solidFill>
-                  <a:srgbClr val="ffffff"/>
-                </a:solidFill>
-              </a:uFill>
+            <a:endParaRPr b="0" lang="en-IN" sz="1400" spc="-1" strike="noStrike">
               <a:latin typeface="Arial"/>
             </a:endParaRPr>
           </a:p>
@@ -2367,24 +2246,12 @@
                 <a:solidFill>
                   <a:srgbClr val="ffffff"/>
                 </a:solidFill>
-                <a:uFill>
-                  <a:solidFill>
-                    <a:srgbClr val="ffffff"/>
-                  </a:solidFill>
-                </a:uFill>
-                <a:latin typeface="Arial"/>
+                <a:latin typeface="Arial"/>
+                <a:ea typeface="DejaVu Sans"/>
               </a:rPr>
               <a:t>class Session</a:t>
             </a:r>
-            <a:endParaRPr b="0" lang="en-IN" sz="1800" spc="-1" strike="noStrike">
-              <a:solidFill>
-                <a:srgbClr val="000000"/>
-              </a:solidFill>
-              <a:uFill>
-                <a:solidFill>
-                  <a:srgbClr val="ffffff"/>
-                </a:solidFill>
-              </a:uFill>
+            <a:endParaRPr b="0" lang="en-IN" sz="1400" spc="-1" strike="noStrike">
               <a:latin typeface="Arial"/>
             </a:endParaRPr>
           </a:p>
@@ -2405,24 +2272,12 @@
                 <a:solidFill>
                   <a:srgbClr val="ffffff"/>
                 </a:solidFill>
-                <a:uFill>
-                  <a:solidFill>
-                    <a:srgbClr val="ffffff"/>
-                  </a:solidFill>
-                </a:uFill>
-                <a:latin typeface="Arial"/>
+                <a:latin typeface="Arial"/>
+                <a:ea typeface="DejaVu Sans"/>
               </a:rPr>
               <a:t>{</a:t>
             </a:r>
-            <a:endParaRPr b="0" lang="en-IN" sz="1800" spc="-1" strike="noStrike">
-              <a:solidFill>
-                <a:srgbClr val="000000"/>
-              </a:solidFill>
-              <a:uFill>
-                <a:solidFill>
-                  <a:srgbClr val="ffffff"/>
-                </a:solidFill>
-              </a:uFill>
+            <a:endParaRPr b="0" lang="en-IN" sz="1400" spc="-1" strike="noStrike">
               <a:latin typeface="Arial"/>
             </a:endParaRPr>
           </a:p>
@@ -2443,12 +2298,8 @@
                 <a:solidFill>
                   <a:srgbClr val="ffffff"/>
                 </a:solidFill>
-                <a:uFill>
-                  <a:solidFill>
-                    <a:srgbClr val="ffffff"/>
-                  </a:solidFill>
-                </a:uFill>
-                <a:latin typeface="Arial"/>
+                <a:latin typeface="Arial"/>
+                <a:ea typeface="DejaVu Sans"/>
               </a:rPr>
               <a:t>    </a:t>
             </a:r>
@@ -2457,24 +2308,12 @@
                 <a:solidFill>
                   <a:srgbClr val="ffffff"/>
                 </a:solidFill>
-                <a:uFill>
-                  <a:solidFill>
-                    <a:srgbClr val="ffffff"/>
-                  </a:solidFill>
-                </a:uFill>
-                <a:latin typeface="Arial"/>
+                <a:latin typeface="Arial"/>
+                <a:ea typeface="DejaVu Sans"/>
               </a:rPr>
               <a:t>private static $instance;</a:t>
             </a:r>
-            <a:endParaRPr b="0" lang="en-IN" sz="1800" spc="-1" strike="noStrike">
-              <a:solidFill>
-                <a:srgbClr val="000000"/>
-              </a:solidFill>
-              <a:uFill>
-                <a:solidFill>
-                  <a:srgbClr val="ffffff"/>
-                </a:solidFill>
-              </a:uFill>
+            <a:endParaRPr b="0" lang="en-IN" sz="1400" spc="-1" strike="noStrike">
               <a:latin typeface="Arial"/>
             </a:endParaRPr>
           </a:p>
@@ -2495,24 +2334,12 @@
                 <a:solidFill>
                   <a:srgbClr val="ffffff"/>
                 </a:solidFill>
-                <a:uFill>
-                  <a:solidFill>
-                    <a:srgbClr val="ffffff"/>
-                  </a:solidFill>
-                </a:uFill>
-                <a:latin typeface="Arial"/>
+                <a:latin typeface="Arial"/>
+                <a:ea typeface="DejaVu Sans"/>
               </a:rPr>
               <a:t>     </a:t>
             </a:r>
-            <a:endParaRPr b="0" lang="en-IN" sz="1800" spc="-1" strike="noStrike">
-              <a:solidFill>
-                <a:srgbClr val="000000"/>
-              </a:solidFill>
-              <a:uFill>
-                <a:solidFill>
-                  <a:srgbClr val="ffffff"/>
-                </a:solidFill>
-              </a:uFill>
+            <a:endParaRPr b="0" lang="en-IN" sz="1400" spc="-1" strike="noStrike">
               <a:latin typeface="Arial"/>
             </a:endParaRPr>
           </a:p>
@@ -2533,12 +2360,8 @@
                 <a:solidFill>
                   <a:srgbClr val="ffffff"/>
                 </a:solidFill>
-                <a:uFill>
-                  <a:solidFill>
-                    <a:srgbClr val="ffffff"/>
-                  </a:solidFill>
-                </a:uFill>
-                <a:latin typeface="Arial"/>
+                <a:latin typeface="Arial"/>
+                <a:ea typeface="DejaVu Sans"/>
               </a:rPr>
               <a:t>    </a:t>
             </a:r>
@@ -2547,24 +2370,12 @@
                 <a:solidFill>
                   <a:srgbClr val="ffffff"/>
                 </a:solidFill>
-                <a:uFill>
-                  <a:solidFill>
-                    <a:srgbClr val="ffffff"/>
-                  </a:solidFill>
-                </a:uFill>
-                <a:latin typeface="Arial"/>
+                <a:latin typeface="Arial"/>
+                <a:ea typeface="DejaVu Sans"/>
               </a:rPr>
               <a:t>public static function getInstance()</a:t>
             </a:r>
-            <a:endParaRPr b="0" lang="en-IN" sz="1800" spc="-1" strike="noStrike">
-              <a:solidFill>
-                <a:srgbClr val="000000"/>
-              </a:solidFill>
-              <a:uFill>
-                <a:solidFill>
-                  <a:srgbClr val="ffffff"/>
-                </a:solidFill>
-              </a:uFill>
+            <a:endParaRPr b="0" lang="en-IN" sz="1400" spc="-1" strike="noStrike">
               <a:latin typeface="Arial"/>
             </a:endParaRPr>
           </a:p>
@@ -2585,12 +2396,8 @@
                 <a:solidFill>
                   <a:srgbClr val="ffffff"/>
                 </a:solidFill>
-                <a:uFill>
-                  <a:solidFill>
-                    <a:srgbClr val="ffffff"/>
-                  </a:solidFill>
-                </a:uFill>
-                <a:latin typeface="Arial"/>
+                <a:latin typeface="Arial"/>
+                <a:ea typeface="DejaVu Sans"/>
               </a:rPr>
               <a:t>    </a:t>
             </a:r>
@@ -2599,24 +2406,12 @@
                 <a:solidFill>
                   <a:srgbClr val="ffffff"/>
                 </a:solidFill>
-                <a:uFill>
-                  <a:solidFill>
-                    <a:srgbClr val="ffffff"/>
-                  </a:solidFill>
-                </a:uFill>
-                <a:latin typeface="Arial"/>
+                <a:latin typeface="Arial"/>
+                <a:ea typeface="DejaVu Sans"/>
               </a:rPr>
               <a:t>{</a:t>
             </a:r>
-            <a:endParaRPr b="0" lang="en-IN" sz="1800" spc="-1" strike="noStrike">
-              <a:solidFill>
-                <a:srgbClr val="000000"/>
-              </a:solidFill>
-              <a:uFill>
-                <a:solidFill>
-                  <a:srgbClr val="ffffff"/>
-                </a:solidFill>
-              </a:uFill>
+            <a:endParaRPr b="0" lang="en-IN" sz="1400" spc="-1" strike="noStrike">
               <a:latin typeface="Arial"/>
             </a:endParaRPr>
           </a:p>
@@ -2637,12 +2432,8 @@
                 <a:solidFill>
                   <a:srgbClr val="ffffff"/>
                 </a:solidFill>
-                <a:uFill>
-                  <a:solidFill>
-                    <a:srgbClr val="ffffff"/>
-                  </a:solidFill>
-                </a:uFill>
-                <a:latin typeface="Arial"/>
+                <a:latin typeface="Arial"/>
+                <a:ea typeface="DejaVu Sans"/>
               </a:rPr>
               <a:t>        </a:t>
             </a:r>
@@ -2651,24 +2442,12 @@
                 <a:solidFill>
                   <a:srgbClr val="ffffff"/>
                 </a:solidFill>
-                <a:uFill>
-                  <a:solidFill>
-                    <a:srgbClr val="ffffff"/>
-                  </a:solidFill>
-                </a:uFill>
-                <a:latin typeface="Arial"/>
+                <a:latin typeface="Arial"/>
+                <a:ea typeface="DejaVu Sans"/>
               </a:rPr>
               <a:t>if( is_null(self::$instance) ) {</a:t>
             </a:r>
-            <a:endParaRPr b="0" lang="en-IN" sz="1800" spc="-1" strike="noStrike">
-              <a:solidFill>
-                <a:srgbClr val="000000"/>
-              </a:solidFill>
-              <a:uFill>
-                <a:solidFill>
-                  <a:srgbClr val="ffffff"/>
-                </a:solidFill>
-              </a:uFill>
+            <a:endParaRPr b="0" lang="en-IN" sz="1400" spc="-1" strike="noStrike">
               <a:latin typeface="Arial"/>
             </a:endParaRPr>
           </a:p>
@@ -2689,12 +2468,8 @@
                 <a:solidFill>
                   <a:srgbClr val="ffffff"/>
                 </a:solidFill>
-                <a:uFill>
-                  <a:solidFill>
-                    <a:srgbClr val="ffffff"/>
-                  </a:solidFill>
-                </a:uFill>
-                <a:latin typeface="Arial"/>
+                <a:latin typeface="Arial"/>
+                <a:ea typeface="DejaVu Sans"/>
               </a:rPr>
               <a:t>            </a:t>
             </a:r>
@@ -2703,24 +2478,12 @@
                 <a:solidFill>
                   <a:srgbClr val="ffffff"/>
                 </a:solidFill>
-                <a:uFill>
-                  <a:solidFill>
-                    <a:srgbClr val="ffffff"/>
-                  </a:solidFill>
-                </a:uFill>
-                <a:latin typeface="Arial"/>
+                <a:latin typeface="Arial"/>
+                <a:ea typeface="DejaVu Sans"/>
               </a:rPr>
               <a:t>self::$instance = new self();</a:t>
             </a:r>
-            <a:endParaRPr b="0" lang="en-IN" sz="1800" spc="-1" strike="noStrike">
-              <a:solidFill>
-                <a:srgbClr val="000000"/>
-              </a:solidFill>
-              <a:uFill>
-                <a:solidFill>
-                  <a:srgbClr val="ffffff"/>
-                </a:solidFill>
-              </a:uFill>
+            <a:endParaRPr b="0" lang="en-IN" sz="1400" spc="-1" strike="noStrike">
               <a:latin typeface="Arial"/>
             </a:endParaRPr>
           </a:p>
@@ -2741,12 +2504,8 @@
                 <a:solidFill>
                   <a:srgbClr val="ffffff"/>
                 </a:solidFill>
-                <a:uFill>
-                  <a:solidFill>
-                    <a:srgbClr val="ffffff"/>
-                  </a:solidFill>
-                </a:uFill>
-                <a:latin typeface="Arial"/>
+                <a:latin typeface="Arial"/>
+                <a:ea typeface="DejaVu Sans"/>
               </a:rPr>
               <a:t>        </a:t>
             </a:r>
@@ -2755,24 +2514,12 @@
                 <a:solidFill>
                   <a:srgbClr val="ffffff"/>
                 </a:solidFill>
-                <a:uFill>
-                  <a:solidFill>
-                    <a:srgbClr val="ffffff"/>
-                  </a:solidFill>
-                </a:uFill>
-                <a:latin typeface="Arial"/>
+                <a:latin typeface="Arial"/>
+                <a:ea typeface="DejaVu Sans"/>
               </a:rPr>
               <a:t>}</a:t>
             </a:r>
-            <a:endParaRPr b="0" lang="en-IN" sz="1800" spc="-1" strike="noStrike">
-              <a:solidFill>
-                <a:srgbClr val="000000"/>
-              </a:solidFill>
-              <a:uFill>
-                <a:solidFill>
-                  <a:srgbClr val="ffffff"/>
-                </a:solidFill>
-              </a:uFill>
+            <a:endParaRPr b="0" lang="en-IN" sz="1400" spc="-1" strike="noStrike">
               <a:latin typeface="Arial"/>
             </a:endParaRPr>
           </a:p>
@@ -2793,12 +2540,8 @@
                 <a:solidFill>
                   <a:srgbClr val="ffffff"/>
                 </a:solidFill>
-                <a:uFill>
-                  <a:solidFill>
-                    <a:srgbClr val="ffffff"/>
-                  </a:solidFill>
-                </a:uFill>
-                <a:latin typeface="Arial"/>
+                <a:latin typeface="Arial"/>
+                <a:ea typeface="DejaVu Sans"/>
               </a:rPr>
               <a:t>        </a:t>
             </a:r>
@@ -2807,24 +2550,12 @@
                 <a:solidFill>
                   <a:srgbClr val="ffffff"/>
                 </a:solidFill>
-                <a:uFill>
-                  <a:solidFill>
-                    <a:srgbClr val="ffffff"/>
-                  </a:solidFill>
-                </a:uFill>
-                <a:latin typeface="Arial"/>
+                <a:latin typeface="Arial"/>
+                <a:ea typeface="DejaVu Sans"/>
               </a:rPr>
               <a:t>return self::$instance;</a:t>
             </a:r>
-            <a:endParaRPr b="0" lang="en-IN" sz="1800" spc="-1" strike="noStrike">
-              <a:solidFill>
-                <a:srgbClr val="000000"/>
-              </a:solidFill>
-              <a:uFill>
-                <a:solidFill>
-                  <a:srgbClr val="ffffff"/>
-                </a:solidFill>
-              </a:uFill>
+            <a:endParaRPr b="0" lang="en-IN" sz="1400" spc="-1" strike="noStrike">
               <a:latin typeface="Arial"/>
             </a:endParaRPr>
           </a:p>
@@ -2845,12 +2576,8 @@
                 <a:solidFill>
                   <a:srgbClr val="ffffff"/>
                 </a:solidFill>
-                <a:uFill>
-                  <a:solidFill>
-                    <a:srgbClr val="ffffff"/>
-                  </a:solidFill>
-                </a:uFill>
-                <a:latin typeface="Arial"/>
+                <a:latin typeface="Arial"/>
+                <a:ea typeface="DejaVu Sans"/>
               </a:rPr>
               <a:t>    </a:t>
             </a:r>
@@ -2859,24 +2586,12 @@
                 <a:solidFill>
                   <a:srgbClr val="ffffff"/>
                 </a:solidFill>
-                <a:uFill>
-                  <a:solidFill>
-                    <a:srgbClr val="ffffff"/>
-                  </a:solidFill>
-                </a:uFill>
-                <a:latin typeface="Arial"/>
+                <a:latin typeface="Arial"/>
+                <a:ea typeface="DejaVu Sans"/>
               </a:rPr>
               <a:t>}</a:t>
             </a:r>
-            <a:endParaRPr b="0" lang="en-IN" sz="1800" spc="-1" strike="noStrike">
-              <a:solidFill>
-                <a:srgbClr val="000000"/>
-              </a:solidFill>
-              <a:uFill>
-                <a:solidFill>
-                  <a:srgbClr val="ffffff"/>
-                </a:solidFill>
-              </a:uFill>
+            <a:endParaRPr b="0" lang="en-IN" sz="1400" spc="-1" strike="noStrike">
               <a:latin typeface="Arial"/>
             </a:endParaRPr>
           </a:p>
@@ -2897,24 +2612,12 @@
                 <a:solidFill>
                   <a:srgbClr val="ffffff"/>
                 </a:solidFill>
-                <a:uFill>
-                  <a:solidFill>
-                    <a:srgbClr val="ffffff"/>
-                  </a:solidFill>
-                </a:uFill>
-                <a:latin typeface="Arial"/>
+                <a:latin typeface="Arial"/>
+                <a:ea typeface="DejaVu Sans"/>
               </a:rPr>
               <a:t>     </a:t>
             </a:r>
-            <a:endParaRPr b="0" lang="en-IN" sz="1800" spc="-1" strike="noStrike">
-              <a:solidFill>
-                <a:srgbClr val="000000"/>
-              </a:solidFill>
-              <a:uFill>
-                <a:solidFill>
-                  <a:srgbClr val="ffffff"/>
-                </a:solidFill>
-              </a:uFill>
+            <a:endParaRPr b="0" lang="en-IN" sz="1400" spc="-1" strike="noStrike">
               <a:latin typeface="Arial"/>
             </a:endParaRPr>
           </a:p>
@@ -2935,12 +2638,8 @@
                 <a:solidFill>
                   <a:srgbClr val="ffffff"/>
                 </a:solidFill>
-                <a:uFill>
-                  <a:solidFill>
-                    <a:srgbClr val="ffffff"/>
-                  </a:solidFill>
-                </a:uFill>
-                <a:latin typeface="Arial"/>
+                <a:latin typeface="Arial"/>
+                <a:ea typeface="DejaVu Sans"/>
               </a:rPr>
               <a:t>    </a:t>
             </a:r>
@@ -2949,24 +2648,12 @@
                 <a:solidFill>
                   <a:srgbClr val="ffffff"/>
                 </a:solidFill>
-                <a:uFill>
-                  <a:solidFill>
-                    <a:srgbClr val="ffffff"/>
-                  </a:solidFill>
-                </a:uFill>
-                <a:latin typeface="Arial"/>
+                <a:latin typeface="Arial"/>
+                <a:ea typeface="DejaVu Sans"/>
               </a:rPr>
               <a:t>private function __construct() { }</a:t>
             </a:r>
-            <a:endParaRPr b="0" lang="en-IN" sz="1800" spc="-1" strike="noStrike">
-              <a:solidFill>
-                <a:srgbClr val="000000"/>
-              </a:solidFill>
-              <a:uFill>
-                <a:solidFill>
-                  <a:srgbClr val="ffffff"/>
-                </a:solidFill>
-              </a:uFill>
+            <a:endParaRPr b="0" lang="en-IN" sz="1400" spc="-1" strike="noStrike">
               <a:latin typeface="Arial"/>
             </a:endParaRPr>
           </a:p>
@@ -2987,24 +2674,12 @@
                 <a:solidFill>
                   <a:srgbClr val="ffffff"/>
                 </a:solidFill>
-                <a:uFill>
-                  <a:solidFill>
-                    <a:srgbClr val="ffffff"/>
-                  </a:solidFill>
-                </a:uFill>
-                <a:latin typeface="Arial"/>
+                <a:latin typeface="Arial"/>
+                <a:ea typeface="DejaVu Sans"/>
               </a:rPr>
               <a:t>     </a:t>
             </a:r>
-            <a:endParaRPr b="0" lang="en-IN" sz="1800" spc="-1" strike="noStrike">
-              <a:solidFill>
-                <a:srgbClr val="000000"/>
-              </a:solidFill>
-              <a:uFill>
-                <a:solidFill>
-                  <a:srgbClr val="ffffff"/>
-                </a:solidFill>
-              </a:uFill>
+            <a:endParaRPr b="0" lang="en-IN" sz="1400" spc="-1" strike="noStrike">
               <a:latin typeface="Arial"/>
             </a:endParaRPr>
           </a:p>
@@ -3025,12 +2700,8 @@
                 <a:solidFill>
                   <a:srgbClr val="ffffff"/>
                 </a:solidFill>
-                <a:uFill>
-                  <a:solidFill>
-                    <a:srgbClr val="ffffff"/>
-                  </a:solidFill>
-                </a:uFill>
-                <a:latin typeface="Arial"/>
+                <a:latin typeface="Arial"/>
+                <a:ea typeface="DejaVu Sans"/>
               </a:rPr>
               <a:t>    </a:t>
             </a:r>
@@ -3039,24 +2710,12 @@
                 <a:solidFill>
                   <a:srgbClr val="ffffff"/>
                 </a:solidFill>
-                <a:uFill>
-                  <a:solidFill>
-                    <a:srgbClr val="ffffff"/>
-                  </a:solidFill>
-                </a:uFill>
-                <a:latin typeface="Arial"/>
+                <a:latin typeface="Arial"/>
+                <a:ea typeface="DejaVu Sans"/>
               </a:rPr>
               <a:t>private function __clone() { }</a:t>
             </a:r>
-            <a:endParaRPr b="0" lang="en-IN" sz="1800" spc="-1" strike="noStrike">
-              <a:solidFill>
-                <a:srgbClr val="000000"/>
-              </a:solidFill>
-              <a:uFill>
-                <a:solidFill>
-                  <a:srgbClr val="ffffff"/>
-                </a:solidFill>
-              </a:uFill>
+            <a:endParaRPr b="0" lang="en-IN" sz="1400" spc="-1" strike="noStrike">
               <a:latin typeface="Arial"/>
             </a:endParaRPr>
           </a:p>
@@ -3077,24 +2736,12 @@
                 <a:solidFill>
                   <a:srgbClr val="ffffff"/>
                 </a:solidFill>
-                <a:uFill>
-                  <a:solidFill>
-                    <a:srgbClr val="ffffff"/>
-                  </a:solidFill>
-                </a:uFill>
-                <a:latin typeface="Arial"/>
+                <a:latin typeface="Arial"/>
+                <a:ea typeface="DejaVu Sans"/>
               </a:rPr>
               <a:t>}</a:t>
             </a:r>
-            <a:endParaRPr b="0" lang="en-IN" sz="1800" spc="-1" strike="noStrike">
-              <a:solidFill>
-                <a:srgbClr val="000000"/>
-              </a:solidFill>
-              <a:uFill>
-                <a:solidFill>
-                  <a:srgbClr val="ffffff"/>
-                </a:solidFill>
-              </a:uFill>
+            <a:endParaRPr b="0" lang="en-IN" sz="1400" spc="-1" strike="noStrike">
               <a:latin typeface="Arial"/>
             </a:endParaRPr>
           </a:p>
@@ -3115,24 +2762,12 @@
                 <a:solidFill>
                   <a:srgbClr val="ffffff"/>
                 </a:solidFill>
-                <a:uFill>
-                  <a:solidFill>
-                    <a:srgbClr val="ffffff"/>
-                  </a:solidFill>
-                </a:uFill>
-                <a:latin typeface="Arial"/>
+                <a:latin typeface="Arial"/>
+                <a:ea typeface="DejaVu Sans"/>
               </a:rPr>
               <a:t> </a:t>
             </a:r>
-            <a:endParaRPr b="0" lang="en-IN" sz="1800" spc="-1" strike="noStrike">
-              <a:solidFill>
-                <a:srgbClr val="000000"/>
-              </a:solidFill>
-              <a:uFill>
-                <a:solidFill>
-                  <a:srgbClr val="ffffff"/>
-                </a:solidFill>
-              </a:uFill>
+            <a:endParaRPr b="0" lang="en-IN" sz="1400" spc="-1" strike="noStrike">
               <a:latin typeface="Arial"/>
             </a:endParaRPr>
           </a:p>
@@ -3153,24 +2788,12 @@
                 <a:solidFill>
                   <a:srgbClr val="ffffff"/>
                 </a:solidFill>
-                <a:uFill>
-                  <a:solidFill>
-                    <a:srgbClr val="ffffff"/>
-                  </a:solidFill>
-                </a:uFill>
-                <a:latin typeface="Arial"/>
+                <a:latin typeface="Arial"/>
+                <a:ea typeface="DejaVu Sans"/>
               </a:rPr>
               <a:t>// get a session instance</a:t>
             </a:r>
-            <a:endParaRPr b="0" lang="en-IN" sz="1800" spc="-1" strike="noStrike">
-              <a:solidFill>
-                <a:srgbClr val="000000"/>
-              </a:solidFill>
-              <a:uFill>
-                <a:solidFill>
-                  <a:srgbClr val="ffffff"/>
-                </a:solidFill>
-              </a:uFill>
+            <a:endParaRPr b="0" lang="en-IN" sz="1400" spc="-1" strike="noStrike">
               <a:latin typeface="Arial"/>
             </a:endParaRPr>
           </a:p>
@@ -3191,24 +2814,12 @@
                 <a:solidFill>
                   <a:srgbClr val="ffffff"/>
                 </a:solidFill>
-                <a:uFill>
-                  <a:solidFill>
-                    <a:srgbClr val="ffffff"/>
-                  </a:solidFill>
-                </a:uFill>
-                <a:latin typeface="Arial"/>
+                <a:latin typeface="Arial"/>
+                <a:ea typeface="DejaVu Sans"/>
               </a:rPr>
               <a:t>$session = Session::getInstance();</a:t>
             </a:r>
-            <a:endParaRPr b="0" lang="en-IN" sz="1800" spc="-1" strike="noStrike">
-              <a:solidFill>
-                <a:srgbClr val="000000"/>
-              </a:solidFill>
-              <a:uFill>
-                <a:solidFill>
-                  <a:srgbClr val="ffffff"/>
-                </a:solidFill>
-              </a:uFill>
+            <a:endParaRPr b="0" lang="en-IN" sz="1400" spc="-1" strike="noStrike">
               <a:latin typeface="Arial"/>
             </a:endParaRPr>
           </a:p>
@@ -3217,30 +2828,19 @@
               <a:lnSpc>
                 <a:spcPct val="100000"/>
               </a:lnSpc>
+              <a:buNone/>
             </a:pPr>
             <a:r>
               <a:rPr b="0" lang="en-IN" sz="1400" spc="-1" strike="noStrike">
                 <a:solidFill>
                   <a:srgbClr val="ffffff"/>
                 </a:solidFill>
-                <a:uFill>
-                  <a:solidFill>
-                    <a:srgbClr val="ffffff"/>
-                  </a:solidFill>
-                </a:uFill>
-                <a:latin typeface="Arial"/>
+                <a:latin typeface="Arial"/>
+                <a:ea typeface="DejaVu Sans"/>
               </a:rPr>
               <a:t>$session1 = Session::getInstance();</a:t>
             </a:r>
-            <a:endParaRPr b="0" lang="en-IN" sz="1800" spc="-1" strike="noStrike">
-              <a:solidFill>
-                <a:srgbClr val="000000"/>
-              </a:solidFill>
-              <a:uFill>
-                <a:solidFill>
-                  <a:srgbClr val="ffffff"/>
-                </a:solidFill>
-              </a:uFill>
+            <a:endParaRPr b="0" lang="en-IN" sz="1400" spc="-1" strike="noStrike">
               <a:latin typeface="Arial"/>
             </a:endParaRPr>
           </a:p>
@@ -3249,30 +2849,19 @@
               <a:lnSpc>
                 <a:spcPct val="100000"/>
               </a:lnSpc>
+              <a:buNone/>
             </a:pPr>
             <a:r>
               <a:rPr b="0" lang="en-IN" sz="1400" spc="-1" strike="noStrike">
                 <a:solidFill>
                   <a:srgbClr val="ffffff"/>
                 </a:solidFill>
-                <a:uFill>
-                  <a:solidFill>
-                    <a:srgbClr val="ffffff"/>
-                  </a:solidFill>
-                </a:uFill>
-                <a:latin typeface="Arial"/>
+                <a:latin typeface="Arial"/>
+                <a:ea typeface="DejaVu Sans"/>
               </a:rPr>
               <a:t>$session2 = Session::getInstance();</a:t>
             </a:r>
-            <a:endParaRPr b="0" lang="en-IN" sz="1800" spc="-1" strike="noStrike">
-              <a:solidFill>
-                <a:srgbClr val="000000"/>
-              </a:solidFill>
-              <a:uFill>
-                <a:solidFill>
-                  <a:srgbClr val="ffffff"/>
-                </a:solidFill>
-              </a:uFill>
+            <a:endParaRPr b="0" lang="en-IN" sz="1400" spc="-1" strike="noStrike">
               <a:latin typeface="Arial"/>
             </a:endParaRPr>
           </a:p>
@@ -3280,33 +2869,415 @@
       </p:sp>
     </p:spTree>
   </p:cSld>
-  <p:timing>
-    <p:tnLst>
-      <p:par>
-        <p:cTn id="5" dur="indefinite" restart="never" nodeType="tmRoot">
-          <p:childTnLst>
-            <p:seq>
-              <p:cTn id="6" nodeType="mainSeq"/>
-              <p:prevCondLst>
-                <p:cond delay="0" evt="onPrev">
-                  <p:tgtEl>
-                    <p:sldTgt/>
-                  </p:tgtEl>
-                </p:cond>
-              </p:prevCondLst>
-              <p:nextCondLst>
-                <p:cond delay="0" evt="onNext">
-                  <p:tgtEl>
-                    <p:sldTgt/>
-                  </p:tgtEl>
-                </p:cond>
-              </p:nextCondLst>
-            </p:seq>
-          </p:childTnLst>
-        </p:cTn>
-      </p:par>
-    </p:tnLst>
-  </p:timing>
+  <mc:AlternateContent>
+    <mc:Choice Requires="p14">
+      <p:transition spd="slow" p14:dur="2000"/>
+    </mc:Choice>
+    <mc:Fallback>
+      <p:transition spd="slow"/>
+    </mc:Fallback>
+  </mc:AlternateContent>
+</p:sld>
+</file>
+
+<file path=ppt/slides/slide4.xml><?xml version="1.0" encoding="utf-8"?>
+<p:sld xmlns:a="http://schemas.openxmlformats.org/drawingml/2006/main" xmlns:p="http://schemas.openxmlformats.org/presentationml/2006/main" xmlns:r="http://schemas.openxmlformats.org/officeDocument/2006/relationships" xmlns:p14="http://schemas.microsoft.com/office/powerpoint/2010/main" xmlns:p15="http://schemas.microsoft.com/office/powerpoint/2012/main" xmlns:mc="http://schemas.openxmlformats.org/markup-compatibility/2006">
+  <p:cSld>
+    <p:spTree>
+      <p:nvGrpSpPr>
+        <p:cNvPr id="1" name=""/>
+        <p:cNvGrpSpPr/>
+        <p:nvPr/>
+      </p:nvGrpSpPr>
+      <p:grpSpPr>
+        <a:xfrm>
+          <a:off x="0" y="0"/>
+          <a:ext cx="0" cy="0"/>
+          <a:chOff x="0" y="0"/>
+          <a:chExt cx="0" cy="0"/>
+        </a:xfrm>
+      </p:grpSpPr>
+      <p:sp>
+        <p:nvSpPr>
+          <p:cNvPr id="45" name=""/>
+          <p:cNvSpPr txBox="1"/>
+          <p:nvPr/>
+        </p:nvSpPr>
+        <p:spPr>
+          <a:xfrm>
+            <a:off x="4109040" y="3280680"/>
+            <a:ext cx="1930320" cy="346680"/>
+          </a:xfrm>
+          <a:prstGeom prst="rect">
+            <a:avLst/>
+          </a:prstGeom>
+          <a:noFill/>
+          <a:ln w="0">
+            <a:noFill/>
+          </a:ln>
+        </p:spPr>
+        <p:txBody>
+          <a:bodyPr lIns="90000" rIns="90000" tIns="45000" bIns="45000" anchor="t">
+            <a:noAutofit/>
+          </a:bodyPr>
+          <a:p>
+            <a:r>
+              <a:rPr b="0" lang="en-IN" sz="1800" spc="-1" strike="noStrike">
+                <a:latin typeface="Arial"/>
+              </a:rPr>
+              <a:t>presentation.pptx</a:t>
+            </a:r>
+            <a:endParaRPr b="0" lang="en-IN" sz="1800" spc="-1" strike="noStrike">
+              <a:latin typeface="Arial"/>
+            </a:endParaRPr>
+          </a:p>
+        </p:txBody>
+      </p:sp>
+    </p:spTree>
+  </p:cSld>
+  <mc:AlternateContent>
+    <mc:Choice Requires="p14">
+      <p:transition spd="slow" p14:dur="2000"/>
+    </mc:Choice>
+    <mc:Fallback>
+      <p:transition spd="slow"/>
+    </mc:Fallback>
+  </mc:AlternateContent>
+</p:sld>
+</file>
+
+<file path=ppt/slides/slide5.xml><?xml version="1.0" encoding="utf-8"?>
+<p:sld xmlns:a="http://schemas.openxmlformats.org/drawingml/2006/main" xmlns:p="http://schemas.openxmlformats.org/presentationml/2006/main" xmlns:r="http://schemas.openxmlformats.org/officeDocument/2006/relationships" xmlns:p14="http://schemas.microsoft.com/office/powerpoint/2010/main" xmlns:p15="http://schemas.microsoft.com/office/powerpoint/2012/main" xmlns:mc="http://schemas.openxmlformats.org/markup-compatibility/2006">
+  <p:cSld>
+    <p:spTree>
+      <p:nvGrpSpPr>
+        <p:cNvPr id="1" name=""/>
+        <p:cNvGrpSpPr/>
+        <p:nvPr/>
+      </p:nvGrpSpPr>
+      <p:grpSpPr>
+        <a:xfrm>
+          <a:off x="0" y="0"/>
+          <a:ext cx="0" cy="0"/>
+          <a:chOff x="0" y="0"/>
+          <a:chExt cx="0" cy="0"/>
+        </a:xfrm>
+      </p:grpSpPr>
+      <p:sp>
+        <p:nvSpPr>
+          <p:cNvPr id="46" name=""/>
+          <p:cNvSpPr txBox="1"/>
+          <p:nvPr/>
+        </p:nvSpPr>
+        <p:spPr>
+          <a:xfrm>
+            <a:off x="4432320" y="3280680"/>
+            <a:ext cx="1284120" cy="346680"/>
+          </a:xfrm>
+          <a:prstGeom prst="rect">
+            <a:avLst/>
+          </a:prstGeom>
+          <a:noFill/>
+          <a:ln w="0">
+            <a:noFill/>
+          </a:ln>
+        </p:spPr>
+        <p:txBody>
+          <a:bodyPr lIns="90000" rIns="90000" tIns="45000" bIns="45000" anchor="t">
+            <a:noAutofit/>
+          </a:bodyPr>
+          <a:p>
+            <a:r>
+              <a:rPr b="0" lang="en-IN" sz="1800" spc="-1" strike="noStrike">
+                <a:latin typeface="Arial"/>
+              </a:rPr>
+              <a:t>testaction2</a:t>
+            </a:r>
+            <a:endParaRPr b="0" lang="en-IN" sz="1800" spc="-1" strike="noStrike">
+              <a:latin typeface="Arial"/>
+            </a:endParaRPr>
+          </a:p>
+        </p:txBody>
+      </p:sp>
+    </p:spTree>
+  </p:cSld>
+  <mc:AlternateContent>
+    <mc:Choice Requires="p14">
+      <p:transition spd="slow" p14:dur="2000"/>
+    </mc:Choice>
+    <mc:Fallback>
+      <p:transition spd="slow"/>
+    </mc:Fallback>
+  </mc:AlternateContent>
+</p:sld>
+</file>
+
+<file path=ppt/slides/slide6.xml><?xml version="1.0" encoding="utf-8"?>
+<p:sld xmlns:a="http://schemas.openxmlformats.org/drawingml/2006/main" xmlns:p="http://schemas.openxmlformats.org/presentationml/2006/main" xmlns:r="http://schemas.openxmlformats.org/officeDocument/2006/relationships" xmlns:p14="http://schemas.microsoft.com/office/powerpoint/2010/main" xmlns:p15="http://schemas.microsoft.com/office/powerpoint/2012/main" xmlns:mc="http://schemas.openxmlformats.org/markup-compatibility/2006">
+  <p:cSld>
+    <p:spTree>
+      <p:nvGrpSpPr>
+        <p:cNvPr id="1" name=""/>
+        <p:cNvGrpSpPr/>
+        <p:nvPr/>
+      </p:nvGrpSpPr>
+      <p:grpSpPr>
+        <a:xfrm>
+          <a:off x="0" y="0"/>
+          <a:ext cx="0" cy="0"/>
+          <a:chOff x="0" y="0"/>
+          <a:chExt cx="0" cy="0"/>
+        </a:xfrm>
+      </p:grpSpPr>
+      <p:sp>
+        <p:nvSpPr>
+          <p:cNvPr id="47" name=""/>
+          <p:cNvSpPr txBox="1"/>
+          <p:nvPr/>
+        </p:nvSpPr>
+        <p:spPr>
+          <a:xfrm>
+            <a:off x="3719160" y="-643320"/>
+            <a:ext cx="2710440" cy="8194320"/>
+          </a:xfrm>
+          <a:prstGeom prst="rect">
+            <a:avLst/>
+          </a:prstGeom>
+          <a:noFill/>
+          <a:ln w="0">
+            <a:noFill/>
+          </a:ln>
+        </p:spPr>
+        <p:txBody>
+          <a:bodyPr lIns="90000" rIns="90000" tIns="45000" bIns="45000" anchor="t">
+            <a:noAutofit/>
+          </a:bodyPr>
+          <a:p>
+            <a:r>
+              <a:rPr b="0" lang="en-IN" sz="1000" spc="-1" strike="noStrike">
+                <a:latin typeface="Arial"/>
+              </a:rPr>
+              <a:t>name: Run the Action on each commit</a:t>
+            </a:r>
+            <a:endParaRPr b="0" lang="en-IN" sz="1000" spc="-1" strike="noStrike">
+              <a:latin typeface="Arial"/>
+            </a:endParaRPr>
+          </a:p>
+          <a:p>
+            <a:r>
+              <a:rPr b="0" lang="en-IN" sz="1000" spc="-1" strike="noStrike">
+                <a:latin typeface="Arial"/>
+              </a:rPr>
+              <a:t>on:</a:t>
+            </a:r>
+            <a:endParaRPr b="0" lang="en-IN" sz="1000" spc="-1" strike="noStrike">
+              <a:latin typeface="Arial"/>
+            </a:endParaRPr>
+          </a:p>
+          <a:p>
+            <a:r>
+              <a:rPr b="0" lang="en-IN" sz="1000" spc="-1" strike="noStrike">
+                <a:latin typeface="Arial"/>
+              </a:rPr>
+              <a:t>push:</a:t>
+            </a:r>
+            <a:endParaRPr b="0" lang="en-IN" sz="1000" spc="-1" strike="noStrike">
+              <a:latin typeface="Arial"/>
+            </a:endParaRPr>
+          </a:p>
+          <a:p>
+            <a:r>
+              <a:rPr b="0" lang="en-IN" sz="1000" spc="-1" strike="noStrike">
+                <a:latin typeface="Arial"/>
+              </a:rPr>
+              <a:t>branches-ignore: master</a:t>
+            </a:r>
+            <a:endParaRPr b="0" lang="en-IN" sz="1000" spc="-1" strike="noStrike">
+              <a:latin typeface="Arial"/>
+            </a:endParaRPr>
+          </a:p>
+          <a:p>
+            <a:r>
+              <a:rPr b="0" lang="en-IN" sz="1000" spc="-1" strike="noStrike">
+                <a:latin typeface="Arial"/>
+              </a:rPr>
+              <a:t>jobs:</a:t>
+            </a:r>
+            <a:endParaRPr b="0" lang="en-IN" sz="1000" spc="-1" strike="noStrike">
+              <a:latin typeface="Arial"/>
+            </a:endParaRPr>
+          </a:p>
+          <a:p>
+            <a:r>
+              <a:rPr b="0" lang="en-IN" sz="1000" spc="-1" strike="noStrike">
+                <a:latin typeface="Arial"/>
+              </a:rPr>
+              <a:t>pull-request:</a:t>
+            </a:r>
+            <a:endParaRPr b="0" lang="en-IN" sz="1000" spc="-1" strike="noStrike">
+              <a:latin typeface="Arial"/>
+            </a:endParaRPr>
+          </a:p>
+          <a:p>
+            <a:r>
+              <a:rPr b="0" lang="en-IN" sz="1000" spc="-1" strike="noStrike">
+                <a:latin typeface="Arial"/>
+              </a:rPr>
+              <a:t>name: Open PR to master</a:t>
+            </a:r>
+            <a:endParaRPr b="0" lang="en-IN" sz="1000" spc="-1" strike="noStrike">
+              <a:latin typeface="Arial"/>
+            </a:endParaRPr>
+          </a:p>
+          <a:p>
+            <a:r>
+              <a:rPr b="0" lang="en-IN" sz="1000" spc="-1" strike="noStrike">
+                <a:latin typeface="Arial"/>
+              </a:rPr>
+              <a:t>runs-on: ubuntu-latest</a:t>
+            </a:r>
+            <a:endParaRPr b="0" lang="en-IN" sz="1000" spc="-1" strike="noStrike">
+              <a:latin typeface="Arial"/>
+            </a:endParaRPr>
+          </a:p>
+          <a:p>
+            <a:r>
+              <a:rPr b="0" lang="en-IN" sz="1000" spc="-1" strike="noStrike">
+                <a:latin typeface="Arial"/>
+              </a:rPr>
+              <a:t>steps:</a:t>
+            </a:r>
+            <a:endParaRPr b="0" lang="en-IN" sz="1000" spc="-1" strike="noStrike">
+              <a:latin typeface="Arial"/>
+            </a:endParaRPr>
+          </a:p>
+          <a:p>
+            <a:r>
+              <a:rPr b="0" lang="en-IN" sz="1000" spc="-1" strike="noStrike">
+                <a:latin typeface="Arial"/>
+              </a:rPr>
+              <a:t>- uses: actions/checkout@v2</a:t>
+            </a:r>
+            <a:endParaRPr b="0" lang="en-IN" sz="1000" spc="-1" strike="noStrike">
+              <a:latin typeface="Arial"/>
+            </a:endParaRPr>
+          </a:p>
+          <a:p>
+            <a:r>
+              <a:rPr b="0" lang="en-IN" sz="1000" spc="-1" strike="noStrike">
+                <a:latin typeface="Arial"/>
+              </a:rPr>
+              <a:t>name: checkout</a:t>
+            </a:r>
+            <a:endParaRPr b="0" lang="en-IN" sz="1000" spc="-1" strike="noStrike">
+              <a:latin typeface="Arial"/>
+            </a:endParaRPr>
+          </a:p>
+          <a:p>
+            <a:r>
+              <a:rPr b="0" lang="en-IN" sz="1000" spc="-1" strike="noStrike">
+                <a:latin typeface="Arial"/>
+              </a:rPr>
+              <a:t>- uses: repo-sync/pull-request@v2</a:t>
+            </a:r>
+            <a:endParaRPr b="0" lang="en-IN" sz="1000" spc="-1" strike="noStrike">
+              <a:latin typeface="Arial"/>
+            </a:endParaRPr>
+          </a:p>
+          <a:p>
+            <a:r>
+              <a:rPr b="0" lang="en-IN" sz="1000" spc="-1" strike="noStrike">
+                <a:latin typeface="Arial"/>
+              </a:rPr>
+              <a:t>name: pull-request</a:t>
+            </a:r>
+            <a:endParaRPr b="0" lang="en-IN" sz="1000" spc="-1" strike="noStrike">
+              <a:latin typeface="Arial"/>
+            </a:endParaRPr>
+          </a:p>
+          <a:p>
+            <a:r>
+              <a:rPr b="0" lang="en-IN" sz="1000" spc="-1" strike="noStrike">
+                <a:latin typeface="Arial"/>
+              </a:rPr>
+              <a:t>with:</a:t>
+            </a:r>
+            <a:endParaRPr b="0" lang="en-IN" sz="1000" spc="-1" strike="noStrike">
+              <a:latin typeface="Arial"/>
+            </a:endParaRPr>
+          </a:p>
+          <a:p>
+            <a:r>
+              <a:rPr b="0" lang="en-IN" sz="1000" spc="-1" strike="noStrike">
+                <a:latin typeface="Arial"/>
+              </a:rPr>
+              <a:t>destination_branch: "master"</a:t>
+            </a:r>
+            <a:endParaRPr b="0" lang="en-IN" sz="1000" spc="-1" strike="noStrike">
+              <a:latin typeface="Arial"/>
+            </a:endParaRPr>
+          </a:p>
+          <a:p>
+            <a:r>
+              <a:rPr b="0" lang="en-IN" sz="1000" spc="-1" strike="noStrike">
+                <a:latin typeface="Arial"/>
+              </a:rPr>
+              <a:t>pr_title: "Pulling ${{ github.ref }} into master"</a:t>
+            </a:r>
+            <a:endParaRPr b="0" lang="en-IN" sz="1000" spc="-1" strike="noStrike">
+              <a:latin typeface="Arial"/>
+            </a:endParaRPr>
+          </a:p>
+          <a:p>
+            <a:r>
+              <a:rPr b="0" lang="en-IN" sz="1000" spc="-1" strike="noStrike">
+                <a:latin typeface="Arial"/>
+              </a:rPr>
+              <a:t>pr_body: "👑 *An automated PR*"</a:t>
+            </a:r>
+            <a:endParaRPr b="0" lang="en-IN" sz="1000" spc="-1" strike="noStrike">
+              <a:latin typeface="Arial"/>
+            </a:endParaRPr>
+          </a:p>
+          <a:p>
+            <a:r>
+              <a:rPr b="0" lang="en-IN" sz="1000" spc="-1" strike="noStrike">
+                <a:latin typeface="Arial"/>
+              </a:rPr>
+              <a:t>pr_draft: true</a:t>
+            </a:r>
+            <a:endParaRPr b="0" lang="en-IN" sz="1000" spc="-1" strike="noStrike">
+              <a:latin typeface="Arial"/>
+            </a:endParaRPr>
+          </a:p>
+          <a:p>
+            <a:r>
+              <a:rPr b="0" lang="en-IN" sz="1000" spc="-1" strike="noStrike">
+                <a:latin typeface="Arial"/>
+              </a:rPr>
+              <a:t>github_token: ${{ secrets.GITHUB_TOKEN }}</a:t>
+            </a:r>
+            <a:endParaRPr b="0" lang="en-IN" sz="1000" spc="-1" strike="noStrike">
+              <a:latin typeface="Arial"/>
+            </a:endParaRPr>
+          </a:p>
+          <a:p>
+            <a:endParaRPr b="0" lang="en-IN" sz="1000" spc="-1" strike="noStrike">
+              <a:latin typeface="Arial"/>
+            </a:endParaRPr>
+          </a:p>
+        </p:txBody>
+      </p:sp>
+    </p:spTree>
+  </p:cSld>
+  <mc:AlternateContent>
+    <mc:Choice Requires="p14">
+      <p:transition spd="slow" p14:dur="2000"/>
+    </mc:Choice>
+    <mc:Fallback>
+      <p:transition spd="slow"/>
+    </mc:Fallback>
+  </mc:AlternateContent>
 </p:sld>
 </file>
 
@@ -3321,31 +3292,31 @@
         <a:sysClr val="window" lastClr="FFFFFF"/>
       </a:lt1>
       <a:dk2>
-        <a:srgbClr val="1F497D"/>
+        <a:srgbClr val="1f497d"/>
       </a:dk2>
       <a:lt2>
-        <a:srgbClr val="EEECE1"/>
+        <a:srgbClr val="eeece1"/>
       </a:lt2>
       <a:accent1>
-        <a:srgbClr val="4F81BD"/>
+        <a:srgbClr val="4f81bd"/>
       </a:accent1>
       <a:accent2>
-        <a:srgbClr val="C0504D"/>
+        <a:srgbClr val="c0504d"/>
       </a:accent2>
       <a:accent3>
-        <a:srgbClr val="9BBB59"/>
+        <a:srgbClr val="9bbb59"/>
       </a:accent3>
       <a:accent4>
-        <a:srgbClr val="8064A2"/>
+        <a:srgbClr val="8064a2"/>
       </a:accent4>
       <a:accent5>
-        <a:srgbClr val="4BACC6"/>
+        <a:srgbClr val="4bacc6"/>
       </a:accent5>
       <a:accent6>
-        <a:srgbClr val="F79646"/>
+        <a:srgbClr val="f79646"/>
       </a:accent6>
       <a:hlink>
-        <a:srgbClr val="0000FF"/>
+        <a:srgbClr val="0000ff"/>
       </a:hlink>
       <a:folHlink>
         <a:srgbClr val="800080"/>
@@ -3424,18 +3395,21 @@
             </a:schemeClr>
           </a:solidFill>
           <a:prstDash val="solid"/>
+          <a:miter/>
         </a:ln>
         <a:ln w="25400" cap="flat" cmpd="sng" algn="ctr">
           <a:solidFill>
             <a:schemeClr val="phClr"/>
           </a:solidFill>
           <a:prstDash val="solid"/>
+          <a:miter/>
         </a:ln>
         <a:ln w="38100" cap="flat" cmpd="sng" algn="ctr">
           <a:solidFill>
             <a:schemeClr val="phClr"/>
           </a:solidFill>
           <a:prstDash val="solid"/>
+          <a:miter/>
         </a:ln>
       </a:lnStyleLst>
       <a:effectStyleLst>

--- a/presentation.pptx
+++ b/presentation.pptx
@@ -9,6 +9,9 @@
     <p:sldId id="257" r:id="rId4"/>
     <p:sldId id="258" r:id="rId5"/>
     <p:sldId id="259" r:id="rId6"/>
+    <p:sldId id="260" r:id="rId7"/>
+    <p:sldId id="261" r:id="rId8"/>
+    <p:sldId id="262" r:id="rId9"/>
   </p:sldIdLst>
   <p:sldSz cx="10080625" cy="7559675"/>
   <p:notesSz cx="7559675" cy="10691813"/>
@@ -1614,7 +1617,49 @@
               <a:rPr b="0" lang="en-IN" sz="4400" spc="-1" strike="noStrike">
                 <a:latin typeface="Arial"/>
               </a:rPr>
-              <a:t>Click to edit the title text format</a:t>
+              <a:t>Clic</a:t>
+            </a:r>
+            <a:r>
+              <a:rPr b="0" lang="en-IN" sz="4400" spc="-1" strike="noStrike">
+                <a:latin typeface="Arial"/>
+              </a:rPr>
+              <a:t>k to </a:t>
+            </a:r>
+            <a:r>
+              <a:rPr b="0" lang="en-IN" sz="4400" spc="-1" strike="noStrike">
+                <a:latin typeface="Arial"/>
+              </a:rPr>
+              <a:t>edit </a:t>
+            </a:r>
+            <a:r>
+              <a:rPr b="0" lang="en-IN" sz="4400" spc="-1" strike="noStrike">
+                <a:latin typeface="Arial"/>
+              </a:rPr>
+              <a:t>the </a:t>
+            </a:r>
+            <a:r>
+              <a:rPr b="0" lang="en-IN" sz="4400" spc="-1" strike="noStrike">
+                <a:latin typeface="Arial"/>
+              </a:rPr>
+              <a:t>title </a:t>
+            </a:r>
+            <a:r>
+              <a:rPr b="0" lang="en-IN" sz="4400" spc="-1" strike="noStrike">
+                <a:latin typeface="Arial"/>
+              </a:rPr>
+              <a:t>text </a:t>
+            </a:r>
+            <a:r>
+              <a:rPr b="0" lang="en-IN" sz="4400" spc="-1" strike="noStrike">
+                <a:latin typeface="Arial"/>
+              </a:rPr>
+              <a:t>for</a:t>
+            </a:r>
+            <a:r>
+              <a:rPr b="0" lang="en-IN" sz="4400" spc="-1" strike="noStrike">
+                <a:latin typeface="Arial"/>
+              </a:rPr>
+              <a:t>mat</a:t>
             </a:r>
             <a:endParaRPr b="0" lang="en-IN" sz="4400" spc="-1" strike="noStrike">
               <a:latin typeface="Arial"/>
@@ -2924,6 +2969,407 @@
                 <a:latin typeface="Arial"/>
               </a:rPr>
               <a:t>presentation.pptx</a:t>
+            </a:r>
+            <a:endParaRPr b="0" lang="en-IN" sz="1800" spc="-1" strike="noStrike">
+              <a:latin typeface="Arial"/>
+            </a:endParaRPr>
+          </a:p>
+        </p:txBody>
+      </p:sp>
+    </p:spTree>
+  </p:cSld>
+  <mc:AlternateContent>
+    <mc:Choice Requires="p14">
+      <p:transition spd="slow" p14:dur="2000"/>
+    </mc:Choice>
+    <mc:Fallback>
+      <p:transition spd="slow"/>
+    </mc:Fallback>
+  </mc:AlternateContent>
+</p:sld>
+</file>
+
+<file path=ppt/slides/slide5.xml><?xml version="1.0" encoding="utf-8"?>
+<p:sld xmlns:a="http://schemas.openxmlformats.org/drawingml/2006/main" xmlns:p="http://schemas.openxmlformats.org/presentationml/2006/main" xmlns:r="http://schemas.openxmlformats.org/officeDocument/2006/relationships" xmlns:p14="http://schemas.microsoft.com/office/powerpoint/2010/main" xmlns:p15="http://schemas.microsoft.com/office/powerpoint/2012/main" xmlns:mc="http://schemas.openxmlformats.org/markup-compatibility/2006">
+  <p:cSld>
+    <p:spTree>
+      <p:nvGrpSpPr>
+        <p:cNvPr id="1" name=""/>
+        <p:cNvGrpSpPr/>
+        <p:nvPr/>
+      </p:nvGrpSpPr>
+      <p:grpSpPr>
+        <a:xfrm>
+          <a:off x="0" y="0"/>
+          <a:ext cx="0" cy="0"/>
+          <a:chOff x="0" y="0"/>
+          <a:chExt cx="0" cy="0"/>
+        </a:xfrm>
+      </p:grpSpPr>
+      <p:sp>
+        <p:nvSpPr>
+          <p:cNvPr id="46" name=""/>
+          <p:cNvSpPr txBox="1"/>
+          <p:nvPr/>
+        </p:nvSpPr>
+        <p:spPr>
+          <a:xfrm>
+            <a:off x="4432320" y="3280680"/>
+            <a:ext cx="1284120" cy="346680"/>
+          </a:xfrm>
+          <a:prstGeom prst="rect">
+            <a:avLst/>
+          </a:prstGeom>
+          <a:noFill/>
+          <a:ln w="0">
+            <a:noFill/>
+          </a:ln>
+        </p:spPr>
+        <p:txBody>
+          <a:bodyPr lIns="90000" rIns="90000" tIns="45000" bIns="45000" anchor="t">
+            <a:noAutofit/>
+          </a:bodyPr>
+          <a:p>
+            <a:r>
+              <a:rPr b="0" lang="en-IN" sz="1800" spc="-1" strike="noStrike">
+                <a:latin typeface="Arial"/>
+              </a:rPr>
+              <a:t>testaction2</a:t>
+            </a:r>
+            <a:endParaRPr b="0" lang="en-IN" sz="1800" spc="-1" strike="noStrike">
+              <a:latin typeface="Arial"/>
+            </a:endParaRPr>
+          </a:p>
+        </p:txBody>
+      </p:sp>
+    </p:spTree>
+  </p:cSld>
+  <mc:AlternateContent>
+    <mc:Choice Requires="p14">
+      <p:transition spd="slow" p14:dur="2000"/>
+    </mc:Choice>
+    <mc:Fallback>
+      <p:transition spd="slow"/>
+    </mc:Fallback>
+  </mc:AlternateContent>
+</p:sld>
+</file>
+
+<file path=ppt/slides/slide6.xml><?xml version="1.0" encoding="utf-8"?>
+<p:sld xmlns:a="http://schemas.openxmlformats.org/drawingml/2006/main" xmlns:p="http://schemas.openxmlformats.org/presentationml/2006/main" xmlns:r="http://schemas.openxmlformats.org/officeDocument/2006/relationships" xmlns:p14="http://schemas.microsoft.com/office/powerpoint/2010/main" xmlns:p15="http://schemas.microsoft.com/office/powerpoint/2012/main" xmlns:mc="http://schemas.openxmlformats.org/markup-compatibility/2006">
+  <p:cSld>
+    <p:spTree>
+      <p:nvGrpSpPr>
+        <p:cNvPr id="1" name=""/>
+        <p:cNvGrpSpPr/>
+        <p:nvPr/>
+      </p:nvGrpSpPr>
+      <p:grpSpPr>
+        <a:xfrm>
+          <a:off x="0" y="0"/>
+          <a:ext cx="0" cy="0"/>
+          <a:chOff x="0" y="0"/>
+          <a:chExt cx="0" cy="0"/>
+        </a:xfrm>
+      </p:grpSpPr>
+      <p:sp>
+        <p:nvSpPr>
+          <p:cNvPr id="47" name=""/>
+          <p:cNvSpPr txBox="1"/>
+          <p:nvPr/>
+        </p:nvSpPr>
+        <p:spPr>
+          <a:xfrm>
+            <a:off x="3719160" y="-643320"/>
+            <a:ext cx="2710440" cy="8194320"/>
+          </a:xfrm>
+          <a:prstGeom prst="rect">
+            <a:avLst/>
+          </a:prstGeom>
+          <a:noFill/>
+          <a:ln w="0">
+            <a:noFill/>
+          </a:ln>
+        </p:spPr>
+        <p:txBody>
+          <a:bodyPr lIns="90000" rIns="90000" tIns="45000" bIns="45000" anchor="t">
+            <a:noAutofit/>
+          </a:bodyPr>
+          <a:p>
+            <a:r>
+              <a:rPr b="0" lang="en-IN" sz="1000" spc="-1" strike="noStrike">
+                <a:latin typeface="Arial"/>
+              </a:rPr>
+              <a:t>name: Run the Action on each commit</a:t>
+            </a:r>
+            <a:endParaRPr b="0" lang="en-IN" sz="1000" spc="-1" strike="noStrike">
+              <a:latin typeface="Arial"/>
+            </a:endParaRPr>
+          </a:p>
+          <a:p>
+            <a:r>
+              <a:rPr b="0" lang="en-IN" sz="1000" spc="-1" strike="noStrike">
+                <a:latin typeface="Arial"/>
+              </a:rPr>
+              <a:t>on:</a:t>
+            </a:r>
+            <a:endParaRPr b="0" lang="en-IN" sz="1000" spc="-1" strike="noStrike">
+              <a:latin typeface="Arial"/>
+            </a:endParaRPr>
+          </a:p>
+          <a:p>
+            <a:r>
+              <a:rPr b="0" lang="en-IN" sz="1000" spc="-1" strike="noStrike">
+                <a:latin typeface="Arial"/>
+              </a:rPr>
+              <a:t>push:</a:t>
+            </a:r>
+            <a:endParaRPr b="0" lang="en-IN" sz="1000" spc="-1" strike="noStrike">
+              <a:latin typeface="Arial"/>
+            </a:endParaRPr>
+          </a:p>
+          <a:p>
+            <a:r>
+              <a:rPr b="0" lang="en-IN" sz="1000" spc="-1" strike="noStrike">
+                <a:latin typeface="Arial"/>
+              </a:rPr>
+              <a:t>branches-ignore: master</a:t>
+            </a:r>
+            <a:endParaRPr b="0" lang="en-IN" sz="1000" spc="-1" strike="noStrike">
+              <a:latin typeface="Arial"/>
+            </a:endParaRPr>
+          </a:p>
+          <a:p>
+            <a:r>
+              <a:rPr b="0" lang="en-IN" sz="1000" spc="-1" strike="noStrike">
+                <a:latin typeface="Arial"/>
+              </a:rPr>
+              <a:t>jobs:</a:t>
+            </a:r>
+            <a:endParaRPr b="0" lang="en-IN" sz="1000" spc="-1" strike="noStrike">
+              <a:latin typeface="Arial"/>
+            </a:endParaRPr>
+          </a:p>
+          <a:p>
+            <a:r>
+              <a:rPr b="0" lang="en-IN" sz="1000" spc="-1" strike="noStrike">
+                <a:latin typeface="Arial"/>
+              </a:rPr>
+              <a:t>pull-request:</a:t>
+            </a:r>
+            <a:endParaRPr b="0" lang="en-IN" sz="1000" spc="-1" strike="noStrike">
+              <a:latin typeface="Arial"/>
+            </a:endParaRPr>
+          </a:p>
+          <a:p>
+            <a:r>
+              <a:rPr b="0" lang="en-IN" sz="1000" spc="-1" strike="noStrike">
+                <a:latin typeface="Arial"/>
+              </a:rPr>
+              <a:t>name: Open PR to master</a:t>
+            </a:r>
+            <a:endParaRPr b="0" lang="en-IN" sz="1000" spc="-1" strike="noStrike">
+              <a:latin typeface="Arial"/>
+            </a:endParaRPr>
+          </a:p>
+          <a:p>
+            <a:r>
+              <a:rPr b="0" lang="en-IN" sz="1000" spc="-1" strike="noStrike">
+                <a:latin typeface="Arial"/>
+              </a:rPr>
+              <a:t>runs-on: ubuntu-latest</a:t>
+            </a:r>
+            <a:endParaRPr b="0" lang="en-IN" sz="1000" spc="-1" strike="noStrike">
+              <a:latin typeface="Arial"/>
+            </a:endParaRPr>
+          </a:p>
+          <a:p>
+            <a:r>
+              <a:rPr b="0" lang="en-IN" sz="1000" spc="-1" strike="noStrike">
+                <a:latin typeface="Arial"/>
+              </a:rPr>
+              <a:t>steps:</a:t>
+            </a:r>
+            <a:endParaRPr b="0" lang="en-IN" sz="1000" spc="-1" strike="noStrike">
+              <a:latin typeface="Arial"/>
+            </a:endParaRPr>
+          </a:p>
+          <a:p>
+            <a:r>
+              <a:rPr b="0" lang="en-IN" sz="1000" spc="-1" strike="noStrike">
+                <a:latin typeface="Arial"/>
+              </a:rPr>
+              <a:t>- uses: actions/checkout@v2</a:t>
+            </a:r>
+            <a:endParaRPr b="0" lang="en-IN" sz="1000" spc="-1" strike="noStrike">
+              <a:latin typeface="Arial"/>
+            </a:endParaRPr>
+          </a:p>
+          <a:p>
+            <a:r>
+              <a:rPr b="0" lang="en-IN" sz="1000" spc="-1" strike="noStrike">
+                <a:latin typeface="Arial"/>
+              </a:rPr>
+              <a:t>name: checkout</a:t>
+            </a:r>
+            <a:endParaRPr b="0" lang="en-IN" sz="1000" spc="-1" strike="noStrike">
+              <a:latin typeface="Arial"/>
+            </a:endParaRPr>
+          </a:p>
+          <a:p>
+            <a:r>
+              <a:rPr b="0" lang="en-IN" sz="1000" spc="-1" strike="noStrike">
+                <a:latin typeface="Arial"/>
+              </a:rPr>
+              <a:t>- uses: repo-sync/pull-request@v2</a:t>
+            </a:r>
+            <a:endParaRPr b="0" lang="en-IN" sz="1000" spc="-1" strike="noStrike">
+              <a:latin typeface="Arial"/>
+            </a:endParaRPr>
+          </a:p>
+          <a:p>
+            <a:r>
+              <a:rPr b="0" lang="en-IN" sz="1000" spc="-1" strike="noStrike">
+                <a:latin typeface="Arial"/>
+              </a:rPr>
+              <a:t>name: pull-request</a:t>
+            </a:r>
+            <a:endParaRPr b="0" lang="en-IN" sz="1000" spc="-1" strike="noStrike">
+              <a:latin typeface="Arial"/>
+            </a:endParaRPr>
+          </a:p>
+          <a:p>
+            <a:r>
+              <a:rPr b="0" lang="en-IN" sz="1000" spc="-1" strike="noStrike">
+                <a:latin typeface="Arial"/>
+              </a:rPr>
+              <a:t>with:</a:t>
+            </a:r>
+            <a:endParaRPr b="0" lang="en-IN" sz="1000" spc="-1" strike="noStrike">
+              <a:latin typeface="Arial"/>
+            </a:endParaRPr>
+          </a:p>
+          <a:p>
+            <a:r>
+              <a:rPr b="0" lang="en-IN" sz="1000" spc="-1" strike="noStrike">
+                <a:latin typeface="Arial"/>
+              </a:rPr>
+              <a:t>destination_branch: "master"</a:t>
+            </a:r>
+            <a:endParaRPr b="0" lang="en-IN" sz="1000" spc="-1" strike="noStrike">
+              <a:latin typeface="Arial"/>
+            </a:endParaRPr>
+          </a:p>
+          <a:p>
+            <a:r>
+              <a:rPr b="0" lang="en-IN" sz="1000" spc="-1" strike="noStrike">
+                <a:latin typeface="Arial"/>
+              </a:rPr>
+              <a:t>pr_title: "Pulling ${{ github.ref }} into master"</a:t>
+            </a:r>
+            <a:endParaRPr b="0" lang="en-IN" sz="1000" spc="-1" strike="noStrike">
+              <a:latin typeface="Arial"/>
+            </a:endParaRPr>
+          </a:p>
+          <a:p>
+            <a:r>
+              <a:rPr b="0" lang="en-IN" sz="1000" spc="-1" strike="noStrike">
+                <a:latin typeface="Arial"/>
+              </a:rPr>
+              <a:t>pr_body: "👑 *An automated PR*"</a:t>
+            </a:r>
+            <a:endParaRPr b="0" lang="en-IN" sz="1000" spc="-1" strike="noStrike">
+              <a:latin typeface="Arial"/>
+            </a:endParaRPr>
+          </a:p>
+          <a:p>
+            <a:r>
+              <a:rPr b="0" lang="en-IN" sz="1000" spc="-1" strike="noStrike">
+                <a:latin typeface="Arial"/>
+              </a:rPr>
+              <a:t>pr_draft: true</a:t>
+            </a:r>
+            <a:endParaRPr b="0" lang="en-IN" sz="1000" spc="-1" strike="noStrike">
+              <a:latin typeface="Arial"/>
+            </a:endParaRPr>
+          </a:p>
+          <a:p>
+            <a:r>
+              <a:rPr b="0" lang="en-IN" sz="1000" spc="-1" strike="noStrike">
+                <a:latin typeface="Arial"/>
+              </a:rPr>
+              <a:t>github_token: ${{ secrets.GITHUB_TOKEN }}</a:t>
+            </a:r>
+            <a:endParaRPr b="0" lang="en-IN" sz="1000" spc="-1" strike="noStrike">
+              <a:latin typeface="Arial"/>
+            </a:endParaRPr>
+          </a:p>
+          <a:p>
+            <a:endParaRPr b="0" lang="en-IN" sz="1000" spc="-1" strike="noStrike">
+              <a:latin typeface="Arial"/>
+            </a:endParaRPr>
+          </a:p>
+        </p:txBody>
+      </p:sp>
+    </p:spTree>
+  </p:cSld>
+  <mc:AlternateContent>
+    <mc:Choice Requires="p14">
+      <p:transition spd="slow" p14:dur="2000"/>
+    </mc:Choice>
+    <mc:Fallback>
+      <p:transition spd="slow"/>
+    </mc:Fallback>
+  </mc:AlternateContent>
+</p:sld>
+</file>
+
+<file path=ppt/slides/slide7.xml><?xml version="1.0" encoding="utf-8"?>
+<p:sld xmlns:a="http://schemas.openxmlformats.org/drawingml/2006/main" xmlns:p="http://schemas.openxmlformats.org/presentationml/2006/main" xmlns:r="http://schemas.openxmlformats.org/officeDocument/2006/relationships" xmlns:p14="http://schemas.microsoft.com/office/powerpoint/2010/main" xmlns:p15="http://schemas.microsoft.com/office/powerpoint/2012/main" xmlns:mc="http://schemas.openxmlformats.org/markup-compatibility/2006">
+  <p:cSld>
+    <p:spTree>
+      <p:nvGrpSpPr>
+        <p:cNvPr id="1" name=""/>
+        <p:cNvGrpSpPr/>
+        <p:nvPr/>
+      </p:nvGrpSpPr>
+      <p:grpSpPr>
+        <a:xfrm>
+          <a:off x="0" y="0"/>
+          <a:ext cx="0" cy="0"/>
+          <a:chOff x="0" y="0"/>
+          <a:chExt cx="0" cy="0"/>
+        </a:xfrm>
+      </p:grpSpPr>
+      <p:sp>
+        <p:nvSpPr>
+          <p:cNvPr id="48" name=""/>
+          <p:cNvSpPr txBox="1"/>
+          <p:nvPr/>
+        </p:nvSpPr>
+        <p:spPr>
+          <a:xfrm>
+            <a:off x="4432320" y="3280680"/>
+            <a:ext cx="1284120" cy="346680"/>
+          </a:xfrm>
+          <a:prstGeom prst="rect">
+            <a:avLst/>
+          </a:prstGeom>
+          <a:noFill/>
+          <a:ln w="0">
+            <a:noFill/>
+          </a:ln>
+        </p:spPr>
+        <p:txBody>
+          <a:bodyPr lIns="90000" rIns="90000" tIns="45000" bIns="45000" anchor="t">
+            <a:noAutofit/>
+          </a:bodyPr>
+          <a:p>
+            <a:r>
+              <a:rPr b="0" lang="en-IN" sz="1800" spc="-1" strike="noStrike">
+                <a:latin typeface="Arial"/>
+              </a:rPr>
+              <a:t>testaction4</a:t>
             </a:r>
             <a:endParaRPr b="0" lang="en-IN" sz="1800" spc="-1" strike="noStrike">
               <a:latin typeface="Arial"/>

--- a/presentation.pptx
+++ b/presentation.pptx
@@ -9,6 +9,10 @@
     <p:sldId id="257" r:id="rId4"/>
     <p:sldId id="258" r:id="rId5"/>
     <p:sldId id="259" r:id="rId6"/>
+    <p:sldId id="260" r:id="rId7"/>
+    <p:sldId id="261" r:id="rId8"/>
+    <p:sldId id="262" r:id="rId9"/>
+    <p:sldId id="263" r:id="rId10"/>
   </p:sldIdLst>
   <p:sldSz cx="10080625" cy="7559675"/>
   <p:notesSz cx="7559675" cy="10691813"/>
@@ -1614,7 +1618,25 @@
               <a:rPr b="0" lang="en-IN" sz="4400" spc="-1" strike="noStrike">
                 <a:latin typeface="Arial"/>
               </a:rPr>
-              <a:t>Click to edit the title text format</a:t>
+              <a:t>Click to </a:t>
+            </a:r>
+            <a:r>
+              <a:rPr b="0" lang="en-IN" sz="4400" spc="-1" strike="noStrike">
+                <a:latin typeface="Arial"/>
+              </a:rPr>
+              <a:t>edit the </a:t>
+            </a:r>
+            <a:r>
+              <a:rPr b="0" lang="en-IN" sz="4400" spc="-1" strike="noStrike">
+                <a:latin typeface="Arial"/>
+              </a:rPr>
+              <a:t>title text </a:t>
+            </a:r>
+            <a:r>
+              <a:rPr b="0" lang="en-IN" sz="4400" spc="-1" strike="noStrike">
+                <a:latin typeface="Arial"/>
+              </a:rPr>
+              <a:t>format</a:t>
             </a:r>
             <a:endParaRPr b="0" lang="en-IN" sz="4400" spc="-1" strike="noStrike">
               <a:latin typeface="Arial"/>
@@ -2924,6 +2946,473 @@
                 <a:latin typeface="Arial"/>
               </a:rPr>
               <a:t>presentation.pptx</a:t>
+            </a:r>
+            <a:endParaRPr b="0" lang="en-IN" sz="1800" spc="-1" strike="noStrike">
+              <a:latin typeface="Arial"/>
+            </a:endParaRPr>
+          </a:p>
+        </p:txBody>
+      </p:sp>
+    </p:spTree>
+  </p:cSld>
+  <mc:AlternateContent>
+    <mc:Choice Requires="p14">
+      <p:transition spd="slow" p14:dur="2000"/>
+    </mc:Choice>
+    <mc:Fallback>
+      <p:transition spd="slow"/>
+    </mc:Fallback>
+  </mc:AlternateContent>
+</p:sld>
+</file>
+
+<file path=ppt/slides/slide5.xml><?xml version="1.0" encoding="utf-8"?>
+<p:sld xmlns:a="http://schemas.openxmlformats.org/drawingml/2006/main" xmlns:p="http://schemas.openxmlformats.org/presentationml/2006/main" xmlns:r="http://schemas.openxmlformats.org/officeDocument/2006/relationships" xmlns:p14="http://schemas.microsoft.com/office/powerpoint/2010/main" xmlns:p15="http://schemas.microsoft.com/office/powerpoint/2012/main" xmlns:mc="http://schemas.openxmlformats.org/markup-compatibility/2006">
+  <p:cSld>
+    <p:spTree>
+      <p:nvGrpSpPr>
+        <p:cNvPr id="1" name=""/>
+        <p:cNvGrpSpPr/>
+        <p:nvPr/>
+      </p:nvGrpSpPr>
+      <p:grpSpPr>
+        <a:xfrm>
+          <a:off x="0" y="0"/>
+          <a:ext cx="0" cy="0"/>
+          <a:chOff x="0" y="0"/>
+          <a:chExt cx="0" cy="0"/>
+        </a:xfrm>
+      </p:grpSpPr>
+      <p:sp>
+        <p:nvSpPr>
+          <p:cNvPr id="46" name=""/>
+          <p:cNvSpPr txBox="1"/>
+          <p:nvPr/>
+        </p:nvSpPr>
+        <p:spPr>
+          <a:xfrm>
+            <a:off x="4432320" y="3280680"/>
+            <a:ext cx="1284120" cy="346680"/>
+          </a:xfrm>
+          <a:prstGeom prst="rect">
+            <a:avLst/>
+          </a:prstGeom>
+          <a:noFill/>
+          <a:ln w="0">
+            <a:noFill/>
+          </a:ln>
+        </p:spPr>
+        <p:txBody>
+          <a:bodyPr lIns="90000" rIns="90000" tIns="45000" bIns="45000" anchor="t">
+            <a:noAutofit/>
+          </a:bodyPr>
+          <a:p>
+            <a:r>
+              <a:rPr b="0" lang="en-IN" sz="1800" spc="-1" strike="noStrike">
+                <a:latin typeface="Arial"/>
+              </a:rPr>
+              <a:t>testaction2</a:t>
+            </a:r>
+            <a:endParaRPr b="0" lang="en-IN" sz="1800" spc="-1" strike="noStrike">
+              <a:latin typeface="Arial"/>
+            </a:endParaRPr>
+          </a:p>
+        </p:txBody>
+      </p:sp>
+    </p:spTree>
+  </p:cSld>
+  <mc:AlternateContent>
+    <mc:Choice Requires="p14">
+      <p:transition spd="slow" p14:dur="2000"/>
+    </mc:Choice>
+    <mc:Fallback>
+      <p:transition spd="slow"/>
+    </mc:Fallback>
+  </mc:AlternateContent>
+</p:sld>
+</file>
+
+<file path=ppt/slides/slide6.xml><?xml version="1.0" encoding="utf-8"?>
+<p:sld xmlns:a="http://schemas.openxmlformats.org/drawingml/2006/main" xmlns:p="http://schemas.openxmlformats.org/presentationml/2006/main" xmlns:r="http://schemas.openxmlformats.org/officeDocument/2006/relationships" xmlns:p14="http://schemas.microsoft.com/office/powerpoint/2010/main" xmlns:p15="http://schemas.microsoft.com/office/powerpoint/2012/main" xmlns:mc="http://schemas.openxmlformats.org/markup-compatibility/2006">
+  <p:cSld>
+    <p:spTree>
+      <p:nvGrpSpPr>
+        <p:cNvPr id="1" name=""/>
+        <p:cNvGrpSpPr/>
+        <p:nvPr/>
+      </p:nvGrpSpPr>
+      <p:grpSpPr>
+        <a:xfrm>
+          <a:off x="0" y="0"/>
+          <a:ext cx="0" cy="0"/>
+          <a:chOff x="0" y="0"/>
+          <a:chExt cx="0" cy="0"/>
+        </a:xfrm>
+      </p:grpSpPr>
+      <p:sp>
+        <p:nvSpPr>
+          <p:cNvPr id="47" name=""/>
+          <p:cNvSpPr txBox="1"/>
+          <p:nvPr/>
+        </p:nvSpPr>
+        <p:spPr>
+          <a:xfrm>
+            <a:off x="3719160" y="-643320"/>
+            <a:ext cx="2710440" cy="8194320"/>
+          </a:xfrm>
+          <a:prstGeom prst="rect">
+            <a:avLst/>
+          </a:prstGeom>
+          <a:noFill/>
+          <a:ln w="0">
+            <a:noFill/>
+          </a:ln>
+        </p:spPr>
+        <p:txBody>
+          <a:bodyPr lIns="90000" rIns="90000" tIns="45000" bIns="45000" anchor="t">
+            <a:noAutofit/>
+          </a:bodyPr>
+          <a:p>
+            <a:r>
+              <a:rPr b="0" lang="en-IN" sz="1000" spc="-1" strike="noStrike">
+                <a:latin typeface="Arial"/>
+              </a:rPr>
+              <a:t>name: Run the Action on each commit</a:t>
+            </a:r>
+            <a:endParaRPr b="0" lang="en-IN" sz="1000" spc="-1" strike="noStrike">
+              <a:latin typeface="Arial"/>
+            </a:endParaRPr>
+          </a:p>
+          <a:p>
+            <a:r>
+              <a:rPr b="0" lang="en-IN" sz="1000" spc="-1" strike="noStrike">
+                <a:latin typeface="Arial"/>
+              </a:rPr>
+              <a:t>on:</a:t>
+            </a:r>
+            <a:endParaRPr b="0" lang="en-IN" sz="1000" spc="-1" strike="noStrike">
+              <a:latin typeface="Arial"/>
+            </a:endParaRPr>
+          </a:p>
+          <a:p>
+            <a:r>
+              <a:rPr b="0" lang="en-IN" sz="1000" spc="-1" strike="noStrike">
+                <a:latin typeface="Arial"/>
+              </a:rPr>
+              <a:t>push:</a:t>
+            </a:r>
+            <a:endParaRPr b="0" lang="en-IN" sz="1000" spc="-1" strike="noStrike">
+              <a:latin typeface="Arial"/>
+            </a:endParaRPr>
+          </a:p>
+          <a:p>
+            <a:r>
+              <a:rPr b="0" lang="en-IN" sz="1000" spc="-1" strike="noStrike">
+                <a:latin typeface="Arial"/>
+              </a:rPr>
+              <a:t>branches-ignore: master</a:t>
+            </a:r>
+            <a:endParaRPr b="0" lang="en-IN" sz="1000" spc="-1" strike="noStrike">
+              <a:latin typeface="Arial"/>
+            </a:endParaRPr>
+          </a:p>
+          <a:p>
+            <a:r>
+              <a:rPr b="0" lang="en-IN" sz="1000" spc="-1" strike="noStrike">
+                <a:latin typeface="Arial"/>
+              </a:rPr>
+              <a:t>jobs:</a:t>
+            </a:r>
+            <a:endParaRPr b="0" lang="en-IN" sz="1000" spc="-1" strike="noStrike">
+              <a:latin typeface="Arial"/>
+            </a:endParaRPr>
+          </a:p>
+          <a:p>
+            <a:r>
+              <a:rPr b="0" lang="en-IN" sz="1000" spc="-1" strike="noStrike">
+                <a:latin typeface="Arial"/>
+              </a:rPr>
+              <a:t>pull-request:</a:t>
+            </a:r>
+            <a:endParaRPr b="0" lang="en-IN" sz="1000" spc="-1" strike="noStrike">
+              <a:latin typeface="Arial"/>
+            </a:endParaRPr>
+          </a:p>
+          <a:p>
+            <a:r>
+              <a:rPr b="0" lang="en-IN" sz="1000" spc="-1" strike="noStrike">
+                <a:latin typeface="Arial"/>
+              </a:rPr>
+              <a:t>name: Open PR to master</a:t>
+            </a:r>
+            <a:endParaRPr b="0" lang="en-IN" sz="1000" spc="-1" strike="noStrike">
+              <a:latin typeface="Arial"/>
+            </a:endParaRPr>
+          </a:p>
+          <a:p>
+            <a:r>
+              <a:rPr b="0" lang="en-IN" sz="1000" spc="-1" strike="noStrike">
+                <a:latin typeface="Arial"/>
+              </a:rPr>
+              <a:t>runs-on: ubuntu-latest</a:t>
+            </a:r>
+            <a:endParaRPr b="0" lang="en-IN" sz="1000" spc="-1" strike="noStrike">
+              <a:latin typeface="Arial"/>
+            </a:endParaRPr>
+          </a:p>
+          <a:p>
+            <a:r>
+              <a:rPr b="0" lang="en-IN" sz="1000" spc="-1" strike="noStrike">
+                <a:latin typeface="Arial"/>
+              </a:rPr>
+              <a:t>steps:</a:t>
+            </a:r>
+            <a:endParaRPr b="0" lang="en-IN" sz="1000" spc="-1" strike="noStrike">
+              <a:latin typeface="Arial"/>
+            </a:endParaRPr>
+          </a:p>
+          <a:p>
+            <a:r>
+              <a:rPr b="0" lang="en-IN" sz="1000" spc="-1" strike="noStrike">
+                <a:latin typeface="Arial"/>
+              </a:rPr>
+              <a:t>- uses: actions/checkout@v2</a:t>
+            </a:r>
+            <a:endParaRPr b="0" lang="en-IN" sz="1000" spc="-1" strike="noStrike">
+              <a:latin typeface="Arial"/>
+            </a:endParaRPr>
+          </a:p>
+          <a:p>
+            <a:r>
+              <a:rPr b="0" lang="en-IN" sz="1000" spc="-1" strike="noStrike">
+                <a:latin typeface="Arial"/>
+              </a:rPr>
+              <a:t>name: checkout</a:t>
+            </a:r>
+            <a:endParaRPr b="0" lang="en-IN" sz="1000" spc="-1" strike="noStrike">
+              <a:latin typeface="Arial"/>
+            </a:endParaRPr>
+          </a:p>
+          <a:p>
+            <a:r>
+              <a:rPr b="0" lang="en-IN" sz="1000" spc="-1" strike="noStrike">
+                <a:latin typeface="Arial"/>
+              </a:rPr>
+              <a:t>- uses: repo-sync/pull-request@v2</a:t>
+            </a:r>
+            <a:endParaRPr b="0" lang="en-IN" sz="1000" spc="-1" strike="noStrike">
+              <a:latin typeface="Arial"/>
+            </a:endParaRPr>
+          </a:p>
+          <a:p>
+            <a:r>
+              <a:rPr b="0" lang="en-IN" sz="1000" spc="-1" strike="noStrike">
+                <a:latin typeface="Arial"/>
+              </a:rPr>
+              <a:t>name: pull-request</a:t>
+            </a:r>
+            <a:endParaRPr b="0" lang="en-IN" sz="1000" spc="-1" strike="noStrike">
+              <a:latin typeface="Arial"/>
+            </a:endParaRPr>
+          </a:p>
+          <a:p>
+            <a:r>
+              <a:rPr b="0" lang="en-IN" sz="1000" spc="-1" strike="noStrike">
+                <a:latin typeface="Arial"/>
+              </a:rPr>
+              <a:t>with:</a:t>
+            </a:r>
+            <a:endParaRPr b="0" lang="en-IN" sz="1000" spc="-1" strike="noStrike">
+              <a:latin typeface="Arial"/>
+            </a:endParaRPr>
+          </a:p>
+          <a:p>
+            <a:r>
+              <a:rPr b="0" lang="en-IN" sz="1000" spc="-1" strike="noStrike">
+                <a:latin typeface="Arial"/>
+              </a:rPr>
+              <a:t>destination_branch: "master"</a:t>
+            </a:r>
+            <a:endParaRPr b="0" lang="en-IN" sz="1000" spc="-1" strike="noStrike">
+              <a:latin typeface="Arial"/>
+            </a:endParaRPr>
+          </a:p>
+          <a:p>
+            <a:r>
+              <a:rPr b="0" lang="en-IN" sz="1000" spc="-1" strike="noStrike">
+                <a:latin typeface="Arial"/>
+              </a:rPr>
+              <a:t>pr_title: "Pulling ${{ github.ref }} into master"</a:t>
+            </a:r>
+            <a:endParaRPr b="0" lang="en-IN" sz="1000" spc="-1" strike="noStrike">
+              <a:latin typeface="Arial"/>
+            </a:endParaRPr>
+          </a:p>
+          <a:p>
+            <a:r>
+              <a:rPr b="0" lang="en-IN" sz="1000" spc="-1" strike="noStrike">
+                <a:latin typeface="Arial"/>
+              </a:rPr>
+              <a:t>pr_body: "👑 *An automated PR*"</a:t>
+            </a:r>
+            <a:endParaRPr b="0" lang="en-IN" sz="1000" spc="-1" strike="noStrike">
+              <a:latin typeface="Arial"/>
+            </a:endParaRPr>
+          </a:p>
+          <a:p>
+            <a:r>
+              <a:rPr b="0" lang="en-IN" sz="1000" spc="-1" strike="noStrike">
+                <a:latin typeface="Arial"/>
+              </a:rPr>
+              <a:t>pr_draft: true</a:t>
+            </a:r>
+            <a:endParaRPr b="0" lang="en-IN" sz="1000" spc="-1" strike="noStrike">
+              <a:latin typeface="Arial"/>
+            </a:endParaRPr>
+          </a:p>
+          <a:p>
+            <a:r>
+              <a:rPr b="0" lang="en-IN" sz="1000" spc="-1" strike="noStrike">
+                <a:latin typeface="Arial"/>
+              </a:rPr>
+              <a:t>github_token: ${{ secrets.GITHUB_TOKEN }}</a:t>
+            </a:r>
+            <a:endParaRPr b="0" lang="en-IN" sz="1000" spc="-1" strike="noStrike">
+              <a:latin typeface="Arial"/>
+            </a:endParaRPr>
+          </a:p>
+          <a:p>
+            <a:endParaRPr b="0" lang="en-IN" sz="1000" spc="-1" strike="noStrike">
+              <a:latin typeface="Arial"/>
+            </a:endParaRPr>
+          </a:p>
+        </p:txBody>
+      </p:sp>
+    </p:spTree>
+  </p:cSld>
+  <mc:AlternateContent>
+    <mc:Choice Requires="p14">
+      <p:transition spd="slow" p14:dur="2000"/>
+    </mc:Choice>
+    <mc:Fallback>
+      <p:transition spd="slow"/>
+    </mc:Fallback>
+  </mc:AlternateContent>
+</p:sld>
+</file>
+
+<file path=ppt/slides/slide7.xml><?xml version="1.0" encoding="utf-8"?>
+<p:sld xmlns:a="http://schemas.openxmlformats.org/drawingml/2006/main" xmlns:p="http://schemas.openxmlformats.org/presentationml/2006/main" xmlns:r="http://schemas.openxmlformats.org/officeDocument/2006/relationships" xmlns:p14="http://schemas.microsoft.com/office/powerpoint/2010/main" xmlns:p15="http://schemas.microsoft.com/office/powerpoint/2012/main" xmlns:mc="http://schemas.openxmlformats.org/markup-compatibility/2006">
+  <p:cSld>
+    <p:spTree>
+      <p:nvGrpSpPr>
+        <p:cNvPr id="1" name=""/>
+        <p:cNvGrpSpPr/>
+        <p:nvPr/>
+      </p:nvGrpSpPr>
+      <p:grpSpPr>
+        <a:xfrm>
+          <a:off x="0" y="0"/>
+          <a:ext cx="0" cy="0"/>
+          <a:chOff x="0" y="0"/>
+          <a:chExt cx="0" cy="0"/>
+        </a:xfrm>
+      </p:grpSpPr>
+      <p:sp>
+        <p:nvSpPr>
+          <p:cNvPr id="48" name=""/>
+          <p:cNvSpPr txBox="1"/>
+          <p:nvPr/>
+        </p:nvSpPr>
+        <p:spPr>
+          <a:xfrm>
+            <a:off x="4432320" y="3280680"/>
+            <a:ext cx="1284120" cy="346680"/>
+          </a:xfrm>
+          <a:prstGeom prst="rect">
+            <a:avLst/>
+          </a:prstGeom>
+          <a:noFill/>
+          <a:ln w="0">
+            <a:noFill/>
+          </a:ln>
+        </p:spPr>
+        <p:txBody>
+          <a:bodyPr lIns="90000" rIns="90000" tIns="45000" bIns="45000" anchor="t">
+            <a:noAutofit/>
+          </a:bodyPr>
+          <a:p>
+            <a:r>
+              <a:rPr b="0" lang="en-IN" sz="1800" spc="-1" strike="noStrike">
+                <a:latin typeface="Arial"/>
+              </a:rPr>
+              <a:t>testaction4</a:t>
+            </a:r>
+            <a:endParaRPr b="0" lang="en-IN" sz="1800" spc="-1" strike="noStrike">
+              <a:latin typeface="Arial"/>
+            </a:endParaRPr>
+          </a:p>
+        </p:txBody>
+      </p:sp>
+    </p:spTree>
+  </p:cSld>
+  <mc:AlternateContent>
+    <mc:Choice Requires="p14">
+      <p:transition spd="slow" p14:dur="2000"/>
+    </mc:Choice>
+    <mc:Fallback>
+      <p:transition spd="slow"/>
+    </mc:Fallback>
+  </mc:AlternateContent>
+</p:sld>
+</file>
+
+<file path=ppt/slides/slide8.xml><?xml version="1.0" encoding="utf-8"?>
+<p:sld xmlns:a="http://schemas.openxmlformats.org/drawingml/2006/main" xmlns:p="http://schemas.openxmlformats.org/presentationml/2006/main" xmlns:r="http://schemas.openxmlformats.org/officeDocument/2006/relationships" xmlns:p14="http://schemas.microsoft.com/office/powerpoint/2010/main" xmlns:p15="http://schemas.microsoft.com/office/powerpoint/2012/main" xmlns:mc="http://schemas.openxmlformats.org/markup-compatibility/2006">
+  <p:cSld>
+    <p:spTree>
+      <p:nvGrpSpPr>
+        <p:cNvPr id="1" name=""/>
+        <p:cNvGrpSpPr/>
+        <p:nvPr/>
+      </p:nvGrpSpPr>
+      <p:grpSpPr>
+        <a:xfrm>
+          <a:off x="0" y="0"/>
+          <a:ext cx="0" cy="0"/>
+          <a:chOff x="0" y="0"/>
+          <a:chExt cx="0" cy="0"/>
+        </a:xfrm>
+      </p:grpSpPr>
+      <p:sp>
+        <p:nvSpPr>
+          <p:cNvPr id="49" name=""/>
+          <p:cNvSpPr txBox="1"/>
+          <p:nvPr/>
+        </p:nvSpPr>
+        <p:spPr>
+          <a:xfrm>
+            <a:off x="4432320" y="3280680"/>
+            <a:ext cx="1284120" cy="346680"/>
+          </a:xfrm>
+          <a:prstGeom prst="rect">
+            <a:avLst/>
+          </a:prstGeom>
+          <a:noFill/>
+          <a:ln w="0">
+            <a:noFill/>
+          </a:ln>
+        </p:spPr>
+        <p:txBody>
+          <a:bodyPr lIns="90000" rIns="90000" tIns="45000" bIns="45000" anchor="t">
+            <a:noAutofit/>
+          </a:bodyPr>
+          <a:p>
+            <a:r>
+              <a:rPr b="0" lang="en-IN" sz="1800" spc="-1" strike="noStrike">
+                <a:latin typeface="Arial"/>
+              </a:rPr>
+              <a:t>testaction5</a:t>
             </a:r>
             <a:endParaRPr b="0" lang="en-IN" sz="1800" spc="-1" strike="noStrike">
               <a:latin typeface="Arial"/>

--- a/presentation.pptx
+++ b/presentation.pptx
@@ -12,7 +12,6 @@
     <p:sldId id="260" r:id="rId7"/>
     <p:sldId id="261" r:id="rId8"/>
     <p:sldId id="262" r:id="rId9"/>
-    <p:sldId id="263" r:id="rId10"/>
   </p:sldIdLst>
   <p:sldSz cx="10080625" cy="7559675"/>
   <p:notesSz cx="7559675" cy="10691813"/>
@@ -1618,25 +1617,7 @@
               <a:rPr b="0" lang="en-IN" sz="4400" spc="-1" strike="noStrike">
                 <a:latin typeface="Arial"/>
               </a:rPr>
-              <a:t>Click to </a:t>
-            </a:r>
-            <a:r>
-              <a:rPr b="0" lang="en-IN" sz="4400" spc="-1" strike="noStrike">
-                <a:latin typeface="Arial"/>
-              </a:rPr>
-              <a:t>edit the </a:t>
-            </a:r>
-            <a:r>
-              <a:rPr b="0" lang="en-IN" sz="4400" spc="-1" strike="noStrike">
-                <a:latin typeface="Arial"/>
-              </a:rPr>
-              <a:t>title text </a:t>
-            </a:r>
-            <a:r>
-              <a:rPr b="0" lang="en-IN" sz="4400" spc="-1" strike="noStrike">
-                <a:latin typeface="Arial"/>
-              </a:rPr>
-              <a:t>format</a:t>
+              <a:t>Click to edit the title text format</a:t>
             </a:r>
             <a:endParaRPr b="0" lang="en-IN" sz="4400" spc="-1" strike="noStrike">
               <a:latin typeface="Arial"/>
@@ -3347,72 +3328,6 @@
                 <a:latin typeface="Arial"/>
               </a:rPr>
               <a:t>testaction4</a:t>
-            </a:r>
-            <a:endParaRPr b="0" lang="en-IN" sz="1800" spc="-1" strike="noStrike">
-              <a:latin typeface="Arial"/>
-            </a:endParaRPr>
-          </a:p>
-        </p:txBody>
-      </p:sp>
-    </p:spTree>
-  </p:cSld>
-  <mc:AlternateContent>
-    <mc:Choice Requires="p14">
-      <p:transition spd="slow" p14:dur="2000"/>
-    </mc:Choice>
-    <mc:Fallback>
-      <p:transition spd="slow"/>
-    </mc:Fallback>
-  </mc:AlternateContent>
-</p:sld>
-</file>
-
-<file path=ppt/slides/slide8.xml><?xml version="1.0" encoding="utf-8"?>
-<p:sld xmlns:a="http://schemas.openxmlformats.org/drawingml/2006/main" xmlns:p="http://schemas.openxmlformats.org/presentationml/2006/main" xmlns:r="http://schemas.openxmlformats.org/officeDocument/2006/relationships" xmlns:p14="http://schemas.microsoft.com/office/powerpoint/2010/main" xmlns:p15="http://schemas.microsoft.com/office/powerpoint/2012/main" xmlns:mc="http://schemas.openxmlformats.org/markup-compatibility/2006">
-  <p:cSld>
-    <p:spTree>
-      <p:nvGrpSpPr>
-        <p:cNvPr id="1" name=""/>
-        <p:cNvGrpSpPr/>
-        <p:nvPr/>
-      </p:nvGrpSpPr>
-      <p:grpSpPr>
-        <a:xfrm>
-          <a:off x="0" y="0"/>
-          <a:ext cx="0" cy="0"/>
-          <a:chOff x="0" y="0"/>
-          <a:chExt cx="0" cy="0"/>
-        </a:xfrm>
-      </p:grpSpPr>
-      <p:sp>
-        <p:nvSpPr>
-          <p:cNvPr id="49" name=""/>
-          <p:cNvSpPr txBox="1"/>
-          <p:nvPr/>
-        </p:nvSpPr>
-        <p:spPr>
-          <a:xfrm>
-            <a:off x="4432320" y="3280680"/>
-            <a:ext cx="1284120" cy="346680"/>
-          </a:xfrm>
-          <a:prstGeom prst="rect">
-            <a:avLst/>
-          </a:prstGeom>
-          <a:noFill/>
-          <a:ln w="0">
-            <a:noFill/>
-          </a:ln>
-        </p:spPr>
-        <p:txBody>
-          <a:bodyPr lIns="90000" rIns="90000" tIns="45000" bIns="45000" anchor="t">
-            <a:noAutofit/>
-          </a:bodyPr>
-          <a:p>
-            <a:r>
-              <a:rPr b="0" lang="en-IN" sz="1800" spc="-1" strike="noStrike">
-                <a:latin typeface="Arial"/>
-              </a:rPr>
-              <a:t>testaction5</a:t>
             </a:r>
             <a:endParaRPr b="0" lang="en-IN" sz="1800" spc="-1" strike="noStrike">
               <a:latin typeface="Arial"/>
